--- a/DOCS/Literature_Survey.pptx
+++ b/DOCS/Literature_Survey.pptx
@@ -5,13 +5,14 @@
     <p:sldMasterId id="2147483648" r:id="rId1"/>
   </p:sldMasterIdLst>
   <p:notesMasterIdLst>
-    <p:notesMasterId r:id="rId6"/>
+    <p:notesMasterId r:id="rId7"/>
   </p:notesMasterIdLst>
   <p:sldIdLst>
     <p:sldId id="274" r:id="rId2"/>
     <p:sldId id="275" r:id="rId3"/>
     <p:sldId id="276" r:id="rId4"/>
     <p:sldId id="277" r:id="rId5"/>
+    <p:sldId id="278" r:id="rId6"/>
   </p:sldIdLst>
   <p:sldSz cx="12192000" cy="6858000"/>
   <p:notesSz cx="6858000" cy="9144000"/>
@@ -119,6 +120,7 @@
             <p14:sldId id="275"/>
             <p14:sldId id="276"/>
             <p14:sldId id="277"/>
+            <p14:sldId id="278"/>
           </p14:sldIdLst>
         </p14:section>
       </p14:sectionLst>
@@ -3469,7 +3471,7 @@
           <p:nvPr>
             <p:extLst>
               <p:ext uri="{D42A27DB-BD31-4B8C-83A1-F6EECF244321}">
-                <p14:modId xmlns:p14="http://schemas.microsoft.com/office/powerpoint/2010/main" val="3477625204"/>
+                <p14:modId xmlns:p14="http://schemas.microsoft.com/office/powerpoint/2010/main" val="3706025679"/>
               </p:ext>
             </p:extLst>
           </p:nvPr>
@@ -4061,10 +4063,6 @@
                         </a:rPr>
                         <a:t> </a:t>
                       </a:r>
-                      <a:endParaRPr lang="en-US" sz="1800" dirty="0" smtClean="0">
-                        <a:latin typeface="Times New Roman" panose="02020603050405020304" pitchFamily="18" charset="0"/>
-                        <a:cs typeface="Times New Roman" panose="02020603050405020304" pitchFamily="18" charset="0"/>
-                      </a:endParaRPr>
                     </a:p>
                     <a:p>
                       <a:pPr marL="0" marR="0" lvl="0" indent="0" algn="ctr" defTabSz="914400" rtl="0" eaLnBrk="1" fontAlgn="auto" latinLnBrk="0" hangingPunct="1">
@@ -4112,19 +4110,8 @@
                           <a:latin typeface="Times New Roman" panose="02020603050405020304" pitchFamily="18" charset="0"/>
                           <a:cs typeface="Times New Roman" panose="02020603050405020304" pitchFamily="18" charset="0"/>
                         </a:rPr>
-                        <a:t>A Secure and Decentralized Block-chain Based Messaging </a:t>
-                      </a:r>
-                      <a:r>
-                        <a:rPr lang="en-US" sz="1800" dirty="0" smtClean="0">
-                          <a:latin typeface="Times New Roman" panose="02020603050405020304" pitchFamily="18" charset="0"/>
-                          <a:cs typeface="Times New Roman" panose="02020603050405020304" pitchFamily="18" charset="0"/>
-                        </a:rPr>
-                        <a:t>Network</a:t>
-                      </a:r>
-                      <a:endParaRPr lang="en-US" sz="1800" dirty="0" smtClean="0">
-                        <a:latin typeface="Times New Roman" panose="02020603050405020304" pitchFamily="18" charset="0"/>
-                        <a:cs typeface="Times New Roman" panose="02020603050405020304" pitchFamily="18" charset="0"/>
-                      </a:endParaRPr>
+                        <a:t>A Secure and Decentralized Block-chain Based Messaging Network</a:t>
+                      </a:r>
                     </a:p>
                   </a:txBody>
                   <a:tcPr anchor="ctr">
@@ -4264,11 +4251,17 @@
                     <a:p>
                       <a:pPr algn="ctr"/>
                       <a:r>
-                        <a:rPr lang="en-US" baseline="0" dirty="0" smtClean="0"/>
+                        <a:rPr lang="en-US" baseline="0" dirty="0" smtClean="0">
+                          <a:latin typeface="Times New Roman" panose="02020603050405020304" pitchFamily="18" charset="0"/>
+                          <a:cs typeface="Times New Roman" panose="02020603050405020304" pitchFamily="18" charset="0"/>
+                        </a:rPr>
                         <a:t> </a:t>
                       </a:r>
                       <a:r>
-                        <a:rPr lang="en-US" dirty="0" smtClean="0"/>
+                        <a:rPr lang="en-US" dirty="0" smtClean="0">
+                          <a:latin typeface="Times New Roman" panose="02020603050405020304" pitchFamily="18" charset="0"/>
+                          <a:cs typeface="Times New Roman" panose="02020603050405020304" pitchFamily="18" charset="0"/>
+                        </a:rPr>
                         <a:t>Smart Contract</a:t>
                       </a:r>
                       <a:endParaRPr lang="en-US" dirty="0">
@@ -4327,22 +4320,34 @@
                     <a:p>
                       <a:pPr algn="ctr"/>
                       <a:r>
-                        <a:rPr lang="en-US" dirty="0" smtClean="0"/>
+                        <a:rPr lang="en-US" dirty="0" smtClean="0">
+                          <a:latin typeface="Times New Roman" panose="02020603050405020304" pitchFamily="18" charset="0"/>
+                          <a:cs typeface="Times New Roman" panose="02020603050405020304" pitchFamily="18" charset="0"/>
+                        </a:rPr>
                         <a:t>Decentralized</a:t>
                       </a:r>
                     </a:p>
                     <a:p>
                       <a:pPr algn="ctr"/>
                       <a:r>
-                        <a:rPr lang="en-US" dirty="0" smtClean="0"/>
+                        <a:rPr lang="en-US" dirty="0" smtClean="0">
+                          <a:latin typeface="Times New Roman" panose="02020603050405020304" pitchFamily="18" charset="0"/>
+                          <a:cs typeface="Times New Roman" panose="02020603050405020304" pitchFamily="18" charset="0"/>
+                        </a:rPr>
                         <a:t>Block-chain</a:t>
                       </a:r>
                       <a:r>
-                        <a:rPr lang="en-US" baseline="0" dirty="0" smtClean="0"/>
+                        <a:rPr lang="en-US" baseline="0" dirty="0" smtClean="0">
+                          <a:latin typeface="Times New Roman" panose="02020603050405020304" pitchFamily="18" charset="0"/>
+                          <a:cs typeface="Times New Roman" panose="02020603050405020304" pitchFamily="18" charset="0"/>
+                        </a:rPr>
                         <a:t> </a:t>
                       </a:r>
                       <a:r>
-                        <a:rPr lang="en-US" dirty="0" smtClean="0"/>
+                        <a:rPr lang="en-US" dirty="0" smtClean="0">
+                          <a:latin typeface="Times New Roman" panose="02020603050405020304" pitchFamily="18" charset="0"/>
+                          <a:cs typeface="Times New Roman" panose="02020603050405020304" pitchFamily="18" charset="0"/>
+                        </a:rPr>
                         <a:t>Based Messaging Network</a:t>
                       </a:r>
                       <a:endParaRPr lang="en-US" dirty="0">
@@ -4580,14 +4585,7 @@
                           <a:latin typeface="Times New Roman" panose="02020603050405020304" pitchFamily="18" charset="0"/>
                           <a:cs typeface="Times New Roman" panose="02020603050405020304" pitchFamily="18" charset="0"/>
                         </a:rPr>
-                        <a:t> </a:t>
-                      </a:r>
-                      <a:r>
-                        <a:rPr lang="en-IN" sz="1800" dirty="0" smtClean="0">
-                          <a:latin typeface="Times New Roman" panose="02020603050405020304" pitchFamily="18" charset="0"/>
-                          <a:cs typeface="Times New Roman" panose="02020603050405020304" pitchFamily="18" charset="0"/>
-                        </a:rPr>
-                        <a:t>Sharma.</a:t>
+                        <a:t> Sharma.</a:t>
                       </a:r>
                     </a:p>
                     <a:p>
@@ -4670,9 +4668,9 @@
                             <a:schemeClr val="dk1"/>
                           </a:solidFill>
                           <a:effectLst/>
-                          <a:latin typeface="+mn-lt"/>
+                          <a:latin typeface="Times New Roman" panose="02020603050405020304" pitchFamily="18" charset="0"/>
                           <a:ea typeface="+mn-ea"/>
-                          <a:cs typeface="+mn-cs"/>
+                          <a:cs typeface="Times New Roman" panose="02020603050405020304" pitchFamily="18" charset="0"/>
                         </a:rPr>
                         <a:t> This paper illustrates how dissimilar concerns in an app can add up to the probable for severe vectors adjacent to end-to-end solitude despite their creature several layers of security. </a:t>
                       </a:r>
@@ -4737,9 +4735,9 @@
                             <a:schemeClr val="dk1"/>
                           </a:solidFill>
                           <a:effectLst/>
-                          <a:latin typeface="+mn-lt"/>
+                          <a:latin typeface="Times New Roman" panose="02020603050405020304" pitchFamily="18" charset="0"/>
                           <a:ea typeface="+mn-ea"/>
-                          <a:cs typeface="+mn-cs"/>
+                          <a:cs typeface="Times New Roman" panose="02020603050405020304" pitchFamily="18" charset="0"/>
                         </a:rPr>
                         <a:t> To overcome the app is anticipated in the chats are secured by the dynamic key encryption by md5 algorithm</a:t>
                       </a:r>
@@ -5036,14 +5034,14 @@
           <p:nvPr>
             <p:extLst>
               <p:ext uri="{D42A27DB-BD31-4B8C-83A1-F6EECF244321}">
-                <p14:modId xmlns:p14="http://schemas.microsoft.com/office/powerpoint/2010/main" val="1963285712"/>
+                <p14:modId xmlns:p14="http://schemas.microsoft.com/office/powerpoint/2010/main" val="2454366775"/>
               </p:ext>
             </p:extLst>
           </p:nvPr>
         </p:nvGraphicFramePr>
         <p:xfrm>
-          <a:off x="609600" y="992636"/>
-          <a:ext cx="10972800" cy="5590218"/>
+          <a:off x="609600" y="847934"/>
+          <a:ext cx="10972800" cy="5864538"/>
         </p:xfrm>
         <a:graphic>
           <a:graphicData uri="http://schemas.openxmlformats.org/drawingml/2006/table">
@@ -5850,19 +5848,7 @@
                           <a:ea typeface="+mn-ea"/>
                           <a:cs typeface="Times New Roman" panose="02020603050405020304" pitchFamily="18" charset="0"/>
                         </a:rPr>
-                        <a:t> </a:t>
-                      </a:r>
-                      <a:r>
-                        <a:rPr lang="en-US" sz="1800" b="0" i="0" kern="1200" dirty="0" smtClean="0">
-                          <a:solidFill>
-                            <a:schemeClr val="dk1"/>
-                          </a:solidFill>
-                          <a:effectLst/>
-                          <a:latin typeface="Times New Roman" panose="02020603050405020304" pitchFamily="18" charset="0"/>
-                          <a:ea typeface="+mn-ea"/>
-                          <a:cs typeface="Times New Roman" panose="02020603050405020304" pitchFamily="18" charset="0"/>
-                        </a:rPr>
-                        <a:t>AES-256 encryption</a:t>
+                        <a:t> AES-256 encryption</a:t>
                       </a:r>
                       <a:endParaRPr lang="en-US" dirty="0">
                         <a:solidFill>
@@ -6139,7 +6125,77 @@
                           <a:latin typeface="Times New Roman" panose="02020603050405020304" pitchFamily="18" charset="0"/>
                           <a:cs typeface="Times New Roman" panose="02020603050405020304" pitchFamily="18" charset="0"/>
                         </a:rPr>
-                        <a:t>Developing an End-to-End Secure Chat Application </a:t>
+                        <a:t>Noor Sabah, Jamal M. </a:t>
+                      </a:r>
+                      <a:r>
+                        <a:rPr lang="en-US" dirty="0" err="1" smtClean="0">
+                          <a:solidFill>
+                            <a:schemeClr val="tx1"/>
+                          </a:solidFill>
+                          <a:latin typeface="Times New Roman" panose="02020603050405020304" pitchFamily="18" charset="0"/>
+                          <a:cs typeface="Times New Roman" panose="02020603050405020304" pitchFamily="18" charset="0"/>
+                        </a:rPr>
+                        <a:t>Kadhim</a:t>
+                      </a:r>
+                      <a:r>
+                        <a:rPr lang="en-US" dirty="0" smtClean="0">
+                          <a:solidFill>
+                            <a:schemeClr val="tx1"/>
+                          </a:solidFill>
+                          <a:latin typeface="Times New Roman" panose="02020603050405020304" pitchFamily="18" charset="0"/>
+                          <a:cs typeface="Times New Roman" panose="02020603050405020304" pitchFamily="18" charset="0"/>
+                        </a:rPr>
+                        <a:t> and Ban N. </a:t>
+                      </a:r>
+                      <a:r>
+                        <a:rPr lang="en-US" dirty="0" err="1" smtClean="0">
+                          <a:solidFill>
+                            <a:schemeClr val="tx1"/>
+                          </a:solidFill>
+                          <a:latin typeface="Times New Roman" panose="02020603050405020304" pitchFamily="18" charset="0"/>
+                          <a:cs typeface="Times New Roman" panose="02020603050405020304" pitchFamily="18" charset="0"/>
+                        </a:rPr>
+                        <a:t>Dhannoon</a:t>
+                      </a:r>
+                      <a:endParaRPr lang="en-US" dirty="0" smtClean="0">
+                        <a:solidFill>
+                          <a:schemeClr val="tx1"/>
+                        </a:solidFill>
+                        <a:latin typeface="Times New Roman" panose="02020603050405020304" pitchFamily="18" charset="0"/>
+                        <a:cs typeface="Times New Roman" panose="02020603050405020304" pitchFamily="18" charset="0"/>
+                      </a:endParaRPr>
+                    </a:p>
+                    <a:p>
+                      <a:pPr algn="ctr"/>
+                      <a:endParaRPr lang="en-US" dirty="0" smtClean="0">
+                        <a:solidFill>
+                          <a:schemeClr val="tx1"/>
+                        </a:solidFill>
+                        <a:latin typeface="Times New Roman" panose="02020603050405020304" pitchFamily="18" charset="0"/>
+                        <a:cs typeface="Times New Roman" panose="02020603050405020304" pitchFamily="18" charset="0"/>
+                      </a:endParaRPr>
+                    </a:p>
+                    <a:p>
+                      <a:pPr algn="ctr"/>
+                      <a:r>
+                        <a:rPr lang="en-US" dirty="0" smtClean="0">
+                          <a:solidFill>
+                            <a:schemeClr val="tx1"/>
+                          </a:solidFill>
+                          <a:latin typeface="Times New Roman" panose="02020603050405020304" pitchFamily="18" charset="0"/>
+                          <a:cs typeface="Times New Roman" panose="02020603050405020304" pitchFamily="18" charset="0"/>
+                        </a:rPr>
+                        <a:t>Developing </a:t>
+                      </a:r>
+                      <a:r>
+                        <a:rPr lang="en-US" dirty="0" smtClean="0">
+                          <a:solidFill>
+                            <a:schemeClr val="tx1"/>
+                          </a:solidFill>
+                          <a:latin typeface="Times New Roman" panose="02020603050405020304" pitchFamily="18" charset="0"/>
+                          <a:cs typeface="Times New Roman" panose="02020603050405020304" pitchFamily="18" charset="0"/>
+                        </a:rPr>
+                        <a:t>an End-to-End Secure Chat Application </a:t>
                       </a:r>
                     </a:p>
                   </a:txBody>
@@ -8221,7 +8277,7 @@
           <p:nvPr>
             <p:extLst>
               <p:ext uri="{D42A27DB-BD31-4B8C-83A1-F6EECF244321}">
-                <p14:modId xmlns:p14="http://schemas.microsoft.com/office/powerpoint/2010/main" val="2378364152"/>
+                <p14:modId xmlns:p14="http://schemas.microsoft.com/office/powerpoint/2010/main" val="3594975800"/>
               </p:ext>
             </p:extLst>
           </p:nvPr>
@@ -8869,10 +8925,6 @@
                         </a:rPr>
                         <a:t>Inside Java 2 Platform Security</a:t>
                       </a:r>
-                      <a:endParaRPr lang="en-US" sz="1800" dirty="0" smtClean="0">
-                        <a:latin typeface="Times New Roman" panose="02020603050405020304" pitchFamily="18" charset="0"/>
-                        <a:cs typeface="Times New Roman" panose="02020603050405020304" pitchFamily="18" charset="0"/>
-                      </a:endParaRPr>
                     </a:p>
                   </a:txBody>
                   <a:tcPr anchor="ctr">
@@ -9268,74 +9320,88 @@
                     <a:p>
                       <a:pPr algn="ctr"/>
                       <a:r>
-                        <a:rPr lang="en-IN" sz="1800" dirty="0" smtClean="0">
-                          <a:latin typeface="Times New Roman" panose="02020603050405020304" pitchFamily="18" charset="0"/>
-                          <a:cs typeface="Times New Roman" panose="02020603050405020304" pitchFamily="18" charset="0"/>
-                        </a:rPr>
-                        <a:t>Samira </a:t>
-                      </a:r>
-                      <a:r>
-                        <a:rPr lang="en-IN" sz="1800" dirty="0" err="1" smtClean="0">
-                          <a:latin typeface="Times New Roman" panose="02020603050405020304" pitchFamily="18" charset="0"/>
-                          <a:cs typeface="Times New Roman" panose="02020603050405020304" pitchFamily="18" charset="0"/>
-                        </a:rPr>
-                        <a:t>Prabhune</a:t>
-                      </a:r>
-                      <a:r>
-                        <a:rPr lang="en-IN" sz="1800" dirty="0" smtClean="0">
+                        <a:rPr lang="en-US" sz="1800" dirty="0" smtClean="0">
+                          <a:latin typeface="Times New Roman" panose="02020603050405020304" pitchFamily="18" charset="0"/>
+                          <a:cs typeface="Times New Roman" panose="02020603050405020304" pitchFamily="18" charset="0"/>
+                        </a:rPr>
+                        <a:t>Martin </a:t>
+                      </a:r>
+                      <a:r>
+                        <a:rPr lang="en-US" sz="1800" dirty="0" err="1" smtClean="0">
+                          <a:latin typeface="Times New Roman" panose="02020603050405020304" pitchFamily="18" charset="0"/>
+                          <a:cs typeface="Times New Roman" panose="02020603050405020304" pitchFamily="18" charset="0"/>
+                        </a:rPr>
+                        <a:t>Georgiev</a:t>
+                      </a:r>
+                      <a:r>
+                        <a:rPr lang="en-US" sz="1800" dirty="0" smtClean="0">
                           <a:latin typeface="Times New Roman" panose="02020603050405020304" pitchFamily="18" charset="0"/>
                           <a:cs typeface="Times New Roman" panose="02020603050405020304" pitchFamily="18" charset="0"/>
                         </a:rPr>
                         <a:t>, </a:t>
                       </a:r>
                       <a:r>
-                        <a:rPr lang="en-IN" sz="1800" dirty="0" err="1" smtClean="0">
-                          <a:latin typeface="Times New Roman" panose="02020603050405020304" pitchFamily="18" charset="0"/>
-                          <a:cs typeface="Times New Roman" panose="02020603050405020304" pitchFamily="18" charset="0"/>
-                        </a:rPr>
-                        <a:t>Sonal</a:t>
-                      </a:r>
-                      <a:r>
-                        <a:rPr lang="en-IN" sz="1800" dirty="0" smtClean="0">
+                        <a:rPr lang="en-US" sz="1800" dirty="0" err="1" smtClean="0">
+                          <a:latin typeface="Times New Roman" panose="02020603050405020304" pitchFamily="18" charset="0"/>
+                          <a:cs typeface="Times New Roman" panose="02020603050405020304" pitchFamily="18" charset="0"/>
+                        </a:rPr>
+                        <a:t>Suman</a:t>
+                      </a:r>
+                      <a:r>
+                        <a:rPr lang="en-US" sz="1800" dirty="0" smtClean="0">
+                          <a:latin typeface="Times New Roman" panose="02020603050405020304" pitchFamily="18" charset="0"/>
+                          <a:cs typeface="Times New Roman" panose="02020603050405020304" pitchFamily="18" charset="0"/>
+                        </a:rPr>
+                        <a:t> Jana, </a:t>
+                      </a:r>
+                      <a:r>
+                        <a:rPr lang="en-US" sz="1800" dirty="0" err="1" smtClean="0">
+                          <a:latin typeface="Times New Roman" panose="02020603050405020304" pitchFamily="18" charset="0"/>
+                          <a:cs typeface="Times New Roman" panose="02020603050405020304" pitchFamily="18" charset="0"/>
+                        </a:rPr>
+                        <a:t>Vitaly</a:t>
+                      </a:r>
+                      <a:r>
+                        <a:rPr lang="en-US" sz="1800" dirty="0" smtClean="0">
                           <a:latin typeface="Times New Roman" panose="02020603050405020304" pitchFamily="18" charset="0"/>
                           <a:cs typeface="Times New Roman" panose="02020603050405020304" pitchFamily="18" charset="0"/>
                         </a:rPr>
                         <a:t> </a:t>
                       </a:r>
                       <a:r>
-                        <a:rPr lang="en-IN" sz="1800" dirty="0" smtClean="0">
-                          <a:latin typeface="Times New Roman" panose="02020603050405020304" pitchFamily="18" charset="0"/>
-                          <a:cs typeface="Times New Roman" panose="02020603050405020304" pitchFamily="18" charset="0"/>
-                        </a:rPr>
-                        <a:t>Sharma.</a:t>
-                      </a:r>
-                    </a:p>
-                    <a:p>
-                      <a:pPr algn="ctr"/>
-                      <a:r>
-                        <a:rPr lang="en-IN" sz="1800" dirty="0" smtClean="0">
-                          <a:latin typeface="Times New Roman" panose="02020603050405020304" pitchFamily="18" charset="0"/>
-                          <a:cs typeface="Times New Roman" panose="02020603050405020304" pitchFamily="18" charset="0"/>
-                        </a:rPr>
-                        <a:t/>
-                      </a:r>
-                      <a:br>
-                        <a:rPr lang="en-IN" sz="1800" dirty="0" smtClean="0">
-                          <a:latin typeface="Times New Roman" panose="02020603050405020304" pitchFamily="18" charset="0"/>
-                          <a:cs typeface="Times New Roman" panose="02020603050405020304" pitchFamily="18" charset="0"/>
-                        </a:rPr>
-                      </a:br>
-                      <a:r>
-                        <a:rPr lang="en-US" sz="1800" dirty="0" smtClean="0">
-                          <a:latin typeface="Times New Roman" panose="02020603050405020304" pitchFamily="18" charset="0"/>
-                          <a:cs typeface="Times New Roman" panose="02020603050405020304" pitchFamily="18" charset="0"/>
-                        </a:rPr>
-                        <a:t>End-to-End Encryption for Chat App with Dynamic Encryption Key</a:t>
-                      </a:r>
-                      <a:endParaRPr lang="en-IN" sz="1800" dirty="0" smtClean="0">
+                        <a:rPr lang="en-US" sz="1800" dirty="0" err="1" smtClean="0">
+                          <a:latin typeface="Times New Roman" panose="02020603050405020304" pitchFamily="18" charset="0"/>
+                          <a:cs typeface="Times New Roman" panose="02020603050405020304" pitchFamily="18" charset="0"/>
+                        </a:rPr>
+                        <a:t>Shmatikov</a:t>
+                      </a:r>
+                      <a:endParaRPr lang="en-US" sz="1800" dirty="0" smtClean="0">
                         <a:latin typeface="Times New Roman" panose="02020603050405020304" pitchFamily="18" charset="0"/>
                         <a:cs typeface="Times New Roman" panose="02020603050405020304" pitchFamily="18" charset="0"/>
                       </a:endParaRPr>
+                    </a:p>
+                    <a:p>
+                      <a:pPr algn="ctr"/>
+                      <a:r>
+                        <a:rPr lang="en-IN" sz="1800" dirty="0" smtClean="0">
+                          <a:latin typeface="Times New Roman" panose="02020603050405020304" pitchFamily="18" charset="0"/>
+                          <a:cs typeface="Times New Roman" panose="02020603050405020304" pitchFamily="18" charset="0"/>
+                        </a:rPr>
+                        <a:t/>
+                      </a:r>
+                      <a:br>
+                        <a:rPr lang="en-IN" sz="1800" dirty="0" smtClean="0">
+                          <a:latin typeface="Times New Roman" panose="02020603050405020304" pitchFamily="18" charset="0"/>
+                          <a:cs typeface="Times New Roman" panose="02020603050405020304" pitchFamily="18" charset="0"/>
+                        </a:rPr>
+                      </a:br>
+                      <a:r>
+                        <a:rPr lang="en-US" sz="1800" dirty="0" smtClean="0">
+                          <a:latin typeface="Times New Roman" panose="02020603050405020304" pitchFamily="18" charset="0"/>
+                          <a:cs typeface="Times New Roman" panose="02020603050405020304" pitchFamily="18" charset="0"/>
+                        </a:rPr>
+                        <a:t>Rethinking Security of Web-Based System Applications</a:t>
+                      </a:r>
                     </a:p>
                   </a:txBody>
                   <a:tcPr anchor="ctr">
@@ -9394,7 +9460,19 @@
                           <a:ea typeface="+mn-ea"/>
                           <a:cs typeface="+mn-cs"/>
                         </a:rPr>
-                        <a:t> This paper illustrates how dissimilar concerns in an app can add up to the probable for severe vectors adjacent to end-to-end solitude despite their creature several layers of security. </a:t>
+                        <a:t> </a:t>
+                      </a:r>
+                      <a:r>
+                        <a:rPr lang="en-US" sz="1800" b="0" i="0" kern="1200" dirty="0" smtClean="0">
+                          <a:solidFill>
+                            <a:schemeClr val="dk1"/>
+                          </a:solidFill>
+                          <a:effectLst/>
+                          <a:latin typeface="+mn-lt"/>
+                          <a:ea typeface="+mn-ea"/>
+                          <a:cs typeface="+mn-cs"/>
+                        </a:rPr>
+                        <a:t>A new access-control mechanism for Web-based system applications.</a:t>
                       </a:r>
                       <a:endParaRPr lang="en-US" dirty="0">
                         <a:solidFill>
@@ -9526,17 +9604,22 @@
                           <a:latin typeface="Times New Roman" panose="02020603050405020304" pitchFamily="18" charset="0"/>
                           <a:cs typeface="Times New Roman" panose="02020603050405020304" pitchFamily="18" charset="0"/>
                         </a:rPr>
-                        <a:t>Implementation of Advanced Encryption</a:t>
-                      </a:r>
-                      <a:r>
-                        <a:rPr lang="en-US" baseline="0" dirty="0" smtClean="0">
-                          <a:solidFill>
-                            <a:schemeClr val="tx1"/>
-                          </a:solidFill>
-                          <a:latin typeface="Times New Roman" panose="02020603050405020304" pitchFamily="18" charset="0"/>
-                          <a:cs typeface="Times New Roman" panose="02020603050405020304" pitchFamily="18" charset="0"/>
-                        </a:rPr>
-                        <a:t> System</a:t>
+                        <a:t>Two key problems plaguing,</a:t>
+                      </a:r>
+                    </a:p>
+                    <a:p>
+                      <a:pPr algn="ctr"/>
+                      <a:r>
+                        <a:rPr lang="en-US" sz="1800" b="0" i="0" kern="1200" dirty="0" smtClean="0">
+                          <a:solidFill>
+                            <a:schemeClr val="dk1"/>
+                          </a:solidFill>
+                          <a:effectLst/>
+                          <a:latin typeface="+mn-lt"/>
+                          <a:ea typeface="+mn-ea"/>
+                          <a:cs typeface="+mn-cs"/>
+                        </a:rPr>
+                        <a:t>security and consistency</a:t>
                       </a:r>
                       <a:endParaRPr lang="en-US" dirty="0">
                         <a:solidFill>
@@ -9699,6 +9782,1606 @@
     <p:extLst>
       <p:ext uri="{BB962C8B-B14F-4D97-AF65-F5344CB8AC3E}">
         <p14:creationId xmlns:p14="http://schemas.microsoft.com/office/powerpoint/2010/main" val="805212354"/>
+      </p:ext>
+    </p:extLst>
+  </p:cSld>
+  <p:clrMapOvr>
+    <a:masterClrMapping/>
+  </p:clrMapOvr>
+  <p:transition spd="slow">
+    <p:wipe/>
+  </p:transition>
+  <p:timing>
+    <p:tnLst>
+      <p:par>
+        <p:cTn id="1" dur="indefinite" restart="never" nodeType="tmRoot"/>
+      </p:par>
+    </p:tnLst>
+  </p:timing>
+</p:sld>
+</file>
+
+<file path=ppt/slides/slide5.xml><?xml version="1.0" encoding="utf-8"?>
+<p:sld xmlns:a="http://schemas.openxmlformats.org/drawingml/2006/main" xmlns:r="http://schemas.openxmlformats.org/officeDocument/2006/relationships" xmlns:p="http://schemas.openxmlformats.org/presentationml/2006/main">
+  <p:cSld>
+    <p:spTree>
+      <p:nvGrpSpPr>
+        <p:cNvPr id="1" name=""/>
+        <p:cNvGrpSpPr/>
+        <p:nvPr/>
+      </p:nvGrpSpPr>
+      <p:grpSpPr>
+        <a:xfrm>
+          <a:off x="0" y="0"/>
+          <a:ext cx="0" cy="0"/>
+          <a:chOff x="0" y="0"/>
+          <a:chExt cx="0" cy="0"/>
+        </a:xfrm>
+      </p:grpSpPr>
+      <p:sp>
+        <p:nvSpPr>
+          <p:cNvPr id="2" name="Title 1"/>
+          <p:cNvSpPr>
+            <a:spLocks noGrp="1"/>
+          </p:cNvSpPr>
+          <p:nvPr>
+            <p:ph type="title"/>
+          </p:nvPr>
+        </p:nvSpPr>
+        <p:spPr>
+          <a:xfrm>
+            <a:off x="609600" y="153091"/>
+            <a:ext cx="10972800" cy="673812"/>
+          </a:xfrm>
+        </p:spPr>
+        <p:txBody>
+          <a:bodyPr>
+            <a:normAutofit/>
+          </a:bodyPr>
+          <a:lstStyle/>
+          <a:p>
+            <a:r>
+              <a:rPr lang="en-US" sz="3600" b="1" dirty="0" smtClean="0">
+                <a:latin typeface="Times New Roman" panose="02020603050405020304" pitchFamily="18" charset="0"/>
+                <a:cs typeface="Times New Roman" panose="02020603050405020304" pitchFamily="18" charset="0"/>
+              </a:rPr>
+              <a:t>LITERATURE SURVEY</a:t>
+            </a:r>
+            <a:endParaRPr lang="en-US" sz="3600" b="1" dirty="0">
+              <a:latin typeface="Times New Roman" pitchFamily="18" charset="0"/>
+            </a:endParaRPr>
+          </a:p>
+        </p:txBody>
+      </p:sp>
+      <p:graphicFrame>
+        <p:nvGraphicFramePr>
+          <p:cNvPr id="3" name="Table 2"/>
+          <p:cNvGraphicFramePr>
+            <a:graphicFrameLocks noGrp="1"/>
+          </p:cNvGraphicFramePr>
+          <p:nvPr>
+            <p:extLst>
+              <p:ext uri="{D42A27DB-BD31-4B8C-83A1-F6EECF244321}">
+                <p14:modId xmlns:p14="http://schemas.microsoft.com/office/powerpoint/2010/main" val="2430779547"/>
+              </p:ext>
+            </p:extLst>
+          </p:nvPr>
+        </p:nvGraphicFramePr>
+        <p:xfrm>
+          <a:off x="609600" y="817671"/>
+          <a:ext cx="10972800" cy="5638589"/>
+        </p:xfrm>
+        <a:graphic>
+          <a:graphicData uri="http://schemas.openxmlformats.org/drawingml/2006/table">
+            <a:tbl>
+              <a:tblPr firstRow="1" bandRow="1">
+                <a:tableStyleId>{5C22544A-7EE6-4342-B048-85BDC9FD1C3A}</a:tableStyleId>
+              </a:tblPr>
+              <a:tblGrid>
+                <a:gridCol w="960582">
+                  <a:extLst>
+                    <a:ext uri="{9D8B030D-6E8A-4147-A177-3AD203B41FA5}">
+                      <a16:colId xmlns:a16="http://schemas.microsoft.com/office/drawing/2014/main" val="650890123"/>
+                    </a:ext>
+                  </a:extLst>
+                </a:gridCol>
+                <a:gridCol w="2068945">
+                  <a:extLst>
+                    <a:ext uri="{9D8B030D-6E8A-4147-A177-3AD203B41FA5}">
+                      <a16:colId xmlns:a16="http://schemas.microsoft.com/office/drawing/2014/main" val="3364458840"/>
+                    </a:ext>
+                  </a:extLst>
+                </a:gridCol>
+                <a:gridCol w="3241964">
+                  <a:extLst>
+                    <a:ext uri="{9D8B030D-6E8A-4147-A177-3AD203B41FA5}">
+                      <a16:colId xmlns:a16="http://schemas.microsoft.com/office/drawing/2014/main" val="1934009595"/>
+                    </a:ext>
+                  </a:extLst>
+                </a:gridCol>
+                <a:gridCol w="1542473">
+                  <a:extLst>
+                    <a:ext uri="{9D8B030D-6E8A-4147-A177-3AD203B41FA5}">
+                      <a16:colId xmlns:a16="http://schemas.microsoft.com/office/drawing/2014/main" val="2106811707"/>
+                    </a:ext>
+                  </a:extLst>
+                </a:gridCol>
+                <a:gridCol w="1520536">
+                  <a:extLst>
+                    <a:ext uri="{9D8B030D-6E8A-4147-A177-3AD203B41FA5}">
+                      <a16:colId xmlns:a16="http://schemas.microsoft.com/office/drawing/2014/main" val="4161205106"/>
+                    </a:ext>
+                  </a:extLst>
+                </a:gridCol>
+                <a:gridCol w="1638300">
+                  <a:extLst>
+                    <a:ext uri="{9D8B030D-6E8A-4147-A177-3AD203B41FA5}">
+                      <a16:colId xmlns:a16="http://schemas.microsoft.com/office/drawing/2014/main" val="2191810521"/>
+                    </a:ext>
+                  </a:extLst>
+                </a:gridCol>
+              </a:tblGrid>
+              <a:tr h="716718">
+                <a:tc>
+                  <a:txBody>
+                    <a:bodyPr/>
+                    <a:lstStyle/>
+                    <a:p>
+                      <a:pPr algn="ctr"/>
+                      <a:r>
+                        <a:rPr lang="en-US" dirty="0" smtClean="0">
+                          <a:solidFill>
+                            <a:schemeClr val="tx1"/>
+                          </a:solidFill>
+                          <a:latin typeface="Times New Roman" panose="02020603050405020304" pitchFamily="18" charset="0"/>
+                          <a:cs typeface="Times New Roman" panose="02020603050405020304" pitchFamily="18" charset="0"/>
+                        </a:rPr>
+                        <a:t>Serial No:</a:t>
+                      </a:r>
+                      <a:endParaRPr lang="en-US" dirty="0">
+                        <a:solidFill>
+                          <a:schemeClr val="tx1"/>
+                        </a:solidFill>
+                        <a:latin typeface="Times New Roman" panose="02020603050405020304" pitchFamily="18" charset="0"/>
+                        <a:cs typeface="Times New Roman" panose="02020603050405020304" pitchFamily="18" charset="0"/>
+                      </a:endParaRPr>
+                    </a:p>
+                  </a:txBody>
+                  <a:tcPr anchor="ctr">
+                    <a:lnL w="12700" cap="flat" cmpd="sng" algn="ctr">
+                      <a:solidFill>
+                        <a:schemeClr val="tx1"/>
+                      </a:solidFill>
+                      <a:prstDash val="solid"/>
+                      <a:round/>
+                      <a:headEnd type="none" w="med" len="med"/>
+                      <a:tailEnd type="none" w="med" len="med"/>
+                    </a:lnL>
+                    <a:lnR w="12700" cap="flat" cmpd="sng" algn="ctr">
+                      <a:solidFill>
+                        <a:schemeClr val="tx1"/>
+                      </a:solidFill>
+                      <a:prstDash val="solid"/>
+                      <a:round/>
+                      <a:headEnd type="none" w="med" len="med"/>
+                      <a:tailEnd type="none" w="med" len="med"/>
+                    </a:lnR>
+                    <a:lnT w="12700" cap="flat" cmpd="sng" algn="ctr">
+                      <a:solidFill>
+                        <a:schemeClr val="tx1"/>
+                      </a:solidFill>
+                      <a:prstDash val="solid"/>
+                      <a:round/>
+                      <a:headEnd type="none" w="med" len="med"/>
+                      <a:tailEnd type="none" w="med" len="med"/>
+                    </a:lnT>
+                    <a:lnB w="12700" cap="flat" cmpd="sng" algn="ctr">
+                      <a:solidFill>
+                        <a:schemeClr val="tx1"/>
+                      </a:solidFill>
+                      <a:prstDash val="solid"/>
+                      <a:round/>
+                      <a:headEnd type="none" w="med" len="med"/>
+                      <a:tailEnd type="none" w="med" len="med"/>
+                    </a:lnB>
+                    <a:solidFill>
+                      <a:schemeClr val="bg1">
+                        <a:lumMod val="75000"/>
+                      </a:schemeClr>
+                    </a:solidFill>
+                  </a:tcPr>
+                </a:tc>
+                <a:tc>
+                  <a:txBody>
+                    <a:bodyPr/>
+                    <a:lstStyle/>
+                    <a:p>
+                      <a:pPr algn="ctr"/>
+                      <a:r>
+                        <a:rPr lang="en-US" dirty="0" smtClean="0">
+                          <a:solidFill>
+                            <a:schemeClr val="tx1"/>
+                          </a:solidFill>
+                          <a:latin typeface="Times New Roman" panose="02020603050405020304" pitchFamily="18" charset="0"/>
+                          <a:cs typeface="Times New Roman" panose="02020603050405020304" pitchFamily="18" charset="0"/>
+                        </a:rPr>
+                        <a:t>Author</a:t>
+                      </a:r>
+                      <a:r>
+                        <a:rPr lang="en-US" baseline="0" dirty="0" smtClean="0">
+                          <a:solidFill>
+                            <a:schemeClr val="tx1"/>
+                          </a:solidFill>
+                          <a:latin typeface="Times New Roman" panose="02020603050405020304" pitchFamily="18" charset="0"/>
+                          <a:cs typeface="Times New Roman" panose="02020603050405020304" pitchFamily="18" charset="0"/>
+                        </a:rPr>
+                        <a:t> name, Title and date</a:t>
+                      </a:r>
+                      <a:endParaRPr lang="en-US" dirty="0">
+                        <a:solidFill>
+                          <a:schemeClr val="tx1"/>
+                        </a:solidFill>
+                        <a:latin typeface="Times New Roman" panose="02020603050405020304" pitchFamily="18" charset="0"/>
+                        <a:cs typeface="Times New Roman" panose="02020603050405020304" pitchFamily="18" charset="0"/>
+                      </a:endParaRPr>
+                    </a:p>
+                  </a:txBody>
+                  <a:tcPr anchor="ctr">
+                    <a:lnL w="12700" cap="flat" cmpd="sng" algn="ctr">
+                      <a:solidFill>
+                        <a:schemeClr val="tx1"/>
+                      </a:solidFill>
+                      <a:prstDash val="solid"/>
+                      <a:round/>
+                      <a:headEnd type="none" w="med" len="med"/>
+                      <a:tailEnd type="none" w="med" len="med"/>
+                    </a:lnL>
+                    <a:lnR w="12700" cap="flat" cmpd="sng" algn="ctr">
+                      <a:solidFill>
+                        <a:schemeClr val="tx1"/>
+                      </a:solidFill>
+                      <a:prstDash val="solid"/>
+                      <a:round/>
+                      <a:headEnd type="none" w="med" len="med"/>
+                      <a:tailEnd type="none" w="med" len="med"/>
+                    </a:lnR>
+                    <a:lnT w="12700" cap="flat" cmpd="sng" algn="ctr">
+                      <a:solidFill>
+                        <a:schemeClr val="tx1"/>
+                      </a:solidFill>
+                      <a:prstDash val="solid"/>
+                      <a:round/>
+                      <a:headEnd type="none" w="med" len="med"/>
+                      <a:tailEnd type="none" w="med" len="med"/>
+                    </a:lnT>
+                    <a:lnB w="12700" cap="flat" cmpd="sng" algn="ctr">
+                      <a:solidFill>
+                        <a:schemeClr val="tx1"/>
+                      </a:solidFill>
+                      <a:prstDash val="solid"/>
+                      <a:round/>
+                      <a:headEnd type="none" w="med" len="med"/>
+                      <a:tailEnd type="none" w="med" len="med"/>
+                    </a:lnB>
+                    <a:solidFill>
+                      <a:schemeClr val="bg1">
+                        <a:lumMod val="75000"/>
+                      </a:schemeClr>
+                    </a:solidFill>
+                  </a:tcPr>
+                </a:tc>
+                <a:tc>
+                  <a:txBody>
+                    <a:bodyPr/>
+                    <a:lstStyle/>
+                    <a:p>
+                      <a:pPr algn="ctr"/>
+                      <a:r>
+                        <a:rPr lang="en-US" dirty="0" smtClean="0">
+                          <a:solidFill>
+                            <a:schemeClr val="tx1"/>
+                          </a:solidFill>
+                          <a:latin typeface="Times New Roman" panose="02020603050405020304" pitchFamily="18" charset="0"/>
+                          <a:cs typeface="Times New Roman" panose="02020603050405020304" pitchFamily="18" charset="0"/>
+                        </a:rPr>
+                        <a:t>Concept</a:t>
+                      </a:r>
+                      <a:endParaRPr lang="en-US" dirty="0">
+                        <a:solidFill>
+                          <a:schemeClr val="tx1"/>
+                        </a:solidFill>
+                        <a:latin typeface="Times New Roman" panose="02020603050405020304" pitchFamily="18" charset="0"/>
+                        <a:cs typeface="Times New Roman" panose="02020603050405020304" pitchFamily="18" charset="0"/>
+                      </a:endParaRPr>
+                    </a:p>
+                  </a:txBody>
+                  <a:tcPr anchor="ctr">
+                    <a:lnL w="12700" cap="flat" cmpd="sng" algn="ctr">
+                      <a:solidFill>
+                        <a:schemeClr val="tx1"/>
+                      </a:solidFill>
+                      <a:prstDash val="solid"/>
+                      <a:round/>
+                      <a:headEnd type="none" w="med" len="med"/>
+                      <a:tailEnd type="none" w="med" len="med"/>
+                    </a:lnL>
+                    <a:lnR w="12700" cap="flat" cmpd="sng" algn="ctr">
+                      <a:solidFill>
+                        <a:schemeClr val="tx1"/>
+                      </a:solidFill>
+                      <a:prstDash val="solid"/>
+                      <a:round/>
+                      <a:headEnd type="none" w="med" len="med"/>
+                      <a:tailEnd type="none" w="med" len="med"/>
+                    </a:lnR>
+                    <a:lnT w="12700" cap="flat" cmpd="sng" algn="ctr">
+                      <a:solidFill>
+                        <a:schemeClr val="tx1"/>
+                      </a:solidFill>
+                      <a:prstDash val="solid"/>
+                      <a:round/>
+                      <a:headEnd type="none" w="med" len="med"/>
+                      <a:tailEnd type="none" w="med" len="med"/>
+                    </a:lnT>
+                    <a:lnB w="12700" cap="flat" cmpd="sng" algn="ctr">
+                      <a:solidFill>
+                        <a:schemeClr val="tx1"/>
+                      </a:solidFill>
+                      <a:prstDash val="solid"/>
+                      <a:round/>
+                      <a:headEnd type="none" w="med" len="med"/>
+                      <a:tailEnd type="none" w="med" len="med"/>
+                    </a:lnB>
+                    <a:solidFill>
+                      <a:schemeClr val="bg1">
+                        <a:lumMod val="75000"/>
+                      </a:schemeClr>
+                    </a:solidFill>
+                  </a:tcPr>
+                </a:tc>
+                <a:tc>
+                  <a:txBody>
+                    <a:bodyPr/>
+                    <a:lstStyle/>
+                    <a:p>
+                      <a:pPr algn="ctr"/>
+                      <a:r>
+                        <a:rPr lang="en-US" dirty="0" smtClean="0">
+                          <a:solidFill>
+                            <a:schemeClr val="tx1"/>
+                          </a:solidFill>
+                          <a:latin typeface="Times New Roman" panose="02020603050405020304" pitchFamily="18" charset="0"/>
+                          <a:cs typeface="Times New Roman" panose="02020603050405020304" pitchFamily="18" charset="0"/>
+                        </a:rPr>
+                        <a:t>Technique (Algorithm)</a:t>
+                      </a:r>
+                      <a:endParaRPr lang="en-US" dirty="0">
+                        <a:solidFill>
+                          <a:schemeClr val="tx1"/>
+                        </a:solidFill>
+                        <a:latin typeface="Times New Roman" panose="02020603050405020304" pitchFamily="18" charset="0"/>
+                        <a:cs typeface="Times New Roman" panose="02020603050405020304" pitchFamily="18" charset="0"/>
+                      </a:endParaRPr>
+                    </a:p>
+                  </a:txBody>
+                  <a:tcPr anchor="ctr">
+                    <a:lnL w="12700" cap="flat" cmpd="sng" algn="ctr">
+                      <a:solidFill>
+                        <a:schemeClr val="tx1"/>
+                      </a:solidFill>
+                      <a:prstDash val="solid"/>
+                      <a:round/>
+                      <a:headEnd type="none" w="med" len="med"/>
+                      <a:tailEnd type="none" w="med" len="med"/>
+                    </a:lnL>
+                    <a:lnR w="12700" cap="flat" cmpd="sng" algn="ctr">
+                      <a:solidFill>
+                        <a:schemeClr val="tx1"/>
+                      </a:solidFill>
+                      <a:prstDash val="solid"/>
+                      <a:round/>
+                      <a:headEnd type="none" w="med" len="med"/>
+                      <a:tailEnd type="none" w="med" len="med"/>
+                    </a:lnR>
+                    <a:lnT w="12700" cap="flat" cmpd="sng" algn="ctr">
+                      <a:solidFill>
+                        <a:schemeClr val="tx1"/>
+                      </a:solidFill>
+                      <a:prstDash val="solid"/>
+                      <a:round/>
+                      <a:headEnd type="none" w="med" len="med"/>
+                      <a:tailEnd type="none" w="med" len="med"/>
+                    </a:lnT>
+                    <a:lnB w="12700" cap="flat" cmpd="sng" algn="ctr">
+                      <a:solidFill>
+                        <a:schemeClr val="tx1"/>
+                      </a:solidFill>
+                      <a:prstDash val="solid"/>
+                      <a:round/>
+                      <a:headEnd type="none" w="med" len="med"/>
+                      <a:tailEnd type="none" w="med" len="med"/>
+                    </a:lnB>
+                    <a:solidFill>
+                      <a:schemeClr val="bg1">
+                        <a:lumMod val="75000"/>
+                      </a:schemeClr>
+                    </a:solidFill>
+                  </a:tcPr>
+                </a:tc>
+                <a:tc>
+                  <a:txBody>
+                    <a:bodyPr/>
+                    <a:lstStyle/>
+                    <a:p>
+                      <a:pPr algn="ctr"/>
+                      <a:r>
+                        <a:rPr lang="en-US" dirty="0" smtClean="0">
+                          <a:solidFill>
+                            <a:schemeClr val="tx1"/>
+                          </a:solidFill>
+                          <a:latin typeface="Times New Roman" panose="02020603050405020304" pitchFamily="18" charset="0"/>
+                          <a:cs typeface="Times New Roman" panose="02020603050405020304" pitchFamily="18" charset="0"/>
+                        </a:rPr>
+                        <a:t>Advantages</a:t>
+                      </a:r>
+                      <a:endParaRPr lang="en-US" dirty="0">
+                        <a:solidFill>
+                          <a:schemeClr val="tx1"/>
+                        </a:solidFill>
+                        <a:latin typeface="Times New Roman" panose="02020603050405020304" pitchFamily="18" charset="0"/>
+                        <a:cs typeface="Times New Roman" panose="02020603050405020304" pitchFamily="18" charset="0"/>
+                      </a:endParaRPr>
+                    </a:p>
+                  </a:txBody>
+                  <a:tcPr anchor="ctr">
+                    <a:lnL w="12700" cap="flat" cmpd="sng" algn="ctr">
+                      <a:solidFill>
+                        <a:schemeClr val="tx1"/>
+                      </a:solidFill>
+                      <a:prstDash val="solid"/>
+                      <a:round/>
+                      <a:headEnd type="none" w="med" len="med"/>
+                      <a:tailEnd type="none" w="med" len="med"/>
+                    </a:lnL>
+                    <a:lnR w="12700" cap="flat" cmpd="sng" algn="ctr">
+                      <a:solidFill>
+                        <a:schemeClr val="tx1"/>
+                      </a:solidFill>
+                      <a:prstDash val="solid"/>
+                      <a:round/>
+                      <a:headEnd type="none" w="med" len="med"/>
+                      <a:tailEnd type="none" w="med" len="med"/>
+                    </a:lnR>
+                    <a:lnT w="12700" cap="flat" cmpd="sng" algn="ctr">
+                      <a:solidFill>
+                        <a:schemeClr val="tx1"/>
+                      </a:solidFill>
+                      <a:prstDash val="solid"/>
+                      <a:round/>
+                      <a:headEnd type="none" w="med" len="med"/>
+                      <a:tailEnd type="none" w="med" len="med"/>
+                    </a:lnT>
+                    <a:lnB w="12700" cap="flat" cmpd="sng" algn="ctr">
+                      <a:solidFill>
+                        <a:schemeClr val="tx1"/>
+                      </a:solidFill>
+                      <a:prstDash val="solid"/>
+                      <a:round/>
+                      <a:headEnd type="none" w="med" len="med"/>
+                      <a:tailEnd type="none" w="med" len="med"/>
+                    </a:lnB>
+                    <a:solidFill>
+                      <a:schemeClr val="bg1">
+                        <a:lumMod val="75000"/>
+                      </a:schemeClr>
+                    </a:solidFill>
+                  </a:tcPr>
+                </a:tc>
+                <a:tc>
+                  <a:txBody>
+                    <a:bodyPr/>
+                    <a:lstStyle/>
+                    <a:p>
+                      <a:pPr algn="ctr"/>
+                      <a:r>
+                        <a:rPr lang="en-US" dirty="0" smtClean="0">
+                          <a:solidFill>
+                            <a:schemeClr val="tx1"/>
+                          </a:solidFill>
+                          <a:latin typeface="Times New Roman" panose="02020603050405020304" pitchFamily="18" charset="0"/>
+                          <a:cs typeface="Times New Roman" panose="02020603050405020304" pitchFamily="18" charset="0"/>
+                        </a:rPr>
+                        <a:t>Disadvantaged</a:t>
+                      </a:r>
+                      <a:endParaRPr lang="en-US" dirty="0">
+                        <a:solidFill>
+                          <a:schemeClr val="tx1"/>
+                        </a:solidFill>
+                        <a:latin typeface="Times New Roman" panose="02020603050405020304" pitchFamily="18" charset="0"/>
+                        <a:cs typeface="Times New Roman" panose="02020603050405020304" pitchFamily="18" charset="0"/>
+                      </a:endParaRPr>
+                    </a:p>
+                  </a:txBody>
+                  <a:tcPr anchor="ctr">
+                    <a:lnL w="12700" cap="flat" cmpd="sng" algn="ctr">
+                      <a:solidFill>
+                        <a:schemeClr val="tx1"/>
+                      </a:solidFill>
+                      <a:prstDash val="solid"/>
+                      <a:round/>
+                      <a:headEnd type="none" w="med" len="med"/>
+                      <a:tailEnd type="none" w="med" len="med"/>
+                    </a:lnL>
+                    <a:lnR w="12700" cap="flat" cmpd="sng" algn="ctr">
+                      <a:solidFill>
+                        <a:schemeClr val="tx1"/>
+                      </a:solidFill>
+                      <a:prstDash val="solid"/>
+                      <a:round/>
+                      <a:headEnd type="none" w="med" len="med"/>
+                      <a:tailEnd type="none" w="med" len="med"/>
+                    </a:lnR>
+                    <a:lnT w="12700" cap="flat" cmpd="sng" algn="ctr">
+                      <a:solidFill>
+                        <a:schemeClr val="tx1"/>
+                      </a:solidFill>
+                      <a:prstDash val="solid"/>
+                      <a:round/>
+                      <a:headEnd type="none" w="med" len="med"/>
+                      <a:tailEnd type="none" w="med" len="med"/>
+                    </a:lnT>
+                    <a:lnB w="12700" cap="flat" cmpd="sng" algn="ctr">
+                      <a:solidFill>
+                        <a:schemeClr val="tx1"/>
+                      </a:solidFill>
+                      <a:prstDash val="solid"/>
+                      <a:round/>
+                      <a:headEnd type="none" w="med" len="med"/>
+                      <a:tailEnd type="none" w="med" len="med"/>
+                    </a:lnB>
+                    <a:solidFill>
+                      <a:schemeClr val="bg1">
+                        <a:lumMod val="75000"/>
+                      </a:schemeClr>
+                    </a:solidFill>
+                  </a:tcPr>
+                </a:tc>
+                <a:extLst>
+                  <a:ext uri="{0D108BD9-81ED-4DB2-BD59-A6C34878D82A}">
+                    <a16:rowId xmlns:a16="http://schemas.microsoft.com/office/drawing/2014/main" val="907547670"/>
+                  </a:ext>
+                </a:extLst>
+              </a:tr>
+              <a:tr h="1870618">
+                <a:tc>
+                  <a:txBody>
+                    <a:bodyPr/>
+                    <a:lstStyle/>
+                    <a:p>
+                      <a:pPr algn="ctr"/>
+                      <a:r>
+                        <a:rPr lang="en-US" dirty="0" smtClean="0">
+                          <a:solidFill>
+                            <a:schemeClr val="tx1"/>
+                          </a:solidFill>
+                          <a:latin typeface="Times New Roman" panose="02020603050405020304" pitchFamily="18" charset="0"/>
+                          <a:cs typeface="Times New Roman" panose="02020603050405020304" pitchFamily="18" charset="0"/>
+                        </a:rPr>
+                        <a:t>9</a:t>
+                      </a:r>
+                      <a:endParaRPr lang="en-US" dirty="0">
+                        <a:solidFill>
+                          <a:schemeClr val="tx1"/>
+                        </a:solidFill>
+                        <a:latin typeface="Times New Roman" panose="02020603050405020304" pitchFamily="18" charset="0"/>
+                        <a:cs typeface="Times New Roman" panose="02020603050405020304" pitchFamily="18" charset="0"/>
+                      </a:endParaRPr>
+                    </a:p>
+                  </a:txBody>
+                  <a:tcPr anchor="ctr">
+                    <a:lnL w="12700" cap="flat" cmpd="sng" algn="ctr">
+                      <a:solidFill>
+                        <a:schemeClr val="tx1"/>
+                      </a:solidFill>
+                      <a:prstDash val="solid"/>
+                      <a:round/>
+                      <a:headEnd type="none" w="med" len="med"/>
+                      <a:tailEnd type="none" w="med" len="med"/>
+                    </a:lnL>
+                    <a:lnR w="12700" cap="flat" cmpd="sng" algn="ctr">
+                      <a:solidFill>
+                        <a:schemeClr val="tx1"/>
+                      </a:solidFill>
+                      <a:prstDash val="solid"/>
+                      <a:round/>
+                      <a:headEnd type="none" w="med" len="med"/>
+                      <a:tailEnd type="none" w="med" len="med"/>
+                    </a:lnR>
+                    <a:lnT w="12700" cap="flat" cmpd="sng" algn="ctr">
+                      <a:solidFill>
+                        <a:schemeClr val="tx1"/>
+                      </a:solidFill>
+                      <a:prstDash val="solid"/>
+                      <a:round/>
+                      <a:headEnd type="none" w="med" len="med"/>
+                      <a:tailEnd type="none" w="med" len="med"/>
+                    </a:lnT>
+                    <a:lnB w="12700" cap="flat" cmpd="sng" algn="ctr">
+                      <a:solidFill>
+                        <a:schemeClr val="tx1"/>
+                      </a:solidFill>
+                      <a:prstDash val="solid"/>
+                      <a:round/>
+                      <a:headEnd type="none" w="med" len="med"/>
+                      <a:tailEnd type="none" w="med" len="med"/>
+                    </a:lnB>
+                    <a:noFill/>
+                  </a:tcPr>
+                </a:tc>
+                <a:tc>
+                  <a:txBody>
+                    <a:bodyPr/>
+                    <a:lstStyle/>
+                    <a:p>
+                      <a:pPr marL="0" marR="0" lvl="0" indent="0" algn="ctr" defTabSz="914400" rtl="0" eaLnBrk="1" fontAlgn="auto" latinLnBrk="0" hangingPunct="1">
+                        <a:lnSpc>
+                          <a:spcPct val="100000"/>
+                        </a:lnSpc>
+                        <a:spcBef>
+                          <a:spcPts val="0"/>
+                        </a:spcBef>
+                        <a:spcAft>
+                          <a:spcPts val="0"/>
+                        </a:spcAft>
+                        <a:buClrTx/>
+                        <a:buSzTx/>
+                        <a:buFontTx/>
+                        <a:buNone/>
+                        <a:tabLst/>
+                        <a:defRPr/>
+                      </a:pPr>
+                      <a:r>
+                        <a:rPr lang="en-IN" sz="1800" dirty="0" smtClean="0">
+                          <a:latin typeface="Times New Roman" panose="02020603050405020304" pitchFamily="18" charset="0"/>
+                          <a:cs typeface="Times New Roman" panose="02020603050405020304" pitchFamily="18" charset="0"/>
+                        </a:rPr>
+                        <a:t>Li Gong, Gary Ellison, Mary </a:t>
+                      </a:r>
+                      <a:r>
+                        <a:rPr lang="en-IN" sz="1800" dirty="0" err="1" smtClean="0">
+                          <a:latin typeface="Times New Roman" panose="02020603050405020304" pitchFamily="18" charset="0"/>
+                          <a:cs typeface="Times New Roman" panose="02020603050405020304" pitchFamily="18" charset="0"/>
+                        </a:rPr>
+                        <a:t>Dageforde</a:t>
+                      </a:r>
+                      <a:r>
+                        <a:rPr lang="en-IN" sz="1800" dirty="0" smtClean="0">
+                          <a:latin typeface="Times New Roman" panose="02020603050405020304" pitchFamily="18" charset="0"/>
+                          <a:cs typeface="Times New Roman" panose="02020603050405020304" pitchFamily="18" charset="0"/>
+                        </a:rPr>
+                        <a:t> </a:t>
+                      </a:r>
+                    </a:p>
+                    <a:p>
+                      <a:pPr marL="0" marR="0" lvl="0" indent="0" algn="ctr" defTabSz="914400" rtl="0" eaLnBrk="1" fontAlgn="auto" latinLnBrk="0" hangingPunct="1">
+                        <a:lnSpc>
+                          <a:spcPct val="100000"/>
+                        </a:lnSpc>
+                        <a:spcBef>
+                          <a:spcPts val="0"/>
+                        </a:spcBef>
+                        <a:spcAft>
+                          <a:spcPts val="0"/>
+                        </a:spcAft>
+                        <a:buClrTx/>
+                        <a:buSzTx/>
+                        <a:buFontTx/>
+                        <a:buNone/>
+                        <a:tabLst/>
+                        <a:defRPr/>
+                      </a:pPr>
+                      <a:endParaRPr lang="en-US" sz="1800" dirty="0" smtClean="0">
+                        <a:latin typeface="Times New Roman" panose="02020603050405020304" pitchFamily="18" charset="0"/>
+                        <a:cs typeface="Times New Roman" panose="02020603050405020304" pitchFamily="18" charset="0"/>
+                      </a:endParaRPr>
+                    </a:p>
+                    <a:p>
+                      <a:pPr marL="0" marR="0" lvl="0" indent="0" algn="ctr" defTabSz="914400" rtl="0" eaLnBrk="1" fontAlgn="auto" latinLnBrk="0" hangingPunct="1">
+                        <a:lnSpc>
+                          <a:spcPct val="100000"/>
+                        </a:lnSpc>
+                        <a:spcBef>
+                          <a:spcPts val="0"/>
+                        </a:spcBef>
+                        <a:spcAft>
+                          <a:spcPts val="0"/>
+                        </a:spcAft>
+                        <a:buClrTx/>
+                        <a:buSzTx/>
+                        <a:buFontTx/>
+                        <a:buNone/>
+                        <a:tabLst/>
+                        <a:defRPr/>
+                      </a:pPr>
+                      <a:r>
+                        <a:rPr lang="en-US" sz="1800" dirty="0" smtClean="0">
+                          <a:latin typeface="Times New Roman" panose="02020603050405020304" pitchFamily="18" charset="0"/>
+                          <a:cs typeface="Times New Roman" panose="02020603050405020304" pitchFamily="18" charset="0"/>
+                        </a:rPr>
+                        <a:t>Developing of Middleware and Cross Platform Chat Application</a:t>
+                      </a:r>
+                      <a:endParaRPr lang="en-US" sz="1800" dirty="0" smtClean="0">
+                        <a:latin typeface="Times New Roman" panose="02020603050405020304" pitchFamily="18" charset="0"/>
+                        <a:cs typeface="Times New Roman" panose="02020603050405020304" pitchFamily="18" charset="0"/>
+                      </a:endParaRPr>
+                    </a:p>
+                  </a:txBody>
+                  <a:tcPr anchor="ctr">
+                    <a:lnL w="12700" cap="flat" cmpd="sng" algn="ctr">
+                      <a:solidFill>
+                        <a:schemeClr val="tx1"/>
+                      </a:solidFill>
+                      <a:prstDash val="solid"/>
+                      <a:round/>
+                      <a:headEnd type="none" w="med" len="med"/>
+                      <a:tailEnd type="none" w="med" len="med"/>
+                    </a:lnL>
+                    <a:lnR w="12700" cap="flat" cmpd="sng" algn="ctr">
+                      <a:solidFill>
+                        <a:schemeClr val="tx1"/>
+                      </a:solidFill>
+                      <a:prstDash val="solid"/>
+                      <a:round/>
+                      <a:headEnd type="none" w="med" len="med"/>
+                      <a:tailEnd type="none" w="med" len="med"/>
+                    </a:lnR>
+                    <a:lnT w="12700" cap="flat" cmpd="sng" algn="ctr">
+                      <a:solidFill>
+                        <a:schemeClr val="tx1"/>
+                      </a:solidFill>
+                      <a:prstDash val="solid"/>
+                      <a:round/>
+                      <a:headEnd type="none" w="med" len="med"/>
+                      <a:tailEnd type="none" w="med" len="med"/>
+                    </a:lnT>
+                    <a:lnB w="12700" cap="flat" cmpd="sng" algn="ctr">
+                      <a:solidFill>
+                        <a:schemeClr val="tx1"/>
+                      </a:solidFill>
+                      <a:prstDash val="solid"/>
+                      <a:round/>
+                      <a:headEnd type="none" w="med" len="med"/>
+                      <a:tailEnd type="none" w="med" len="med"/>
+                    </a:lnB>
+                    <a:noFill/>
+                  </a:tcPr>
+                </a:tc>
+                <a:tc>
+                  <a:txBody>
+                    <a:bodyPr/>
+                    <a:lstStyle/>
+                    <a:p>
+                      <a:pPr algn="ctr"/>
+                      <a:r>
+                        <a:rPr lang="en-US" dirty="0" smtClean="0">
+                          <a:latin typeface="Times New Roman" panose="02020603050405020304" pitchFamily="18" charset="0"/>
+                          <a:cs typeface="Times New Roman" panose="02020603050405020304" pitchFamily="18" charset="0"/>
+                        </a:rPr>
+                        <a:t>The aims to develop a chat application which serves as a middleware </a:t>
+                      </a:r>
+                    </a:p>
+                    <a:p>
+                      <a:pPr algn="ctr"/>
+                      <a:r>
+                        <a:rPr lang="en-US" dirty="0" smtClean="0">
+                          <a:latin typeface="Times New Roman" panose="02020603050405020304" pitchFamily="18" charset="0"/>
+                          <a:cs typeface="Times New Roman" panose="02020603050405020304" pitchFamily="18" charset="0"/>
+                        </a:rPr>
+                        <a:t>to make communication between developed chat application and </a:t>
+                      </a:r>
+                    </a:p>
+                    <a:p>
+                      <a:pPr algn="ctr"/>
+                      <a:r>
+                        <a:rPr lang="en-US" dirty="0" smtClean="0">
+                          <a:latin typeface="Times New Roman" panose="02020603050405020304" pitchFamily="18" charset="0"/>
+                          <a:cs typeface="Times New Roman" panose="02020603050405020304" pitchFamily="18" charset="0"/>
+                        </a:rPr>
+                        <a:t>two conventional chat applications </a:t>
+                      </a:r>
+                      <a:endParaRPr lang="en-US" dirty="0">
+                        <a:solidFill>
+                          <a:schemeClr val="tx1"/>
+                        </a:solidFill>
+                        <a:latin typeface="Times New Roman" panose="02020603050405020304" pitchFamily="18" charset="0"/>
+                        <a:cs typeface="Times New Roman" panose="02020603050405020304" pitchFamily="18" charset="0"/>
+                      </a:endParaRPr>
+                    </a:p>
+                  </a:txBody>
+                  <a:tcPr anchor="ctr">
+                    <a:lnL w="12700" cap="flat" cmpd="sng" algn="ctr">
+                      <a:solidFill>
+                        <a:schemeClr val="tx1"/>
+                      </a:solidFill>
+                      <a:prstDash val="solid"/>
+                      <a:round/>
+                      <a:headEnd type="none" w="med" len="med"/>
+                      <a:tailEnd type="none" w="med" len="med"/>
+                    </a:lnL>
+                    <a:lnR w="12700" cap="flat" cmpd="sng" algn="ctr">
+                      <a:solidFill>
+                        <a:schemeClr val="tx1"/>
+                      </a:solidFill>
+                      <a:prstDash val="solid"/>
+                      <a:round/>
+                      <a:headEnd type="none" w="med" len="med"/>
+                      <a:tailEnd type="none" w="med" len="med"/>
+                    </a:lnR>
+                    <a:lnT w="12700" cap="flat" cmpd="sng" algn="ctr">
+                      <a:solidFill>
+                        <a:schemeClr val="tx1"/>
+                      </a:solidFill>
+                      <a:prstDash val="solid"/>
+                      <a:round/>
+                      <a:headEnd type="none" w="med" len="med"/>
+                      <a:tailEnd type="none" w="med" len="med"/>
+                    </a:lnT>
+                    <a:lnB w="12700" cap="flat" cmpd="sng" algn="ctr">
+                      <a:solidFill>
+                        <a:schemeClr val="tx1"/>
+                      </a:solidFill>
+                      <a:prstDash val="solid"/>
+                      <a:round/>
+                      <a:headEnd type="none" w="med" len="med"/>
+                      <a:tailEnd type="none" w="med" len="med"/>
+                    </a:lnB>
+                    <a:noFill/>
+                  </a:tcPr>
+                </a:tc>
+                <a:tc>
+                  <a:txBody>
+                    <a:bodyPr/>
+                    <a:lstStyle/>
+                    <a:p>
+                      <a:pPr algn="ctr"/>
+                      <a:r>
+                        <a:rPr lang="en-US" baseline="0" dirty="0" smtClean="0"/>
+                        <a:t>Line Messaging API</a:t>
+                      </a:r>
+                      <a:endParaRPr lang="en-US" dirty="0">
+                        <a:solidFill>
+                          <a:schemeClr val="tx1"/>
+                        </a:solidFill>
+                        <a:latin typeface="Times New Roman" panose="02020603050405020304" pitchFamily="18" charset="0"/>
+                        <a:cs typeface="Times New Roman" panose="02020603050405020304" pitchFamily="18" charset="0"/>
+                      </a:endParaRPr>
+                    </a:p>
+                  </a:txBody>
+                  <a:tcPr anchor="ctr">
+                    <a:lnL w="12700" cap="flat" cmpd="sng" algn="ctr">
+                      <a:solidFill>
+                        <a:schemeClr val="tx1"/>
+                      </a:solidFill>
+                      <a:prstDash val="solid"/>
+                      <a:round/>
+                      <a:headEnd type="none" w="med" len="med"/>
+                      <a:tailEnd type="none" w="med" len="med"/>
+                    </a:lnL>
+                    <a:lnR w="12700" cap="flat" cmpd="sng" algn="ctr">
+                      <a:solidFill>
+                        <a:schemeClr val="tx1"/>
+                      </a:solidFill>
+                      <a:prstDash val="solid"/>
+                      <a:round/>
+                      <a:headEnd type="none" w="med" len="med"/>
+                      <a:tailEnd type="none" w="med" len="med"/>
+                    </a:lnR>
+                    <a:lnT w="12700" cap="flat" cmpd="sng" algn="ctr">
+                      <a:solidFill>
+                        <a:schemeClr val="tx1"/>
+                      </a:solidFill>
+                      <a:prstDash val="solid"/>
+                      <a:round/>
+                      <a:headEnd type="none" w="med" len="med"/>
+                      <a:tailEnd type="none" w="med" len="med"/>
+                    </a:lnT>
+                    <a:lnB w="12700" cap="flat" cmpd="sng" algn="ctr">
+                      <a:solidFill>
+                        <a:schemeClr val="tx1"/>
+                      </a:solidFill>
+                      <a:prstDash val="solid"/>
+                      <a:round/>
+                      <a:headEnd type="none" w="med" len="med"/>
+                      <a:tailEnd type="none" w="med" len="med"/>
+                    </a:lnB>
+                    <a:noFill/>
+                  </a:tcPr>
+                </a:tc>
+                <a:tc>
+                  <a:txBody>
+                    <a:bodyPr/>
+                    <a:lstStyle/>
+                    <a:p>
+                      <a:pPr algn="ctr"/>
+                      <a:r>
+                        <a:rPr lang="en-US" dirty="0" smtClean="0"/>
+                        <a:t>Decentralized</a:t>
+                      </a:r>
+                    </a:p>
+                    <a:p>
+                      <a:pPr algn="ctr"/>
+                      <a:r>
+                        <a:rPr lang="en-US" dirty="0" smtClean="0">
+                          <a:solidFill>
+                            <a:schemeClr val="tx1"/>
+                          </a:solidFill>
+                          <a:latin typeface="Times New Roman" panose="02020603050405020304" pitchFamily="18" charset="0"/>
+                          <a:cs typeface="Times New Roman" panose="02020603050405020304" pitchFamily="18" charset="0"/>
+                        </a:rPr>
+                        <a:t>Instant</a:t>
+                      </a:r>
+                      <a:r>
+                        <a:rPr lang="en-US" baseline="0" dirty="0" smtClean="0">
+                          <a:solidFill>
+                            <a:schemeClr val="tx1"/>
+                          </a:solidFill>
+                          <a:latin typeface="Times New Roman" panose="02020603050405020304" pitchFamily="18" charset="0"/>
+                          <a:cs typeface="Times New Roman" panose="02020603050405020304" pitchFamily="18" charset="0"/>
+                        </a:rPr>
+                        <a:t> Messaging, </a:t>
+                      </a:r>
+                    </a:p>
+                    <a:p>
+                      <a:pPr algn="ctr"/>
+                      <a:r>
+                        <a:rPr lang="en-US" baseline="0" dirty="0" smtClean="0">
+                          <a:solidFill>
+                            <a:schemeClr val="tx1"/>
+                          </a:solidFill>
+                          <a:latin typeface="Times New Roman" panose="02020603050405020304" pitchFamily="18" charset="0"/>
+                          <a:cs typeface="Times New Roman" panose="02020603050405020304" pitchFamily="18" charset="0"/>
+                        </a:rPr>
+                        <a:t>Platform Independent</a:t>
+                      </a:r>
+                      <a:endParaRPr lang="en-US" dirty="0">
+                        <a:solidFill>
+                          <a:schemeClr val="tx1"/>
+                        </a:solidFill>
+                        <a:latin typeface="Times New Roman" panose="02020603050405020304" pitchFamily="18" charset="0"/>
+                        <a:cs typeface="Times New Roman" panose="02020603050405020304" pitchFamily="18" charset="0"/>
+                      </a:endParaRPr>
+                    </a:p>
+                  </a:txBody>
+                  <a:tcPr anchor="ctr">
+                    <a:lnL w="12700" cap="flat" cmpd="sng" algn="ctr">
+                      <a:solidFill>
+                        <a:schemeClr val="tx1"/>
+                      </a:solidFill>
+                      <a:prstDash val="solid"/>
+                      <a:round/>
+                      <a:headEnd type="none" w="med" len="med"/>
+                      <a:tailEnd type="none" w="med" len="med"/>
+                    </a:lnL>
+                    <a:lnR w="12700" cap="flat" cmpd="sng" algn="ctr">
+                      <a:solidFill>
+                        <a:schemeClr val="tx1"/>
+                      </a:solidFill>
+                      <a:prstDash val="solid"/>
+                      <a:round/>
+                      <a:headEnd type="none" w="med" len="med"/>
+                      <a:tailEnd type="none" w="med" len="med"/>
+                    </a:lnR>
+                    <a:lnT w="12700" cap="flat" cmpd="sng" algn="ctr">
+                      <a:solidFill>
+                        <a:schemeClr val="tx1"/>
+                      </a:solidFill>
+                      <a:prstDash val="solid"/>
+                      <a:round/>
+                      <a:headEnd type="none" w="med" len="med"/>
+                      <a:tailEnd type="none" w="med" len="med"/>
+                    </a:lnT>
+                    <a:lnB w="12700" cap="flat" cmpd="sng" algn="ctr">
+                      <a:solidFill>
+                        <a:schemeClr val="tx1"/>
+                      </a:solidFill>
+                      <a:prstDash val="solid"/>
+                      <a:round/>
+                      <a:headEnd type="none" w="med" len="med"/>
+                      <a:tailEnd type="none" w="med" len="med"/>
+                    </a:lnB>
+                    <a:noFill/>
+                  </a:tcPr>
+                </a:tc>
+                <a:tc>
+                  <a:txBody>
+                    <a:bodyPr/>
+                    <a:lstStyle/>
+                    <a:p>
+                      <a:pPr algn="ctr"/>
+                      <a:r>
+                        <a:rPr lang="en-US" dirty="0" smtClean="0">
+                          <a:solidFill>
+                            <a:schemeClr val="tx1"/>
+                          </a:solidFill>
+                          <a:latin typeface="Times New Roman" panose="02020603050405020304" pitchFamily="18" charset="0"/>
+                          <a:cs typeface="Times New Roman" panose="02020603050405020304" pitchFamily="18" charset="0"/>
+                        </a:rPr>
+                        <a:t>Cannot Implement Proper Encryption</a:t>
+                      </a:r>
+                      <a:r>
+                        <a:rPr lang="en-US" baseline="0" dirty="0" smtClean="0">
+                          <a:solidFill>
+                            <a:schemeClr val="tx1"/>
+                          </a:solidFill>
+                          <a:latin typeface="Times New Roman" panose="02020603050405020304" pitchFamily="18" charset="0"/>
+                          <a:cs typeface="Times New Roman" panose="02020603050405020304" pitchFamily="18" charset="0"/>
+                        </a:rPr>
+                        <a:t> System</a:t>
+                      </a:r>
+                      <a:endParaRPr lang="en-US" dirty="0">
+                        <a:solidFill>
+                          <a:schemeClr val="tx1"/>
+                        </a:solidFill>
+                        <a:latin typeface="Times New Roman" panose="02020603050405020304" pitchFamily="18" charset="0"/>
+                        <a:cs typeface="Times New Roman" panose="02020603050405020304" pitchFamily="18" charset="0"/>
+                      </a:endParaRPr>
+                    </a:p>
+                  </a:txBody>
+                  <a:tcPr anchor="ctr">
+                    <a:lnL w="12700" cap="flat" cmpd="sng" algn="ctr">
+                      <a:solidFill>
+                        <a:schemeClr val="tx1"/>
+                      </a:solidFill>
+                      <a:prstDash val="solid"/>
+                      <a:round/>
+                      <a:headEnd type="none" w="med" len="med"/>
+                      <a:tailEnd type="none" w="med" len="med"/>
+                    </a:lnL>
+                    <a:lnR w="12700" cap="flat" cmpd="sng" algn="ctr">
+                      <a:solidFill>
+                        <a:schemeClr val="tx1"/>
+                      </a:solidFill>
+                      <a:prstDash val="solid"/>
+                      <a:round/>
+                      <a:headEnd type="none" w="med" len="med"/>
+                      <a:tailEnd type="none" w="med" len="med"/>
+                    </a:lnR>
+                    <a:lnT w="12700" cap="flat" cmpd="sng" algn="ctr">
+                      <a:solidFill>
+                        <a:schemeClr val="tx1"/>
+                      </a:solidFill>
+                      <a:prstDash val="solid"/>
+                      <a:round/>
+                      <a:headEnd type="none" w="med" len="med"/>
+                      <a:tailEnd type="none" w="med" len="med"/>
+                    </a:lnT>
+                    <a:lnB w="12700" cap="flat" cmpd="sng" algn="ctr">
+                      <a:solidFill>
+                        <a:schemeClr val="tx1"/>
+                      </a:solidFill>
+                      <a:prstDash val="solid"/>
+                      <a:round/>
+                      <a:headEnd type="none" w="med" len="med"/>
+                      <a:tailEnd type="none" w="med" len="med"/>
+                    </a:lnB>
+                    <a:noFill/>
+                  </a:tcPr>
+                </a:tc>
+                <a:extLst>
+                  <a:ext uri="{0D108BD9-81ED-4DB2-BD59-A6C34878D82A}">
+                    <a16:rowId xmlns:a16="http://schemas.microsoft.com/office/drawing/2014/main" val="35302310"/>
+                  </a:ext>
+                </a:extLst>
+              </a:tr>
+              <a:tr h="2635871">
+                <a:tc>
+                  <a:txBody>
+                    <a:bodyPr/>
+                    <a:lstStyle/>
+                    <a:p>
+                      <a:pPr algn="ctr"/>
+                      <a:r>
+                        <a:rPr lang="en-US" dirty="0" smtClean="0">
+                          <a:solidFill>
+                            <a:schemeClr val="tx1"/>
+                          </a:solidFill>
+                          <a:latin typeface="Times New Roman" panose="02020603050405020304" pitchFamily="18" charset="0"/>
+                          <a:cs typeface="Times New Roman" panose="02020603050405020304" pitchFamily="18" charset="0"/>
+                        </a:rPr>
+                        <a:t>10</a:t>
+                      </a:r>
+                      <a:endParaRPr lang="en-US" dirty="0">
+                        <a:solidFill>
+                          <a:schemeClr val="tx1"/>
+                        </a:solidFill>
+                        <a:latin typeface="Times New Roman" panose="02020603050405020304" pitchFamily="18" charset="0"/>
+                        <a:cs typeface="Times New Roman" panose="02020603050405020304" pitchFamily="18" charset="0"/>
+                      </a:endParaRPr>
+                    </a:p>
+                  </a:txBody>
+                  <a:tcPr anchor="ctr">
+                    <a:lnL w="12700" cap="flat" cmpd="sng" algn="ctr">
+                      <a:solidFill>
+                        <a:schemeClr val="tx1"/>
+                      </a:solidFill>
+                      <a:prstDash val="solid"/>
+                      <a:round/>
+                      <a:headEnd type="none" w="med" len="med"/>
+                      <a:tailEnd type="none" w="med" len="med"/>
+                    </a:lnL>
+                    <a:lnR w="12700" cap="flat" cmpd="sng" algn="ctr">
+                      <a:solidFill>
+                        <a:schemeClr val="tx1"/>
+                      </a:solidFill>
+                      <a:prstDash val="solid"/>
+                      <a:round/>
+                      <a:headEnd type="none" w="med" len="med"/>
+                      <a:tailEnd type="none" w="med" len="med"/>
+                    </a:lnR>
+                    <a:lnT w="12700" cap="flat" cmpd="sng" algn="ctr">
+                      <a:solidFill>
+                        <a:schemeClr val="tx1"/>
+                      </a:solidFill>
+                      <a:prstDash val="solid"/>
+                      <a:round/>
+                      <a:headEnd type="none" w="med" len="med"/>
+                      <a:tailEnd type="none" w="med" len="med"/>
+                    </a:lnT>
+                    <a:lnB w="12700" cap="flat" cmpd="sng" algn="ctr">
+                      <a:solidFill>
+                        <a:schemeClr val="tx1"/>
+                      </a:solidFill>
+                      <a:prstDash val="solid"/>
+                      <a:round/>
+                      <a:headEnd type="none" w="med" len="med"/>
+                      <a:tailEnd type="none" w="med" len="med"/>
+                    </a:lnB>
+                    <a:noFill/>
+                  </a:tcPr>
+                </a:tc>
+                <a:tc>
+                  <a:txBody>
+                    <a:bodyPr/>
+                    <a:lstStyle/>
+                    <a:p>
+                      <a:pPr algn="ctr"/>
+                      <a:r>
+                        <a:rPr lang="en-US" sz="1800" dirty="0" err="1" smtClean="0">
+                          <a:latin typeface="Times New Roman" panose="02020603050405020304" pitchFamily="18" charset="0"/>
+                          <a:cs typeface="Times New Roman" panose="02020603050405020304" pitchFamily="18" charset="0"/>
+                        </a:rPr>
+                        <a:t>Mikko</a:t>
+                      </a:r>
+                      <a:r>
+                        <a:rPr lang="en-US" sz="1800" dirty="0" smtClean="0">
+                          <a:latin typeface="Times New Roman" panose="02020603050405020304" pitchFamily="18" charset="0"/>
+                          <a:cs typeface="Times New Roman" panose="02020603050405020304" pitchFamily="18" charset="0"/>
+                        </a:rPr>
+                        <a:t> </a:t>
+                      </a:r>
+                      <a:r>
+                        <a:rPr lang="en-US" sz="1800" dirty="0" err="1" smtClean="0">
+                          <a:latin typeface="Times New Roman" panose="02020603050405020304" pitchFamily="18" charset="0"/>
+                          <a:cs typeface="Times New Roman" panose="02020603050405020304" pitchFamily="18" charset="0"/>
+                        </a:rPr>
+                        <a:t>Ilmonen</a:t>
+                      </a:r>
+                      <a:endParaRPr lang="en-US" sz="1800" dirty="0" smtClean="0">
+                        <a:latin typeface="Times New Roman" panose="02020603050405020304" pitchFamily="18" charset="0"/>
+                        <a:cs typeface="Times New Roman" panose="02020603050405020304" pitchFamily="18" charset="0"/>
+                      </a:endParaRPr>
+                    </a:p>
+                    <a:p>
+                      <a:pPr algn="ctr"/>
+                      <a:r>
+                        <a:rPr lang="en-IN" sz="1800" dirty="0" smtClean="0">
+                          <a:latin typeface="Times New Roman" panose="02020603050405020304" pitchFamily="18" charset="0"/>
+                          <a:cs typeface="Times New Roman" panose="02020603050405020304" pitchFamily="18" charset="0"/>
+                        </a:rPr>
+                        <a:t/>
+                      </a:r>
+                      <a:br>
+                        <a:rPr lang="en-IN" sz="1800" dirty="0" smtClean="0">
+                          <a:latin typeface="Times New Roman" panose="02020603050405020304" pitchFamily="18" charset="0"/>
+                          <a:cs typeface="Times New Roman" panose="02020603050405020304" pitchFamily="18" charset="0"/>
+                        </a:rPr>
+                      </a:br>
+                      <a:r>
+                        <a:rPr lang="en-US" sz="1800" dirty="0" smtClean="0">
+                          <a:latin typeface="Times New Roman" panose="02020603050405020304" pitchFamily="18" charset="0"/>
+                          <a:cs typeface="Times New Roman" panose="02020603050405020304" pitchFamily="18" charset="0"/>
+                        </a:rPr>
+                        <a:t>Platform-Agnostic End-to-End Encryption for</a:t>
+                      </a:r>
+                    </a:p>
+                    <a:p>
+                      <a:pPr algn="ctr"/>
+                      <a:r>
+                        <a:rPr lang="en-US" sz="1800" dirty="0" smtClean="0">
+                          <a:latin typeface="Times New Roman" panose="02020603050405020304" pitchFamily="18" charset="0"/>
+                          <a:cs typeface="Times New Roman" panose="02020603050405020304" pitchFamily="18" charset="0"/>
+                        </a:rPr>
+                        <a:t>Modern Instant Messaging Platforms</a:t>
+                      </a:r>
+                    </a:p>
+                  </a:txBody>
+                  <a:tcPr anchor="ctr">
+                    <a:lnL w="12700" cap="flat" cmpd="sng" algn="ctr">
+                      <a:solidFill>
+                        <a:schemeClr val="tx1"/>
+                      </a:solidFill>
+                      <a:prstDash val="solid"/>
+                      <a:round/>
+                      <a:headEnd type="none" w="med" len="med"/>
+                      <a:tailEnd type="none" w="med" len="med"/>
+                    </a:lnL>
+                    <a:lnR w="12700" cap="flat" cmpd="sng" algn="ctr">
+                      <a:solidFill>
+                        <a:schemeClr val="tx1"/>
+                      </a:solidFill>
+                      <a:prstDash val="solid"/>
+                      <a:round/>
+                      <a:headEnd type="none" w="med" len="med"/>
+                      <a:tailEnd type="none" w="med" len="med"/>
+                    </a:lnR>
+                    <a:lnT w="12700" cap="flat" cmpd="sng" algn="ctr">
+                      <a:solidFill>
+                        <a:schemeClr val="tx1"/>
+                      </a:solidFill>
+                      <a:prstDash val="solid"/>
+                      <a:round/>
+                      <a:headEnd type="none" w="med" len="med"/>
+                      <a:tailEnd type="none" w="med" len="med"/>
+                    </a:lnT>
+                    <a:lnB w="12700" cap="flat" cmpd="sng" algn="ctr">
+                      <a:solidFill>
+                        <a:schemeClr val="tx1"/>
+                      </a:solidFill>
+                      <a:prstDash val="solid"/>
+                      <a:round/>
+                      <a:headEnd type="none" w="med" len="med"/>
+                      <a:tailEnd type="none" w="med" len="med"/>
+                    </a:lnB>
+                    <a:noFill/>
+                  </a:tcPr>
+                </a:tc>
+                <a:tc>
+                  <a:txBody>
+                    <a:bodyPr/>
+                    <a:lstStyle/>
+                    <a:p>
+                      <a:pPr algn="ctr"/>
+                      <a:r>
+                        <a:rPr lang="en-US" sz="1800" b="0" i="0" kern="1200" dirty="0" smtClean="0">
+                          <a:solidFill>
+                            <a:schemeClr val="dk1"/>
+                          </a:solidFill>
+                          <a:effectLst/>
+                          <a:latin typeface="+mn-lt"/>
+                          <a:ea typeface="+mn-ea"/>
+                          <a:cs typeface="+mn-cs"/>
+                        </a:rPr>
+                        <a:t>This dissertation investigates whether it is possible to perform end-to-end encryption over an </a:t>
+                      </a:r>
+                      <a:r>
+                        <a:rPr lang="en-US" sz="1800" b="0" i="0" kern="1200" dirty="0" err="1" smtClean="0">
+                          <a:solidFill>
+                            <a:schemeClr val="dk1"/>
+                          </a:solidFill>
+                          <a:effectLst/>
+                          <a:latin typeface="+mn-lt"/>
+                          <a:ea typeface="+mn-ea"/>
+                          <a:cs typeface="+mn-cs"/>
+                        </a:rPr>
+                        <a:t>arbitrary</a:t>
+                      </a:r>
+                      <a:r>
+                        <a:rPr lang="en-US" sz="1800" b="0" i="0" kern="1200" dirty="0" smtClean="0">
+                          <a:solidFill>
+                            <a:schemeClr val="dk1"/>
+                          </a:solidFill>
+                          <a:effectLst/>
+                          <a:latin typeface="+mn-lt"/>
+                          <a:ea typeface="+mn-ea"/>
+                          <a:cs typeface="+mn-cs"/>
+                        </a:rPr>
+                        <a:t> Instant Messaging Platform (IM-P), placing no implicit trust in such platform itself.</a:t>
+                      </a:r>
+                      <a:endParaRPr lang="en-US" sz="1800" b="0" i="0" kern="1200" dirty="0" smtClean="0">
+                        <a:solidFill>
+                          <a:schemeClr val="dk1"/>
+                        </a:solidFill>
+                        <a:effectLst/>
+                        <a:latin typeface="+mn-lt"/>
+                        <a:ea typeface="+mn-ea"/>
+                        <a:cs typeface="+mn-cs"/>
+                      </a:endParaRPr>
+                    </a:p>
+                  </a:txBody>
+                  <a:tcPr anchor="ctr">
+                    <a:lnL w="12700" cap="flat" cmpd="sng" algn="ctr">
+                      <a:solidFill>
+                        <a:schemeClr val="tx1"/>
+                      </a:solidFill>
+                      <a:prstDash val="solid"/>
+                      <a:round/>
+                      <a:headEnd type="none" w="med" len="med"/>
+                      <a:tailEnd type="none" w="med" len="med"/>
+                    </a:lnL>
+                    <a:lnR w="12700" cap="flat" cmpd="sng" algn="ctr">
+                      <a:solidFill>
+                        <a:schemeClr val="tx1"/>
+                      </a:solidFill>
+                      <a:prstDash val="solid"/>
+                      <a:round/>
+                      <a:headEnd type="none" w="med" len="med"/>
+                      <a:tailEnd type="none" w="med" len="med"/>
+                    </a:lnR>
+                    <a:lnT w="12700" cap="flat" cmpd="sng" algn="ctr">
+                      <a:solidFill>
+                        <a:schemeClr val="tx1"/>
+                      </a:solidFill>
+                      <a:prstDash val="solid"/>
+                      <a:round/>
+                      <a:headEnd type="none" w="med" len="med"/>
+                      <a:tailEnd type="none" w="med" len="med"/>
+                    </a:lnT>
+                    <a:lnB w="12700" cap="flat" cmpd="sng" algn="ctr">
+                      <a:solidFill>
+                        <a:schemeClr val="tx1"/>
+                      </a:solidFill>
+                      <a:prstDash val="solid"/>
+                      <a:round/>
+                      <a:headEnd type="none" w="med" len="med"/>
+                      <a:tailEnd type="none" w="med" len="med"/>
+                    </a:lnB>
+                    <a:noFill/>
+                  </a:tcPr>
+                </a:tc>
+                <a:tc>
+                  <a:txBody>
+                    <a:bodyPr/>
+                    <a:lstStyle/>
+                    <a:p>
+                      <a:pPr algn="ctr"/>
+                      <a:r>
+                        <a:rPr lang="en-US" sz="1800" b="0" i="0" kern="1200" dirty="0" smtClean="0">
+                          <a:solidFill>
+                            <a:schemeClr val="dk1"/>
+                          </a:solidFill>
+                          <a:effectLst/>
+                          <a:latin typeface="+mn-lt"/>
+                          <a:ea typeface="+mn-ea"/>
+                          <a:cs typeface="+mn-cs"/>
+                        </a:rPr>
+                        <a:t>Instant Messaging IM</a:t>
+                      </a:r>
+                      <a:endParaRPr lang="en-US" dirty="0">
+                        <a:solidFill>
+                          <a:schemeClr val="tx1"/>
+                        </a:solidFill>
+                        <a:latin typeface="Times New Roman" panose="02020603050405020304" pitchFamily="18" charset="0"/>
+                        <a:cs typeface="Times New Roman" panose="02020603050405020304" pitchFamily="18" charset="0"/>
+                      </a:endParaRPr>
+                    </a:p>
+                  </a:txBody>
+                  <a:tcPr anchor="ctr">
+                    <a:lnL w="12700" cap="flat" cmpd="sng" algn="ctr">
+                      <a:solidFill>
+                        <a:schemeClr val="tx1"/>
+                      </a:solidFill>
+                      <a:prstDash val="solid"/>
+                      <a:round/>
+                      <a:headEnd type="none" w="med" len="med"/>
+                      <a:tailEnd type="none" w="med" len="med"/>
+                    </a:lnL>
+                    <a:lnR w="12700" cap="flat" cmpd="sng" algn="ctr">
+                      <a:solidFill>
+                        <a:schemeClr val="tx1"/>
+                      </a:solidFill>
+                      <a:prstDash val="solid"/>
+                      <a:round/>
+                      <a:headEnd type="none" w="med" len="med"/>
+                      <a:tailEnd type="none" w="med" len="med"/>
+                    </a:lnR>
+                    <a:lnT w="12700" cap="flat" cmpd="sng" algn="ctr">
+                      <a:solidFill>
+                        <a:schemeClr val="tx1"/>
+                      </a:solidFill>
+                      <a:prstDash val="solid"/>
+                      <a:round/>
+                      <a:headEnd type="none" w="med" len="med"/>
+                      <a:tailEnd type="none" w="med" len="med"/>
+                    </a:lnT>
+                    <a:lnB w="12700" cap="flat" cmpd="sng" algn="ctr">
+                      <a:solidFill>
+                        <a:schemeClr val="tx1"/>
+                      </a:solidFill>
+                      <a:prstDash val="solid"/>
+                      <a:round/>
+                      <a:headEnd type="none" w="med" len="med"/>
+                      <a:tailEnd type="none" w="med" len="med"/>
+                    </a:lnB>
+                    <a:noFill/>
+                  </a:tcPr>
+                </a:tc>
+                <a:tc>
+                  <a:txBody>
+                    <a:bodyPr/>
+                    <a:lstStyle/>
+                    <a:p>
+                      <a:pPr algn="ctr"/>
+                      <a:r>
+                        <a:rPr lang="en-US" dirty="0" smtClean="0">
+                          <a:solidFill>
+                            <a:schemeClr val="tx1"/>
+                          </a:solidFill>
+                          <a:latin typeface="Times New Roman" panose="02020603050405020304" pitchFamily="18" charset="0"/>
+                          <a:cs typeface="Times New Roman" panose="02020603050405020304" pitchFamily="18" charset="0"/>
+                        </a:rPr>
+                        <a:t>Using Secure Socket Layer</a:t>
+                      </a:r>
+                    </a:p>
+                    <a:p>
+                      <a:pPr algn="ctr"/>
+                      <a:r>
+                        <a:rPr lang="en-US" dirty="0" smtClean="0">
+                          <a:solidFill>
+                            <a:schemeClr val="tx1"/>
+                          </a:solidFill>
+                          <a:latin typeface="Times New Roman" panose="02020603050405020304" pitchFamily="18" charset="0"/>
+                          <a:cs typeface="Times New Roman" panose="02020603050405020304" pitchFamily="18" charset="0"/>
+                        </a:rPr>
+                        <a:t>(SSL) or Secure Shell (SSH))</a:t>
+                      </a:r>
+                      <a:endParaRPr lang="en-US" dirty="0">
+                        <a:solidFill>
+                          <a:schemeClr val="tx1"/>
+                        </a:solidFill>
+                        <a:latin typeface="Times New Roman" panose="02020603050405020304" pitchFamily="18" charset="0"/>
+                        <a:cs typeface="Times New Roman" panose="02020603050405020304" pitchFamily="18" charset="0"/>
+                      </a:endParaRPr>
+                    </a:p>
+                  </a:txBody>
+                  <a:tcPr anchor="ctr">
+                    <a:lnL w="12700" cap="flat" cmpd="sng" algn="ctr">
+                      <a:solidFill>
+                        <a:schemeClr val="tx1"/>
+                      </a:solidFill>
+                      <a:prstDash val="solid"/>
+                      <a:round/>
+                      <a:headEnd type="none" w="med" len="med"/>
+                      <a:tailEnd type="none" w="med" len="med"/>
+                    </a:lnL>
+                    <a:lnR w="12700" cap="flat" cmpd="sng" algn="ctr">
+                      <a:solidFill>
+                        <a:schemeClr val="tx1"/>
+                      </a:solidFill>
+                      <a:prstDash val="solid"/>
+                      <a:round/>
+                      <a:headEnd type="none" w="med" len="med"/>
+                      <a:tailEnd type="none" w="med" len="med"/>
+                    </a:lnR>
+                    <a:lnT w="12700" cap="flat" cmpd="sng" algn="ctr">
+                      <a:solidFill>
+                        <a:schemeClr val="tx1"/>
+                      </a:solidFill>
+                      <a:prstDash val="solid"/>
+                      <a:round/>
+                      <a:headEnd type="none" w="med" len="med"/>
+                      <a:tailEnd type="none" w="med" len="med"/>
+                    </a:lnT>
+                    <a:lnB w="12700" cap="flat" cmpd="sng" algn="ctr">
+                      <a:solidFill>
+                        <a:schemeClr val="tx1"/>
+                      </a:solidFill>
+                      <a:prstDash val="solid"/>
+                      <a:round/>
+                      <a:headEnd type="none" w="med" len="med"/>
+                      <a:tailEnd type="none" w="med" len="med"/>
+                    </a:lnB>
+                    <a:noFill/>
+                  </a:tcPr>
+                </a:tc>
+                <a:tc>
+                  <a:txBody>
+                    <a:bodyPr/>
+                    <a:lstStyle/>
+                    <a:p>
+                      <a:pPr algn="ctr"/>
+                      <a:r>
+                        <a:rPr lang="en-US" dirty="0" smtClean="0">
+                          <a:solidFill>
+                            <a:schemeClr val="tx1"/>
+                          </a:solidFill>
+                          <a:latin typeface="Times New Roman" panose="02020603050405020304" pitchFamily="18" charset="0"/>
+                          <a:cs typeface="Times New Roman" panose="02020603050405020304" pitchFamily="18" charset="0"/>
+                        </a:rPr>
+                        <a:t>Platfor</a:t>
+                      </a:r>
+                      <a:r>
+                        <a:rPr lang="en-US" baseline="0" dirty="0" smtClean="0">
+                          <a:solidFill>
+                            <a:schemeClr val="tx1"/>
+                          </a:solidFill>
+                          <a:latin typeface="Times New Roman" panose="02020603050405020304" pitchFamily="18" charset="0"/>
+                          <a:cs typeface="Times New Roman" panose="02020603050405020304" pitchFamily="18" charset="0"/>
+                        </a:rPr>
+                        <a:t>m </a:t>
+                      </a:r>
+                      <a:r>
+                        <a:rPr lang="en-US" baseline="0" dirty="0" smtClean="0">
+                          <a:solidFill>
+                            <a:schemeClr val="tx1"/>
+                          </a:solidFill>
+                          <a:latin typeface="Times New Roman" panose="02020603050405020304" pitchFamily="18" charset="0"/>
+                          <a:cs typeface="Times New Roman" panose="02020603050405020304" pitchFamily="18" charset="0"/>
+                        </a:rPr>
+                        <a:t>Dependent</a:t>
+                      </a:r>
+                      <a:endParaRPr lang="en-US" baseline="0" dirty="0" smtClean="0">
+                        <a:solidFill>
+                          <a:schemeClr val="tx1"/>
+                        </a:solidFill>
+                        <a:latin typeface="Times New Roman" panose="02020603050405020304" pitchFamily="18" charset="0"/>
+                        <a:cs typeface="Times New Roman" panose="02020603050405020304" pitchFamily="18" charset="0"/>
+                      </a:endParaRPr>
+                    </a:p>
+                  </a:txBody>
+                  <a:tcPr anchor="ctr">
+                    <a:lnL w="12700" cap="flat" cmpd="sng" algn="ctr">
+                      <a:solidFill>
+                        <a:schemeClr val="tx1"/>
+                      </a:solidFill>
+                      <a:prstDash val="solid"/>
+                      <a:round/>
+                      <a:headEnd type="none" w="med" len="med"/>
+                      <a:tailEnd type="none" w="med" len="med"/>
+                    </a:lnL>
+                    <a:lnR w="12700" cap="flat" cmpd="sng" algn="ctr">
+                      <a:solidFill>
+                        <a:schemeClr val="tx1"/>
+                      </a:solidFill>
+                      <a:prstDash val="solid"/>
+                      <a:round/>
+                      <a:headEnd type="none" w="med" len="med"/>
+                      <a:tailEnd type="none" w="med" len="med"/>
+                    </a:lnR>
+                    <a:lnT w="12700" cap="flat" cmpd="sng" algn="ctr">
+                      <a:solidFill>
+                        <a:schemeClr val="tx1"/>
+                      </a:solidFill>
+                      <a:prstDash val="solid"/>
+                      <a:round/>
+                      <a:headEnd type="none" w="med" len="med"/>
+                      <a:tailEnd type="none" w="med" len="med"/>
+                    </a:lnT>
+                    <a:lnB w="12700" cap="flat" cmpd="sng" algn="ctr">
+                      <a:solidFill>
+                        <a:schemeClr val="tx1"/>
+                      </a:solidFill>
+                      <a:prstDash val="solid"/>
+                      <a:round/>
+                      <a:headEnd type="none" w="med" len="med"/>
+                      <a:tailEnd type="none" w="med" len="med"/>
+                    </a:lnB>
+                    <a:noFill/>
+                  </a:tcPr>
+                </a:tc>
+                <a:extLst>
+                  <a:ext uri="{0D108BD9-81ED-4DB2-BD59-A6C34878D82A}">
+                    <a16:rowId xmlns:a16="http://schemas.microsoft.com/office/drawing/2014/main" val="4275570003"/>
+                  </a:ext>
+                </a:extLst>
+              </a:tr>
+            </a:tbl>
+          </a:graphicData>
+        </a:graphic>
+      </p:graphicFrame>
+    </p:spTree>
+    <p:extLst>
+      <p:ext uri="{BB962C8B-B14F-4D97-AF65-F5344CB8AC3E}">
+        <p14:creationId xmlns:p14="http://schemas.microsoft.com/office/powerpoint/2010/main" val="3721279031"/>
       </p:ext>
     </p:extLst>
   </p:cSld>

--- a/DOCS/Literature_Survey.pptx
+++ b/DOCS/Literature_Survey.pptx
@@ -5,14 +5,15 @@
     <p:sldMasterId id="2147483648" r:id="rId1"/>
   </p:sldMasterIdLst>
   <p:notesMasterIdLst>
-    <p:notesMasterId r:id="rId7"/>
+    <p:notesMasterId r:id="rId8"/>
   </p:notesMasterIdLst>
   <p:sldIdLst>
-    <p:sldId id="274" r:id="rId2"/>
-    <p:sldId id="275" r:id="rId3"/>
-    <p:sldId id="276" r:id="rId4"/>
-    <p:sldId id="277" r:id="rId5"/>
-    <p:sldId id="278" r:id="rId6"/>
+    <p:sldId id="256" r:id="rId2"/>
+    <p:sldId id="257" r:id="rId3"/>
+    <p:sldId id="258" r:id="rId4"/>
+    <p:sldId id="259" r:id="rId5"/>
+    <p:sldId id="260" r:id="rId6"/>
+    <p:sldId id="261" r:id="rId7"/>
   </p:sldIdLst>
   <p:sldSz cx="12192000" cy="6858000"/>
   <p:notesSz cx="6858000" cy="9144000"/>
@@ -116,11 +117,12 @@
       <p14:sectionLst xmlns:p14="http://schemas.microsoft.com/office/powerpoint/2010/main">
         <p14:section name="Base Paper" id="{48C93048-1950-4A12-9794-B278798096F2}">
           <p14:sldIdLst>
-            <p14:sldId id="274"/>
-            <p14:sldId id="275"/>
-            <p14:sldId id="276"/>
-            <p14:sldId id="277"/>
-            <p14:sldId id="278"/>
+            <p14:sldId id="256"/>
+            <p14:sldId id="257"/>
+            <p14:sldId id="258"/>
+            <p14:sldId id="259"/>
+            <p14:sldId id="260"/>
+            <p14:sldId id="261"/>
           </p14:sldIdLst>
         </p14:section>
       </p14:sectionLst>
@@ -226,7 +228,7 @@
             <a:fld id="{1BC5A6D6-678F-47D8-91DE-2A07AB82649C}" type="datetimeFigureOut">
               <a:rPr lang="en-US" smtClean="0"/>
               <a:pPr/>
-              <a:t>3/14/2024</a:t>
+              <a:t>3/21/2024</a:t>
             </a:fld>
             <a:endParaRPr lang="en-US"/>
           </a:p>
@@ -671,7 +673,7 @@
             <a:fld id="{CF705531-103C-4EA6-8A04-8B669A93EC46}" type="datetimeFigureOut">
               <a:rPr lang="en-US" smtClean="0"/>
               <a:pPr/>
-              <a:t>3/14/2024</a:t>
+              <a:t>3/21/2024</a:t>
             </a:fld>
             <a:endParaRPr lang="en-US"/>
           </a:p>
@@ -836,7 +838,7 @@
             <a:fld id="{CF705531-103C-4EA6-8A04-8B669A93EC46}" type="datetimeFigureOut">
               <a:rPr lang="en-US" smtClean="0"/>
               <a:pPr/>
-              <a:t>3/14/2024</a:t>
+              <a:t>3/21/2024</a:t>
             </a:fld>
             <a:endParaRPr lang="en-US"/>
           </a:p>
@@ -1011,7 +1013,7 @@
             <a:fld id="{CF705531-103C-4EA6-8A04-8B669A93EC46}" type="datetimeFigureOut">
               <a:rPr lang="en-US" smtClean="0"/>
               <a:pPr/>
-              <a:t>3/14/2024</a:t>
+              <a:t>3/21/2024</a:t>
             </a:fld>
             <a:endParaRPr lang="en-US"/>
           </a:p>
@@ -1176,7 +1178,7 @@
             <a:fld id="{CF705531-103C-4EA6-8A04-8B669A93EC46}" type="datetimeFigureOut">
               <a:rPr lang="en-US" smtClean="0"/>
               <a:pPr/>
-              <a:t>3/14/2024</a:t>
+              <a:t>3/21/2024</a:t>
             </a:fld>
             <a:endParaRPr lang="en-US"/>
           </a:p>
@@ -1418,7 +1420,7 @@
             <a:fld id="{CF705531-103C-4EA6-8A04-8B669A93EC46}" type="datetimeFigureOut">
               <a:rPr lang="en-US" smtClean="0"/>
               <a:pPr/>
-              <a:t>3/14/2024</a:t>
+              <a:t>3/21/2024</a:t>
             </a:fld>
             <a:endParaRPr lang="en-US"/>
           </a:p>
@@ -1700,7 +1702,7 @@
             <a:fld id="{CF705531-103C-4EA6-8A04-8B669A93EC46}" type="datetimeFigureOut">
               <a:rPr lang="en-US" smtClean="0"/>
               <a:pPr/>
-              <a:t>3/14/2024</a:t>
+              <a:t>3/21/2024</a:t>
             </a:fld>
             <a:endParaRPr lang="en-US"/>
           </a:p>
@@ -2121,7 +2123,7 @@
             <a:fld id="{CF705531-103C-4EA6-8A04-8B669A93EC46}" type="datetimeFigureOut">
               <a:rPr lang="en-US" smtClean="0"/>
               <a:pPr/>
-              <a:t>3/14/2024</a:t>
+              <a:t>3/21/2024</a:t>
             </a:fld>
             <a:endParaRPr lang="en-US"/>
           </a:p>
@@ -2235,7 +2237,7 @@
             <a:fld id="{CF705531-103C-4EA6-8A04-8B669A93EC46}" type="datetimeFigureOut">
               <a:rPr lang="en-US" smtClean="0"/>
               <a:pPr/>
-              <a:t>3/14/2024</a:t>
+              <a:t>3/21/2024</a:t>
             </a:fld>
             <a:endParaRPr lang="en-US"/>
           </a:p>
@@ -2327,7 +2329,7 @@
             <a:fld id="{CF705531-103C-4EA6-8A04-8B669A93EC46}" type="datetimeFigureOut">
               <a:rPr lang="en-US" smtClean="0"/>
               <a:pPr/>
-              <a:t>3/14/2024</a:t>
+              <a:t>3/21/2024</a:t>
             </a:fld>
             <a:endParaRPr lang="en-US"/>
           </a:p>
@@ -2599,7 +2601,7 @@
             <a:fld id="{CF705531-103C-4EA6-8A04-8B669A93EC46}" type="datetimeFigureOut">
               <a:rPr lang="en-US" smtClean="0"/>
               <a:pPr/>
-              <a:t>3/14/2024</a:t>
+              <a:t>3/21/2024</a:t>
             </a:fld>
             <a:endParaRPr lang="en-US"/>
           </a:p>
@@ -2848,7 +2850,7 @@
             <a:fld id="{CF705531-103C-4EA6-8A04-8B669A93EC46}" type="datetimeFigureOut">
               <a:rPr lang="en-US" smtClean="0"/>
               <a:pPr/>
-              <a:t>3/14/2024</a:t>
+              <a:t>3/21/2024</a:t>
             </a:fld>
             <a:endParaRPr lang="en-US"/>
           </a:p>
@@ -3056,7 +3058,7 @@
             <a:fld id="{CF705531-103C-4EA6-8A04-8B669A93EC46}" type="datetimeFigureOut">
               <a:rPr lang="en-US" smtClean="0"/>
               <a:pPr/>
-              <a:t>3/14/2024</a:t>
+              <a:t>3/21/2024</a:t>
             </a:fld>
             <a:endParaRPr lang="en-US"/>
           </a:p>
@@ -3439,6 +3441,326 @@
         </p:nvSpPr>
         <p:spPr>
           <a:xfrm>
+            <a:off x="609600" y="245455"/>
+            <a:ext cx="10972800" cy="673812"/>
+          </a:xfrm>
+        </p:spPr>
+        <p:txBody>
+          <a:bodyPr>
+            <a:normAutofit/>
+          </a:bodyPr>
+          <a:lstStyle/>
+          <a:p>
+            <a:r>
+              <a:rPr lang="en-US" sz="3600" dirty="0">
+                <a:latin typeface="Times New Roman" panose="02020603050405020304" pitchFamily="18" charset="0"/>
+                <a:cs typeface="Times New Roman" panose="02020603050405020304" pitchFamily="18" charset="0"/>
+              </a:rPr>
+              <a:t> </a:t>
+            </a:r>
+            <a:r>
+              <a:rPr lang="en-US" sz="3600" b="1" dirty="0">
+                <a:latin typeface="Times New Roman" panose="02020603050405020304" pitchFamily="18" charset="0"/>
+                <a:cs typeface="Times New Roman" panose="02020603050405020304" pitchFamily="18" charset="0"/>
+              </a:rPr>
+              <a:t>BASE PAPERS</a:t>
+            </a:r>
+            <a:endParaRPr lang="en-US" sz="3600" dirty="0">
+              <a:latin typeface="Times New Roman" pitchFamily="18" charset="0"/>
+            </a:endParaRPr>
+          </a:p>
+        </p:txBody>
+      </p:sp>
+      <p:sp>
+        <p:nvSpPr>
+          <p:cNvPr id="3" name="TextBox 2">
+            <a:extLst>
+              <a:ext uri="{FF2B5EF4-FFF2-40B4-BE49-F238E27FC236}">
+                <a16:creationId xmlns:a16="http://schemas.microsoft.com/office/drawing/2014/main" id="{A8CC6EC7-53F3-9BB9-DC3B-4702CB186EB2}"/>
+              </a:ext>
+            </a:extLst>
+          </p:cNvPr>
+          <p:cNvSpPr txBox="1"/>
+          <p:nvPr/>
+        </p:nvSpPr>
+        <p:spPr>
+          <a:xfrm>
+            <a:off x="649432" y="1508766"/>
+            <a:ext cx="10893136" cy="4524315"/>
+          </a:xfrm>
+          <a:prstGeom prst="rect">
+            <a:avLst/>
+          </a:prstGeom>
+          <a:noFill/>
+        </p:spPr>
+        <p:txBody>
+          <a:bodyPr wrap="square" rtlCol="0">
+            <a:spAutoFit/>
+          </a:bodyPr>
+          <a:lstStyle/>
+          <a:p>
+            <a:pPr marL="285750" indent="-285750" algn="just">
+              <a:lnSpc>
+                <a:spcPct val="150000"/>
+              </a:lnSpc>
+              <a:buFont typeface="Wingdings" panose="05000000000000000000" pitchFamily="2" charset="2"/>
+              <a:buChar char="v"/>
+            </a:pPr>
+            <a:r>
+              <a:rPr lang="en-IN" sz="2400" dirty="0">
+                <a:latin typeface="Times New Roman" panose="02020603050405020304" pitchFamily="18" charset="0"/>
+                <a:cs typeface="Times New Roman" panose="02020603050405020304" pitchFamily="18" charset="0"/>
+              </a:rPr>
+              <a:t>[1]. Mirza K. B. Shuhan1, Tariqul Islam2. </a:t>
+            </a:r>
+            <a:r>
+              <a:rPr lang="en-IN" sz="2400" dirty="0" smtClean="0">
+                <a:latin typeface="Times New Roman" panose="02020603050405020304" pitchFamily="18" charset="0"/>
+                <a:cs typeface="Times New Roman" panose="02020603050405020304" pitchFamily="18" charset="0"/>
+              </a:rPr>
+              <a:t>IEEE (</a:t>
+            </a:r>
+            <a:r>
+              <a:rPr lang="en-IN" sz="2400" dirty="0" smtClean="0">
+                <a:latin typeface="Times New Roman" panose="02020603050405020304" pitchFamily="18" charset="0"/>
+                <a:cs typeface="Times New Roman" panose="02020603050405020304" pitchFamily="18" charset="0"/>
+                <a:hlinkClick r:id="rId2"/>
+              </a:rPr>
+              <a:t>arXiv:2308.04452v1</a:t>
+            </a:r>
+            <a:r>
+              <a:rPr lang="en-IN" sz="2400" dirty="0" smtClean="0">
+                <a:latin typeface="Times New Roman" panose="02020603050405020304" pitchFamily="18" charset="0"/>
+                <a:cs typeface="Times New Roman" panose="02020603050405020304" pitchFamily="18" charset="0"/>
+              </a:rPr>
+              <a:t>) </a:t>
+            </a:r>
+            <a:r>
+              <a:rPr lang="en-IN" sz="2400" dirty="0">
+                <a:latin typeface="Times New Roman" panose="02020603050405020304" pitchFamily="18" charset="0"/>
+                <a:cs typeface="Times New Roman" panose="02020603050405020304" pitchFamily="18" charset="0"/>
+              </a:rPr>
+              <a:t>[cs.CR] 5 Aug 2023. </a:t>
+            </a:r>
+            <a:r>
+              <a:rPr lang="en-US" sz="2400" dirty="0">
+                <a:latin typeface="Times New Roman" panose="02020603050405020304" pitchFamily="18" charset="0"/>
+                <a:cs typeface="Times New Roman" panose="02020603050405020304" pitchFamily="18" charset="0"/>
+              </a:rPr>
+              <a:t>Quarks: A Secure and </a:t>
+            </a:r>
+            <a:r>
+              <a:rPr lang="en-US" sz="2400" dirty="0" smtClean="0">
+                <a:latin typeface="Times New Roman" panose="02020603050405020304" pitchFamily="18" charset="0"/>
+                <a:cs typeface="Times New Roman" panose="02020603050405020304" pitchFamily="18" charset="0"/>
+              </a:rPr>
+              <a:t>Decentralized Block-chain Based </a:t>
+            </a:r>
+            <a:r>
+              <a:rPr lang="en-US" sz="2400" dirty="0">
+                <a:latin typeface="Times New Roman" panose="02020603050405020304" pitchFamily="18" charset="0"/>
+                <a:cs typeface="Times New Roman" panose="02020603050405020304" pitchFamily="18" charset="0"/>
+              </a:rPr>
+              <a:t>Messaging Network</a:t>
+            </a:r>
+          </a:p>
+          <a:p>
+            <a:pPr marL="285750" indent="-285750" algn="just">
+              <a:lnSpc>
+                <a:spcPct val="150000"/>
+              </a:lnSpc>
+              <a:buFont typeface="Wingdings" panose="05000000000000000000" pitchFamily="2" charset="2"/>
+              <a:buChar char="v"/>
+            </a:pPr>
+            <a:r>
+              <a:rPr lang="en-IN" sz="2400" dirty="0" smtClean="0">
+                <a:latin typeface="Times New Roman" panose="02020603050405020304" pitchFamily="18" charset="0"/>
+                <a:cs typeface="Times New Roman" panose="02020603050405020304" pitchFamily="18" charset="0"/>
+              </a:rPr>
+              <a:t>[2]. </a:t>
+            </a:r>
+            <a:r>
+              <a:rPr lang="en-IN" sz="2400" dirty="0">
+                <a:latin typeface="Times New Roman" panose="02020603050405020304" pitchFamily="18" charset="0"/>
+                <a:cs typeface="Times New Roman" panose="02020603050405020304" pitchFamily="18" charset="0"/>
+              </a:rPr>
+              <a:t>Samira </a:t>
+            </a:r>
+            <a:r>
+              <a:rPr lang="en-IN" sz="2400" dirty="0" err="1">
+                <a:latin typeface="Times New Roman" panose="02020603050405020304" pitchFamily="18" charset="0"/>
+                <a:cs typeface="Times New Roman" panose="02020603050405020304" pitchFamily="18" charset="0"/>
+              </a:rPr>
+              <a:t>Prabhune</a:t>
+            </a:r>
+            <a:r>
+              <a:rPr lang="en-IN" sz="2400" dirty="0">
+                <a:latin typeface="Times New Roman" panose="02020603050405020304" pitchFamily="18" charset="0"/>
+                <a:cs typeface="Times New Roman" panose="02020603050405020304" pitchFamily="18" charset="0"/>
+              </a:rPr>
+              <a:t>, </a:t>
+            </a:r>
+            <a:r>
+              <a:rPr lang="en-IN" sz="2400" dirty="0" err="1">
+                <a:latin typeface="Times New Roman" panose="02020603050405020304" pitchFamily="18" charset="0"/>
+                <a:cs typeface="Times New Roman" panose="02020603050405020304" pitchFamily="18" charset="0"/>
+              </a:rPr>
+              <a:t>Sonal</a:t>
+            </a:r>
+            <a:r>
+              <a:rPr lang="en-IN" sz="2400" dirty="0">
+                <a:latin typeface="Times New Roman" panose="02020603050405020304" pitchFamily="18" charset="0"/>
+                <a:cs typeface="Times New Roman" panose="02020603050405020304" pitchFamily="18" charset="0"/>
+              </a:rPr>
+              <a:t> Sharma. IEEE (</a:t>
+            </a:r>
+            <a:r>
+              <a:rPr lang="en-IN" sz="2400" dirty="0">
+                <a:latin typeface="Times New Roman" panose="02020603050405020304" pitchFamily="18" charset="0"/>
+                <a:cs typeface="Times New Roman" panose="02020603050405020304" pitchFamily="18" charset="0"/>
+                <a:hlinkClick r:id="rId3"/>
+              </a:rPr>
+              <a:t>9725597</a:t>
+            </a:r>
+            <a:r>
+              <a:rPr lang="en-IN" sz="2400" dirty="0">
+                <a:latin typeface="Times New Roman" panose="02020603050405020304" pitchFamily="18" charset="0"/>
+                <a:cs typeface="Times New Roman" panose="02020603050405020304" pitchFamily="18" charset="0"/>
+              </a:rPr>
+              <a:t>). </a:t>
+            </a:r>
+            <a:r>
+              <a:rPr lang="en-US" sz="2400" dirty="0" smtClean="0">
+                <a:latin typeface="Times New Roman" panose="02020603050405020304" pitchFamily="18" charset="0"/>
+                <a:cs typeface="Times New Roman" panose="02020603050405020304" pitchFamily="18" charset="0"/>
+              </a:rPr>
+              <a:t>End-to-End </a:t>
+            </a:r>
+            <a:r>
+              <a:rPr lang="en-US" sz="2400" dirty="0">
+                <a:latin typeface="Times New Roman" panose="02020603050405020304" pitchFamily="18" charset="0"/>
+                <a:cs typeface="Times New Roman" panose="02020603050405020304" pitchFamily="18" charset="0"/>
+              </a:rPr>
+              <a:t>Encryption for Chat App with Dynamic Encryption Key</a:t>
+            </a:r>
+          </a:p>
+          <a:p>
+            <a:pPr marL="285750" indent="-285750" algn="just">
+              <a:lnSpc>
+                <a:spcPct val="150000"/>
+              </a:lnSpc>
+              <a:buFont typeface="Wingdings" panose="05000000000000000000" pitchFamily="2" charset="2"/>
+              <a:buChar char="v"/>
+            </a:pPr>
+            <a:r>
+              <a:rPr lang="en-IN" sz="2400" dirty="0" smtClean="0">
+                <a:latin typeface="Times New Roman" panose="02020603050405020304" pitchFamily="18" charset="0"/>
+                <a:cs typeface="Times New Roman" panose="02020603050405020304" pitchFamily="18" charset="0"/>
+              </a:rPr>
+              <a:t>[3]. </a:t>
+            </a:r>
+            <a:r>
+              <a:rPr lang="sv-SE" sz="2400" dirty="0">
+                <a:latin typeface="Times New Roman" panose="02020603050405020304" pitchFamily="18" charset="0"/>
+                <a:cs typeface="Times New Roman" panose="02020603050405020304" pitchFamily="18" charset="0"/>
+              </a:rPr>
+              <a:t>Ammar Hammad Ali, Ali Makki Sagheer</a:t>
+            </a:r>
+            <a:r>
+              <a:rPr lang="en-IN" sz="2400" dirty="0">
+                <a:latin typeface="Times New Roman" panose="02020603050405020304" pitchFamily="18" charset="0"/>
+                <a:cs typeface="Times New Roman" panose="02020603050405020304" pitchFamily="18" charset="0"/>
+              </a:rPr>
+              <a:t>. IASJ (</a:t>
+            </a:r>
+            <a:r>
+              <a:rPr lang="en-IN" sz="2400" dirty="0">
+                <a:latin typeface="Times New Roman" panose="02020603050405020304" pitchFamily="18" charset="0"/>
+                <a:cs typeface="Times New Roman" panose="02020603050405020304" pitchFamily="18" charset="0"/>
+                <a:hlinkClick r:id="rId4"/>
+              </a:rPr>
+              <a:t>doi:10.25195/2017/4315</a:t>
+            </a:r>
+            <a:r>
+              <a:rPr lang="en-IN" sz="2400" dirty="0">
+                <a:latin typeface="Times New Roman" panose="02020603050405020304" pitchFamily="18" charset="0"/>
+                <a:cs typeface="Times New Roman" panose="02020603050405020304" pitchFamily="18" charset="0"/>
+              </a:rPr>
+              <a:t>) Vol.[43] Issue[1] 2017. </a:t>
+            </a:r>
+            <a:r>
+              <a:rPr lang="en-US" sz="2400" dirty="0">
+                <a:latin typeface="Times New Roman" panose="02020603050405020304" pitchFamily="18" charset="0"/>
+                <a:cs typeface="Times New Roman" panose="02020603050405020304" pitchFamily="18" charset="0"/>
+              </a:rPr>
+              <a:t>Design of Secure Chatting Application with End to End Encryption for Android </a:t>
+            </a:r>
+            <a:r>
+              <a:rPr lang="en-US" sz="2400" dirty="0" smtClean="0">
+                <a:latin typeface="Times New Roman" panose="02020603050405020304" pitchFamily="18" charset="0"/>
+                <a:cs typeface="Times New Roman" panose="02020603050405020304" pitchFamily="18" charset="0"/>
+              </a:rPr>
+              <a:t>Platform</a:t>
+            </a:r>
+            <a:endParaRPr lang="en-US" sz="2400" dirty="0">
+              <a:latin typeface="Times New Roman" panose="02020603050405020304" pitchFamily="18" charset="0"/>
+              <a:cs typeface="Times New Roman" panose="02020603050405020304" pitchFamily="18" charset="0"/>
+            </a:endParaRPr>
+          </a:p>
+        </p:txBody>
+      </p:sp>
+    </p:spTree>
+    <p:extLst>
+      <p:ext uri="{BB962C8B-B14F-4D97-AF65-F5344CB8AC3E}">
+        <p14:creationId xmlns:p14="http://schemas.microsoft.com/office/powerpoint/2010/main" val="3800376910"/>
+      </p:ext>
+    </p:extLst>
+  </p:cSld>
+  <p:clrMapOvr>
+    <a:masterClrMapping/>
+  </p:clrMapOvr>
+  <p:transition spd="slow">
+    <p:wipe/>
+  </p:transition>
+  <p:timing>
+    <p:tnLst>
+      <p:par>
+        <p:cTn id="1" dur="indefinite" restart="never" nodeType="tmRoot"/>
+      </p:par>
+    </p:tnLst>
+  </p:timing>
+</p:sld>
+</file>
+
+<file path=ppt/slides/slide2.xml><?xml version="1.0" encoding="utf-8"?>
+<p:sld xmlns:a="http://schemas.openxmlformats.org/drawingml/2006/main" xmlns:r="http://schemas.openxmlformats.org/officeDocument/2006/relationships" xmlns:p="http://schemas.openxmlformats.org/presentationml/2006/main">
+  <p:cSld>
+    <p:spTree>
+      <p:nvGrpSpPr>
+        <p:cNvPr id="1" name=""/>
+        <p:cNvGrpSpPr/>
+        <p:nvPr/>
+      </p:nvGrpSpPr>
+      <p:grpSpPr>
+        <a:xfrm>
+          <a:off x="0" y="0"/>
+          <a:ext cx="0" cy="0"/>
+          <a:chOff x="0" y="0"/>
+          <a:chExt cx="0" cy="0"/>
+        </a:xfrm>
+      </p:grpSpPr>
+      <p:sp>
+        <p:nvSpPr>
+          <p:cNvPr id="2" name="Title 1"/>
+          <p:cNvSpPr>
+            <a:spLocks noGrp="1"/>
+          </p:cNvSpPr>
+          <p:nvPr>
+            <p:ph type="title"/>
+          </p:nvPr>
+        </p:nvSpPr>
+        <p:spPr>
+          <a:xfrm>
             <a:off x="609600" y="153091"/>
             <a:ext cx="10972800" cy="673812"/>
           </a:xfrm>
@@ -3469,11 +3791,7 @@
             <a:graphicFrameLocks noGrp="1"/>
           </p:cNvGraphicFramePr>
           <p:nvPr>
-            <p:extLst>
-              <p:ext uri="{D42A27DB-BD31-4B8C-83A1-F6EECF244321}">
-                <p14:modId xmlns:p14="http://schemas.microsoft.com/office/powerpoint/2010/main" val="3706025679"/>
-              </p:ext>
-            </p:extLst>
+            <p:extLst/>
           </p:nvPr>
         </p:nvGraphicFramePr>
         <p:xfrm>
@@ -3900,7 +4218,7 @@
                           <a:latin typeface="Times New Roman" panose="02020603050405020304" pitchFamily="18" charset="0"/>
                           <a:cs typeface="Times New Roman" panose="02020603050405020304" pitchFamily="18" charset="0"/>
                         </a:rPr>
-                        <a:t>Disadvantaged</a:t>
+                        <a:t>Disadvantages</a:t>
                       </a:r>
                       <a:endParaRPr lang="en-US" dirty="0">
                         <a:solidFill>
@@ -4953,7 +5271,7 @@
     </p:spTree>
     <p:extLst>
       <p:ext uri="{BB962C8B-B14F-4D97-AF65-F5344CB8AC3E}">
-        <p14:creationId xmlns:p14="http://schemas.microsoft.com/office/powerpoint/2010/main" val="473876944"/>
+        <p14:creationId xmlns:p14="http://schemas.microsoft.com/office/powerpoint/2010/main" val="1176009880"/>
       </p:ext>
     </p:extLst>
   </p:cSld>
@@ -4962,1607 +5280,6 @@
   </p:clrMapOvr>
   <p:transition spd="slow">
     <p:wipe/>
-  </p:transition>
-  <p:timing>
-    <p:tnLst>
-      <p:par>
-        <p:cTn id="1" dur="indefinite" restart="never" nodeType="tmRoot"/>
-      </p:par>
-    </p:tnLst>
-  </p:timing>
-</p:sld>
-</file>
-
-<file path=ppt/slides/slide2.xml><?xml version="1.0" encoding="utf-8"?>
-<p:sld xmlns:a="http://schemas.openxmlformats.org/drawingml/2006/main" xmlns:r="http://schemas.openxmlformats.org/officeDocument/2006/relationships" xmlns:p="http://schemas.openxmlformats.org/presentationml/2006/main">
-  <p:cSld>
-    <p:spTree>
-      <p:nvGrpSpPr>
-        <p:cNvPr id="1" name=""/>
-        <p:cNvGrpSpPr/>
-        <p:nvPr/>
-      </p:nvGrpSpPr>
-      <p:grpSpPr>
-        <a:xfrm>
-          <a:off x="0" y="0"/>
-          <a:ext cx="0" cy="0"/>
-          <a:chOff x="0" y="0"/>
-          <a:chExt cx="0" cy="0"/>
-        </a:xfrm>
-      </p:grpSpPr>
-      <p:sp>
-        <p:nvSpPr>
-          <p:cNvPr id="2" name="Title 1"/>
-          <p:cNvSpPr>
-            <a:spLocks noGrp="1"/>
-          </p:cNvSpPr>
-          <p:nvPr>
-            <p:ph type="title"/>
-          </p:nvPr>
-        </p:nvSpPr>
-        <p:spPr>
-          <a:xfrm>
-            <a:off x="609600" y="245455"/>
-            <a:ext cx="10972800" cy="673812"/>
-          </a:xfrm>
-        </p:spPr>
-        <p:txBody>
-          <a:bodyPr>
-            <a:normAutofit/>
-          </a:bodyPr>
-          <a:lstStyle/>
-          <a:p>
-            <a:r>
-              <a:rPr lang="en-US" sz="3600" b="1" dirty="0" smtClean="0">
-                <a:latin typeface="Times New Roman" panose="02020603050405020304" pitchFamily="18" charset="0"/>
-                <a:cs typeface="Times New Roman" panose="02020603050405020304" pitchFamily="18" charset="0"/>
-              </a:rPr>
-              <a:t>LITERATURE SURVEY</a:t>
-            </a:r>
-            <a:endParaRPr lang="en-US" sz="3600" b="1" dirty="0">
-              <a:latin typeface="Times New Roman" pitchFamily="18" charset="0"/>
-            </a:endParaRPr>
-          </a:p>
-        </p:txBody>
-      </p:sp>
-      <p:graphicFrame>
-        <p:nvGraphicFramePr>
-          <p:cNvPr id="3" name="Table 2"/>
-          <p:cNvGraphicFramePr>
-            <a:graphicFrameLocks noGrp="1"/>
-          </p:cNvGraphicFramePr>
-          <p:nvPr>
-            <p:extLst>
-              <p:ext uri="{D42A27DB-BD31-4B8C-83A1-F6EECF244321}">
-                <p14:modId xmlns:p14="http://schemas.microsoft.com/office/powerpoint/2010/main" val="2454366775"/>
-              </p:ext>
-            </p:extLst>
-          </p:nvPr>
-        </p:nvGraphicFramePr>
-        <p:xfrm>
-          <a:off x="609600" y="847934"/>
-          <a:ext cx="10972800" cy="5864538"/>
-        </p:xfrm>
-        <a:graphic>
-          <a:graphicData uri="http://schemas.openxmlformats.org/drawingml/2006/table">
-            <a:tbl>
-              <a:tblPr firstRow="1" bandRow="1">
-                <a:tableStyleId>{5C22544A-7EE6-4342-B048-85BDC9FD1C3A}</a:tableStyleId>
-              </a:tblPr>
-              <a:tblGrid>
-                <a:gridCol w="1150961">
-                  <a:extLst>
-                    <a:ext uri="{9D8B030D-6E8A-4147-A177-3AD203B41FA5}">
-                      <a16:colId xmlns:a16="http://schemas.microsoft.com/office/drawing/2014/main" val="650890123"/>
-                    </a:ext>
-                  </a:extLst>
-                </a:gridCol>
-                <a:gridCol w="2248021">
-                  <a:extLst>
-                    <a:ext uri="{9D8B030D-6E8A-4147-A177-3AD203B41FA5}">
-                      <a16:colId xmlns:a16="http://schemas.microsoft.com/office/drawing/2014/main" val="3364458840"/>
-                    </a:ext>
-                  </a:extLst>
-                </a:gridCol>
-                <a:gridCol w="3011054">
-                  <a:extLst>
-                    <a:ext uri="{9D8B030D-6E8A-4147-A177-3AD203B41FA5}">
-                      <a16:colId xmlns:a16="http://schemas.microsoft.com/office/drawing/2014/main" val="1934009595"/>
-                    </a:ext>
-                  </a:extLst>
-                </a:gridCol>
-                <a:gridCol w="1192379">
-                  <a:extLst>
-                    <a:ext uri="{9D8B030D-6E8A-4147-A177-3AD203B41FA5}">
-                      <a16:colId xmlns:a16="http://schemas.microsoft.com/office/drawing/2014/main" val="2106811707"/>
-                    </a:ext>
-                  </a:extLst>
-                </a:gridCol>
-                <a:gridCol w="1541585">
-                  <a:extLst>
-                    <a:ext uri="{9D8B030D-6E8A-4147-A177-3AD203B41FA5}">
-                      <a16:colId xmlns:a16="http://schemas.microsoft.com/office/drawing/2014/main" val="4161205106"/>
-                    </a:ext>
-                  </a:extLst>
-                </a:gridCol>
-                <a:gridCol w="1828800">
-                  <a:extLst>
-                    <a:ext uri="{9D8B030D-6E8A-4147-A177-3AD203B41FA5}">
-                      <a16:colId xmlns:a16="http://schemas.microsoft.com/office/drawing/2014/main" val="2191810521"/>
-                    </a:ext>
-                  </a:extLst>
-                </a:gridCol>
-              </a:tblGrid>
-              <a:tr h="1566858">
-                <a:tc>
-                  <a:txBody>
-                    <a:bodyPr/>
-                    <a:lstStyle/>
-                    <a:p>
-                      <a:pPr algn="ctr"/>
-                      <a:r>
-                        <a:rPr lang="en-US" dirty="0" smtClean="0">
-                          <a:solidFill>
-                            <a:schemeClr val="tx1"/>
-                          </a:solidFill>
-                          <a:latin typeface="Times New Roman" panose="02020603050405020304" pitchFamily="18" charset="0"/>
-                          <a:cs typeface="Times New Roman" panose="02020603050405020304" pitchFamily="18" charset="0"/>
-                        </a:rPr>
-                        <a:t>Serial No:</a:t>
-                      </a:r>
-                      <a:endParaRPr lang="en-US" dirty="0">
-                        <a:solidFill>
-                          <a:schemeClr val="tx1"/>
-                        </a:solidFill>
-                        <a:latin typeface="Times New Roman" panose="02020603050405020304" pitchFamily="18" charset="0"/>
-                        <a:cs typeface="Times New Roman" panose="02020603050405020304" pitchFamily="18" charset="0"/>
-                      </a:endParaRPr>
-                    </a:p>
-                  </a:txBody>
-                  <a:tcPr anchor="ctr">
-                    <a:lnL w="12700" cap="flat" cmpd="sng" algn="ctr">
-                      <a:solidFill>
-                        <a:schemeClr val="tx1"/>
-                      </a:solidFill>
-                      <a:prstDash val="solid"/>
-                      <a:round/>
-                      <a:headEnd type="none" w="med" len="med"/>
-                      <a:tailEnd type="none" w="med" len="med"/>
-                    </a:lnL>
-                    <a:lnR w="12700" cap="flat" cmpd="sng" algn="ctr">
-                      <a:solidFill>
-                        <a:schemeClr val="tx1"/>
-                      </a:solidFill>
-                      <a:prstDash val="solid"/>
-                      <a:round/>
-                      <a:headEnd type="none" w="med" len="med"/>
-                      <a:tailEnd type="none" w="med" len="med"/>
-                    </a:lnR>
-                    <a:lnT w="12700" cap="flat" cmpd="sng" algn="ctr">
-                      <a:solidFill>
-                        <a:schemeClr val="tx1"/>
-                      </a:solidFill>
-                      <a:prstDash val="solid"/>
-                      <a:round/>
-                      <a:headEnd type="none" w="med" len="med"/>
-                      <a:tailEnd type="none" w="med" len="med"/>
-                    </a:lnT>
-                    <a:lnB w="12700" cap="flat" cmpd="sng" algn="ctr">
-                      <a:solidFill>
-                        <a:schemeClr val="tx1"/>
-                      </a:solidFill>
-                      <a:prstDash val="solid"/>
-                      <a:round/>
-                      <a:headEnd type="none" w="med" len="med"/>
-                      <a:tailEnd type="none" w="med" len="med"/>
-                    </a:lnB>
-                    <a:solidFill>
-                      <a:schemeClr val="bg1">
-                        <a:lumMod val="75000"/>
-                      </a:schemeClr>
-                    </a:solidFill>
-                  </a:tcPr>
-                </a:tc>
-                <a:tc>
-                  <a:txBody>
-                    <a:bodyPr/>
-                    <a:lstStyle/>
-                    <a:p>
-                      <a:pPr algn="ctr"/>
-                      <a:r>
-                        <a:rPr lang="en-US" dirty="0" smtClean="0">
-                          <a:solidFill>
-                            <a:schemeClr val="tx1"/>
-                          </a:solidFill>
-                          <a:latin typeface="Times New Roman" panose="02020603050405020304" pitchFamily="18" charset="0"/>
-                          <a:cs typeface="Times New Roman" panose="02020603050405020304" pitchFamily="18" charset="0"/>
-                        </a:rPr>
-                        <a:t>Author</a:t>
-                      </a:r>
-                      <a:r>
-                        <a:rPr lang="en-US" baseline="0" dirty="0" smtClean="0">
-                          <a:solidFill>
-                            <a:schemeClr val="tx1"/>
-                          </a:solidFill>
-                          <a:latin typeface="Times New Roman" panose="02020603050405020304" pitchFamily="18" charset="0"/>
-                          <a:cs typeface="Times New Roman" panose="02020603050405020304" pitchFamily="18" charset="0"/>
-                        </a:rPr>
-                        <a:t> name, Title and date</a:t>
-                      </a:r>
-                      <a:endParaRPr lang="en-US" dirty="0">
-                        <a:solidFill>
-                          <a:schemeClr val="tx1"/>
-                        </a:solidFill>
-                        <a:latin typeface="Times New Roman" panose="02020603050405020304" pitchFamily="18" charset="0"/>
-                        <a:cs typeface="Times New Roman" panose="02020603050405020304" pitchFamily="18" charset="0"/>
-                      </a:endParaRPr>
-                    </a:p>
-                  </a:txBody>
-                  <a:tcPr anchor="ctr">
-                    <a:lnL w="12700" cap="flat" cmpd="sng" algn="ctr">
-                      <a:solidFill>
-                        <a:schemeClr val="tx1"/>
-                      </a:solidFill>
-                      <a:prstDash val="solid"/>
-                      <a:round/>
-                      <a:headEnd type="none" w="med" len="med"/>
-                      <a:tailEnd type="none" w="med" len="med"/>
-                    </a:lnL>
-                    <a:lnR w="12700" cap="flat" cmpd="sng" algn="ctr">
-                      <a:solidFill>
-                        <a:schemeClr val="tx1"/>
-                      </a:solidFill>
-                      <a:prstDash val="solid"/>
-                      <a:round/>
-                      <a:headEnd type="none" w="med" len="med"/>
-                      <a:tailEnd type="none" w="med" len="med"/>
-                    </a:lnR>
-                    <a:lnT w="12700" cap="flat" cmpd="sng" algn="ctr">
-                      <a:solidFill>
-                        <a:schemeClr val="tx1"/>
-                      </a:solidFill>
-                      <a:prstDash val="solid"/>
-                      <a:round/>
-                      <a:headEnd type="none" w="med" len="med"/>
-                      <a:tailEnd type="none" w="med" len="med"/>
-                    </a:lnT>
-                    <a:lnB w="12700" cap="flat" cmpd="sng" algn="ctr">
-                      <a:solidFill>
-                        <a:schemeClr val="tx1"/>
-                      </a:solidFill>
-                      <a:prstDash val="solid"/>
-                      <a:round/>
-                      <a:headEnd type="none" w="med" len="med"/>
-                      <a:tailEnd type="none" w="med" len="med"/>
-                    </a:lnB>
-                    <a:solidFill>
-                      <a:schemeClr val="bg1">
-                        <a:lumMod val="75000"/>
-                      </a:schemeClr>
-                    </a:solidFill>
-                  </a:tcPr>
-                </a:tc>
-                <a:tc>
-                  <a:txBody>
-                    <a:bodyPr/>
-                    <a:lstStyle/>
-                    <a:p>
-                      <a:pPr algn="ctr"/>
-                      <a:r>
-                        <a:rPr lang="en-US" dirty="0" smtClean="0">
-                          <a:solidFill>
-                            <a:schemeClr val="tx1"/>
-                          </a:solidFill>
-                          <a:latin typeface="Times New Roman" panose="02020603050405020304" pitchFamily="18" charset="0"/>
-                          <a:cs typeface="Times New Roman" panose="02020603050405020304" pitchFamily="18" charset="0"/>
-                        </a:rPr>
-                        <a:t>Concept</a:t>
-                      </a:r>
-                      <a:endParaRPr lang="en-US" dirty="0">
-                        <a:solidFill>
-                          <a:schemeClr val="tx1"/>
-                        </a:solidFill>
-                        <a:latin typeface="Times New Roman" panose="02020603050405020304" pitchFamily="18" charset="0"/>
-                        <a:cs typeface="Times New Roman" panose="02020603050405020304" pitchFamily="18" charset="0"/>
-                      </a:endParaRPr>
-                    </a:p>
-                  </a:txBody>
-                  <a:tcPr anchor="ctr">
-                    <a:lnL w="12700" cap="flat" cmpd="sng" algn="ctr">
-                      <a:solidFill>
-                        <a:schemeClr val="tx1"/>
-                      </a:solidFill>
-                      <a:prstDash val="solid"/>
-                      <a:round/>
-                      <a:headEnd type="none" w="med" len="med"/>
-                      <a:tailEnd type="none" w="med" len="med"/>
-                    </a:lnL>
-                    <a:lnR w="12700" cap="flat" cmpd="sng" algn="ctr">
-                      <a:solidFill>
-                        <a:schemeClr val="tx1"/>
-                      </a:solidFill>
-                      <a:prstDash val="solid"/>
-                      <a:round/>
-                      <a:headEnd type="none" w="med" len="med"/>
-                      <a:tailEnd type="none" w="med" len="med"/>
-                    </a:lnR>
-                    <a:lnT w="12700" cap="flat" cmpd="sng" algn="ctr">
-                      <a:solidFill>
-                        <a:schemeClr val="tx1"/>
-                      </a:solidFill>
-                      <a:prstDash val="solid"/>
-                      <a:round/>
-                      <a:headEnd type="none" w="med" len="med"/>
-                      <a:tailEnd type="none" w="med" len="med"/>
-                    </a:lnT>
-                    <a:lnB w="12700" cap="flat" cmpd="sng" algn="ctr">
-                      <a:solidFill>
-                        <a:schemeClr val="tx1"/>
-                      </a:solidFill>
-                      <a:prstDash val="solid"/>
-                      <a:round/>
-                      <a:headEnd type="none" w="med" len="med"/>
-                      <a:tailEnd type="none" w="med" len="med"/>
-                    </a:lnB>
-                    <a:solidFill>
-                      <a:schemeClr val="bg1">
-                        <a:lumMod val="75000"/>
-                      </a:schemeClr>
-                    </a:solidFill>
-                  </a:tcPr>
-                </a:tc>
-                <a:tc>
-                  <a:txBody>
-                    <a:bodyPr/>
-                    <a:lstStyle/>
-                    <a:p>
-                      <a:pPr algn="ctr"/>
-                      <a:r>
-                        <a:rPr lang="en-US" dirty="0" smtClean="0">
-                          <a:solidFill>
-                            <a:schemeClr val="tx1"/>
-                          </a:solidFill>
-                          <a:latin typeface="Times New Roman" panose="02020603050405020304" pitchFamily="18" charset="0"/>
-                          <a:cs typeface="Times New Roman" panose="02020603050405020304" pitchFamily="18" charset="0"/>
-                        </a:rPr>
-                        <a:t>Technique (Algorithm)</a:t>
-                      </a:r>
-                      <a:endParaRPr lang="en-US" dirty="0">
-                        <a:solidFill>
-                          <a:schemeClr val="tx1"/>
-                        </a:solidFill>
-                        <a:latin typeface="Times New Roman" panose="02020603050405020304" pitchFamily="18" charset="0"/>
-                        <a:cs typeface="Times New Roman" panose="02020603050405020304" pitchFamily="18" charset="0"/>
-                      </a:endParaRPr>
-                    </a:p>
-                  </a:txBody>
-                  <a:tcPr anchor="ctr">
-                    <a:lnL w="12700" cap="flat" cmpd="sng" algn="ctr">
-                      <a:solidFill>
-                        <a:schemeClr val="tx1"/>
-                      </a:solidFill>
-                      <a:prstDash val="solid"/>
-                      <a:round/>
-                      <a:headEnd type="none" w="med" len="med"/>
-                      <a:tailEnd type="none" w="med" len="med"/>
-                    </a:lnL>
-                    <a:lnR w="12700" cap="flat" cmpd="sng" algn="ctr">
-                      <a:solidFill>
-                        <a:schemeClr val="tx1"/>
-                      </a:solidFill>
-                      <a:prstDash val="solid"/>
-                      <a:round/>
-                      <a:headEnd type="none" w="med" len="med"/>
-                      <a:tailEnd type="none" w="med" len="med"/>
-                    </a:lnR>
-                    <a:lnT w="12700" cap="flat" cmpd="sng" algn="ctr">
-                      <a:solidFill>
-                        <a:schemeClr val="tx1"/>
-                      </a:solidFill>
-                      <a:prstDash val="solid"/>
-                      <a:round/>
-                      <a:headEnd type="none" w="med" len="med"/>
-                      <a:tailEnd type="none" w="med" len="med"/>
-                    </a:lnT>
-                    <a:lnB w="12700" cap="flat" cmpd="sng" algn="ctr">
-                      <a:solidFill>
-                        <a:schemeClr val="tx1"/>
-                      </a:solidFill>
-                      <a:prstDash val="solid"/>
-                      <a:round/>
-                      <a:headEnd type="none" w="med" len="med"/>
-                      <a:tailEnd type="none" w="med" len="med"/>
-                    </a:lnB>
-                    <a:solidFill>
-                      <a:schemeClr val="bg1">
-                        <a:lumMod val="75000"/>
-                      </a:schemeClr>
-                    </a:solidFill>
-                  </a:tcPr>
-                </a:tc>
-                <a:tc>
-                  <a:txBody>
-                    <a:bodyPr/>
-                    <a:lstStyle/>
-                    <a:p>
-                      <a:pPr algn="ctr"/>
-                      <a:r>
-                        <a:rPr lang="en-US" dirty="0" smtClean="0">
-                          <a:solidFill>
-                            <a:schemeClr val="tx1"/>
-                          </a:solidFill>
-                          <a:latin typeface="Times New Roman" panose="02020603050405020304" pitchFamily="18" charset="0"/>
-                          <a:cs typeface="Times New Roman" panose="02020603050405020304" pitchFamily="18" charset="0"/>
-                        </a:rPr>
-                        <a:t>Advantages</a:t>
-                      </a:r>
-                      <a:endParaRPr lang="en-US" dirty="0">
-                        <a:solidFill>
-                          <a:schemeClr val="tx1"/>
-                        </a:solidFill>
-                        <a:latin typeface="Times New Roman" panose="02020603050405020304" pitchFamily="18" charset="0"/>
-                        <a:cs typeface="Times New Roman" panose="02020603050405020304" pitchFamily="18" charset="0"/>
-                      </a:endParaRPr>
-                    </a:p>
-                  </a:txBody>
-                  <a:tcPr anchor="ctr">
-                    <a:lnL w="12700" cap="flat" cmpd="sng" algn="ctr">
-                      <a:solidFill>
-                        <a:schemeClr val="tx1"/>
-                      </a:solidFill>
-                      <a:prstDash val="solid"/>
-                      <a:round/>
-                      <a:headEnd type="none" w="med" len="med"/>
-                      <a:tailEnd type="none" w="med" len="med"/>
-                    </a:lnL>
-                    <a:lnR w="12700" cap="flat" cmpd="sng" algn="ctr">
-                      <a:solidFill>
-                        <a:schemeClr val="tx1"/>
-                      </a:solidFill>
-                      <a:prstDash val="solid"/>
-                      <a:round/>
-                      <a:headEnd type="none" w="med" len="med"/>
-                      <a:tailEnd type="none" w="med" len="med"/>
-                    </a:lnR>
-                    <a:lnT w="12700" cap="flat" cmpd="sng" algn="ctr">
-                      <a:solidFill>
-                        <a:schemeClr val="tx1"/>
-                      </a:solidFill>
-                      <a:prstDash val="solid"/>
-                      <a:round/>
-                      <a:headEnd type="none" w="med" len="med"/>
-                      <a:tailEnd type="none" w="med" len="med"/>
-                    </a:lnT>
-                    <a:lnB w="12700" cap="flat" cmpd="sng" algn="ctr">
-                      <a:solidFill>
-                        <a:schemeClr val="tx1"/>
-                      </a:solidFill>
-                      <a:prstDash val="solid"/>
-                      <a:round/>
-                      <a:headEnd type="none" w="med" len="med"/>
-                      <a:tailEnd type="none" w="med" len="med"/>
-                    </a:lnB>
-                    <a:solidFill>
-                      <a:schemeClr val="bg1">
-                        <a:lumMod val="75000"/>
-                      </a:schemeClr>
-                    </a:solidFill>
-                  </a:tcPr>
-                </a:tc>
-                <a:tc>
-                  <a:txBody>
-                    <a:bodyPr/>
-                    <a:lstStyle/>
-                    <a:p>
-                      <a:pPr algn="ctr"/>
-                      <a:r>
-                        <a:rPr lang="en-US" dirty="0" smtClean="0">
-                          <a:solidFill>
-                            <a:schemeClr val="tx1"/>
-                          </a:solidFill>
-                          <a:latin typeface="Times New Roman" panose="02020603050405020304" pitchFamily="18" charset="0"/>
-                          <a:cs typeface="Times New Roman" panose="02020603050405020304" pitchFamily="18" charset="0"/>
-                        </a:rPr>
-                        <a:t>Disadvantaged</a:t>
-                      </a:r>
-                      <a:endParaRPr lang="en-US" dirty="0">
-                        <a:solidFill>
-                          <a:schemeClr val="tx1"/>
-                        </a:solidFill>
-                        <a:latin typeface="Times New Roman" panose="02020603050405020304" pitchFamily="18" charset="0"/>
-                        <a:cs typeface="Times New Roman" panose="02020603050405020304" pitchFamily="18" charset="0"/>
-                      </a:endParaRPr>
-                    </a:p>
-                  </a:txBody>
-                  <a:tcPr anchor="ctr">
-                    <a:lnL w="12700" cap="flat" cmpd="sng" algn="ctr">
-                      <a:solidFill>
-                        <a:schemeClr val="tx1"/>
-                      </a:solidFill>
-                      <a:prstDash val="solid"/>
-                      <a:round/>
-                      <a:headEnd type="none" w="med" len="med"/>
-                      <a:tailEnd type="none" w="med" len="med"/>
-                    </a:lnL>
-                    <a:lnR w="12700" cap="flat" cmpd="sng" algn="ctr">
-                      <a:solidFill>
-                        <a:schemeClr val="tx1"/>
-                      </a:solidFill>
-                      <a:prstDash val="solid"/>
-                      <a:round/>
-                      <a:headEnd type="none" w="med" len="med"/>
-                      <a:tailEnd type="none" w="med" len="med"/>
-                    </a:lnR>
-                    <a:lnT w="12700" cap="flat" cmpd="sng" algn="ctr">
-                      <a:solidFill>
-                        <a:schemeClr val="tx1"/>
-                      </a:solidFill>
-                      <a:prstDash val="solid"/>
-                      <a:round/>
-                      <a:headEnd type="none" w="med" len="med"/>
-                      <a:tailEnd type="none" w="med" len="med"/>
-                    </a:lnT>
-                    <a:lnB w="12700" cap="flat" cmpd="sng" algn="ctr">
-                      <a:solidFill>
-                        <a:schemeClr val="tx1"/>
-                      </a:solidFill>
-                      <a:prstDash val="solid"/>
-                      <a:round/>
-                      <a:headEnd type="none" w="med" len="med"/>
-                      <a:tailEnd type="none" w="med" len="med"/>
-                    </a:lnB>
-                    <a:solidFill>
-                      <a:schemeClr val="bg1">
-                        <a:lumMod val="75000"/>
-                      </a:schemeClr>
-                    </a:solidFill>
-                  </a:tcPr>
-                </a:tc>
-                <a:extLst>
-                  <a:ext uri="{0D108BD9-81ED-4DB2-BD59-A6C34878D82A}">
-                    <a16:rowId xmlns:a16="http://schemas.microsoft.com/office/drawing/2014/main" val="907547670"/>
-                  </a:ext>
-                </a:extLst>
-              </a:tr>
-              <a:tr h="738871">
-                <a:tc>
-                  <a:txBody>
-                    <a:bodyPr/>
-                    <a:lstStyle/>
-                    <a:p>
-                      <a:pPr algn="ctr"/>
-                      <a:r>
-                        <a:rPr lang="en-US" dirty="0" smtClean="0">
-                          <a:solidFill>
-                            <a:schemeClr val="tx1"/>
-                          </a:solidFill>
-                          <a:latin typeface="Times New Roman" panose="02020603050405020304" pitchFamily="18" charset="0"/>
-                          <a:cs typeface="Times New Roman" panose="02020603050405020304" pitchFamily="18" charset="0"/>
-                        </a:rPr>
-                        <a:t>3</a:t>
-                      </a:r>
-                      <a:endParaRPr lang="en-US" dirty="0">
-                        <a:solidFill>
-                          <a:schemeClr val="tx1"/>
-                        </a:solidFill>
-                        <a:latin typeface="Times New Roman" panose="02020603050405020304" pitchFamily="18" charset="0"/>
-                        <a:cs typeface="Times New Roman" panose="02020603050405020304" pitchFamily="18" charset="0"/>
-                      </a:endParaRPr>
-                    </a:p>
-                  </a:txBody>
-                  <a:tcPr anchor="ctr">
-                    <a:lnL w="12700" cap="flat" cmpd="sng" algn="ctr">
-                      <a:solidFill>
-                        <a:schemeClr val="tx1"/>
-                      </a:solidFill>
-                      <a:prstDash val="solid"/>
-                      <a:round/>
-                      <a:headEnd type="none" w="med" len="med"/>
-                      <a:tailEnd type="none" w="med" len="med"/>
-                    </a:lnL>
-                    <a:lnR w="12700" cap="flat" cmpd="sng" algn="ctr">
-                      <a:solidFill>
-                        <a:schemeClr val="tx1"/>
-                      </a:solidFill>
-                      <a:prstDash val="solid"/>
-                      <a:round/>
-                      <a:headEnd type="none" w="med" len="med"/>
-                      <a:tailEnd type="none" w="med" len="med"/>
-                    </a:lnR>
-                    <a:lnT w="12700" cap="flat" cmpd="sng" algn="ctr">
-                      <a:solidFill>
-                        <a:schemeClr val="tx1"/>
-                      </a:solidFill>
-                      <a:prstDash val="solid"/>
-                      <a:round/>
-                      <a:headEnd type="none" w="med" len="med"/>
-                      <a:tailEnd type="none" w="med" len="med"/>
-                    </a:lnT>
-                    <a:lnB w="12700" cap="flat" cmpd="sng" algn="ctr">
-                      <a:solidFill>
-                        <a:schemeClr val="tx1"/>
-                      </a:solidFill>
-                      <a:prstDash val="solid"/>
-                      <a:round/>
-                      <a:headEnd type="none" w="med" len="med"/>
-                      <a:tailEnd type="none" w="med" len="med"/>
-                    </a:lnB>
-                    <a:noFill/>
-                  </a:tcPr>
-                </a:tc>
-                <a:tc>
-                  <a:txBody>
-                    <a:bodyPr/>
-                    <a:lstStyle/>
-                    <a:p>
-                      <a:pPr algn="ctr"/>
-                      <a:r>
-                        <a:rPr lang="en-US" dirty="0" err="1" smtClean="0">
-                          <a:solidFill>
-                            <a:schemeClr val="tx1"/>
-                          </a:solidFill>
-                          <a:latin typeface="Times New Roman" panose="02020603050405020304" pitchFamily="18" charset="0"/>
-                          <a:cs typeface="Times New Roman" panose="02020603050405020304" pitchFamily="18" charset="0"/>
-                        </a:rPr>
-                        <a:t>Soman</a:t>
-                      </a:r>
-                      <a:r>
-                        <a:rPr lang="en-US" dirty="0" smtClean="0">
-                          <a:solidFill>
-                            <a:schemeClr val="tx1"/>
-                          </a:solidFill>
-                          <a:latin typeface="Times New Roman" panose="02020603050405020304" pitchFamily="18" charset="0"/>
-                          <a:cs typeface="Times New Roman" panose="02020603050405020304" pitchFamily="18" charset="0"/>
-                        </a:rPr>
-                        <a:t> </a:t>
-                      </a:r>
-                      <a:r>
-                        <a:rPr lang="en-US" dirty="0" err="1" smtClean="0">
-                          <a:solidFill>
-                            <a:schemeClr val="tx1"/>
-                          </a:solidFill>
-                          <a:latin typeface="Times New Roman" panose="02020603050405020304" pitchFamily="18" charset="0"/>
-                          <a:cs typeface="Times New Roman" panose="02020603050405020304" pitchFamily="18" charset="0"/>
-                        </a:rPr>
-                        <a:t>Nayak</a:t>
-                      </a:r>
-                      <a:r>
-                        <a:rPr lang="en-US" dirty="0" smtClean="0">
-                          <a:solidFill>
-                            <a:schemeClr val="tx1"/>
-                          </a:solidFill>
-                          <a:latin typeface="Times New Roman" panose="02020603050405020304" pitchFamily="18" charset="0"/>
-                          <a:cs typeface="Times New Roman" panose="02020603050405020304" pitchFamily="18" charset="0"/>
-                        </a:rPr>
-                        <a:t>,</a:t>
-                      </a:r>
-                    </a:p>
-                    <a:p>
-                      <a:pPr algn="ctr"/>
-                      <a:r>
-                        <a:rPr lang="en-US" dirty="0" err="1" smtClean="0">
-                          <a:solidFill>
-                            <a:schemeClr val="tx1"/>
-                          </a:solidFill>
-                          <a:latin typeface="Times New Roman" panose="02020603050405020304" pitchFamily="18" charset="0"/>
-                          <a:cs typeface="Times New Roman" panose="02020603050405020304" pitchFamily="18" charset="0"/>
-                        </a:rPr>
-                        <a:t>Surajit</a:t>
-                      </a:r>
-                      <a:r>
-                        <a:rPr lang="en-US" dirty="0" smtClean="0">
-                          <a:solidFill>
-                            <a:schemeClr val="tx1"/>
-                          </a:solidFill>
-                          <a:latin typeface="Times New Roman" panose="02020603050405020304" pitchFamily="18" charset="0"/>
-                          <a:cs typeface="Times New Roman" panose="02020603050405020304" pitchFamily="18" charset="0"/>
-                        </a:rPr>
-                        <a:t> </a:t>
-                      </a:r>
-                      <a:r>
-                        <a:rPr lang="en-US" dirty="0" err="1" smtClean="0">
-                          <a:solidFill>
-                            <a:schemeClr val="tx1"/>
-                          </a:solidFill>
-                          <a:latin typeface="Times New Roman" panose="02020603050405020304" pitchFamily="18" charset="0"/>
-                          <a:cs typeface="Times New Roman" panose="02020603050405020304" pitchFamily="18" charset="0"/>
-                        </a:rPr>
-                        <a:t>Dass</a:t>
-                      </a:r>
-                      <a:r>
-                        <a:rPr lang="en-US" dirty="0" smtClean="0">
-                          <a:solidFill>
-                            <a:schemeClr val="tx1"/>
-                          </a:solidFill>
-                          <a:latin typeface="Times New Roman" panose="02020603050405020304" pitchFamily="18" charset="0"/>
-                          <a:cs typeface="Times New Roman" panose="02020603050405020304" pitchFamily="18" charset="0"/>
-                        </a:rPr>
-                        <a:t/>
-                      </a:r>
-                      <a:br>
-                        <a:rPr lang="en-US" dirty="0" smtClean="0">
-                          <a:solidFill>
-                            <a:schemeClr val="tx1"/>
-                          </a:solidFill>
-                          <a:latin typeface="Times New Roman" panose="02020603050405020304" pitchFamily="18" charset="0"/>
-                          <a:cs typeface="Times New Roman" panose="02020603050405020304" pitchFamily="18" charset="0"/>
-                        </a:rPr>
-                      </a:br>
-                      <a:endParaRPr lang="en-US" dirty="0" smtClean="0">
-                        <a:solidFill>
-                          <a:schemeClr val="tx1"/>
-                        </a:solidFill>
-                        <a:latin typeface="Times New Roman" panose="02020603050405020304" pitchFamily="18" charset="0"/>
-                        <a:cs typeface="Times New Roman" panose="02020603050405020304" pitchFamily="18" charset="0"/>
-                      </a:endParaRPr>
-                    </a:p>
-                    <a:p>
-                      <a:pPr algn="ctr"/>
-                      <a:r>
-                        <a:rPr lang="en-US" dirty="0" smtClean="0">
-                          <a:solidFill>
-                            <a:schemeClr val="tx1"/>
-                          </a:solidFill>
-                          <a:latin typeface="Times New Roman" panose="02020603050405020304" pitchFamily="18" charset="0"/>
-                          <a:cs typeface="Times New Roman" panose="02020603050405020304" pitchFamily="18" charset="0"/>
-                        </a:rPr>
-                        <a:t>An application for end to end secure messaging service on Android supported device</a:t>
-                      </a:r>
-                    </a:p>
-                  </a:txBody>
-                  <a:tcPr anchor="ctr">
-                    <a:lnL w="12700" cap="flat" cmpd="sng" algn="ctr">
-                      <a:solidFill>
-                        <a:schemeClr val="tx1"/>
-                      </a:solidFill>
-                      <a:prstDash val="solid"/>
-                      <a:round/>
-                      <a:headEnd type="none" w="med" len="med"/>
-                      <a:tailEnd type="none" w="med" len="med"/>
-                    </a:lnL>
-                    <a:lnR w="12700" cap="flat" cmpd="sng" algn="ctr">
-                      <a:solidFill>
-                        <a:schemeClr val="tx1"/>
-                      </a:solidFill>
-                      <a:prstDash val="solid"/>
-                      <a:round/>
-                      <a:headEnd type="none" w="med" len="med"/>
-                      <a:tailEnd type="none" w="med" len="med"/>
-                    </a:lnR>
-                    <a:lnT w="12700" cap="flat" cmpd="sng" algn="ctr">
-                      <a:solidFill>
-                        <a:schemeClr val="tx1"/>
-                      </a:solidFill>
-                      <a:prstDash val="solid"/>
-                      <a:round/>
-                      <a:headEnd type="none" w="med" len="med"/>
-                      <a:tailEnd type="none" w="med" len="med"/>
-                    </a:lnT>
-                    <a:lnB w="12700" cap="flat" cmpd="sng" algn="ctr">
-                      <a:solidFill>
-                        <a:schemeClr val="tx1"/>
-                      </a:solidFill>
-                      <a:prstDash val="solid"/>
-                      <a:round/>
-                      <a:headEnd type="none" w="med" len="med"/>
-                      <a:tailEnd type="none" w="med" len="med"/>
-                    </a:lnB>
-                    <a:noFill/>
-                  </a:tcPr>
-                </a:tc>
-                <a:tc>
-                  <a:txBody>
-                    <a:bodyPr/>
-                    <a:lstStyle/>
-                    <a:p>
-                      <a:pPr algn="ctr"/>
-                      <a:r>
-                        <a:rPr lang="en-US" sz="1800" b="0" i="0" kern="1200" dirty="0" smtClean="0">
-                          <a:solidFill>
-                            <a:schemeClr val="dk1"/>
-                          </a:solidFill>
-                          <a:effectLst/>
-                          <a:latin typeface="Times New Roman" panose="02020603050405020304" pitchFamily="18" charset="0"/>
-                          <a:ea typeface="+mn-ea"/>
-                          <a:cs typeface="Times New Roman" panose="02020603050405020304" pitchFamily="18" charset="0"/>
-                        </a:rPr>
-                        <a:t>proposing a secure messaging protocol that utilizes SHA-2 hash generation for key generation and AES-256 encryption for securing messages during transmission. </a:t>
-                      </a:r>
-                      <a:endParaRPr lang="en-US" dirty="0">
-                        <a:solidFill>
-                          <a:schemeClr val="tx1"/>
-                        </a:solidFill>
-                        <a:latin typeface="Times New Roman" panose="02020603050405020304" pitchFamily="18" charset="0"/>
-                        <a:cs typeface="Times New Roman" panose="02020603050405020304" pitchFamily="18" charset="0"/>
-                      </a:endParaRPr>
-                    </a:p>
-                  </a:txBody>
-                  <a:tcPr anchor="ctr">
-                    <a:lnL w="12700" cap="flat" cmpd="sng" algn="ctr">
-                      <a:solidFill>
-                        <a:schemeClr val="tx1"/>
-                      </a:solidFill>
-                      <a:prstDash val="solid"/>
-                      <a:round/>
-                      <a:headEnd type="none" w="med" len="med"/>
-                      <a:tailEnd type="none" w="med" len="med"/>
-                    </a:lnL>
-                    <a:lnR w="12700" cap="flat" cmpd="sng" algn="ctr">
-                      <a:solidFill>
-                        <a:schemeClr val="tx1"/>
-                      </a:solidFill>
-                      <a:prstDash val="solid"/>
-                      <a:round/>
-                      <a:headEnd type="none" w="med" len="med"/>
-                      <a:tailEnd type="none" w="med" len="med"/>
-                    </a:lnR>
-                    <a:lnT w="12700" cap="flat" cmpd="sng" algn="ctr">
-                      <a:solidFill>
-                        <a:schemeClr val="tx1"/>
-                      </a:solidFill>
-                      <a:prstDash val="solid"/>
-                      <a:round/>
-                      <a:headEnd type="none" w="med" len="med"/>
-                      <a:tailEnd type="none" w="med" len="med"/>
-                    </a:lnT>
-                    <a:lnB w="12700" cap="flat" cmpd="sng" algn="ctr">
-                      <a:solidFill>
-                        <a:schemeClr val="tx1"/>
-                      </a:solidFill>
-                      <a:prstDash val="solid"/>
-                      <a:round/>
-                      <a:headEnd type="none" w="med" len="med"/>
-                      <a:tailEnd type="none" w="med" len="med"/>
-                    </a:lnB>
-                    <a:noFill/>
-                  </a:tcPr>
-                </a:tc>
-                <a:tc>
-                  <a:txBody>
-                    <a:bodyPr/>
-                    <a:lstStyle/>
-                    <a:p>
-                      <a:pPr algn="ctr"/>
-                      <a:r>
-                        <a:rPr lang="en-US" sz="1800" b="0" i="0" kern="1200" dirty="0" smtClean="0">
-                          <a:solidFill>
-                            <a:schemeClr val="dk1"/>
-                          </a:solidFill>
-                          <a:effectLst/>
-                          <a:latin typeface="Times New Roman" panose="02020603050405020304" pitchFamily="18" charset="0"/>
-                          <a:ea typeface="+mn-ea"/>
-                          <a:cs typeface="Times New Roman" panose="02020603050405020304" pitchFamily="18" charset="0"/>
-                        </a:rPr>
-                        <a:t>SHA-2,</a:t>
-                      </a:r>
-                    </a:p>
-                    <a:p>
-                      <a:pPr algn="ctr"/>
-                      <a:r>
-                        <a:rPr lang="en-US" sz="1800" b="0" i="0" kern="1200" dirty="0" smtClean="0">
-                          <a:solidFill>
-                            <a:schemeClr val="dk1"/>
-                          </a:solidFill>
-                          <a:effectLst/>
-                          <a:latin typeface="Times New Roman" panose="02020603050405020304" pitchFamily="18" charset="0"/>
-                          <a:ea typeface="+mn-ea"/>
-                          <a:cs typeface="Times New Roman" panose="02020603050405020304" pitchFamily="18" charset="0"/>
-                        </a:rPr>
-                        <a:t> AES-256 encryption</a:t>
-                      </a:r>
-                      <a:endParaRPr lang="en-US" dirty="0">
-                        <a:solidFill>
-                          <a:schemeClr val="tx1"/>
-                        </a:solidFill>
-                        <a:latin typeface="Times New Roman" panose="02020603050405020304" pitchFamily="18" charset="0"/>
-                        <a:cs typeface="Times New Roman" panose="02020603050405020304" pitchFamily="18" charset="0"/>
-                      </a:endParaRPr>
-                    </a:p>
-                  </a:txBody>
-                  <a:tcPr anchor="ctr">
-                    <a:lnL w="12700" cap="flat" cmpd="sng" algn="ctr">
-                      <a:solidFill>
-                        <a:schemeClr val="tx1"/>
-                      </a:solidFill>
-                      <a:prstDash val="solid"/>
-                      <a:round/>
-                      <a:headEnd type="none" w="med" len="med"/>
-                      <a:tailEnd type="none" w="med" len="med"/>
-                    </a:lnL>
-                    <a:lnR w="12700" cap="flat" cmpd="sng" algn="ctr">
-                      <a:solidFill>
-                        <a:schemeClr val="tx1"/>
-                      </a:solidFill>
-                      <a:prstDash val="solid"/>
-                      <a:round/>
-                      <a:headEnd type="none" w="med" len="med"/>
-                      <a:tailEnd type="none" w="med" len="med"/>
-                    </a:lnR>
-                    <a:lnT w="12700" cap="flat" cmpd="sng" algn="ctr">
-                      <a:solidFill>
-                        <a:schemeClr val="tx1"/>
-                      </a:solidFill>
-                      <a:prstDash val="solid"/>
-                      <a:round/>
-                      <a:headEnd type="none" w="med" len="med"/>
-                      <a:tailEnd type="none" w="med" len="med"/>
-                    </a:lnT>
-                    <a:lnB w="12700" cap="flat" cmpd="sng" algn="ctr">
-                      <a:solidFill>
-                        <a:schemeClr val="tx1"/>
-                      </a:solidFill>
-                      <a:prstDash val="solid"/>
-                      <a:round/>
-                      <a:headEnd type="none" w="med" len="med"/>
-                      <a:tailEnd type="none" w="med" len="med"/>
-                    </a:lnB>
-                    <a:noFill/>
-                  </a:tcPr>
-                </a:tc>
-                <a:tc>
-                  <a:txBody>
-                    <a:bodyPr/>
-                    <a:lstStyle/>
-                    <a:p>
-                      <a:pPr algn="ctr"/>
-                      <a:r>
-                        <a:rPr lang="en-US" dirty="0" smtClean="0">
-                          <a:solidFill>
-                            <a:schemeClr val="tx1"/>
-                          </a:solidFill>
-                          <a:latin typeface="Times New Roman" panose="02020603050405020304" pitchFamily="18" charset="0"/>
-                          <a:cs typeface="Times New Roman" panose="02020603050405020304" pitchFamily="18" charset="0"/>
-                        </a:rPr>
-                        <a:t>Two step Verification</a:t>
-                      </a:r>
-                      <a:endParaRPr lang="en-US" dirty="0">
-                        <a:solidFill>
-                          <a:schemeClr val="tx1"/>
-                        </a:solidFill>
-                        <a:latin typeface="Times New Roman" panose="02020603050405020304" pitchFamily="18" charset="0"/>
-                        <a:cs typeface="Times New Roman" panose="02020603050405020304" pitchFamily="18" charset="0"/>
-                      </a:endParaRPr>
-                    </a:p>
-                  </a:txBody>
-                  <a:tcPr anchor="ctr">
-                    <a:lnL w="12700" cap="flat" cmpd="sng" algn="ctr">
-                      <a:solidFill>
-                        <a:schemeClr val="tx1"/>
-                      </a:solidFill>
-                      <a:prstDash val="solid"/>
-                      <a:round/>
-                      <a:headEnd type="none" w="med" len="med"/>
-                      <a:tailEnd type="none" w="med" len="med"/>
-                    </a:lnL>
-                    <a:lnR w="12700" cap="flat" cmpd="sng" algn="ctr">
-                      <a:solidFill>
-                        <a:schemeClr val="tx1"/>
-                      </a:solidFill>
-                      <a:prstDash val="solid"/>
-                      <a:round/>
-                      <a:headEnd type="none" w="med" len="med"/>
-                      <a:tailEnd type="none" w="med" len="med"/>
-                    </a:lnR>
-                    <a:lnT w="12700" cap="flat" cmpd="sng" algn="ctr">
-                      <a:solidFill>
-                        <a:schemeClr val="tx1"/>
-                      </a:solidFill>
-                      <a:prstDash val="solid"/>
-                      <a:round/>
-                      <a:headEnd type="none" w="med" len="med"/>
-                      <a:tailEnd type="none" w="med" len="med"/>
-                    </a:lnT>
-                    <a:lnB w="12700" cap="flat" cmpd="sng" algn="ctr">
-                      <a:solidFill>
-                        <a:schemeClr val="tx1"/>
-                      </a:solidFill>
-                      <a:prstDash val="solid"/>
-                      <a:round/>
-                      <a:headEnd type="none" w="med" len="med"/>
-                      <a:tailEnd type="none" w="med" len="med"/>
-                    </a:lnB>
-                    <a:noFill/>
-                  </a:tcPr>
-                </a:tc>
-                <a:tc>
-                  <a:txBody>
-                    <a:bodyPr/>
-                    <a:lstStyle/>
-                    <a:p>
-                      <a:pPr algn="ctr"/>
-                      <a:r>
-                        <a:rPr lang="en-US" dirty="0" smtClean="0">
-                          <a:solidFill>
-                            <a:schemeClr val="tx1"/>
-                          </a:solidFill>
-                          <a:latin typeface="Times New Roman" panose="02020603050405020304" pitchFamily="18" charset="0"/>
-                          <a:cs typeface="Times New Roman" panose="02020603050405020304" pitchFamily="18" charset="0"/>
-                        </a:rPr>
-                        <a:t>Platform</a:t>
-                      </a:r>
-                      <a:r>
-                        <a:rPr lang="en-US" baseline="0" dirty="0" smtClean="0">
-                          <a:solidFill>
-                            <a:schemeClr val="tx1"/>
-                          </a:solidFill>
-                          <a:latin typeface="Times New Roman" panose="02020603050405020304" pitchFamily="18" charset="0"/>
-                          <a:cs typeface="Times New Roman" panose="02020603050405020304" pitchFamily="18" charset="0"/>
-                        </a:rPr>
-                        <a:t> Dependent</a:t>
-                      </a:r>
-                      <a:endParaRPr lang="en-US" dirty="0">
-                        <a:solidFill>
-                          <a:schemeClr val="tx1"/>
-                        </a:solidFill>
-                        <a:latin typeface="Times New Roman" panose="02020603050405020304" pitchFamily="18" charset="0"/>
-                        <a:cs typeface="Times New Roman" panose="02020603050405020304" pitchFamily="18" charset="0"/>
-                      </a:endParaRPr>
-                    </a:p>
-                  </a:txBody>
-                  <a:tcPr anchor="ctr">
-                    <a:lnL w="12700" cap="flat" cmpd="sng" algn="ctr">
-                      <a:solidFill>
-                        <a:schemeClr val="tx1"/>
-                      </a:solidFill>
-                      <a:prstDash val="solid"/>
-                      <a:round/>
-                      <a:headEnd type="none" w="med" len="med"/>
-                      <a:tailEnd type="none" w="med" len="med"/>
-                    </a:lnL>
-                    <a:lnR w="12700" cap="flat" cmpd="sng" algn="ctr">
-                      <a:solidFill>
-                        <a:schemeClr val="tx1"/>
-                      </a:solidFill>
-                      <a:prstDash val="solid"/>
-                      <a:round/>
-                      <a:headEnd type="none" w="med" len="med"/>
-                      <a:tailEnd type="none" w="med" len="med"/>
-                    </a:lnR>
-                    <a:lnT w="12700" cap="flat" cmpd="sng" algn="ctr">
-                      <a:solidFill>
-                        <a:schemeClr val="tx1"/>
-                      </a:solidFill>
-                      <a:prstDash val="solid"/>
-                      <a:round/>
-                      <a:headEnd type="none" w="med" len="med"/>
-                      <a:tailEnd type="none" w="med" len="med"/>
-                    </a:lnT>
-                    <a:lnB w="12700" cap="flat" cmpd="sng" algn="ctr">
-                      <a:solidFill>
-                        <a:schemeClr val="tx1"/>
-                      </a:solidFill>
-                      <a:prstDash val="solid"/>
-                      <a:round/>
-                      <a:headEnd type="none" w="med" len="med"/>
-                      <a:tailEnd type="none" w="med" len="med"/>
-                    </a:lnB>
-                    <a:noFill/>
-                  </a:tcPr>
-                </a:tc>
-                <a:extLst>
-                  <a:ext uri="{0D108BD9-81ED-4DB2-BD59-A6C34878D82A}">
-                    <a16:rowId xmlns:a16="http://schemas.microsoft.com/office/drawing/2014/main" val="4275570003"/>
-                  </a:ext>
-                </a:extLst>
-              </a:tr>
-              <a:tr h="738871">
-                <a:tc>
-                  <a:txBody>
-                    <a:bodyPr/>
-                    <a:lstStyle/>
-                    <a:p>
-                      <a:pPr algn="ctr"/>
-                      <a:r>
-                        <a:rPr lang="en-US" dirty="0" smtClean="0">
-                          <a:solidFill>
-                            <a:schemeClr val="tx1"/>
-                          </a:solidFill>
-                          <a:latin typeface="Times New Roman" panose="02020603050405020304" pitchFamily="18" charset="0"/>
-                          <a:cs typeface="Times New Roman" panose="02020603050405020304" pitchFamily="18" charset="0"/>
-                        </a:rPr>
-                        <a:t>4</a:t>
-                      </a:r>
-                      <a:endParaRPr lang="en-US" dirty="0">
-                        <a:solidFill>
-                          <a:schemeClr val="tx1"/>
-                        </a:solidFill>
-                        <a:latin typeface="Times New Roman" panose="02020603050405020304" pitchFamily="18" charset="0"/>
-                        <a:cs typeface="Times New Roman" panose="02020603050405020304" pitchFamily="18" charset="0"/>
-                      </a:endParaRPr>
-                    </a:p>
-                  </a:txBody>
-                  <a:tcPr anchor="ctr">
-                    <a:lnL w="12700" cap="flat" cmpd="sng" algn="ctr">
-                      <a:solidFill>
-                        <a:schemeClr val="tx1"/>
-                      </a:solidFill>
-                      <a:prstDash val="solid"/>
-                      <a:round/>
-                      <a:headEnd type="none" w="med" len="med"/>
-                      <a:tailEnd type="none" w="med" len="med"/>
-                    </a:lnL>
-                    <a:lnR w="12700" cap="flat" cmpd="sng" algn="ctr">
-                      <a:solidFill>
-                        <a:schemeClr val="tx1"/>
-                      </a:solidFill>
-                      <a:prstDash val="solid"/>
-                      <a:round/>
-                      <a:headEnd type="none" w="med" len="med"/>
-                      <a:tailEnd type="none" w="med" len="med"/>
-                    </a:lnR>
-                    <a:lnT w="12700" cap="flat" cmpd="sng" algn="ctr">
-                      <a:solidFill>
-                        <a:schemeClr val="tx1"/>
-                      </a:solidFill>
-                      <a:prstDash val="solid"/>
-                      <a:round/>
-                      <a:headEnd type="none" w="med" len="med"/>
-                      <a:tailEnd type="none" w="med" len="med"/>
-                    </a:lnT>
-                    <a:lnB w="12700" cap="flat" cmpd="sng" algn="ctr">
-                      <a:solidFill>
-                        <a:schemeClr val="tx1"/>
-                      </a:solidFill>
-                      <a:prstDash val="solid"/>
-                      <a:round/>
-                      <a:headEnd type="none" w="med" len="med"/>
-                      <a:tailEnd type="none" w="med" len="med"/>
-                    </a:lnB>
-                    <a:noFill/>
-                  </a:tcPr>
-                </a:tc>
-                <a:tc>
-                  <a:txBody>
-                    <a:bodyPr/>
-                    <a:lstStyle/>
-                    <a:p>
-                      <a:pPr algn="ctr"/>
-                      <a:r>
-                        <a:rPr lang="en-US" dirty="0" smtClean="0">
-                          <a:solidFill>
-                            <a:schemeClr val="tx1"/>
-                          </a:solidFill>
-                          <a:latin typeface="Times New Roman" panose="02020603050405020304" pitchFamily="18" charset="0"/>
-                          <a:cs typeface="Times New Roman" panose="02020603050405020304" pitchFamily="18" charset="0"/>
-                        </a:rPr>
-                        <a:t>Noor Sabah, Jamal M. </a:t>
-                      </a:r>
-                      <a:r>
-                        <a:rPr lang="en-US" dirty="0" err="1" smtClean="0">
-                          <a:solidFill>
-                            <a:schemeClr val="tx1"/>
-                          </a:solidFill>
-                          <a:latin typeface="Times New Roman" panose="02020603050405020304" pitchFamily="18" charset="0"/>
-                          <a:cs typeface="Times New Roman" panose="02020603050405020304" pitchFamily="18" charset="0"/>
-                        </a:rPr>
-                        <a:t>Kadhim</a:t>
-                      </a:r>
-                      <a:r>
-                        <a:rPr lang="en-US" dirty="0" smtClean="0">
-                          <a:solidFill>
-                            <a:schemeClr val="tx1"/>
-                          </a:solidFill>
-                          <a:latin typeface="Times New Roman" panose="02020603050405020304" pitchFamily="18" charset="0"/>
-                          <a:cs typeface="Times New Roman" panose="02020603050405020304" pitchFamily="18" charset="0"/>
-                        </a:rPr>
-                        <a:t> and Ban N. </a:t>
-                      </a:r>
-                      <a:r>
-                        <a:rPr lang="en-US" dirty="0" err="1" smtClean="0">
-                          <a:solidFill>
-                            <a:schemeClr val="tx1"/>
-                          </a:solidFill>
-                          <a:latin typeface="Times New Roman" panose="02020603050405020304" pitchFamily="18" charset="0"/>
-                          <a:cs typeface="Times New Roman" panose="02020603050405020304" pitchFamily="18" charset="0"/>
-                        </a:rPr>
-                        <a:t>Dhannoon</a:t>
-                      </a:r>
-                      <a:endParaRPr lang="en-US" dirty="0" smtClean="0">
-                        <a:solidFill>
-                          <a:schemeClr val="tx1"/>
-                        </a:solidFill>
-                        <a:latin typeface="Times New Roman" panose="02020603050405020304" pitchFamily="18" charset="0"/>
-                        <a:cs typeface="Times New Roman" panose="02020603050405020304" pitchFamily="18" charset="0"/>
-                      </a:endParaRPr>
-                    </a:p>
-                    <a:p>
-                      <a:pPr algn="ctr"/>
-                      <a:endParaRPr lang="en-US" dirty="0" smtClean="0">
-                        <a:solidFill>
-                          <a:schemeClr val="tx1"/>
-                        </a:solidFill>
-                        <a:latin typeface="Times New Roman" panose="02020603050405020304" pitchFamily="18" charset="0"/>
-                        <a:cs typeface="Times New Roman" panose="02020603050405020304" pitchFamily="18" charset="0"/>
-                      </a:endParaRPr>
-                    </a:p>
-                    <a:p>
-                      <a:pPr algn="ctr"/>
-                      <a:r>
-                        <a:rPr lang="en-US" dirty="0" smtClean="0">
-                          <a:solidFill>
-                            <a:schemeClr val="tx1"/>
-                          </a:solidFill>
-                          <a:latin typeface="Times New Roman" panose="02020603050405020304" pitchFamily="18" charset="0"/>
-                          <a:cs typeface="Times New Roman" panose="02020603050405020304" pitchFamily="18" charset="0"/>
-                        </a:rPr>
-                        <a:t>Developing </a:t>
-                      </a:r>
-                      <a:r>
-                        <a:rPr lang="en-US" dirty="0" smtClean="0">
-                          <a:solidFill>
-                            <a:schemeClr val="tx1"/>
-                          </a:solidFill>
-                          <a:latin typeface="Times New Roman" panose="02020603050405020304" pitchFamily="18" charset="0"/>
-                          <a:cs typeface="Times New Roman" panose="02020603050405020304" pitchFamily="18" charset="0"/>
-                        </a:rPr>
-                        <a:t>an End-to-End Secure Chat Application </a:t>
-                      </a:r>
-                    </a:p>
-                  </a:txBody>
-                  <a:tcPr anchor="ctr">
-                    <a:lnL w="12700" cap="flat" cmpd="sng" algn="ctr">
-                      <a:solidFill>
-                        <a:schemeClr val="tx1"/>
-                      </a:solidFill>
-                      <a:prstDash val="solid"/>
-                      <a:round/>
-                      <a:headEnd type="none" w="med" len="med"/>
-                      <a:tailEnd type="none" w="med" len="med"/>
-                    </a:lnL>
-                    <a:lnR w="12700" cap="flat" cmpd="sng" algn="ctr">
-                      <a:solidFill>
-                        <a:schemeClr val="tx1"/>
-                      </a:solidFill>
-                      <a:prstDash val="solid"/>
-                      <a:round/>
-                      <a:headEnd type="none" w="med" len="med"/>
-                      <a:tailEnd type="none" w="med" len="med"/>
-                    </a:lnR>
-                    <a:lnT w="12700" cap="flat" cmpd="sng" algn="ctr">
-                      <a:solidFill>
-                        <a:schemeClr val="tx1"/>
-                      </a:solidFill>
-                      <a:prstDash val="solid"/>
-                      <a:round/>
-                      <a:headEnd type="none" w="med" len="med"/>
-                      <a:tailEnd type="none" w="med" len="med"/>
-                    </a:lnT>
-                    <a:lnB w="12700" cap="flat" cmpd="sng" algn="ctr">
-                      <a:solidFill>
-                        <a:schemeClr val="tx1"/>
-                      </a:solidFill>
-                      <a:prstDash val="solid"/>
-                      <a:round/>
-                      <a:headEnd type="none" w="med" len="med"/>
-                      <a:tailEnd type="none" w="med" len="med"/>
-                    </a:lnB>
-                    <a:noFill/>
-                  </a:tcPr>
-                </a:tc>
-                <a:tc>
-                  <a:txBody>
-                    <a:bodyPr/>
-                    <a:lstStyle/>
-                    <a:p>
-                      <a:pPr algn="ctr"/>
-                      <a:r>
-                        <a:rPr lang="en-US" dirty="0" smtClean="0">
-                          <a:solidFill>
-                            <a:schemeClr val="tx1"/>
-                          </a:solidFill>
-                          <a:latin typeface="Times New Roman" panose="02020603050405020304" pitchFamily="18" charset="0"/>
-                          <a:cs typeface="Times New Roman" panose="02020603050405020304" pitchFamily="18" charset="0"/>
-                        </a:rPr>
-                        <a:t>The proposed architecture is designed to be Client-Server </a:t>
-                      </a:r>
-                    </a:p>
-                    <a:p>
-                      <a:pPr algn="ctr"/>
-                      <a:r>
-                        <a:rPr lang="en-US" dirty="0" smtClean="0">
-                          <a:solidFill>
-                            <a:schemeClr val="tx1"/>
-                          </a:solidFill>
-                          <a:latin typeface="Times New Roman" panose="02020603050405020304" pitchFamily="18" charset="0"/>
-                          <a:cs typeface="Times New Roman" panose="02020603050405020304" pitchFamily="18" charset="0"/>
-                        </a:rPr>
-                        <a:t>chat application. In client side, when a user sets up the </a:t>
-                      </a:r>
-                    </a:p>
-                    <a:p>
-                      <a:pPr algn="ctr"/>
-                      <a:r>
-                        <a:rPr lang="en-US" dirty="0" smtClean="0">
-                          <a:solidFill>
-                            <a:schemeClr val="tx1"/>
-                          </a:solidFill>
-                          <a:latin typeface="Times New Roman" panose="02020603050405020304" pitchFamily="18" charset="0"/>
-                          <a:cs typeface="Times New Roman" panose="02020603050405020304" pitchFamily="18" charset="0"/>
-                        </a:rPr>
-                        <a:t>application, the user either selects registration or log-in.</a:t>
-                      </a:r>
-                      <a:endParaRPr lang="en-US" dirty="0">
-                        <a:solidFill>
-                          <a:schemeClr val="tx1"/>
-                        </a:solidFill>
-                        <a:latin typeface="Times New Roman" panose="02020603050405020304" pitchFamily="18" charset="0"/>
-                        <a:cs typeface="Times New Roman" panose="02020603050405020304" pitchFamily="18" charset="0"/>
-                      </a:endParaRPr>
-                    </a:p>
-                  </a:txBody>
-                  <a:tcPr anchor="ctr">
-                    <a:lnL w="12700" cap="flat" cmpd="sng" algn="ctr">
-                      <a:solidFill>
-                        <a:schemeClr val="tx1"/>
-                      </a:solidFill>
-                      <a:prstDash val="solid"/>
-                      <a:round/>
-                      <a:headEnd type="none" w="med" len="med"/>
-                      <a:tailEnd type="none" w="med" len="med"/>
-                    </a:lnL>
-                    <a:lnR w="12700" cap="flat" cmpd="sng" algn="ctr">
-                      <a:solidFill>
-                        <a:schemeClr val="tx1"/>
-                      </a:solidFill>
-                      <a:prstDash val="solid"/>
-                      <a:round/>
-                      <a:headEnd type="none" w="med" len="med"/>
-                      <a:tailEnd type="none" w="med" len="med"/>
-                    </a:lnR>
-                    <a:lnT w="12700" cap="flat" cmpd="sng" algn="ctr">
-                      <a:solidFill>
-                        <a:schemeClr val="tx1"/>
-                      </a:solidFill>
-                      <a:prstDash val="solid"/>
-                      <a:round/>
-                      <a:headEnd type="none" w="med" len="med"/>
-                      <a:tailEnd type="none" w="med" len="med"/>
-                    </a:lnT>
-                    <a:lnB w="12700" cap="flat" cmpd="sng" algn="ctr">
-                      <a:solidFill>
-                        <a:schemeClr val="tx1"/>
-                      </a:solidFill>
-                      <a:prstDash val="solid"/>
-                      <a:round/>
-                      <a:headEnd type="none" w="med" len="med"/>
-                      <a:tailEnd type="none" w="med" len="med"/>
-                    </a:lnB>
-                    <a:noFill/>
-                  </a:tcPr>
-                </a:tc>
-                <a:tc>
-                  <a:txBody>
-                    <a:bodyPr/>
-                    <a:lstStyle/>
-                    <a:p>
-                      <a:pPr algn="ctr"/>
-                      <a:r>
-                        <a:rPr lang="en-US" dirty="0" smtClean="0">
-                          <a:solidFill>
-                            <a:schemeClr val="tx1"/>
-                          </a:solidFill>
-                          <a:latin typeface="Times New Roman" panose="02020603050405020304" pitchFamily="18" charset="0"/>
-                          <a:cs typeface="Times New Roman" panose="02020603050405020304" pitchFamily="18" charset="0"/>
-                        </a:rPr>
-                        <a:t>XSalsa20 </a:t>
-                      </a:r>
-                      <a:endParaRPr lang="en-US" dirty="0">
-                        <a:solidFill>
-                          <a:schemeClr val="tx1"/>
-                        </a:solidFill>
-                        <a:latin typeface="Times New Roman" panose="02020603050405020304" pitchFamily="18" charset="0"/>
-                        <a:cs typeface="Times New Roman" panose="02020603050405020304" pitchFamily="18" charset="0"/>
-                      </a:endParaRPr>
-                    </a:p>
-                  </a:txBody>
-                  <a:tcPr anchor="ctr">
-                    <a:lnL w="12700" cap="flat" cmpd="sng" algn="ctr">
-                      <a:solidFill>
-                        <a:schemeClr val="tx1"/>
-                      </a:solidFill>
-                      <a:prstDash val="solid"/>
-                      <a:round/>
-                      <a:headEnd type="none" w="med" len="med"/>
-                      <a:tailEnd type="none" w="med" len="med"/>
-                    </a:lnL>
-                    <a:lnR w="12700" cap="flat" cmpd="sng" algn="ctr">
-                      <a:solidFill>
-                        <a:schemeClr val="tx1"/>
-                      </a:solidFill>
-                      <a:prstDash val="solid"/>
-                      <a:round/>
-                      <a:headEnd type="none" w="med" len="med"/>
-                      <a:tailEnd type="none" w="med" len="med"/>
-                    </a:lnR>
-                    <a:lnT w="12700" cap="flat" cmpd="sng" algn="ctr">
-                      <a:solidFill>
-                        <a:schemeClr val="tx1"/>
-                      </a:solidFill>
-                      <a:prstDash val="solid"/>
-                      <a:round/>
-                      <a:headEnd type="none" w="med" len="med"/>
-                      <a:tailEnd type="none" w="med" len="med"/>
-                    </a:lnT>
-                    <a:lnB w="12700" cap="flat" cmpd="sng" algn="ctr">
-                      <a:solidFill>
-                        <a:schemeClr val="tx1"/>
-                      </a:solidFill>
-                      <a:prstDash val="solid"/>
-                      <a:round/>
-                      <a:headEnd type="none" w="med" len="med"/>
-                      <a:tailEnd type="none" w="med" len="med"/>
-                    </a:lnB>
-                    <a:noFill/>
-                  </a:tcPr>
-                </a:tc>
-                <a:tc>
-                  <a:txBody>
-                    <a:bodyPr/>
-                    <a:lstStyle/>
-                    <a:p>
-                      <a:pPr algn="ctr"/>
-                      <a:r>
-                        <a:rPr lang="en-US" dirty="0" smtClean="0">
-                          <a:solidFill>
-                            <a:schemeClr val="tx1"/>
-                          </a:solidFill>
-                          <a:latin typeface="Times New Roman" panose="02020603050405020304" pitchFamily="18" charset="0"/>
-                          <a:cs typeface="Times New Roman" panose="02020603050405020304" pitchFamily="18" charset="0"/>
-                        </a:rPr>
-                        <a:t>Firebase Cloud Messaging</a:t>
-                      </a:r>
-                      <a:endParaRPr lang="en-US" dirty="0">
-                        <a:solidFill>
-                          <a:schemeClr val="tx1"/>
-                        </a:solidFill>
-                        <a:latin typeface="Times New Roman" panose="02020603050405020304" pitchFamily="18" charset="0"/>
-                        <a:cs typeface="Times New Roman" panose="02020603050405020304" pitchFamily="18" charset="0"/>
-                      </a:endParaRPr>
-                    </a:p>
-                  </a:txBody>
-                  <a:tcPr anchor="ctr">
-                    <a:lnL w="12700" cap="flat" cmpd="sng" algn="ctr">
-                      <a:solidFill>
-                        <a:schemeClr val="tx1"/>
-                      </a:solidFill>
-                      <a:prstDash val="solid"/>
-                      <a:round/>
-                      <a:headEnd type="none" w="med" len="med"/>
-                      <a:tailEnd type="none" w="med" len="med"/>
-                    </a:lnL>
-                    <a:lnR w="12700" cap="flat" cmpd="sng" algn="ctr">
-                      <a:solidFill>
-                        <a:schemeClr val="tx1"/>
-                      </a:solidFill>
-                      <a:prstDash val="solid"/>
-                      <a:round/>
-                      <a:headEnd type="none" w="med" len="med"/>
-                      <a:tailEnd type="none" w="med" len="med"/>
-                    </a:lnR>
-                    <a:lnT w="12700" cap="flat" cmpd="sng" algn="ctr">
-                      <a:solidFill>
-                        <a:schemeClr val="tx1"/>
-                      </a:solidFill>
-                      <a:prstDash val="solid"/>
-                      <a:round/>
-                      <a:headEnd type="none" w="med" len="med"/>
-                      <a:tailEnd type="none" w="med" len="med"/>
-                    </a:lnT>
-                    <a:lnB w="12700" cap="flat" cmpd="sng" algn="ctr">
-                      <a:solidFill>
-                        <a:schemeClr val="tx1"/>
-                      </a:solidFill>
-                      <a:prstDash val="solid"/>
-                      <a:round/>
-                      <a:headEnd type="none" w="med" len="med"/>
-                      <a:tailEnd type="none" w="med" len="med"/>
-                    </a:lnB>
-                    <a:noFill/>
-                  </a:tcPr>
-                </a:tc>
-                <a:tc>
-                  <a:txBody>
-                    <a:bodyPr/>
-                    <a:lstStyle/>
-                    <a:p>
-                      <a:pPr algn="ctr"/>
-                      <a:r>
-                        <a:rPr lang="en-US" dirty="0" smtClean="0">
-                          <a:solidFill>
-                            <a:schemeClr val="tx1"/>
-                          </a:solidFill>
-                          <a:latin typeface="Times New Roman" panose="02020603050405020304" pitchFamily="18" charset="0"/>
-                          <a:cs typeface="Times New Roman" panose="02020603050405020304" pitchFamily="18" charset="0"/>
-                        </a:rPr>
-                        <a:t>Static</a:t>
-                      </a:r>
-                      <a:r>
-                        <a:rPr lang="en-US" baseline="0" dirty="0" smtClean="0">
-                          <a:solidFill>
-                            <a:schemeClr val="tx1"/>
-                          </a:solidFill>
-                          <a:latin typeface="Times New Roman" panose="02020603050405020304" pitchFamily="18" charset="0"/>
-                          <a:cs typeface="Times New Roman" panose="02020603050405020304" pitchFamily="18" charset="0"/>
-                        </a:rPr>
-                        <a:t> Key encryption,</a:t>
-                      </a:r>
-                    </a:p>
-                    <a:p>
-                      <a:pPr algn="ctr"/>
-                      <a:r>
-                        <a:rPr lang="en-US" baseline="0" dirty="0" smtClean="0">
-                          <a:solidFill>
-                            <a:schemeClr val="tx1"/>
-                          </a:solidFill>
-                          <a:latin typeface="Times New Roman" panose="02020603050405020304" pitchFamily="18" charset="0"/>
-                          <a:cs typeface="Times New Roman" panose="02020603050405020304" pitchFamily="18" charset="0"/>
-                        </a:rPr>
-                        <a:t>Platform Dependent</a:t>
-                      </a:r>
-                    </a:p>
-                  </a:txBody>
-                  <a:tcPr anchor="ctr">
-                    <a:lnL w="12700" cap="flat" cmpd="sng" algn="ctr">
-                      <a:solidFill>
-                        <a:schemeClr val="tx1"/>
-                      </a:solidFill>
-                      <a:prstDash val="solid"/>
-                      <a:round/>
-                      <a:headEnd type="none" w="med" len="med"/>
-                      <a:tailEnd type="none" w="med" len="med"/>
-                    </a:lnL>
-                    <a:lnR w="12700" cap="flat" cmpd="sng" algn="ctr">
-                      <a:solidFill>
-                        <a:schemeClr val="tx1"/>
-                      </a:solidFill>
-                      <a:prstDash val="solid"/>
-                      <a:round/>
-                      <a:headEnd type="none" w="med" len="med"/>
-                      <a:tailEnd type="none" w="med" len="med"/>
-                    </a:lnR>
-                    <a:lnT w="12700" cap="flat" cmpd="sng" algn="ctr">
-                      <a:solidFill>
-                        <a:schemeClr val="tx1"/>
-                      </a:solidFill>
-                      <a:prstDash val="solid"/>
-                      <a:round/>
-                      <a:headEnd type="none" w="med" len="med"/>
-                      <a:tailEnd type="none" w="med" len="med"/>
-                    </a:lnT>
-                    <a:lnB w="12700" cap="flat" cmpd="sng" algn="ctr">
-                      <a:solidFill>
-                        <a:schemeClr val="tx1"/>
-                      </a:solidFill>
-                      <a:prstDash val="solid"/>
-                      <a:round/>
-                      <a:headEnd type="none" w="med" len="med"/>
-                      <a:tailEnd type="none" w="med" len="med"/>
-                    </a:lnB>
-                    <a:noFill/>
-                  </a:tcPr>
-                </a:tc>
-                <a:extLst>
-                  <a:ext uri="{0D108BD9-81ED-4DB2-BD59-A6C34878D82A}">
-                    <a16:rowId xmlns:a16="http://schemas.microsoft.com/office/drawing/2014/main" val="349387215"/>
-                  </a:ext>
-                </a:extLst>
-              </a:tr>
-            </a:tbl>
-          </a:graphicData>
-        </a:graphic>
-      </p:graphicFrame>
-    </p:spTree>
-    <p:extLst>
-      <p:ext uri="{BB962C8B-B14F-4D97-AF65-F5344CB8AC3E}">
-        <p14:creationId xmlns:p14="http://schemas.microsoft.com/office/powerpoint/2010/main" val="2397697177"/>
-      </p:ext>
-    </p:extLst>
-  </p:cSld>
-  <p:clrMapOvr>
-    <a:masterClrMapping/>
-  </p:clrMapOvr>
-  <p:transition spd="slow">
-    <p:push dir="u"/>
   </p:transition>
   <p:timing>
     <p:tnLst>
@@ -6591,30 +5308,1558 @@
           <a:chExt cx="0" cy="0"/>
         </a:xfrm>
       </p:grpSpPr>
+      <p:graphicFrame>
+        <p:nvGraphicFramePr>
+          <p:cNvPr id="3" name="Table 2"/>
+          <p:cNvGraphicFramePr>
+            <a:graphicFrameLocks noGrp="1"/>
+          </p:cNvGraphicFramePr>
+          <p:nvPr>
+            <p:extLst/>
+          </p:nvPr>
+        </p:nvGraphicFramePr>
+        <p:xfrm>
+          <a:off x="609600" y="847934"/>
+          <a:ext cx="10972800" cy="5093819"/>
+        </p:xfrm>
+        <a:graphic>
+          <a:graphicData uri="http://schemas.openxmlformats.org/drawingml/2006/table">
+            <a:tbl>
+              <a:tblPr firstRow="1" bandRow="1">
+                <a:tableStyleId>{5C22544A-7EE6-4342-B048-85BDC9FD1C3A}</a:tableStyleId>
+              </a:tblPr>
+              <a:tblGrid>
+                <a:gridCol w="1150961">
+                  <a:extLst>
+                    <a:ext uri="{9D8B030D-6E8A-4147-A177-3AD203B41FA5}">
+                      <a16:colId xmlns:a16="http://schemas.microsoft.com/office/drawing/2014/main" val="650890123"/>
+                    </a:ext>
+                  </a:extLst>
+                </a:gridCol>
+                <a:gridCol w="2248021">
+                  <a:extLst>
+                    <a:ext uri="{9D8B030D-6E8A-4147-A177-3AD203B41FA5}">
+                      <a16:colId xmlns:a16="http://schemas.microsoft.com/office/drawing/2014/main" val="3364458840"/>
+                    </a:ext>
+                  </a:extLst>
+                </a:gridCol>
+                <a:gridCol w="2937163">
+                  <a:extLst>
+                    <a:ext uri="{9D8B030D-6E8A-4147-A177-3AD203B41FA5}">
+                      <a16:colId xmlns:a16="http://schemas.microsoft.com/office/drawing/2014/main" val="1934009595"/>
+                    </a:ext>
+                  </a:extLst>
+                </a:gridCol>
+                <a:gridCol w="1394691">
+                  <a:extLst>
+                    <a:ext uri="{9D8B030D-6E8A-4147-A177-3AD203B41FA5}">
+                      <a16:colId xmlns:a16="http://schemas.microsoft.com/office/drawing/2014/main" val="2106811707"/>
+                    </a:ext>
+                  </a:extLst>
+                </a:gridCol>
+                <a:gridCol w="1413164">
+                  <a:extLst>
+                    <a:ext uri="{9D8B030D-6E8A-4147-A177-3AD203B41FA5}">
+                      <a16:colId xmlns:a16="http://schemas.microsoft.com/office/drawing/2014/main" val="4161205106"/>
+                    </a:ext>
+                  </a:extLst>
+                </a:gridCol>
+                <a:gridCol w="1828800">
+                  <a:extLst>
+                    <a:ext uri="{9D8B030D-6E8A-4147-A177-3AD203B41FA5}">
+                      <a16:colId xmlns:a16="http://schemas.microsoft.com/office/drawing/2014/main" val="2191810521"/>
+                    </a:ext>
+                  </a:extLst>
+                </a:gridCol>
+              </a:tblGrid>
+              <a:tr h="796139">
+                <a:tc>
+                  <a:txBody>
+                    <a:bodyPr/>
+                    <a:lstStyle/>
+                    <a:p>
+                      <a:pPr algn="ctr"/>
+                      <a:r>
+                        <a:rPr lang="en-US" dirty="0" smtClean="0">
+                          <a:solidFill>
+                            <a:schemeClr val="tx1"/>
+                          </a:solidFill>
+                          <a:latin typeface="Times New Roman" panose="02020603050405020304" pitchFamily="18" charset="0"/>
+                          <a:cs typeface="Times New Roman" panose="02020603050405020304" pitchFamily="18" charset="0"/>
+                        </a:rPr>
+                        <a:t>Serial No:</a:t>
+                      </a:r>
+                      <a:endParaRPr lang="en-US" dirty="0">
+                        <a:solidFill>
+                          <a:schemeClr val="tx1"/>
+                        </a:solidFill>
+                        <a:latin typeface="Times New Roman" panose="02020603050405020304" pitchFamily="18" charset="0"/>
+                        <a:cs typeface="Times New Roman" panose="02020603050405020304" pitchFamily="18" charset="0"/>
+                      </a:endParaRPr>
+                    </a:p>
+                  </a:txBody>
+                  <a:tcPr anchor="ctr">
+                    <a:lnL w="12700" cap="flat" cmpd="sng" algn="ctr">
+                      <a:solidFill>
+                        <a:schemeClr val="tx1"/>
+                      </a:solidFill>
+                      <a:prstDash val="solid"/>
+                      <a:round/>
+                      <a:headEnd type="none" w="med" len="med"/>
+                      <a:tailEnd type="none" w="med" len="med"/>
+                    </a:lnL>
+                    <a:lnR w="12700" cap="flat" cmpd="sng" algn="ctr">
+                      <a:solidFill>
+                        <a:schemeClr val="tx1"/>
+                      </a:solidFill>
+                      <a:prstDash val="solid"/>
+                      <a:round/>
+                      <a:headEnd type="none" w="med" len="med"/>
+                      <a:tailEnd type="none" w="med" len="med"/>
+                    </a:lnR>
+                    <a:lnT w="12700" cap="flat" cmpd="sng" algn="ctr">
+                      <a:solidFill>
+                        <a:schemeClr val="tx1"/>
+                      </a:solidFill>
+                      <a:prstDash val="solid"/>
+                      <a:round/>
+                      <a:headEnd type="none" w="med" len="med"/>
+                      <a:tailEnd type="none" w="med" len="med"/>
+                    </a:lnT>
+                    <a:lnB w="12700" cap="flat" cmpd="sng" algn="ctr">
+                      <a:solidFill>
+                        <a:schemeClr val="tx1"/>
+                      </a:solidFill>
+                      <a:prstDash val="solid"/>
+                      <a:round/>
+                      <a:headEnd type="none" w="med" len="med"/>
+                      <a:tailEnd type="none" w="med" len="med"/>
+                    </a:lnB>
+                    <a:solidFill>
+                      <a:schemeClr val="bg1">
+                        <a:lumMod val="75000"/>
+                      </a:schemeClr>
+                    </a:solidFill>
+                  </a:tcPr>
+                </a:tc>
+                <a:tc>
+                  <a:txBody>
+                    <a:bodyPr/>
+                    <a:lstStyle/>
+                    <a:p>
+                      <a:pPr algn="ctr"/>
+                      <a:r>
+                        <a:rPr lang="en-US" dirty="0" smtClean="0">
+                          <a:solidFill>
+                            <a:schemeClr val="tx1"/>
+                          </a:solidFill>
+                          <a:latin typeface="Times New Roman" panose="02020603050405020304" pitchFamily="18" charset="0"/>
+                          <a:cs typeface="Times New Roman" panose="02020603050405020304" pitchFamily="18" charset="0"/>
+                        </a:rPr>
+                        <a:t>Author</a:t>
+                      </a:r>
+                      <a:r>
+                        <a:rPr lang="en-US" baseline="0" dirty="0" smtClean="0">
+                          <a:solidFill>
+                            <a:schemeClr val="tx1"/>
+                          </a:solidFill>
+                          <a:latin typeface="Times New Roman" panose="02020603050405020304" pitchFamily="18" charset="0"/>
+                          <a:cs typeface="Times New Roman" panose="02020603050405020304" pitchFamily="18" charset="0"/>
+                        </a:rPr>
+                        <a:t> name, Title and date</a:t>
+                      </a:r>
+                      <a:endParaRPr lang="en-US" dirty="0">
+                        <a:solidFill>
+                          <a:schemeClr val="tx1"/>
+                        </a:solidFill>
+                        <a:latin typeface="Times New Roman" panose="02020603050405020304" pitchFamily="18" charset="0"/>
+                        <a:cs typeface="Times New Roman" panose="02020603050405020304" pitchFamily="18" charset="0"/>
+                      </a:endParaRPr>
+                    </a:p>
+                  </a:txBody>
+                  <a:tcPr anchor="ctr">
+                    <a:lnL w="12700" cap="flat" cmpd="sng" algn="ctr">
+                      <a:solidFill>
+                        <a:schemeClr val="tx1"/>
+                      </a:solidFill>
+                      <a:prstDash val="solid"/>
+                      <a:round/>
+                      <a:headEnd type="none" w="med" len="med"/>
+                      <a:tailEnd type="none" w="med" len="med"/>
+                    </a:lnL>
+                    <a:lnR w="12700" cap="flat" cmpd="sng" algn="ctr">
+                      <a:solidFill>
+                        <a:schemeClr val="tx1"/>
+                      </a:solidFill>
+                      <a:prstDash val="solid"/>
+                      <a:round/>
+                      <a:headEnd type="none" w="med" len="med"/>
+                      <a:tailEnd type="none" w="med" len="med"/>
+                    </a:lnR>
+                    <a:lnT w="12700" cap="flat" cmpd="sng" algn="ctr">
+                      <a:solidFill>
+                        <a:schemeClr val="tx1"/>
+                      </a:solidFill>
+                      <a:prstDash val="solid"/>
+                      <a:round/>
+                      <a:headEnd type="none" w="med" len="med"/>
+                      <a:tailEnd type="none" w="med" len="med"/>
+                    </a:lnT>
+                    <a:lnB w="12700" cap="flat" cmpd="sng" algn="ctr">
+                      <a:solidFill>
+                        <a:schemeClr val="tx1"/>
+                      </a:solidFill>
+                      <a:prstDash val="solid"/>
+                      <a:round/>
+                      <a:headEnd type="none" w="med" len="med"/>
+                      <a:tailEnd type="none" w="med" len="med"/>
+                    </a:lnB>
+                    <a:solidFill>
+                      <a:schemeClr val="bg1">
+                        <a:lumMod val="75000"/>
+                      </a:schemeClr>
+                    </a:solidFill>
+                  </a:tcPr>
+                </a:tc>
+                <a:tc>
+                  <a:txBody>
+                    <a:bodyPr/>
+                    <a:lstStyle/>
+                    <a:p>
+                      <a:pPr algn="ctr"/>
+                      <a:r>
+                        <a:rPr lang="en-US" dirty="0" smtClean="0">
+                          <a:solidFill>
+                            <a:schemeClr val="tx1"/>
+                          </a:solidFill>
+                          <a:latin typeface="Times New Roman" panose="02020603050405020304" pitchFamily="18" charset="0"/>
+                          <a:cs typeface="Times New Roman" panose="02020603050405020304" pitchFamily="18" charset="0"/>
+                        </a:rPr>
+                        <a:t>Concept</a:t>
+                      </a:r>
+                      <a:endParaRPr lang="en-US" dirty="0">
+                        <a:solidFill>
+                          <a:schemeClr val="tx1"/>
+                        </a:solidFill>
+                        <a:latin typeface="Times New Roman" panose="02020603050405020304" pitchFamily="18" charset="0"/>
+                        <a:cs typeface="Times New Roman" panose="02020603050405020304" pitchFamily="18" charset="0"/>
+                      </a:endParaRPr>
+                    </a:p>
+                  </a:txBody>
+                  <a:tcPr anchor="ctr">
+                    <a:lnL w="12700" cap="flat" cmpd="sng" algn="ctr">
+                      <a:solidFill>
+                        <a:schemeClr val="tx1"/>
+                      </a:solidFill>
+                      <a:prstDash val="solid"/>
+                      <a:round/>
+                      <a:headEnd type="none" w="med" len="med"/>
+                      <a:tailEnd type="none" w="med" len="med"/>
+                    </a:lnL>
+                    <a:lnR w="12700" cap="flat" cmpd="sng" algn="ctr">
+                      <a:solidFill>
+                        <a:schemeClr val="tx1"/>
+                      </a:solidFill>
+                      <a:prstDash val="solid"/>
+                      <a:round/>
+                      <a:headEnd type="none" w="med" len="med"/>
+                      <a:tailEnd type="none" w="med" len="med"/>
+                    </a:lnR>
+                    <a:lnT w="12700" cap="flat" cmpd="sng" algn="ctr">
+                      <a:solidFill>
+                        <a:schemeClr val="tx1"/>
+                      </a:solidFill>
+                      <a:prstDash val="solid"/>
+                      <a:round/>
+                      <a:headEnd type="none" w="med" len="med"/>
+                      <a:tailEnd type="none" w="med" len="med"/>
+                    </a:lnT>
+                    <a:lnB w="12700" cap="flat" cmpd="sng" algn="ctr">
+                      <a:solidFill>
+                        <a:schemeClr val="tx1"/>
+                      </a:solidFill>
+                      <a:prstDash val="solid"/>
+                      <a:round/>
+                      <a:headEnd type="none" w="med" len="med"/>
+                      <a:tailEnd type="none" w="med" len="med"/>
+                    </a:lnB>
+                    <a:solidFill>
+                      <a:schemeClr val="bg1">
+                        <a:lumMod val="75000"/>
+                      </a:schemeClr>
+                    </a:solidFill>
+                  </a:tcPr>
+                </a:tc>
+                <a:tc>
+                  <a:txBody>
+                    <a:bodyPr/>
+                    <a:lstStyle/>
+                    <a:p>
+                      <a:pPr algn="ctr"/>
+                      <a:r>
+                        <a:rPr lang="en-US" dirty="0" smtClean="0">
+                          <a:solidFill>
+                            <a:schemeClr val="tx1"/>
+                          </a:solidFill>
+                          <a:latin typeface="Times New Roman" panose="02020603050405020304" pitchFamily="18" charset="0"/>
+                          <a:cs typeface="Times New Roman" panose="02020603050405020304" pitchFamily="18" charset="0"/>
+                        </a:rPr>
+                        <a:t>Technique (Algorithm)</a:t>
+                      </a:r>
+                      <a:endParaRPr lang="en-US" dirty="0">
+                        <a:solidFill>
+                          <a:schemeClr val="tx1"/>
+                        </a:solidFill>
+                        <a:latin typeface="Times New Roman" panose="02020603050405020304" pitchFamily="18" charset="0"/>
+                        <a:cs typeface="Times New Roman" panose="02020603050405020304" pitchFamily="18" charset="0"/>
+                      </a:endParaRPr>
+                    </a:p>
+                  </a:txBody>
+                  <a:tcPr anchor="ctr">
+                    <a:lnL w="12700" cap="flat" cmpd="sng" algn="ctr">
+                      <a:solidFill>
+                        <a:schemeClr val="tx1"/>
+                      </a:solidFill>
+                      <a:prstDash val="solid"/>
+                      <a:round/>
+                      <a:headEnd type="none" w="med" len="med"/>
+                      <a:tailEnd type="none" w="med" len="med"/>
+                    </a:lnL>
+                    <a:lnR w="12700" cap="flat" cmpd="sng" algn="ctr">
+                      <a:solidFill>
+                        <a:schemeClr val="tx1"/>
+                      </a:solidFill>
+                      <a:prstDash val="solid"/>
+                      <a:round/>
+                      <a:headEnd type="none" w="med" len="med"/>
+                      <a:tailEnd type="none" w="med" len="med"/>
+                    </a:lnR>
+                    <a:lnT w="12700" cap="flat" cmpd="sng" algn="ctr">
+                      <a:solidFill>
+                        <a:schemeClr val="tx1"/>
+                      </a:solidFill>
+                      <a:prstDash val="solid"/>
+                      <a:round/>
+                      <a:headEnd type="none" w="med" len="med"/>
+                      <a:tailEnd type="none" w="med" len="med"/>
+                    </a:lnT>
+                    <a:lnB w="12700" cap="flat" cmpd="sng" algn="ctr">
+                      <a:solidFill>
+                        <a:schemeClr val="tx1"/>
+                      </a:solidFill>
+                      <a:prstDash val="solid"/>
+                      <a:round/>
+                      <a:headEnd type="none" w="med" len="med"/>
+                      <a:tailEnd type="none" w="med" len="med"/>
+                    </a:lnB>
+                    <a:solidFill>
+                      <a:schemeClr val="bg1">
+                        <a:lumMod val="75000"/>
+                      </a:schemeClr>
+                    </a:solidFill>
+                  </a:tcPr>
+                </a:tc>
+                <a:tc>
+                  <a:txBody>
+                    <a:bodyPr/>
+                    <a:lstStyle/>
+                    <a:p>
+                      <a:pPr algn="ctr"/>
+                      <a:r>
+                        <a:rPr lang="en-US" dirty="0" smtClean="0">
+                          <a:solidFill>
+                            <a:schemeClr val="tx1"/>
+                          </a:solidFill>
+                          <a:latin typeface="Times New Roman" panose="02020603050405020304" pitchFamily="18" charset="0"/>
+                          <a:cs typeface="Times New Roman" panose="02020603050405020304" pitchFamily="18" charset="0"/>
+                        </a:rPr>
+                        <a:t>Advantages</a:t>
+                      </a:r>
+                      <a:endParaRPr lang="en-US" dirty="0">
+                        <a:solidFill>
+                          <a:schemeClr val="tx1"/>
+                        </a:solidFill>
+                        <a:latin typeface="Times New Roman" panose="02020603050405020304" pitchFamily="18" charset="0"/>
+                        <a:cs typeface="Times New Roman" panose="02020603050405020304" pitchFamily="18" charset="0"/>
+                      </a:endParaRPr>
+                    </a:p>
+                  </a:txBody>
+                  <a:tcPr anchor="ctr">
+                    <a:lnL w="12700" cap="flat" cmpd="sng" algn="ctr">
+                      <a:solidFill>
+                        <a:schemeClr val="tx1"/>
+                      </a:solidFill>
+                      <a:prstDash val="solid"/>
+                      <a:round/>
+                      <a:headEnd type="none" w="med" len="med"/>
+                      <a:tailEnd type="none" w="med" len="med"/>
+                    </a:lnL>
+                    <a:lnR w="12700" cap="flat" cmpd="sng" algn="ctr">
+                      <a:solidFill>
+                        <a:schemeClr val="tx1"/>
+                      </a:solidFill>
+                      <a:prstDash val="solid"/>
+                      <a:round/>
+                      <a:headEnd type="none" w="med" len="med"/>
+                      <a:tailEnd type="none" w="med" len="med"/>
+                    </a:lnR>
+                    <a:lnT w="12700" cap="flat" cmpd="sng" algn="ctr">
+                      <a:solidFill>
+                        <a:schemeClr val="tx1"/>
+                      </a:solidFill>
+                      <a:prstDash val="solid"/>
+                      <a:round/>
+                      <a:headEnd type="none" w="med" len="med"/>
+                      <a:tailEnd type="none" w="med" len="med"/>
+                    </a:lnT>
+                    <a:lnB w="12700" cap="flat" cmpd="sng" algn="ctr">
+                      <a:solidFill>
+                        <a:schemeClr val="tx1"/>
+                      </a:solidFill>
+                      <a:prstDash val="solid"/>
+                      <a:round/>
+                      <a:headEnd type="none" w="med" len="med"/>
+                      <a:tailEnd type="none" w="med" len="med"/>
+                    </a:lnB>
+                    <a:solidFill>
+                      <a:schemeClr val="bg1">
+                        <a:lumMod val="75000"/>
+                      </a:schemeClr>
+                    </a:solidFill>
+                  </a:tcPr>
+                </a:tc>
+                <a:tc>
+                  <a:txBody>
+                    <a:bodyPr/>
+                    <a:lstStyle/>
+                    <a:p>
+                      <a:pPr algn="ctr"/>
+                      <a:r>
+                        <a:rPr lang="en-US" dirty="0" smtClean="0">
+                          <a:solidFill>
+                            <a:schemeClr val="tx1"/>
+                          </a:solidFill>
+                          <a:latin typeface="Times New Roman" panose="02020603050405020304" pitchFamily="18" charset="0"/>
+                          <a:cs typeface="Times New Roman" panose="02020603050405020304" pitchFamily="18" charset="0"/>
+                        </a:rPr>
+                        <a:t>Disadvantages</a:t>
+                      </a:r>
+                      <a:endParaRPr lang="en-US" dirty="0">
+                        <a:solidFill>
+                          <a:schemeClr val="tx1"/>
+                        </a:solidFill>
+                        <a:latin typeface="Times New Roman" panose="02020603050405020304" pitchFamily="18" charset="0"/>
+                        <a:cs typeface="Times New Roman" panose="02020603050405020304" pitchFamily="18" charset="0"/>
+                      </a:endParaRPr>
+                    </a:p>
+                  </a:txBody>
+                  <a:tcPr anchor="ctr">
+                    <a:lnL w="12700" cap="flat" cmpd="sng" algn="ctr">
+                      <a:solidFill>
+                        <a:schemeClr val="tx1"/>
+                      </a:solidFill>
+                      <a:prstDash val="solid"/>
+                      <a:round/>
+                      <a:headEnd type="none" w="med" len="med"/>
+                      <a:tailEnd type="none" w="med" len="med"/>
+                    </a:lnL>
+                    <a:lnR w="12700" cap="flat" cmpd="sng" algn="ctr">
+                      <a:solidFill>
+                        <a:schemeClr val="tx1"/>
+                      </a:solidFill>
+                      <a:prstDash val="solid"/>
+                      <a:round/>
+                      <a:headEnd type="none" w="med" len="med"/>
+                      <a:tailEnd type="none" w="med" len="med"/>
+                    </a:lnR>
+                    <a:lnT w="12700" cap="flat" cmpd="sng" algn="ctr">
+                      <a:solidFill>
+                        <a:schemeClr val="tx1"/>
+                      </a:solidFill>
+                      <a:prstDash val="solid"/>
+                      <a:round/>
+                      <a:headEnd type="none" w="med" len="med"/>
+                      <a:tailEnd type="none" w="med" len="med"/>
+                    </a:lnT>
+                    <a:lnB w="12700" cap="flat" cmpd="sng" algn="ctr">
+                      <a:solidFill>
+                        <a:schemeClr val="tx1"/>
+                      </a:solidFill>
+                      <a:prstDash val="solid"/>
+                      <a:round/>
+                      <a:headEnd type="none" w="med" len="med"/>
+                      <a:tailEnd type="none" w="med" len="med"/>
+                    </a:lnB>
+                    <a:solidFill>
+                      <a:schemeClr val="bg1">
+                        <a:lumMod val="75000"/>
+                      </a:schemeClr>
+                    </a:solidFill>
+                  </a:tcPr>
+                </a:tc>
+                <a:extLst>
+                  <a:ext uri="{0D108BD9-81ED-4DB2-BD59-A6C34878D82A}">
+                    <a16:rowId xmlns:a16="http://schemas.microsoft.com/office/drawing/2014/main" val="907547670"/>
+                  </a:ext>
+                </a:extLst>
+              </a:tr>
+              <a:tr h="738871">
+                <a:tc>
+                  <a:txBody>
+                    <a:bodyPr/>
+                    <a:lstStyle/>
+                    <a:p>
+                      <a:pPr algn="ctr"/>
+                      <a:r>
+                        <a:rPr lang="en-US" dirty="0" smtClean="0">
+                          <a:solidFill>
+                            <a:schemeClr val="tx1"/>
+                          </a:solidFill>
+                          <a:latin typeface="Times New Roman" panose="02020603050405020304" pitchFamily="18" charset="0"/>
+                          <a:cs typeface="Times New Roman" panose="02020603050405020304" pitchFamily="18" charset="0"/>
+                        </a:rPr>
+                        <a:t>3</a:t>
+                      </a:r>
+                      <a:endParaRPr lang="en-US" dirty="0">
+                        <a:solidFill>
+                          <a:schemeClr val="tx1"/>
+                        </a:solidFill>
+                        <a:latin typeface="Times New Roman" panose="02020603050405020304" pitchFamily="18" charset="0"/>
+                        <a:cs typeface="Times New Roman" panose="02020603050405020304" pitchFamily="18" charset="0"/>
+                      </a:endParaRPr>
+                    </a:p>
+                  </a:txBody>
+                  <a:tcPr anchor="ctr">
+                    <a:lnL w="12700" cap="flat" cmpd="sng" algn="ctr">
+                      <a:solidFill>
+                        <a:schemeClr val="tx1"/>
+                      </a:solidFill>
+                      <a:prstDash val="solid"/>
+                      <a:round/>
+                      <a:headEnd type="none" w="med" len="med"/>
+                      <a:tailEnd type="none" w="med" len="med"/>
+                    </a:lnL>
+                    <a:lnR w="12700" cap="flat" cmpd="sng" algn="ctr">
+                      <a:solidFill>
+                        <a:schemeClr val="tx1"/>
+                      </a:solidFill>
+                      <a:prstDash val="solid"/>
+                      <a:round/>
+                      <a:headEnd type="none" w="med" len="med"/>
+                      <a:tailEnd type="none" w="med" len="med"/>
+                    </a:lnR>
+                    <a:lnT w="12700" cap="flat" cmpd="sng" algn="ctr">
+                      <a:solidFill>
+                        <a:schemeClr val="tx1"/>
+                      </a:solidFill>
+                      <a:prstDash val="solid"/>
+                      <a:round/>
+                      <a:headEnd type="none" w="med" len="med"/>
+                      <a:tailEnd type="none" w="med" len="med"/>
+                    </a:lnT>
+                    <a:lnB w="12700" cap="flat" cmpd="sng" algn="ctr">
+                      <a:solidFill>
+                        <a:schemeClr val="tx1"/>
+                      </a:solidFill>
+                      <a:prstDash val="solid"/>
+                      <a:round/>
+                      <a:headEnd type="none" w="med" len="med"/>
+                      <a:tailEnd type="none" w="med" len="med"/>
+                    </a:lnB>
+                    <a:noFill/>
+                  </a:tcPr>
+                </a:tc>
+                <a:tc>
+                  <a:txBody>
+                    <a:bodyPr/>
+                    <a:lstStyle/>
+                    <a:p>
+                      <a:pPr algn="ctr"/>
+                      <a:r>
+                        <a:rPr lang="en-US" dirty="0" err="1" smtClean="0">
+                          <a:solidFill>
+                            <a:schemeClr val="tx1"/>
+                          </a:solidFill>
+                          <a:latin typeface="Times New Roman" panose="02020603050405020304" pitchFamily="18" charset="0"/>
+                          <a:cs typeface="Times New Roman" panose="02020603050405020304" pitchFamily="18" charset="0"/>
+                        </a:rPr>
+                        <a:t>Soman</a:t>
+                      </a:r>
+                      <a:r>
+                        <a:rPr lang="en-US" dirty="0" smtClean="0">
+                          <a:solidFill>
+                            <a:schemeClr val="tx1"/>
+                          </a:solidFill>
+                          <a:latin typeface="Times New Roman" panose="02020603050405020304" pitchFamily="18" charset="0"/>
+                          <a:cs typeface="Times New Roman" panose="02020603050405020304" pitchFamily="18" charset="0"/>
+                        </a:rPr>
+                        <a:t> </a:t>
+                      </a:r>
+                      <a:r>
+                        <a:rPr lang="en-US" dirty="0" err="1" smtClean="0">
+                          <a:solidFill>
+                            <a:schemeClr val="tx1"/>
+                          </a:solidFill>
+                          <a:latin typeface="Times New Roman" panose="02020603050405020304" pitchFamily="18" charset="0"/>
+                          <a:cs typeface="Times New Roman" panose="02020603050405020304" pitchFamily="18" charset="0"/>
+                        </a:rPr>
+                        <a:t>Nayak</a:t>
+                      </a:r>
+                      <a:r>
+                        <a:rPr lang="en-US" dirty="0" smtClean="0">
+                          <a:solidFill>
+                            <a:schemeClr val="tx1"/>
+                          </a:solidFill>
+                          <a:latin typeface="Times New Roman" panose="02020603050405020304" pitchFamily="18" charset="0"/>
+                          <a:cs typeface="Times New Roman" panose="02020603050405020304" pitchFamily="18" charset="0"/>
+                        </a:rPr>
+                        <a:t>,</a:t>
+                      </a:r>
+                    </a:p>
+                    <a:p>
+                      <a:pPr algn="ctr"/>
+                      <a:r>
+                        <a:rPr lang="en-US" dirty="0" err="1" smtClean="0">
+                          <a:solidFill>
+                            <a:schemeClr val="tx1"/>
+                          </a:solidFill>
+                          <a:latin typeface="Times New Roman" panose="02020603050405020304" pitchFamily="18" charset="0"/>
+                          <a:cs typeface="Times New Roman" panose="02020603050405020304" pitchFamily="18" charset="0"/>
+                        </a:rPr>
+                        <a:t>Surajit</a:t>
+                      </a:r>
+                      <a:r>
+                        <a:rPr lang="en-US" dirty="0" smtClean="0">
+                          <a:solidFill>
+                            <a:schemeClr val="tx1"/>
+                          </a:solidFill>
+                          <a:latin typeface="Times New Roman" panose="02020603050405020304" pitchFamily="18" charset="0"/>
+                          <a:cs typeface="Times New Roman" panose="02020603050405020304" pitchFamily="18" charset="0"/>
+                        </a:rPr>
+                        <a:t> </a:t>
+                      </a:r>
+                      <a:r>
+                        <a:rPr lang="en-US" dirty="0" err="1" smtClean="0">
+                          <a:solidFill>
+                            <a:schemeClr val="tx1"/>
+                          </a:solidFill>
+                          <a:latin typeface="Times New Roman" panose="02020603050405020304" pitchFamily="18" charset="0"/>
+                          <a:cs typeface="Times New Roman" panose="02020603050405020304" pitchFamily="18" charset="0"/>
+                        </a:rPr>
+                        <a:t>Dass</a:t>
+                      </a:r>
+                      <a:r>
+                        <a:rPr lang="en-US" dirty="0" smtClean="0">
+                          <a:solidFill>
+                            <a:schemeClr val="tx1"/>
+                          </a:solidFill>
+                          <a:latin typeface="Times New Roman" panose="02020603050405020304" pitchFamily="18" charset="0"/>
+                          <a:cs typeface="Times New Roman" panose="02020603050405020304" pitchFamily="18" charset="0"/>
+                        </a:rPr>
+                        <a:t/>
+                      </a:r>
+                      <a:br>
+                        <a:rPr lang="en-US" dirty="0" smtClean="0">
+                          <a:solidFill>
+                            <a:schemeClr val="tx1"/>
+                          </a:solidFill>
+                          <a:latin typeface="Times New Roman" panose="02020603050405020304" pitchFamily="18" charset="0"/>
+                          <a:cs typeface="Times New Roman" panose="02020603050405020304" pitchFamily="18" charset="0"/>
+                        </a:rPr>
+                      </a:br>
+                      <a:endParaRPr lang="en-US" dirty="0" smtClean="0">
+                        <a:solidFill>
+                          <a:schemeClr val="tx1"/>
+                        </a:solidFill>
+                        <a:latin typeface="Times New Roman" panose="02020603050405020304" pitchFamily="18" charset="0"/>
+                        <a:cs typeface="Times New Roman" panose="02020603050405020304" pitchFamily="18" charset="0"/>
+                      </a:endParaRPr>
+                    </a:p>
+                    <a:p>
+                      <a:pPr algn="ctr"/>
+                      <a:r>
+                        <a:rPr lang="en-US" dirty="0" smtClean="0">
+                          <a:solidFill>
+                            <a:schemeClr val="tx1"/>
+                          </a:solidFill>
+                          <a:latin typeface="Times New Roman" panose="02020603050405020304" pitchFamily="18" charset="0"/>
+                          <a:cs typeface="Times New Roman" panose="02020603050405020304" pitchFamily="18" charset="0"/>
+                        </a:rPr>
+                        <a:t>An application for end to end secure messaging service on Android supported device</a:t>
+                      </a:r>
+                    </a:p>
+                  </a:txBody>
+                  <a:tcPr anchor="ctr">
+                    <a:lnL w="12700" cap="flat" cmpd="sng" algn="ctr">
+                      <a:solidFill>
+                        <a:schemeClr val="tx1"/>
+                      </a:solidFill>
+                      <a:prstDash val="solid"/>
+                      <a:round/>
+                      <a:headEnd type="none" w="med" len="med"/>
+                      <a:tailEnd type="none" w="med" len="med"/>
+                    </a:lnL>
+                    <a:lnR w="12700" cap="flat" cmpd="sng" algn="ctr">
+                      <a:solidFill>
+                        <a:schemeClr val="tx1"/>
+                      </a:solidFill>
+                      <a:prstDash val="solid"/>
+                      <a:round/>
+                      <a:headEnd type="none" w="med" len="med"/>
+                      <a:tailEnd type="none" w="med" len="med"/>
+                    </a:lnR>
+                    <a:lnT w="12700" cap="flat" cmpd="sng" algn="ctr">
+                      <a:solidFill>
+                        <a:schemeClr val="tx1"/>
+                      </a:solidFill>
+                      <a:prstDash val="solid"/>
+                      <a:round/>
+                      <a:headEnd type="none" w="med" len="med"/>
+                      <a:tailEnd type="none" w="med" len="med"/>
+                    </a:lnT>
+                    <a:lnB w="12700" cap="flat" cmpd="sng" algn="ctr">
+                      <a:solidFill>
+                        <a:schemeClr val="tx1"/>
+                      </a:solidFill>
+                      <a:prstDash val="solid"/>
+                      <a:round/>
+                      <a:headEnd type="none" w="med" len="med"/>
+                      <a:tailEnd type="none" w="med" len="med"/>
+                    </a:lnB>
+                    <a:noFill/>
+                  </a:tcPr>
+                </a:tc>
+                <a:tc>
+                  <a:txBody>
+                    <a:bodyPr/>
+                    <a:lstStyle/>
+                    <a:p>
+                      <a:pPr algn="ctr"/>
+                      <a:r>
+                        <a:rPr lang="en-US" sz="1800" b="0" i="0" kern="1200" dirty="0" smtClean="0">
+                          <a:solidFill>
+                            <a:schemeClr val="dk1"/>
+                          </a:solidFill>
+                          <a:effectLst/>
+                          <a:latin typeface="Times New Roman" panose="02020603050405020304" pitchFamily="18" charset="0"/>
+                          <a:ea typeface="+mn-ea"/>
+                          <a:cs typeface="Times New Roman" panose="02020603050405020304" pitchFamily="18" charset="0"/>
+                        </a:rPr>
+                        <a:t>Proposing a secure messaging protocol that utilizes SHA-2 hash generation for key generation and AES-256 encryption for securing messages during transmission. </a:t>
+                      </a:r>
+                      <a:endParaRPr lang="en-US" dirty="0">
+                        <a:solidFill>
+                          <a:schemeClr val="tx1"/>
+                        </a:solidFill>
+                        <a:latin typeface="Times New Roman" panose="02020603050405020304" pitchFamily="18" charset="0"/>
+                        <a:cs typeface="Times New Roman" panose="02020603050405020304" pitchFamily="18" charset="0"/>
+                      </a:endParaRPr>
+                    </a:p>
+                  </a:txBody>
+                  <a:tcPr anchor="ctr">
+                    <a:lnL w="12700" cap="flat" cmpd="sng" algn="ctr">
+                      <a:solidFill>
+                        <a:schemeClr val="tx1"/>
+                      </a:solidFill>
+                      <a:prstDash val="solid"/>
+                      <a:round/>
+                      <a:headEnd type="none" w="med" len="med"/>
+                      <a:tailEnd type="none" w="med" len="med"/>
+                    </a:lnL>
+                    <a:lnR w="12700" cap="flat" cmpd="sng" algn="ctr">
+                      <a:solidFill>
+                        <a:schemeClr val="tx1"/>
+                      </a:solidFill>
+                      <a:prstDash val="solid"/>
+                      <a:round/>
+                      <a:headEnd type="none" w="med" len="med"/>
+                      <a:tailEnd type="none" w="med" len="med"/>
+                    </a:lnR>
+                    <a:lnT w="12700" cap="flat" cmpd="sng" algn="ctr">
+                      <a:solidFill>
+                        <a:schemeClr val="tx1"/>
+                      </a:solidFill>
+                      <a:prstDash val="solid"/>
+                      <a:round/>
+                      <a:headEnd type="none" w="med" len="med"/>
+                      <a:tailEnd type="none" w="med" len="med"/>
+                    </a:lnT>
+                    <a:lnB w="12700" cap="flat" cmpd="sng" algn="ctr">
+                      <a:solidFill>
+                        <a:schemeClr val="tx1"/>
+                      </a:solidFill>
+                      <a:prstDash val="solid"/>
+                      <a:round/>
+                      <a:headEnd type="none" w="med" len="med"/>
+                      <a:tailEnd type="none" w="med" len="med"/>
+                    </a:lnB>
+                    <a:noFill/>
+                  </a:tcPr>
+                </a:tc>
+                <a:tc>
+                  <a:txBody>
+                    <a:bodyPr/>
+                    <a:lstStyle/>
+                    <a:p>
+                      <a:pPr algn="ctr"/>
+                      <a:r>
+                        <a:rPr lang="en-US" sz="1800" b="0" i="0" kern="1200" dirty="0" smtClean="0">
+                          <a:solidFill>
+                            <a:schemeClr val="dk1"/>
+                          </a:solidFill>
+                          <a:effectLst/>
+                          <a:latin typeface="Times New Roman" panose="02020603050405020304" pitchFamily="18" charset="0"/>
+                          <a:ea typeface="+mn-ea"/>
+                          <a:cs typeface="Times New Roman" panose="02020603050405020304" pitchFamily="18" charset="0"/>
+                        </a:rPr>
+                        <a:t>SHA-2,</a:t>
+                      </a:r>
+                    </a:p>
+                    <a:p>
+                      <a:pPr algn="ctr"/>
+                      <a:r>
+                        <a:rPr lang="en-US" sz="1800" b="0" i="0" kern="1200" dirty="0" smtClean="0">
+                          <a:solidFill>
+                            <a:schemeClr val="dk1"/>
+                          </a:solidFill>
+                          <a:effectLst/>
+                          <a:latin typeface="Times New Roman" panose="02020603050405020304" pitchFamily="18" charset="0"/>
+                          <a:ea typeface="+mn-ea"/>
+                          <a:cs typeface="Times New Roman" panose="02020603050405020304" pitchFamily="18" charset="0"/>
+                        </a:rPr>
+                        <a:t> AES-256 encryption</a:t>
+                      </a:r>
+                      <a:endParaRPr lang="en-US" dirty="0">
+                        <a:solidFill>
+                          <a:schemeClr val="tx1"/>
+                        </a:solidFill>
+                        <a:latin typeface="Times New Roman" panose="02020603050405020304" pitchFamily="18" charset="0"/>
+                        <a:cs typeface="Times New Roman" panose="02020603050405020304" pitchFamily="18" charset="0"/>
+                      </a:endParaRPr>
+                    </a:p>
+                  </a:txBody>
+                  <a:tcPr anchor="ctr">
+                    <a:lnL w="12700" cap="flat" cmpd="sng" algn="ctr">
+                      <a:solidFill>
+                        <a:schemeClr val="tx1"/>
+                      </a:solidFill>
+                      <a:prstDash val="solid"/>
+                      <a:round/>
+                      <a:headEnd type="none" w="med" len="med"/>
+                      <a:tailEnd type="none" w="med" len="med"/>
+                    </a:lnL>
+                    <a:lnR w="12700" cap="flat" cmpd="sng" algn="ctr">
+                      <a:solidFill>
+                        <a:schemeClr val="tx1"/>
+                      </a:solidFill>
+                      <a:prstDash val="solid"/>
+                      <a:round/>
+                      <a:headEnd type="none" w="med" len="med"/>
+                      <a:tailEnd type="none" w="med" len="med"/>
+                    </a:lnR>
+                    <a:lnT w="12700" cap="flat" cmpd="sng" algn="ctr">
+                      <a:solidFill>
+                        <a:schemeClr val="tx1"/>
+                      </a:solidFill>
+                      <a:prstDash val="solid"/>
+                      <a:round/>
+                      <a:headEnd type="none" w="med" len="med"/>
+                      <a:tailEnd type="none" w="med" len="med"/>
+                    </a:lnT>
+                    <a:lnB w="12700" cap="flat" cmpd="sng" algn="ctr">
+                      <a:solidFill>
+                        <a:schemeClr val="tx1"/>
+                      </a:solidFill>
+                      <a:prstDash val="solid"/>
+                      <a:round/>
+                      <a:headEnd type="none" w="med" len="med"/>
+                      <a:tailEnd type="none" w="med" len="med"/>
+                    </a:lnB>
+                    <a:noFill/>
+                  </a:tcPr>
+                </a:tc>
+                <a:tc>
+                  <a:txBody>
+                    <a:bodyPr/>
+                    <a:lstStyle/>
+                    <a:p>
+                      <a:pPr algn="ctr"/>
+                      <a:r>
+                        <a:rPr lang="en-US" dirty="0" smtClean="0">
+                          <a:solidFill>
+                            <a:schemeClr val="tx1"/>
+                          </a:solidFill>
+                          <a:latin typeface="Times New Roman" panose="02020603050405020304" pitchFamily="18" charset="0"/>
+                          <a:cs typeface="Times New Roman" panose="02020603050405020304" pitchFamily="18" charset="0"/>
+                        </a:rPr>
+                        <a:t>Two step Verification</a:t>
+                      </a:r>
+                      <a:endParaRPr lang="en-US" dirty="0">
+                        <a:solidFill>
+                          <a:schemeClr val="tx1"/>
+                        </a:solidFill>
+                        <a:latin typeface="Times New Roman" panose="02020603050405020304" pitchFamily="18" charset="0"/>
+                        <a:cs typeface="Times New Roman" panose="02020603050405020304" pitchFamily="18" charset="0"/>
+                      </a:endParaRPr>
+                    </a:p>
+                  </a:txBody>
+                  <a:tcPr anchor="ctr">
+                    <a:lnL w="12700" cap="flat" cmpd="sng" algn="ctr">
+                      <a:solidFill>
+                        <a:schemeClr val="tx1"/>
+                      </a:solidFill>
+                      <a:prstDash val="solid"/>
+                      <a:round/>
+                      <a:headEnd type="none" w="med" len="med"/>
+                      <a:tailEnd type="none" w="med" len="med"/>
+                    </a:lnL>
+                    <a:lnR w="12700" cap="flat" cmpd="sng" algn="ctr">
+                      <a:solidFill>
+                        <a:schemeClr val="tx1"/>
+                      </a:solidFill>
+                      <a:prstDash val="solid"/>
+                      <a:round/>
+                      <a:headEnd type="none" w="med" len="med"/>
+                      <a:tailEnd type="none" w="med" len="med"/>
+                    </a:lnR>
+                    <a:lnT w="12700" cap="flat" cmpd="sng" algn="ctr">
+                      <a:solidFill>
+                        <a:schemeClr val="tx1"/>
+                      </a:solidFill>
+                      <a:prstDash val="solid"/>
+                      <a:round/>
+                      <a:headEnd type="none" w="med" len="med"/>
+                      <a:tailEnd type="none" w="med" len="med"/>
+                    </a:lnT>
+                    <a:lnB w="12700" cap="flat" cmpd="sng" algn="ctr">
+                      <a:solidFill>
+                        <a:schemeClr val="tx1"/>
+                      </a:solidFill>
+                      <a:prstDash val="solid"/>
+                      <a:round/>
+                      <a:headEnd type="none" w="med" len="med"/>
+                      <a:tailEnd type="none" w="med" len="med"/>
+                    </a:lnB>
+                    <a:noFill/>
+                  </a:tcPr>
+                </a:tc>
+                <a:tc>
+                  <a:txBody>
+                    <a:bodyPr/>
+                    <a:lstStyle/>
+                    <a:p>
+                      <a:pPr algn="ctr"/>
+                      <a:r>
+                        <a:rPr lang="en-US" dirty="0" smtClean="0">
+                          <a:solidFill>
+                            <a:schemeClr val="tx1"/>
+                          </a:solidFill>
+                          <a:latin typeface="Times New Roman" panose="02020603050405020304" pitchFamily="18" charset="0"/>
+                          <a:cs typeface="Times New Roman" panose="02020603050405020304" pitchFamily="18" charset="0"/>
+                        </a:rPr>
+                        <a:t>Platform</a:t>
+                      </a:r>
+                      <a:r>
+                        <a:rPr lang="en-US" baseline="0" dirty="0" smtClean="0">
+                          <a:solidFill>
+                            <a:schemeClr val="tx1"/>
+                          </a:solidFill>
+                          <a:latin typeface="Times New Roman" panose="02020603050405020304" pitchFamily="18" charset="0"/>
+                          <a:cs typeface="Times New Roman" panose="02020603050405020304" pitchFamily="18" charset="0"/>
+                        </a:rPr>
+                        <a:t> Dependent</a:t>
+                      </a:r>
+                      <a:endParaRPr lang="en-US" dirty="0">
+                        <a:solidFill>
+                          <a:schemeClr val="tx1"/>
+                        </a:solidFill>
+                        <a:latin typeface="Times New Roman" panose="02020603050405020304" pitchFamily="18" charset="0"/>
+                        <a:cs typeface="Times New Roman" panose="02020603050405020304" pitchFamily="18" charset="0"/>
+                      </a:endParaRPr>
+                    </a:p>
+                  </a:txBody>
+                  <a:tcPr anchor="ctr">
+                    <a:lnL w="12700" cap="flat" cmpd="sng" algn="ctr">
+                      <a:solidFill>
+                        <a:schemeClr val="tx1"/>
+                      </a:solidFill>
+                      <a:prstDash val="solid"/>
+                      <a:round/>
+                      <a:headEnd type="none" w="med" len="med"/>
+                      <a:tailEnd type="none" w="med" len="med"/>
+                    </a:lnL>
+                    <a:lnR w="12700" cap="flat" cmpd="sng" algn="ctr">
+                      <a:solidFill>
+                        <a:schemeClr val="tx1"/>
+                      </a:solidFill>
+                      <a:prstDash val="solid"/>
+                      <a:round/>
+                      <a:headEnd type="none" w="med" len="med"/>
+                      <a:tailEnd type="none" w="med" len="med"/>
+                    </a:lnR>
+                    <a:lnT w="12700" cap="flat" cmpd="sng" algn="ctr">
+                      <a:solidFill>
+                        <a:schemeClr val="tx1"/>
+                      </a:solidFill>
+                      <a:prstDash val="solid"/>
+                      <a:round/>
+                      <a:headEnd type="none" w="med" len="med"/>
+                      <a:tailEnd type="none" w="med" len="med"/>
+                    </a:lnT>
+                    <a:lnB w="12700" cap="flat" cmpd="sng" algn="ctr">
+                      <a:solidFill>
+                        <a:schemeClr val="tx1"/>
+                      </a:solidFill>
+                      <a:prstDash val="solid"/>
+                      <a:round/>
+                      <a:headEnd type="none" w="med" len="med"/>
+                      <a:tailEnd type="none" w="med" len="med"/>
+                    </a:lnB>
+                    <a:noFill/>
+                  </a:tcPr>
+                </a:tc>
+                <a:extLst>
+                  <a:ext uri="{0D108BD9-81ED-4DB2-BD59-A6C34878D82A}">
+                    <a16:rowId xmlns:a16="http://schemas.microsoft.com/office/drawing/2014/main" val="4275570003"/>
+                  </a:ext>
+                </a:extLst>
+              </a:tr>
+              <a:tr h="738871">
+                <a:tc>
+                  <a:txBody>
+                    <a:bodyPr/>
+                    <a:lstStyle/>
+                    <a:p>
+                      <a:pPr algn="ctr"/>
+                      <a:r>
+                        <a:rPr lang="en-US" dirty="0" smtClean="0">
+                          <a:solidFill>
+                            <a:schemeClr val="tx1"/>
+                          </a:solidFill>
+                          <a:latin typeface="Times New Roman" panose="02020603050405020304" pitchFamily="18" charset="0"/>
+                          <a:cs typeface="Times New Roman" panose="02020603050405020304" pitchFamily="18" charset="0"/>
+                        </a:rPr>
+                        <a:t>4</a:t>
+                      </a:r>
+                      <a:endParaRPr lang="en-US" dirty="0">
+                        <a:solidFill>
+                          <a:schemeClr val="tx1"/>
+                        </a:solidFill>
+                        <a:latin typeface="Times New Roman" panose="02020603050405020304" pitchFamily="18" charset="0"/>
+                        <a:cs typeface="Times New Roman" panose="02020603050405020304" pitchFamily="18" charset="0"/>
+                      </a:endParaRPr>
+                    </a:p>
+                  </a:txBody>
+                  <a:tcPr anchor="ctr">
+                    <a:lnL w="12700" cap="flat" cmpd="sng" algn="ctr">
+                      <a:solidFill>
+                        <a:schemeClr val="tx1"/>
+                      </a:solidFill>
+                      <a:prstDash val="solid"/>
+                      <a:round/>
+                      <a:headEnd type="none" w="med" len="med"/>
+                      <a:tailEnd type="none" w="med" len="med"/>
+                    </a:lnL>
+                    <a:lnR w="12700" cap="flat" cmpd="sng" algn="ctr">
+                      <a:solidFill>
+                        <a:schemeClr val="tx1"/>
+                      </a:solidFill>
+                      <a:prstDash val="solid"/>
+                      <a:round/>
+                      <a:headEnd type="none" w="med" len="med"/>
+                      <a:tailEnd type="none" w="med" len="med"/>
+                    </a:lnR>
+                    <a:lnT w="12700" cap="flat" cmpd="sng" algn="ctr">
+                      <a:solidFill>
+                        <a:schemeClr val="tx1"/>
+                      </a:solidFill>
+                      <a:prstDash val="solid"/>
+                      <a:round/>
+                      <a:headEnd type="none" w="med" len="med"/>
+                      <a:tailEnd type="none" w="med" len="med"/>
+                    </a:lnT>
+                    <a:lnB w="12700" cap="flat" cmpd="sng" algn="ctr">
+                      <a:solidFill>
+                        <a:schemeClr val="tx1"/>
+                      </a:solidFill>
+                      <a:prstDash val="solid"/>
+                      <a:round/>
+                      <a:headEnd type="none" w="med" len="med"/>
+                      <a:tailEnd type="none" w="med" len="med"/>
+                    </a:lnB>
+                    <a:noFill/>
+                  </a:tcPr>
+                </a:tc>
+                <a:tc>
+                  <a:txBody>
+                    <a:bodyPr/>
+                    <a:lstStyle/>
+                    <a:p>
+                      <a:pPr algn="ctr"/>
+                      <a:r>
+                        <a:rPr lang="en-US" dirty="0" smtClean="0">
+                          <a:solidFill>
+                            <a:schemeClr val="tx1"/>
+                          </a:solidFill>
+                          <a:latin typeface="Times New Roman" panose="02020603050405020304" pitchFamily="18" charset="0"/>
+                          <a:cs typeface="Times New Roman" panose="02020603050405020304" pitchFamily="18" charset="0"/>
+                        </a:rPr>
+                        <a:t>Noor Sabah, Jamal M. </a:t>
+                      </a:r>
+                      <a:r>
+                        <a:rPr lang="en-US" dirty="0" err="1" smtClean="0">
+                          <a:solidFill>
+                            <a:schemeClr val="tx1"/>
+                          </a:solidFill>
+                          <a:latin typeface="Times New Roman" panose="02020603050405020304" pitchFamily="18" charset="0"/>
+                          <a:cs typeface="Times New Roman" panose="02020603050405020304" pitchFamily="18" charset="0"/>
+                        </a:rPr>
+                        <a:t>Kadhim</a:t>
+                      </a:r>
+                      <a:r>
+                        <a:rPr lang="en-US" dirty="0" smtClean="0">
+                          <a:solidFill>
+                            <a:schemeClr val="tx1"/>
+                          </a:solidFill>
+                          <a:latin typeface="Times New Roman" panose="02020603050405020304" pitchFamily="18" charset="0"/>
+                          <a:cs typeface="Times New Roman" panose="02020603050405020304" pitchFamily="18" charset="0"/>
+                        </a:rPr>
+                        <a:t> and Ban N. </a:t>
+                      </a:r>
+                      <a:r>
+                        <a:rPr lang="en-US" dirty="0" err="1" smtClean="0">
+                          <a:solidFill>
+                            <a:schemeClr val="tx1"/>
+                          </a:solidFill>
+                          <a:latin typeface="Times New Roman" panose="02020603050405020304" pitchFamily="18" charset="0"/>
+                          <a:cs typeface="Times New Roman" panose="02020603050405020304" pitchFamily="18" charset="0"/>
+                        </a:rPr>
+                        <a:t>Dhannoon</a:t>
+                      </a:r>
+                      <a:endParaRPr lang="en-US" dirty="0" smtClean="0">
+                        <a:solidFill>
+                          <a:schemeClr val="tx1"/>
+                        </a:solidFill>
+                        <a:latin typeface="Times New Roman" panose="02020603050405020304" pitchFamily="18" charset="0"/>
+                        <a:cs typeface="Times New Roman" panose="02020603050405020304" pitchFamily="18" charset="0"/>
+                      </a:endParaRPr>
+                    </a:p>
+                    <a:p>
+                      <a:pPr algn="ctr"/>
+                      <a:endParaRPr lang="en-US" dirty="0" smtClean="0">
+                        <a:solidFill>
+                          <a:schemeClr val="tx1"/>
+                        </a:solidFill>
+                        <a:latin typeface="Times New Roman" panose="02020603050405020304" pitchFamily="18" charset="0"/>
+                        <a:cs typeface="Times New Roman" panose="02020603050405020304" pitchFamily="18" charset="0"/>
+                      </a:endParaRPr>
+                    </a:p>
+                    <a:p>
+                      <a:pPr algn="ctr"/>
+                      <a:r>
+                        <a:rPr lang="en-US" dirty="0" smtClean="0">
+                          <a:solidFill>
+                            <a:schemeClr val="tx1"/>
+                          </a:solidFill>
+                          <a:latin typeface="Times New Roman" panose="02020603050405020304" pitchFamily="18" charset="0"/>
+                          <a:cs typeface="Times New Roman" panose="02020603050405020304" pitchFamily="18" charset="0"/>
+                        </a:rPr>
+                        <a:t>Developing an End-to-End Secure Chat Application </a:t>
+                      </a:r>
+                    </a:p>
+                  </a:txBody>
+                  <a:tcPr anchor="ctr">
+                    <a:lnL w="12700" cap="flat" cmpd="sng" algn="ctr">
+                      <a:solidFill>
+                        <a:schemeClr val="tx1"/>
+                      </a:solidFill>
+                      <a:prstDash val="solid"/>
+                      <a:round/>
+                      <a:headEnd type="none" w="med" len="med"/>
+                      <a:tailEnd type="none" w="med" len="med"/>
+                    </a:lnL>
+                    <a:lnR w="12700" cap="flat" cmpd="sng" algn="ctr">
+                      <a:solidFill>
+                        <a:schemeClr val="tx1"/>
+                      </a:solidFill>
+                      <a:prstDash val="solid"/>
+                      <a:round/>
+                      <a:headEnd type="none" w="med" len="med"/>
+                      <a:tailEnd type="none" w="med" len="med"/>
+                    </a:lnR>
+                    <a:lnT w="12700" cap="flat" cmpd="sng" algn="ctr">
+                      <a:solidFill>
+                        <a:schemeClr val="tx1"/>
+                      </a:solidFill>
+                      <a:prstDash val="solid"/>
+                      <a:round/>
+                      <a:headEnd type="none" w="med" len="med"/>
+                      <a:tailEnd type="none" w="med" len="med"/>
+                    </a:lnT>
+                    <a:lnB w="12700" cap="flat" cmpd="sng" algn="ctr">
+                      <a:solidFill>
+                        <a:schemeClr val="tx1"/>
+                      </a:solidFill>
+                      <a:prstDash val="solid"/>
+                      <a:round/>
+                      <a:headEnd type="none" w="med" len="med"/>
+                      <a:tailEnd type="none" w="med" len="med"/>
+                    </a:lnB>
+                    <a:noFill/>
+                  </a:tcPr>
+                </a:tc>
+                <a:tc>
+                  <a:txBody>
+                    <a:bodyPr/>
+                    <a:lstStyle/>
+                    <a:p>
+                      <a:pPr algn="ctr"/>
+                      <a:r>
+                        <a:rPr lang="en-US" dirty="0" smtClean="0">
+                          <a:solidFill>
+                            <a:schemeClr val="tx1"/>
+                          </a:solidFill>
+                          <a:latin typeface="Times New Roman" panose="02020603050405020304" pitchFamily="18" charset="0"/>
+                          <a:cs typeface="Times New Roman" panose="02020603050405020304" pitchFamily="18" charset="0"/>
+                        </a:rPr>
+                        <a:t>The proposed architecture is designed to be Client-Server </a:t>
+                      </a:r>
+                    </a:p>
+                    <a:p>
+                      <a:pPr algn="ctr"/>
+                      <a:r>
+                        <a:rPr lang="en-US" dirty="0" smtClean="0">
+                          <a:solidFill>
+                            <a:schemeClr val="tx1"/>
+                          </a:solidFill>
+                          <a:latin typeface="Times New Roman" panose="02020603050405020304" pitchFamily="18" charset="0"/>
+                          <a:cs typeface="Times New Roman" panose="02020603050405020304" pitchFamily="18" charset="0"/>
+                        </a:rPr>
+                        <a:t>chat application. In client side, when a user sets up the </a:t>
+                      </a:r>
+                    </a:p>
+                    <a:p>
+                      <a:pPr algn="ctr"/>
+                      <a:r>
+                        <a:rPr lang="en-US" dirty="0" smtClean="0">
+                          <a:solidFill>
+                            <a:schemeClr val="tx1"/>
+                          </a:solidFill>
+                          <a:latin typeface="Times New Roman" panose="02020603050405020304" pitchFamily="18" charset="0"/>
+                          <a:cs typeface="Times New Roman" panose="02020603050405020304" pitchFamily="18" charset="0"/>
+                        </a:rPr>
+                        <a:t>application, the user either selects registration or log-in.</a:t>
+                      </a:r>
+                      <a:endParaRPr lang="en-US" dirty="0">
+                        <a:solidFill>
+                          <a:schemeClr val="tx1"/>
+                        </a:solidFill>
+                        <a:latin typeface="Times New Roman" panose="02020603050405020304" pitchFamily="18" charset="0"/>
+                        <a:cs typeface="Times New Roman" panose="02020603050405020304" pitchFamily="18" charset="0"/>
+                      </a:endParaRPr>
+                    </a:p>
+                  </a:txBody>
+                  <a:tcPr anchor="ctr">
+                    <a:lnL w="12700" cap="flat" cmpd="sng" algn="ctr">
+                      <a:solidFill>
+                        <a:schemeClr val="tx1"/>
+                      </a:solidFill>
+                      <a:prstDash val="solid"/>
+                      <a:round/>
+                      <a:headEnd type="none" w="med" len="med"/>
+                      <a:tailEnd type="none" w="med" len="med"/>
+                    </a:lnL>
+                    <a:lnR w="12700" cap="flat" cmpd="sng" algn="ctr">
+                      <a:solidFill>
+                        <a:schemeClr val="tx1"/>
+                      </a:solidFill>
+                      <a:prstDash val="solid"/>
+                      <a:round/>
+                      <a:headEnd type="none" w="med" len="med"/>
+                      <a:tailEnd type="none" w="med" len="med"/>
+                    </a:lnR>
+                    <a:lnT w="12700" cap="flat" cmpd="sng" algn="ctr">
+                      <a:solidFill>
+                        <a:schemeClr val="tx1"/>
+                      </a:solidFill>
+                      <a:prstDash val="solid"/>
+                      <a:round/>
+                      <a:headEnd type="none" w="med" len="med"/>
+                      <a:tailEnd type="none" w="med" len="med"/>
+                    </a:lnT>
+                    <a:lnB w="12700" cap="flat" cmpd="sng" algn="ctr">
+                      <a:solidFill>
+                        <a:schemeClr val="tx1"/>
+                      </a:solidFill>
+                      <a:prstDash val="solid"/>
+                      <a:round/>
+                      <a:headEnd type="none" w="med" len="med"/>
+                      <a:tailEnd type="none" w="med" len="med"/>
+                    </a:lnB>
+                    <a:noFill/>
+                  </a:tcPr>
+                </a:tc>
+                <a:tc>
+                  <a:txBody>
+                    <a:bodyPr/>
+                    <a:lstStyle/>
+                    <a:p>
+                      <a:pPr algn="ctr"/>
+                      <a:r>
+                        <a:rPr lang="en-US" dirty="0" smtClean="0">
+                          <a:solidFill>
+                            <a:schemeClr val="tx1"/>
+                          </a:solidFill>
+                          <a:latin typeface="Times New Roman" panose="02020603050405020304" pitchFamily="18" charset="0"/>
+                          <a:cs typeface="Times New Roman" panose="02020603050405020304" pitchFamily="18" charset="0"/>
+                        </a:rPr>
+                        <a:t>XSalsa20 </a:t>
+                      </a:r>
+                      <a:endParaRPr lang="en-US" dirty="0">
+                        <a:solidFill>
+                          <a:schemeClr val="tx1"/>
+                        </a:solidFill>
+                        <a:latin typeface="Times New Roman" panose="02020603050405020304" pitchFamily="18" charset="0"/>
+                        <a:cs typeface="Times New Roman" panose="02020603050405020304" pitchFamily="18" charset="0"/>
+                      </a:endParaRPr>
+                    </a:p>
+                  </a:txBody>
+                  <a:tcPr anchor="ctr">
+                    <a:lnL w="12700" cap="flat" cmpd="sng" algn="ctr">
+                      <a:solidFill>
+                        <a:schemeClr val="tx1"/>
+                      </a:solidFill>
+                      <a:prstDash val="solid"/>
+                      <a:round/>
+                      <a:headEnd type="none" w="med" len="med"/>
+                      <a:tailEnd type="none" w="med" len="med"/>
+                    </a:lnL>
+                    <a:lnR w="12700" cap="flat" cmpd="sng" algn="ctr">
+                      <a:solidFill>
+                        <a:schemeClr val="tx1"/>
+                      </a:solidFill>
+                      <a:prstDash val="solid"/>
+                      <a:round/>
+                      <a:headEnd type="none" w="med" len="med"/>
+                      <a:tailEnd type="none" w="med" len="med"/>
+                    </a:lnR>
+                    <a:lnT w="12700" cap="flat" cmpd="sng" algn="ctr">
+                      <a:solidFill>
+                        <a:schemeClr val="tx1"/>
+                      </a:solidFill>
+                      <a:prstDash val="solid"/>
+                      <a:round/>
+                      <a:headEnd type="none" w="med" len="med"/>
+                      <a:tailEnd type="none" w="med" len="med"/>
+                    </a:lnT>
+                    <a:lnB w="12700" cap="flat" cmpd="sng" algn="ctr">
+                      <a:solidFill>
+                        <a:schemeClr val="tx1"/>
+                      </a:solidFill>
+                      <a:prstDash val="solid"/>
+                      <a:round/>
+                      <a:headEnd type="none" w="med" len="med"/>
+                      <a:tailEnd type="none" w="med" len="med"/>
+                    </a:lnB>
+                    <a:noFill/>
+                  </a:tcPr>
+                </a:tc>
+                <a:tc>
+                  <a:txBody>
+                    <a:bodyPr/>
+                    <a:lstStyle/>
+                    <a:p>
+                      <a:pPr algn="ctr"/>
+                      <a:r>
+                        <a:rPr lang="en-US" dirty="0" smtClean="0">
+                          <a:solidFill>
+                            <a:schemeClr val="tx1"/>
+                          </a:solidFill>
+                          <a:latin typeface="Times New Roman" panose="02020603050405020304" pitchFamily="18" charset="0"/>
+                          <a:cs typeface="Times New Roman" panose="02020603050405020304" pitchFamily="18" charset="0"/>
+                        </a:rPr>
+                        <a:t>Firebase Cloud Messaging</a:t>
+                      </a:r>
+                      <a:endParaRPr lang="en-US" dirty="0">
+                        <a:solidFill>
+                          <a:schemeClr val="tx1"/>
+                        </a:solidFill>
+                        <a:latin typeface="Times New Roman" panose="02020603050405020304" pitchFamily="18" charset="0"/>
+                        <a:cs typeface="Times New Roman" panose="02020603050405020304" pitchFamily="18" charset="0"/>
+                      </a:endParaRPr>
+                    </a:p>
+                  </a:txBody>
+                  <a:tcPr anchor="ctr">
+                    <a:lnL w="12700" cap="flat" cmpd="sng" algn="ctr">
+                      <a:solidFill>
+                        <a:schemeClr val="tx1"/>
+                      </a:solidFill>
+                      <a:prstDash val="solid"/>
+                      <a:round/>
+                      <a:headEnd type="none" w="med" len="med"/>
+                      <a:tailEnd type="none" w="med" len="med"/>
+                    </a:lnL>
+                    <a:lnR w="12700" cap="flat" cmpd="sng" algn="ctr">
+                      <a:solidFill>
+                        <a:schemeClr val="tx1"/>
+                      </a:solidFill>
+                      <a:prstDash val="solid"/>
+                      <a:round/>
+                      <a:headEnd type="none" w="med" len="med"/>
+                      <a:tailEnd type="none" w="med" len="med"/>
+                    </a:lnR>
+                    <a:lnT w="12700" cap="flat" cmpd="sng" algn="ctr">
+                      <a:solidFill>
+                        <a:schemeClr val="tx1"/>
+                      </a:solidFill>
+                      <a:prstDash val="solid"/>
+                      <a:round/>
+                      <a:headEnd type="none" w="med" len="med"/>
+                      <a:tailEnd type="none" w="med" len="med"/>
+                    </a:lnT>
+                    <a:lnB w="12700" cap="flat" cmpd="sng" algn="ctr">
+                      <a:solidFill>
+                        <a:schemeClr val="tx1"/>
+                      </a:solidFill>
+                      <a:prstDash val="solid"/>
+                      <a:round/>
+                      <a:headEnd type="none" w="med" len="med"/>
+                      <a:tailEnd type="none" w="med" len="med"/>
+                    </a:lnB>
+                    <a:noFill/>
+                  </a:tcPr>
+                </a:tc>
+                <a:tc>
+                  <a:txBody>
+                    <a:bodyPr/>
+                    <a:lstStyle/>
+                    <a:p>
+                      <a:pPr algn="ctr"/>
+                      <a:r>
+                        <a:rPr lang="en-US" dirty="0" smtClean="0">
+                          <a:solidFill>
+                            <a:schemeClr val="tx1"/>
+                          </a:solidFill>
+                          <a:latin typeface="Times New Roman" panose="02020603050405020304" pitchFamily="18" charset="0"/>
+                          <a:cs typeface="Times New Roman" panose="02020603050405020304" pitchFamily="18" charset="0"/>
+                        </a:rPr>
+                        <a:t>Static</a:t>
+                      </a:r>
+                      <a:r>
+                        <a:rPr lang="en-US" baseline="0" dirty="0" smtClean="0">
+                          <a:solidFill>
+                            <a:schemeClr val="tx1"/>
+                          </a:solidFill>
+                          <a:latin typeface="Times New Roman" panose="02020603050405020304" pitchFamily="18" charset="0"/>
+                          <a:cs typeface="Times New Roman" panose="02020603050405020304" pitchFamily="18" charset="0"/>
+                        </a:rPr>
+                        <a:t> Key encryption,</a:t>
+                      </a:r>
+                    </a:p>
+                    <a:p>
+                      <a:pPr algn="ctr"/>
+                      <a:r>
+                        <a:rPr lang="en-US" baseline="0" dirty="0" smtClean="0">
+                          <a:solidFill>
+                            <a:schemeClr val="tx1"/>
+                          </a:solidFill>
+                          <a:latin typeface="Times New Roman" panose="02020603050405020304" pitchFamily="18" charset="0"/>
+                          <a:cs typeface="Times New Roman" panose="02020603050405020304" pitchFamily="18" charset="0"/>
+                        </a:rPr>
+                        <a:t>Platform Dependent</a:t>
+                      </a:r>
+                    </a:p>
+                  </a:txBody>
+                  <a:tcPr anchor="ctr">
+                    <a:lnL w="12700" cap="flat" cmpd="sng" algn="ctr">
+                      <a:solidFill>
+                        <a:schemeClr val="tx1"/>
+                      </a:solidFill>
+                      <a:prstDash val="solid"/>
+                      <a:round/>
+                      <a:headEnd type="none" w="med" len="med"/>
+                      <a:tailEnd type="none" w="med" len="med"/>
+                    </a:lnL>
+                    <a:lnR w="12700" cap="flat" cmpd="sng" algn="ctr">
+                      <a:solidFill>
+                        <a:schemeClr val="tx1"/>
+                      </a:solidFill>
+                      <a:prstDash val="solid"/>
+                      <a:round/>
+                      <a:headEnd type="none" w="med" len="med"/>
+                      <a:tailEnd type="none" w="med" len="med"/>
+                    </a:lnR>
+                    <a:lnT w="12700" cap="flat" cmpd="sng" algn="ctr">
+                      <a:solidFill>
+                        <a:schemeClr val="tx1"/>
+                      </a:solidFill>
+                      <a:prstDash val="solid"/>
+                      <a:round/>
+                      <a:headEnd type="none" w="med" len="med"/>
+                      <a:tailEnd type="none" w="med" len="med"/>
+                    </a:lnT>
+                    <a:lnB w="12700" cap="flat" cmpd="sng" algn="ctr">
+                      <a:solidFill>
+                        <a:schemeClr val="tx1"/>
+                      </a:solidFill>
+                      <a:prstDash val="solid"/>
+                      <a:round/>
+                      <a:headEnd type="none" w="med" len="med"/>
+                      <a:tailEnd type="none" w="med" len="med"/>
+                    </a:lnB>
+                    <a:noFill/>
+                  </a:tcPr>
+                </a:tc>
+                <a:extLst>
+                  <a:ext uri="{0D108BD9-81ED-4DB2-BD59-A6C34878D82A}">
+                    <a16:rowId xmlns:a16="http://schemas.microsoft.com/office/drawing/2014/main" val="349387215"/>
+                  </a:ext>
+                </a:extLst>
+              </a:tr>
+            </a:tbl>
+          </a:graphicData>
+        </a:graphic>
+      </p:graphicFrame>
       <p:sp>
         <p:nvSpPr>
-          <p:cNvPr id="2" name="Title 1"/>
-          <p:cNvSpPr>
-            <a:spLocks noGrp="1"/>
+          <p:cNvPr id="4" name="Title 1"/>
+          <p:cNvSpPr txBox="1">
+            <a:spLocks/>
           </p:cNvSpPr>
-          <p:nvPr>
-            <p:ph type="title"/>
-          </p:nvPr>
+          <p:nvPr/>
         </p:nvSpPr>
         <p:spPr>
           <a:xfrm>
-            <a:off x="609600" y="245455"/>
+            <a:off x="609600" y="153091"/>
             <a:ext cx="10972800" cy="673812"/>
           </a:xfrm>
+          <a:prstGeom prst="rect">
+            <a:avLst/>
+          </a:prstGeom>
         </p:spPr>
         <p:txBody>
-          <a:bodyPr>
+          <a:bodyPr vert="horz" lIns="91440" tIns="45720" rIns="91440" bIns="45720" rtlCol="0" anchor="ctr">
             <a:normAutofit/>
           </a:bodyPr>
-          <a:lstStyle/>
+          <a:lstStyle>
+            <a:lvl1pPr algn="ctr" defTabSz="914400" rtl="0" eaLnBrk="1" latinLnBrk="0" hangingPunct="1">
+              <a:spcBef>
+                <a:spcPct val="0"/>
+              </a:spcBef>
+              <a:buNone/>
+              <a:defRPr sz="4400" kern="1200">
+                <a:solidFill>
+                  <a:schemeClr val="tx1"/>
+                </a:solidFill>
+                <a:latin typeface="+mj-lt"/>
+                <a:ea typeface="+mj-ea"/>
+                <a:cs typeface="+mj-cs"/>
+              </a:defRPr>
+            </a:lvl1pPr>
+          </a:lstStyle>
           <a:p>
             <a:r>
-              <a:rPr lang="en-US" sz="3600" b="1" dirty="0" smtClean="0">
+              <a:rPr lang="en-US" sz="3600" b="1" smtClean="0">
                 <a:latin typeface="Times New Roman" panose="02020603050405020304" pitchFamily="18" charset="0"/>
                 <a:cs typeface="Times New Roman" panose="02020603050405020304" pitchFamily="18" charset="0"/>
               </a:rPr>
@@ -6626,6 +6871,46 @@
           </a:p>
         </p:txBody>
       </p:sp>
+    </p:spTree>
+    <p:extLst>
+      <p:ext uri="{BB962C8B-B14F-4D97-AF65-F5344CB8AC3E}">
+        <p14:creationId xmlns:p14="http://schemas.microsoft.com/office/powerpoint/2010/main" val="1261067887"/>
+      </p:ext>
+    </p:extLst>
+  </p:cSld>
+  <p:clrMapOvr>
+    <a:masterClrMapping/>
+  </p:clrMapOvr>
+  <p:transition spd="slow">
+    <p:push dir="u"/>
+  </p:transition>
+  <p:timing>
+    <p:tnLst>
+      <p:par>
+        <p:cTn id="1" dur="indefinite" restart="never" nodeType="tmRoot"/>
+      </p:par>
+    </p:tnLst>
+  </p:timing>
+</p:sld>
+</file>
+
+<file path=ppt/slides/slide4.xml><?xml version="1.0" encoding="utf-8"?>
+<p:sld xmlns:a="http://schemas.openxmlformats.org/drawingml/2006/main" xmlns:r="http://schemas.openxmlformats.org/officeDocument/2006/relationships" xmlns:p="http://schemas.openxmlformats.org/presentationml/2006/main">
+  <p:cSld>
+    <p:spTree>
+      <p:nvGrpSpPr>
+        <p:cNvPr id="1" name=""/>
+        <p:cNvGrpSpPr/>
+        <p:nvPr/>
+      </p:nvGrpSpPr>
+      <p:grpSpPr>
+        <a:xfrm>
+          <a:off x="0" y="0"/>
+          <a:ext cx="0" cy="0"/>
+          <a:chOff x="0" y="0"/>
+          <a:chExt cx="0" cy="0"/>
+        </a:xfrm>
+      </p:grpSpPr>
       <p:graphicFrame>
         <p:nvGraphicFramePr>
           <p:cNvPr id="3" name="Table 2"/>
@@ -6633,16 +6918,12 @@
             <a:graphicFrameLocks noGrp="1"/>
           </p:cNvGraphicFramePr>
           <p:nvPr>
-            <p:extLst>
-              <p:ext uri="{D42A27DB-BD31-4B8C-83A1-F6EECF244321}">
-                <p14:modId xmlns:p14="http://schemas.microsoft.com/office/powerpoint/2010/main" val="874533863"/>
-              </p:ext>
-            </p:extLst>
+            <p:extLst/>
           </p:nvPr>
         </p:nvGraphicFramePr>
         <p:xfrm>
           <a:off x="609600" y="854092"/>
-          <a:ext cx="10972800" cy="5864538"/>
+          <a:ext cx="10972800" cy="5041479"/>
         </p:xfrm>
         <a:graphic>
           <a:graphicData uri="http://schemas.openxmlformats.org/drawingml/2006/table">
@@ -6694,7 +6975,7 @@
                   </a:extLst>
                 </a:gridCol>
               </a:tblGrid>
-              <a:tr h="1566858">
+              <a:tr h="743799">
                 <a:tc>
                   <a:txBody>
                     <a:bodyPr/>
@@ -7064,7 +7345,7 @@
                           <a:latin typeface="Times New Roman" panose="02020603050405020304" pitchFamily="18" charset="0"/>
                           <a:cs typeface="Times New Roman" panose="02020603050405020304" pitchFamily="18" charset="0"/>
                         </a:rPr>
-                        <a:t>Disadvantaged</a:t>
+                        <a:t>Disadvantages</a:t>
                       </a:r>
                       <a:endParaRPr lang="en-US" dirty="0">
                         <a:solidFill>
@@ -7955,11 +8236,11 @@
                             <a:schemeClr val="dk1"/>
                           </a:solidFill>
                           <a:effectLst/>
-                          <a:latin typeface="+mn-lt"/>
+                          <a:latin typeface="Times New Roman" panose="02020603050405020304" pitchFamily="18" charset="0"/>
                           <a:ea typeface="+mn-ea"/>
-                          <a:cs typeface="+mn-cs"/>
-                        </a:rPr>
-                        <a:t>utilizing both asymmetric and symmetric cryptography</a:t>
+                          <a:cs typeface="Times New Roman" panose="02020603050405020304" pitchFamily="18" charset="0"/>
+                        </a:rPr>
+                        <a:t>Utilizing both asymmetric and symmetric cryptography</a:t>
                       </a:r>
                       <a:endParaRPr lang="en-US" dirty="0">
                         <a:solidFill>
@@ -8193,10 +8474,62 @@
           </a:graphicData>
         </a:graphic>
       </p:graphicFrame>
+      <p:sp>
+        <p:nvSpPr>
+          <p:cNvPr id="6" name="Title 1"/>
+          <p:cNvSpPr txBox="1">
+            <a:spLocks/>
+          </p:cNvSpPr>
+          <p:nvPr/>
+        </p:nvSpPr>
+        <p:spPr>
+          <a:xfrm>
+            <a:off x="609600" y="153091"/>
+            <a:ext cx="10972800" cy="673812"/>
+          </a:xfrm>
+          <a:prstGeom prst="rect">
+            <a:avLst/>
+          </a:prstGeom>
+        </p:spPr>
+        <p:txBody>
+          <a:bodyPr vert="horz" lIns="91440" tIns="45720" rIns="91440" bIns="45720" rtlCol="0" anchor="ctr">
+            <a:normAutofit/>
+          </a:bodyPr>
+          <a:lstStyle>
+            <a:lvl1pPr algn="ctr" defTabSz="914400" rtl="0" eaLnBrk="1" latinLnBrk="0" hangingPunct="1">
+              <a:spcBef>
+                <a:spcPct val="0"/>
+              </a:spcBef>
+              <a:buNone/>
+              <a:defRPr sz="4400" kern="1200">
+                <a:solidFill>
+                  <a:schemeClr val="tx1"/>
+                </a:solidFill>
+                <a:latin typeface="+mj-lt"/>
+                <a:ea typeface="+mj-ea"/>
+                <a:cs typeface="+mj-cs"/>
+              </a:defRPr>
+            </a:lvl1pPr>
+          </a:lstStyle>
+          <a:p>
+            <a:r>
+              <a:rPr lang="en-US" sz="3600" b="1" smtClean="0">
+                <a:latin typeface="Times New Roman" panose="02020603050405020304" pitchFamily="18" charset="0"/>
+                <a:cs typeface="Times New Roman" panose="02020603050405020304" pitchFamily="18" charset="0"/>
+              </a:rPr>
+              <a:t>LITERATURE SURVEY</a:t>
+            </a:r>
+            <a:endParaRPr lang="en-US" sz="3600" b="1" dirty="0">
+              <a:latin typeface="Times New Roman" panose="02020603050405020304" pitchFamily="18" charset="0"/>
+              <a:cs typeface="Times New Roman" panose="02020603050405020304" pitchFamily="18" charset="0"/>
+            </a:endParaRPr>
+          </a:p>
+        </p:txBody>
+      </p:sp>
     </p:spTree>
     <p:extLst>
       <p:ext uri="{BB962C8B-B14F-4D97-AF65-F5344CB8AC3E}">
-        <p14:creationId xmlns:p14="http://schemas.microsoft.com/office/powerpoint/2010/main" val="3504443168"/>
+        <p14:creationId xmlns:p14="http://schemas.microsoft.com/office/powerpoint/2010/main" val="2927347770"/>
       </p:ext>
     </p:extLst>
   </p:cSld>
@@ -8204,1592 +8537,7 @@
     <a:masterClrMapping/>
   </p:clrMapOvr>
   <p:transition spd="slow">
-    <p:wipe/>
-  </p:transition>
-  <p:timing>
-    <p:tnLst>
-      <p:par>
-        <p:cTn id="1" dur="indefinite" restart="never" nodeType="tmRoot"/>
-      </p:par>
-    </p:tnLst>
-  </p:timing>
-</p:sld>
-</file>
-
-<file path=ppt/slides/slide4.xml><?xml version="1.0" encoding="utf-8"?>
-<p:sld xmlns:a="http://schemas.openxmlformats.org/drawingml/2006/main" xmlns:r="http://schemas.openxmlformats.org/officeDocument/2006/relationships" xmlns:p="http://schemas.openxmlformats.org/presentationml/2006/main">
-  <p:cSld>
-    <p:spTree>
-      <p:nvGrpSpPr>
-        <p:cNvPr id="1" name=""/>
-        <p:cNvGrpSpPr/>
-        <p:nvPr/>
-      </p:nvGrpSpPr>
-      <p:grpSpPr>
-        <a:xfrm>
-          <a:off x="0" y="0"/>
-          <a:ext cx="0" cy="0"/>
-          <a:chOff x="0" y="0"/>
-          <a:chExt cx="0" cy="0"/>
-        </a:xfrm>
-      </p:grpSpPr>
-      <p:sp>
-        <p:nvSpPr>
-          <p:cNvPr id="2" name="Title 1"/>
-          <p:cNvSpPr>
-            <a:spLocks noGrp="1"/>
-          </p:cNvSpPr>
-          <p:nvPr>
-            <p:ph type="title"/>
-          </p:nvPr>
-        </p:nvSpPr>
-        <p:spPr>
-          <a:xfrm>
-            <a:off x="609600" y="153091"/>
-            <a:ext cx="10972800" cy="673812"/>
-          </a:xfrm>
-        </p:spPr>
-        <p:txBody>
-          <a:bodyPr>
-            <a:normAutofit/>
-          </a:bodyPr>
-          <a:lstStyle/>
-          <a:p>
-            <a:r>
-              <a:rPr lang="en-US" sz="3600" b="1" dirty="0" smtClean="0">
-                <a:latin typeface="Times New Roman" panose="02020603050405020304" pitchFamily="18" charset="0"/>
-                <a:cs typeface="Times New Roman" panose="02020603050405020304" pitchFamily="18" charset="0"/>
-              </a:rPr>
-              <a:t>LITERATURE SURVEY</a:t>
-            </a:r>
-            <a:endParaRPr lang="en-US" sz="3600" b="1" dirty="0">
-              <a:latin typeface="Times New Roman" pitchFamily="18" charset="0"/>
-            </a:endParaRPr>
-          </a:p>
-        </p:txBody>
-      </p:sp>
-      <p:graphicFrame>
-        <p:nvGraphicFramePr>
-          <p:cNvPr id="3" name="Table 2"/>
-          <p:cNvGraphicFramePr>
-            <a:graphicFrameLocks noGrp="1"/>
-          </p:cNvGraphicFramePr>
-          <p:nvPr>
-            <p:extLst>
-              <p:ext uri="{D42A27DB-BD31-4B8C-83A1-F6EECF244321}">
-                <p14:modId xmlns:p14="http://schemas.microsoft.com/office/powerpoint/2010/main" val="3594975800"/>
-              </p:ext>
-            </p:extLst>
-          </p:nvPr>
-        </p:nvGraphicFramePr>
-        <p:xfrm>
-          <a:off x="609600" y="817671"/>
-          <a:ext cx="10972800" cy="5837358"/>
-        </p:xfrm>
-        <a:graphic>
-          <a:graphicData uri="http://schemas.openxmlformats.org/drawingml/2006/table">
-            <a:tbl>
-              <a:tblPr firstRow="1" bandRow="1">
-                <a:tableStyleId>{5C22544A-7EE6-4342-B048-85BDC9FD1C3A}</a:tableStyleId>
-              </a:tblPr>
-              <a:tblGrid>
-                <a:gridCol w="960582">
-                  <a:extLst>
-                    <a:ext uri="{9D8B030D-6E8A-4147-A177-3AD203B41FA5}">
-                      <a16:colId xmlns:a16="http://schemas.microsoft.com/office/drawing/2014/main" val="650890123"/>
-                    </a:ext>
-                  </a:extLst>
-                </a:gridCol>
-                <a:gridCol w="2068945">
-                  <a:extLst>
-                    <a:ext uri="{9D8B030D-6E8A-4147-A177-3AD203B41FA5}">
-                      <a16:colId xmlns:a16="http://schemas.microsoft.com/office/drawing/2014/main" val="3364458840"/>
-                    </a:ext>
-                  </a:extLst>
-                </a:gridCol>
-                <a:gridCol w="3241964">
-                  <a:extLst>
-                    <a:ext uri="{9D8B030D-6E8A-4147-A177-3AD203B41FA5}">
-                      <a16:colId xmlns:a16="http://schemas.microsoft.com/office/drawing/2014/main" val="1934009595"/>
-                    </a:ext>
-                  </a:extLst>
-                </a:gridCol>
-                <a:gridCol w="1542473">
-                  <a:extLst>
-                    <a:ext uri="{9D8B030D-6E8A-4147-A177-3AD203B41FA5}">
-                      <a16:colId xmlns:a16="http://schemas.microsoft.com/office/drawing/2014/main" val="2106811707"/>
-                    </a:ext>
-                  </a:extLst>
-                </a:gridCol>
-                <a:gridCol w="1520536">
-                  <a:extLst>
-                    <a:ext uri="{9D8B030D-6E8A-4147-A177-3AD203B41FA5}">
-                      <a16:colId xmlns:a16="http://schemas.microsoft.com/office/drawing/2014/main" val="4161205106"/>
-                    </a:ext>
-                  </a:extLst>
-                </a:gridCol>
-                <a:gridCol w="1638300">
-                  <a:extLst>
-                    <a:ext uri="{9D8B030D-6E8A-4147-A177-3AD203B41FA5}">
-                      <a16:colId xmlns:a16="http://schemas.microsoft.com/office/drawing/2014/main" val="2191810521"/>
-                    </a:ext>
-                  </a:extLst>
-                </a:gridCol>
-              </a:tblGrid>
-              <a:tr h="716718">
-                <a:tc>
-                  <a:txBody>
-                    <a:bodyPr/>
-                    <a:lstStyle/>
-                    <a:p>
-                      <a:pPr algn="ctr"/>
-                      <a:r>
-                        <a:rPr lang="en-US" dirty="0" smtClean="0">
-                          <a:solidFill>
-                            <a:schemeClr val="tx1"/>
-                          </a:solidFill>
-                          <a:latin typeface="Times New Roman" panose="02020603050405020304" pitchFamily="18" charset="0"/>
-                          <a:cs typeface="Times New Roman" panose="02020603050405020304" pitchFamily="18" charset="0"/>
-                        </a:rPr>
-                        <a:t>Serial No:</a:t>
-                      </a:r>
-                      <a:endParaRPr lang="en-US" dirty="0">
-                        <a:solidFill>
-                          <a:schemeClr val="tx1"/>
-                        </a:solidFill>
-                        <a:latin typeface="Times New Roman" panose="02020603050405020304" pitchFamily="18" charset="0"/>
-                        <a:cs typeface="Times New Roman" panose="02020603050405020304" pitchFamily="18" charset="0"/>
-                      </a:endParaRPr>
-                    </a:p>
-                  </a:txBody>
-                  <a:tcPr anchor="ctr">
-                    <a:lnL w="12700" cap="flat" cmpd="sng" algn="ctr">
-                      <a:solidFill>
-                        <a:schemeClr val="tx1"/>
-                      </a:solidFill>
-                      <a:prstDash val="solid"/>
-                      <a:round/>
-                      <a:headEnd type="none" w="med" len="med"/>
-                      <a:tailEnd type="none" w="med" len="med"/>
-                    </a:lnL>
-                    <a:lnR w="12700" cap="flat" cmpd="sng" algn="ctr">
-                      <a:solidFill>
-                        <a:schemeClr val="tx1"/>
-                      </a:solidFill>
-                      <a:prstDash val="solid"/>
-                      <a:round/>
-                      <a:headEnd type="none" w="med" len="med"/>
-                      <a:tailEnd type="none" w="med" len="med"/>
-                    </a:lnR>
-                    <a:lnT w="12700" cap="flat" cmpd="sng" algn="ctr">
-                      <a:solidFill>
-                        <a:schemeClr val="tx1"/>
-                      </a:solidFill>
-                      <a:prstDash val="solid"/>
-                      <a:round/>
-                      <a:headEnd type="none" w="med" len="med"/>
-                      <a:tailEnd type="none" w="med" len="med"/>
-                    </a:lnT>
-                    <a:lnB w="12700" cap="flat" cmpd="sng" algn="ctr">
-                      <a:solidFill>
-                        <a:schemeClr val="tx1"/>
-                      </a:solidFill>
-                      <a:prstDash val="solid"/>
-                      <a:round/>
-                      <a:headEnd type="none" w="med" len="med"/>
-                      <a:tailEnd type="none" w="med" len="med"/>
-                    </a:lnB>
-                    <a:solidFill>
-                      <a:schemeClr val="bg1">
-                        <a:lumMod val="75000"/>
-                      </a:schemeClr>
-                    </a:solidFill>
-                  </a:tcPr>
-                </a:tc>
-                <a:tc>
-                  <a:txBody>
-                    <a:bodyPr/>
-                    <a:lstStyle/>
-                    <a:p>
-                      <a:pPr algn="ctr"/>
-                      <a:r>
-                        <a:rPr lang="en-US" dirty="0" smtClean="0">
-                          <a:solidFill>
-                            <a:schemeClr val="tx1"/>
-                          </a:solidFill>
-                          <a:latin typeface="Times New Roman" panose="02020603050405020304" pitchFamily="18" charset="0"/>
-                          <a:cs typeface="Times New Roman" panose="02020603050405020304" pitchFamily="18" charset="0"/>
-                        </a:rPr>
-                        <a:t>Author</a:t>
-                      </a:r>
-                      <a:r>
-                        <a:rPr lang="en-US" baseline="0" dirty="0" smtClean="0">
-                          <a:solidFill>
-                            <a:schemeClr val="tx1"/>
-                          </a:solidFill>
-                          <a:latin typeface="Times New Roman" panose="02020603050405020304" pitchFamily="18" charset="0"/>
-                          <a:cs typeface="Times New Roman" panose="02020603050405020304" pitchFamily="18" charset="0"/>
-                        </a:rPr>
-                        <a:t> name, Title and date</a:t>
-                      </a:r>
-                      <a:endParaRPr lang="en-US" dirty="0">
-                        <a:solidFill>
-                          <a:schemeClr val="tx1"/>
-                        </a:solidFill>
-                        <a:latin typeface="Times New Roman" panose="02020603050405020304" pitchFamily="18" charset="0"/>
-                        <a:cs typeface="Times New Roman" panose="02020603050405020304" pitchFamily="18" charset="0"/>
-                      </a:endParaRPr>
-                    </a:p>
-                  </a:txBody>
-                  <a:tcPr anchor="ctr">
-                    <a:lnL w="12700" cap="flat" cmpd="sng" algn="ctr">
-                      <a:solidFill>
-                        <a:schemeClr val="tx1"/>
-                      </a:solidFill>
-                      <a:prstDash val="solid"/>
-                      <a:round/>
-                      <a:headEnd type="none" w="med" len="med"/>
-                      <a:tailEnd type="none" w="med" len="med"/>
-                    </a:lnL>
-                    <a:lnR w="12700" cap="flat" cmpd="sng" algn="ctr">
-                      <a:solidFill>
-                        <a:schemeClr val="tx1"/>
-                      </a:solidFill>
-                      <a:prstDash val="solid"/>
-                      <a:round/>
-                      <a:headEnd type="none" w="med" len="med"/>
-                      <a:tailEnd type="none" w="med" len="med"/>
-                    </a:lnR>
-                    <a:lnT w="12700" cap="flat" cmpd="sng" algn="ctr">
-                      <a:solidFill>
-                        <a:schemeClr val="tx1"/>
-                      </a:solidFill>
-                      <a:prstDash val="solid"/>
-                      <a:round/>
-                      <a:headEnd type="none" w="med" len="med"/>
-                      <a:tailEnd type="none" w="med" len="med"/>
-                    </a:lnT>
-                    <a:lnB w="12700" cap="flat" cmpd="sng" algn="ctr">
-                      <a:solidFill>
-                        <a:schemeClr val="tx1"/>
-                      </a:solidFill>
-                      <a:prstDash val="solid"/>
-                      <a:round/>
-                      <a:headEnd type="none" w="med" len="med"/>
-                      <a:tailEnd type="none" w="med" len="med"/>
-                    </a:lnB>
-                    <a:solidFill>
-                      <a:schemeClr val="bg1">
-                        <a:lumMod val="75000"/>
-                      </a:schemeClr>
-                    </a:solidFill>
-                  </a:tcPr>
-                </a:tc>
-                <a:tc>
-                  <a:txBody>
-                    <a:bodyPr/>
-                    <a:lstStyle/>
-                    <a:p>
-                      <a:pPr algn="ctr"/>
-                      <a:r>
-                        <a:rPr lang="en-US" dirty="0" smtClean="0">
-                          <a:solidFill>
-                            <a:schemeClr val="tx1"/>
-                          </a:solidFill>
-                          <a:latin typeface="Times New Roman" panose="02020603050405020304" pitchFamily="18" charset="0"/>
-                          <a:cs typeface="Times New Roman" panose="02020603050405020304" pitchFamily="18" charset="0"/>
-                        </a:rPr>
-                        <a:t>Concept</a:t>
-                      </a:r>
-                      <a:endParaRPr lang="en-US" dirty="0">
-                        <a:solidFill>
-                          <a:schemeClr val="tx1"/>
-                        </a:solidFill>
-                        <a:latin typeface="Times New Roman" panose="02020603050405020304" pitchFamily="18" charset="0"/>
-                        <a:cs typeface="Times New Roman" panose="02020603050405020304" pitchFamily="18" charset="0"/>
-                      </a:endParaRPr>
-                    </a:p>
-                  </a:txBody>
-                  <a:tcPr anchor="ctr">
-                    <a:lnL w="12700" cap="flat" cmpd="sng" algn="ctr">
-                      <a:solidFill>
-                        <a:schemeClr val="tx1"/>
-                      </a:solidFill>
-                      <a:prstDash val="solid"/>
-                      <a:round/>
-                      <a:headEnd type="none" w="med" len="med"/>
-                      <a:tailEnd type="none" w="med" len="med"/>
-                    </a:lnL>
-                    <a:lnR w="12700" cap="flat" cmpd="sng" algn="ctr">
-                      <a:solidFill>
-                        <a:schemeClr val="tx1"/>
-                      </a:solidFill>
-                      <a:prstDash val="solid"/>
-                      <a:round/>
-                      <a:headEnd type="none" w="med" len="med"/>
-                      <a:tailEnd type="none" w="med" len="med"/>
-                    </a:lnR>
-                    <a:lnT w="12700" cap="flat" cmpd="sng" algn="ctr">
-                      <a:solidFill>
-                        <a:schemeClr val="tx1"/>
-                      </a:solidFill>
-                      <a:prstDash val="solid"/>
-                      <a:round/>
-                      <a:headEnd type="none" w="med" len="med"/>
-                      <a:tailEnd type="none" w="med" len="med"/>
-                    </a:lnT>
-                    <a:lnB w="12700" cap="flat" cmpd="sng" algn="ctr">
-                      <a:solidFill>
-                        <a:schemeClr val="tx1"/>
-                      </a:solidFill>
-                      <a:prstDash val="solid"/>
-                      <a:round/>
-                      <a:headEnd type="none" w="med" len="med"/>
-                      <a:tailEnd type="none" w="med" len="med"/>
-                    </a:lnB>
-                    <a:solidFill>
-                      <a:schemeClr val="bg1">
-                        <a:lumMod val="75000"/>
-                      </a:schemeClr>
-                    </a:solidFill>
-                  </a:tcPr>
-                </a:tc>
-                <a:tc>
-                  <a:txBody>
-                    <a:bodyPr/>
-                    <a:lstStyle/>
-                    <a:p>
-                      <a:pPr algn="ctr"/>
-                      <a:r>
-                        <a:rPr lang="en-US" dirty="0" smtClean="0">
-                          <a:solidFill>
-                            <a:schemeClr val="tx1"/>
-                          </a:solidFill>
-                          <a:latin typeface="Times New Roman" panose="02020603050405020304" pitchFamily="18" charset="0"/>
-                          <a:cs typeface="Times New Roman" panose="02020603050405020304" pitchFamily="18" charset="0"/>
-                        </a:rPr>
-                        <a:t>Technique (Algorithm)</a:t>
-                      </a:r>
-                      <a:endParaRPr lang="en-US" dirty="0">
-                        <a:solidFill>
-                          <a:schemeClr val="tx1"/>
-                        </a:solidFill>
-                        <a:latin typeface="Times New Roman" panose="02020603050405020304" pitchFamily="18" charset="0"/>
-                        <a:cs typeface="Times New Roman" panose="02020603050405020304" pitchFamily="18" charset="0"/>
-                      </a:endParaRPr>
-                    </a:p>
-                  </a:txBody>
-                  <a:tcPr anchor="ctr">
-                    <a:lnL w="12700" cap="flat" cmpd="sng" algn="ctr">
-                      <a:solidFill>
-                        <a:schemeClr val="tx1"/>
-                      </a:solidFill>
-                      <a:prstDash val="solid"/>
-                      <a:round/>
-                      <a:headEnd type="none" w="med" len="med"/>
-                      <a:tailEnd type="none" w="med" len="med"/>
-                    </a:lnL>
-                    <a:lnR w="12700" cap="flat" cmpd="sng" algn="ctr">
-                      <a:solidFill>
-                        <a:schemeClr val="tx1"/>
-                      </a:solidFill>
-                      <a:prstDash val="solid"/>
-                      <a:round/>
-                      <a:headEnd type="none" w="med" len="med"/>
-                      <a:tailEnd type="none" w="med" len="med"/>
-                    </a:lnR>
-                    <a:lnT w="12700" cap="flat" cmpd="sng" algn="ctr">
-                      <a:solidFill>
-                        <a:schemeClr val="tx1"/>
-                      </a:solidFill>
-                      <a:prstDash val="solid"/>
-                      <a:round/>
-                      <a:headEnd type="none" w="med" len="med"/>
-                      <a:tailEnd type="none" w="med" len="med"/>
-                    </a:lnT>
-                    <a:lnB w="12700" cap="flat" cmpd="sng" algn="ctr">
-                      <a:solidFill>
-                        <a:schemeClr val="tx1"/>
-                      </a:solidFill>
-                      <a:prstDash val="solid"/>
-                      <a:round/>
-                      <a:headEnd type="none" w="med" len="med"/>
-                      <a:tailEnd type="none" w="med" len="med"/>
-                    </a:lnB>
-                    <a:solidFill>
-                      <a:schemeClr val="bg1">
-                        <a:lumMod val="75000"/>
-                      </a:schemeClr>
-                    </a:solidFill>
-                  </a:tcPr>
-                </a:tc>
-                <a:tc>
-                  <a:txBody>
-                    <a:bodyPr/>
-                    <a:lstStyle/>
-                    <a:p>
-                      <a:pPr algn="ctr"/>
-                      <a:r>
-                        <a:rPr lang="en-US" dirty="0" smtClean="0">
-                          <a:solidFill>
-                            <a:schemeClr val="tx1"/>
-                          </a:solidFill>
-                          <a:latin typeface="Times New Roman" panose="02020603050405020304" pitchFamily="18" charset="0"/>
-                          <a:cs typeface="Times New Roman" panose="02020603050405020304" pitchFamily="18" charset="0"/>
-                        </a:rPr>
-                        <a:t>Advantages</a:t>
-                      </a:r>
-                      <a:endParaRPr lang="en-US" dirty="0">
-                        <a:solidFill>
-                          <a:schemeClr val="tx1"/>
-                        </a:solidFill>
-                        <a:latin typeface="Times New Roman" panose="02020603050405020304" pitchFamily="18" charset="0"/>
-                        <a:cs typeface="Times New Roman" panose="02020603050405020304" pitchFamily="18" charset="0"/>
-                      </a:endParaRPr>
-                    </a:p>
-                  </a:txBody>
-                  <a:tcPr anchor="ctr">
-                    <a:lnL w="12700" cap="flat" cmpd="sng" algn="ctr">
-                      <a:solidFill>
-                        <a:schemeClr val="tx1"/>
-                      </a:solidFill>
-                      <a:prstDash val="solid"/>
-                      <a:round/>
-                      <a:headEnd type="none" w="med" len="med"/>
-                      <a:tailEnd type="none" w="med" len="med"/>
-                    </a:lnL>
-                    <a:lnR w="12700" cap="flat" cmpd="sng" algn="ctr">
-                      <a:solidFill>
-                        <a:schemeClr val="tx1"/>
-                      </a:solidFill>
-                      <a:prstDash val="solid"/>
-                      <a:round/>
-                      <a:headEnd type="none" w="med" len="med"/>
-                      <a:tailEnd type="none" w="med" len="med"/>
-                    </a:lnR>
-                    <a:lnT w="12700" cap="flat" cmpd="sng" algn="ctr">
-                      <a:solidFill>
-                        <a:schemeClr val="tx1"/>
-                      </a:solidFill>
-                      <a:prstDash val="solid"/>
-                      <a:round/>
-                      <a:headEnd type="none" w="med" len="med"/>
-                      <a:tailEnd type="none" w="med" len="med"/>
-                    </a:lnT>
-                    <a:lnB w="12700" cap="flat" cmpd="sng" algn="ctr">
-                      <a:solidFill>
-                        <a:schemeClr val="tx1"/>
-                      </a:solidFill>
-                      <a:prstDash val="solid"/>
-                      <a:round/>
-                      <a:headEnd type="none" w="med" len="med"/>
-                      <a:tailEnd type="none" w="med" len="med"/>
-                    </a:lnB>
-                    <a:solidFill>
-                      <a:schemeClr val="bg1">
-                        <a:lumMod val="75000"/>
-                      </a:schemeClr>
-                    </a:solidFill>
-                  </a:tcPr>
-                </a:tc>
-                <a:tc>
-                  <a:txBody>
-                    <a:bodyPr/>
-                    <a:lstStyle/>
-                    <a:p>
-                      <a:pPr algn="ctr"/>
-                      <a:r>
-                        <a:rPr lang="en-US" dirty="0" smtClean="0">
-                          <a:solidFill>
-                            <a:schemeClr val="tx1"/>
-                          </a:solidFill>
-                          <a:latin typeface="Times New Roman" panose="02020603050405020304" pitchFamily="18" charset="0"/>
-                          <a:cs typeface="Times New Roman" panose="02020603050405020304" pitchFamily="18" charset="0"/>
-                        </a:rPr>
-                        <a:t>Disadvantaged</a:t>
-                      </a:r>
-                      <a:endParaRPr lang="en-US" dirty="0">
-                        <a:solidFill>
-                          <a:schemeClr val="tx1"/>
-                        </a:solidFill>
-                        <a:latin typeface="Times New Roman" panose="02020603050405020304" pitchFamily="18" charset="0"/>
-                        <a:cs typeface="Times New Roman" panose="02020603050405020304" pitchFamily="18" charset="0"/>
-                      </a:endParaRPr>
-                    </a:p>
-                  </a:txBody>
-                  <a:tcPr anchor="ctr">
-                    <a:lnL w="12700" cap="flat" cmpd="sng" algn="ctr">
-                      <a:solidFill>
-                        <a:schemeClr val="tx1"/>
-                      </a:solidFill>
-                      <a:prstDash val="solid"/>
-                      <a:round/>
-                      <a:headEnd type="none" w="med" len="med"/>
-                      <a:tailEnd type="none" w="med" len="med"/>
-                    </a:lnL>
-                    <a:lnR w="12700" cap="flat" cmpd="sng" algn="ctr">
-                      <a:solidFill>
-                        <a:schemeClr val="tx1"/>
-                      </a:solidFill>
-                      <a:prstDash val="solid"/>
-                      <a:round/>
-                      <a:headEnd type="none" w="med" len="med"/>
-                      <a:tailEnd type="none" w="med" len="med"/>
-                    </a:lnR>
-                    <a:lnT w="12700" cap="flat" cmpd="sng" algn="ctr">
-                      <a:solidFill>
-                        <a:schemeClr val="tx1"/>
-                      </a:solidFill>
-                      <a:prstDash val="solid"/>
-                      <a:round/>
-                      <a:headEnd type="none" w="med" len="med"/>
-                      <a:tailEnd type="none" w="med" len="med"/>
-                    </a:lnT>
-                    <a:lnB w="12700" cap="flat" cmpd="sng" algn="ctr">
-                      <a:solidFill>
-                        <a:schemeClr val="tx1"/>
-                      </a:solidFill>
-                      <a:prstDash val="solid"/>
-                      <a:round/>
-                      <a:headEnd type="none" w="med" len="med"/>
-                      <a:tailEnd type="none" w="med" len="med"/>
-                    </a:lnB>
-                    <a:solidFill>
-                      <a:schemeClr val="bg1">
-                        <a:lumMod val="75000"/>
-                      </a:schemeClr>
-                    </a:solidFill>
-                  </a:tcPr>
-                </a:tc>
-                <a:extLst>
-                  <a:ext uri="{0D108BD9-81ED-4DB2-BD59-A6C34878D82A}">
-                    <a16:rowId xmlns:a16="http://schemas.microsoft.com/office/drawing/2014/main" val="907547670"/>
-                  </a:ext>
-                </a:extLst>
-              </a:tr>
-              <a:tr h="1870618">
-                <a:tc>
-                  <a:txBody>
-                    <a:bodyPr/>
-                    <a:lstStyle/>
-                    <a:p>
-                      <a:pPr algn="ctr"/>
-                      <a:r>
-                        <a:rPr lang="en-US" dirty="0" smtClean="0">
-                          <a:solidFill>
-                            <a:schemeClr val="tx1"/>
-                          </a:solidFill>
-                          <a:latin typeface="Times New Roman" panose="02020603050405020304" pitchFamily="18" charset="0"/>
-                          <a:cs typeface="Times New Roman" panose="02020603050405020304" pitchFamily="18" charset="0"/>
-                        </a:rPr>
-                        <a:t>7</a:t>
-                      </a:r>
-                      <a:endParaRPr lang="en-US" dirty="0">
-                        <a:solidFill>
-                          <a:schemeClr val="tx1"/>
-                        </a:solidFill>
-                        <a:latin typeface="Times New Roman" panose="02020603050405020304" pitchFamily="18" charset="0"/>
-                        <a:cs typeface="Times New Roman" panose="02020603050405020304" pitchFamily="18" charset="0"/>
-                      </a:endParaRPr>
-                    </a:p>
-                  </a:txBody>
-                  <a:tcPr anchor="ctr">
-                    <a:lnL w="12700" cap="flat" cmpd="sng" algn="ctr">
-                      <a:solidFill>
-                        <a:schemeClr val="tx1"/>
-                      </a:solidFill>
-                      <a:prstDash val="solid"/>
-                      <a:round/>
-                      <a:headEnd type="none" w="med" len="med"/>
-                      <a:tailEnd type="none" w="med" len="med"/>
-                    </a:lnL>
-                    <a:lnR w="12700" cap="flat" cmpd="sng" algn="ctr">
-                      <a:solidFill>
-                        <a:schemeClr val="tx1"/>
-                      </a:solidFill>
-                      <a:prstDash val="solid"/>
-                      <a:round/>
-                      <a:headEnd type="none" w="med" len="med"/>
-                      <a:tailEnd type="none" w="med" len="med"/>
-                    </a:lnR>
-                    <a:lnT w="12700" cap="flat" cmpd="sng" algn="ctr">
-                      <a:solidFill>
-                        <a:schemeClr val="tx1"/>
-                      </a:solidFill>
-                      <a:prstDash val="solid"/>
-                      <a:round/>
-                      <a:headEnd type="none" w="med" len="med"/>
-                      <a:tailEnd type="none" w="med" len="med"/>
-                    </a:lnT>
-                    <a:lnB w="12700" cap="flat" cmpd="sng" algn="ctr">
-                      <a:solidFill>
-                        <a:schemeClr val="tx1"/>
-                      </a:solidFill>
-                      <a:prstDash val="solid"/>
-                      <a:round/>
-                      <a:headEnd type="none" w="med" len="med"/>
-                      <a:tailEnd type="none" w="med" len="med"/>
-                    </a:lnB>
-                    <a:noFill/>
-                  </a:tcPr>
-                </a:tc>
-                <a:tc>
-                  <a:txBody>
-                    <a:bodyPr/>
-                    <a:lstStyle/>
-                    <a:p>
-                      <a:pPr marL="0" marR="0" lvl="0" indent="0" algn="ctr" defTabSz="914400" rtl="0" eaLnBrk="1" fontAlgn="auto" latinLnBrk="0" hangingPunct="1">
-                        <a:lnSpc>
-                          <a:spcPct val="100000"/>
-                        </a:lnSpc>
-                        <a:spcBef>
-                          <a:spcPts val="0"/>
-                        </a:spcBef>
-                        <a:spcAft>
-                          <a:spcPts val="0"/>
-                        </a:spcAft>
-                        <a:buClrTx/>
-                        <a:buSzTx/>
-                        <a:buFontTx/>
-                        <a:buNone/>
-                        <a:tabLst/>
-                        <a:defRPr/>
-                      </a:pPr>
-                      <a:r>
-                        <a:rPr lang="en-IN" sz="1800" dirty="0" smtClean="0">
-                          <a:latin typeface="Times New Roman" panose="02020603050405020304" pitchFamily="18" charset="0"/>
-                          <a:cs typeface="Times New Roman" panose="02020603050405020304" pitchFamily="18" charset="0"/>
-                        </a:rPr>
-                        <a:t>Li Gong, Gary Ellison, Mary </a:t>
-                      </a:r>
-                      <a:r>
-                        <a:rPr lang="en-IN" sz="1800" dirty="0" err="1" smtClean="0">
-                          <a:latin typeface="Times New Roman" panose="02020603050405020304" pitchFamily="18" charset="0"/>
-                          <a:cs typeface="Times New Roman" panose="02020603050405020304" pitchFamily="18" charset="0"/>
-                        </a:rPr>
-                        <a:t>Dageforde</a:t>
-                      </a:r>
-                      <a:r>
-                        <a:rPr lang="en-IN" sz="1800" dirty="0" smtClean="0">
-                          <a:latin typeface="Times New Roman" panose="02020603050405020304" pitchFamily="18" charset="0"/>
-                          <a:cs typeface="Times New Roman" panose="02020603050405020304" pitchFamily="18" charset="0"/>
-                        </a:rPr>
-                        <a:t> </a:t>
-                      </a:r>
-                    </a:p>
-                    <a:p>
-                      <a:pPr marL="0" marR="0" lvl="0" indent="0" algn="ctr" defTabSz="914400" rtl="0" eaLnBrk="1" fontAlgn="auto" latinLnBrk="0" hangingPunct="1">
-                        <a:lnSpc>
-                          <a:spcPct val="100000"/>
-                        </a:lnSpc>
-                        <a:spcBef>
-                          <a:spcPts val="0"/>
-                        </a:spcBef>
-                        <a:spcAft>
-                          <a:spcPts val="0"/>
-                        </a:spcAft>
-                        <a:buClrTx/>
-                        <a:buSzTx/>
-                        <a:buFontTx/>
-                        <a:buNone/>
-                        <a:tabLst/>
-                        <a:defRPr/>
-                      </a:pPr>
-                      <a:endParaRPr lang="en-US" sz="1800" dirty="0" smtClean="0">
-                        <a:latin typeface="Times New Roman" panose="02020603050405020304" pitchFamily="18" charset="0"/>
-                        <a:cs typeface="Times New Roman" panose="02020603050405020304" pitchFamily="18" charset="0"/>
-                      </a:endParaRPr>
-                    </a:p>
-                    <a:p>
-                      <a:pPr marL="0" marR="0" lvl="0" indent="0" algn="ctr" defTabSz="914400" rtl="0" eaLnBrk="1" fontAlgn="auto" latinLnBrk="0" hangingPunct="1">
-                        <a:lnSpc>
-                          <a:spcPct val="100000"/>
-                        </a:lnSpc>
-                        <a:spcBef>
-                          <a:spcPts val="0"/>
-                        </a:spcBef>
-                        <a:spcAft>
-                          <a:spcPts val="0"/>
-                        </a:spcAft>
-                        <a:buClrTx/>
-                        <a:buSzTx/>
-                        <a:buFontTx/>
-                        <a:buNone/>
-                        <a:tabLst/>
-                        <a:defRPr/>
-                      </a:pPr>
-                      <a:r>
-                        <a:rPr lang="en-US" sz="1800" dirty="0" smtClean="0">
-                          <a:latin typeface="Times New Roman" panose="02020603050405020304" pitchFamily="18" charset="0"/>
-                          <a:cs typeface="Times New Roman" panose="02020603050405020304" pitchFamily="18" charset="0"/>
-                        </a:rPr>
-                        <a:t>Inside Java 2 Platform Security</a:t>
-                      </a:r>
-                    </a:p>
-                  </a:txBody>
-                  <a:tcPr anchor="ctr">
-                    <a:lnL w="12700" cap="flat" cmpd="sng" algn="ctr">
-                      <a:solidFill>
-                        <a:schemeClr val="tx1"/>
-                      </a:solidFill>
-                      <a:prstDash val="solid"/>
-                      <a:round/>
-                      <a:headEnd type="none" w="med" len="med"/>
-                      <a:tailEnd type="none" w="med" len="med"/>
-                    </a:lnL>
-                    <a:lnR w="12700" cap="flat" cmpd="sng" algn="ctr">
-                      <a:solidFill>
-                        <a:schemeClr val="tx1"/>
-                      </a:solidFill>
-                      <a:prstDash val="solid"/>
-                      <a:round/>
-                      <a:headEnd type="none" w="med" len="med"/>
-                      <a:tailEnd type="none" w="med" len="med"/>
-                    </a:lnR>
-                    <a:lnT w="12700" cap="flat" cmpd="sng" algn="ctr">
-                      <a:solidFill>
-                        <a:schemeClr val="tx1"/>
-                      </a:solidFill>
-                      <a:prstDash val="solid"/>
-                      <a:round/>
-                      <a:headEnd type="none" w="med" len="med"/>
-                      <a:tailEnd type="none" w="med" len="med"/>
-                    </a:lnT>
-                    <a:lnB w="12700" cap="flat" cmpd="sng" algn="ctr">
-                      <a:solidFill>
-                        <a:schemeClr val="tx1"/>
-                      </a:solidFill>
-                      <a:prstDash val="solid"/>
-                      <a:round/>
-                      <a:headEnd type="none" w="med" len="med"/>
-                      <a:tailEnd type="none" w="med" len="med"/>
-                    </a:lnB>
-                    <a:noFill/>
-                  </a:tcPr>
-                </a:tc>
-                <a:tc>
-                  <a:txBody>
-                    <a:bodyPr/>
-                    <a:lstStyle/>
-                    <a:p>
-                      <a:pPr algn="ctr"/>
-                      <a:r>
-                        <a:rPr lang="en-US" dirty="0" smtClean="0">
-                          <a:latin typeface="Times New Roman" panose="02020603050405020304" pitchFamily="18" charset="0"/>
-                          <a:cs typeface="Times New Roman" panose="02020603050405020304" pitchFamily="18" charset="0"/>
-                        </a:rPr>
-                        <a:t>Inside Java(TM) 2 Platform Security, the definitive and comprehensive guide to the Java security platform, has been thoroughly updated to reflect key additions and revisions to Java security technologies currently in use by leading technology co</a:t>
-                      </a:r>
-                      <a:endParaRPr lang="en-US" dirty="0">
-                        <a:solidFill>
-                          <a:schemeClr val="tx1"/>
-                        </a:solidFill>
-                        <a:latin typeface="Times New Roman" panose="02020603050405020304" pitchFamily="18" charset="0"/>
-                        <a:cs typeface="Times New Roman" panose="02020603050405020304" pitchFamily="18" charset="0"/>
-                      </a:endParaRPr>
-                    </a:p>
-                  </a:txBody>
-                  <a:tcPr anchor="ctr">
-                    <a:lnL w="12700" cap="flat" cmpd="sng" algn="ctr">
-                      <a:solidFill>
-                        <a:schemeClr val="tx1"/>
-                      </a:solidFill>
-                      <a:prstDash val="solid"/>
-                      <a:round/>
-                      <a:headEnd type="none" w="med" len="med"/>
-                      <a:tailEnd type="none" w="med" len="med"/>
-                    </a:lnL>
-                    <a:lnR w="12700" cap="flat" cmpd="sng" algn="ctr">
-                      <a:solidFill>
-                        <a:schemeClr val="tx1"/>
-                      </a:solidFill>
-                      <a:prstDash val="solid"/>
-                      <a:round/>
-                      <a:headEnd type="none" w="med" len="med"/>
-                      <a:tailEnd type="none" w="med" len="med"/>
-                    </a:lnR>
-                    <a:lnT w="12700" cap="flat" cmpd="sng" algn="ctr">
-                      <a:solidFill>
-                        <a:schemeClr val="tx1"/>
-                      </a:solidFill>
-                      <a:prstDash val="solid"/>
-                      <a:round/>
-                      <a:headEnd type="none" w="med" len="med"/>
-                      <a:tailEnd type="none" w="med" len="med"/>
-                    </a:lnT>
-                    <a:lnB w="12700" cap="flat" cmpd="sng" algn="ctr">
-                      <a:solidFill>
-                        <a:schemeClr val="tx1"/>
-                      </a:solidFill>
-                      <a:prstDash val="solid"/>
-                      <a:round/>
-                      <a:headEnd type="none" w="med" len="med"/>
-                      <a:tailEnd type="none" w="med" len="med"/>
-                    </a:lnB>
-                    <a:noFill/>
-                  </a:tcPr>
-                </a:tc>
-                <a:tc>
-                  <a:txBody>
-                    <a:bodyPr/>
-                    <a:lstStyle/>
-                    <a:p>
-                      <a:pPr algn="ctr"/>
-                      <a:r>
-                        <a:rPr lang="en-US" baseline="0" dirty="0" smtClean="0"/>
-                        <a:t> </a:t>
-                      </a:r>
-                      <a:r>
-                        <a:rPr lang="en-US" dirty="0" smtClean="0"/>
-                        <a:t>Java(TM) 2</a:t>
-                      </a:r>
-                      <a:endParaRPr lang="en-US" dirty="0">
-                        <a:solidFill>
-                          <a:schemeClr val="tx1"/>
-                        </a:solidFill>
-                        <a:latin typeface="Times New Roman" panose="02020603050405020304" pitchFamily="18" charset="0"/>
-                        <a:cs typeface="Times New Roman" panose="02020603050405020304" pitchFamily="18" charset="0"/>
-                      </a:endParaRPr>
-                    </a:p>
-                  </a:txBody>
-                  <a:tcPr anchor="ctr">
-                    <a:lnL w="12700" cap="flat" cmpd="sng" algn="ctr">
-                      <a:solidFill>
-                        <a:schemeClr val="tx1"/>
-                      </a:solidFill>
-                      <a:prstDash val="solid"/>
-                      <a:round/>
-                      <a:headEnd type="none" w="med" len="med"/>
-                      <a:tailEnd type="none" w="med" len="med"/>
-                    </a:lnL>
-                    <a:lnR w="12700" cap="flat" cmpd="sng" algn="ctr">
-                      <a:solidFill>
-                        <a:schemeClr val="tx1"/>
-                      </a:solidFill>
-                      <a:prstDash val="solid"/>
-                      <a:round/>
-                      <a:headEnd type="none" w="med" len="med"/>
-                      <a:tailEnd type="none" w="med" len="med"/>
-                    </a:lnR>
-                    <a:lnT w="12700" cap="flat" cmpd="sng" algn="ctr">
-                      <a:solidFill>
-                        <a:schemeClr val="tx1"/>
-                      </a:solidFill>
-                      <a:prstDash val="solid"/>
-                      <a:round/>
-                      <a:headEnd type="none" w="med" len="med"/>
-                      <a:tailEnd type="none" w="med" len="med"/>
-                    </a:lnT>
-                    <a:lnB w="12700" cap="flat" cmpd="sng" algn="ctr">
-                      <a:solidFill>
-                        <a:schemeClr val="tx1"/>
-                      </a:solidFill>
-                      <a:prstDash val="solid"/>
-                      <a:round/>
-                      <a:headEnd type="none" w="med" len="med"/>
-                      <a:tailEnd type="none" w="med" len="med"/>
-                    </a:lnB>
-                    <a:noFill/>
-                  </a:tcPr>
-                </a:tc>
-                <a:tc>
-                  <a:txBody>
-                    <a:bodyPr/>
-                    <a:lstStyle/>
-                    <a:p>
-                      <a:pPr algn="ctr"/>
-                      <a:r>
-                        <a:rPr lang="en-US" dirty="0" smtClean="0"/>
-                        <a:t>Decentralized</a:t>
-                      </a:r>
-                    </a:p>
-                    <a:p>
-                      <a:pPr algn="ctr"/>
-                      <a:r>
-                        <a:rPr lang="en-US" dirty="0" smtClean="0"/>
-                        <a:t>Block-chain</a:t>
-                      </a:r>
-                      <a:r>
-                        <a:rPr lang="en-US" baseline="0" dirty="0" smtClean="0"/>
-                        <a:t> </a:t>
-                      </a:r>
-                      <a:r>
-                        <a:rPr lang="en-US" dirty="0" smtClean="0"/>
-                        <a:t>Based Messaging Network</a:t>
-                      </a:r>
-                      <a:endParaRPr lang="en-US" dirty="0">
-                        <a:solidFill>
-                          <a:schemeClr val="tx1"/>
-                        </a:solidFill>
-                        <a:latin typeface="Times New Roman" panose="02020603050405020304" pitchFamily="18" charset="0"/>
-                        <a:cs typeface="Times New Roman" panose="02020603050405020304" pitchFamily="18" charset="0"/>
-                      </a:endParaRPr>
-                    </a:p>
-                  </a:txBody>
-                  <a:tcPr anchor="ctr">
-                    <a:lnL w="12700" cap="flat" cmpd="sng" algn="ctr">
-                      <a:solidFill>
-                        <a:schemeClr val="tx1"/>
-                      </a:solidFill>
-                      <a:prstDash val="solid"/>
-                      <a:round/>
-                      <a:headEnd type="none" w="med" len="med"/>
-                      <a:tailEnd type="none" w="med" len="med"/>
-                    </a:lnL>
-                    <a:lnR w="12700" cap="flat" cmpd="sng" algn="ctr">
-                      <a:solidFill>
-                        <a:schemeClr val="tx1"/>
-                      </a:solidFill>
-                      <a:prstDash val="solid"/>
-                      <a:round/>
-                      <a:headEnd type="none" w="med" len="med"/>
-                      <a:tailEnd type="none" w="med" len="med"/>
-                    </a:lnR>
-                    <a:lnT w="12700" cap="flat" cmpd="sng" algn="ctr">
-                      <a:solidFill>
-                        <a:schemeClr val="tx1"/>
-                      </a:solidFill>
-                      <a:prstDash val="solid"/>
-                      <a:round/>
-                      <a:headEnd type="none" w="med" len="med"/>
-                      <a:tailEnd type="none" w="med" len="med"/>
-                    </a:lnT>
-                    <a:lnB w="12700" cap="flat" cmpd="sng" algn="ctr">
-                      <a:solidFill>
-                        <a:schemeClr val="tx1"/>
-                      </a:solidFill>
-                      <a:prstDash val="solid"/>
-                      <a:round/>
-                      <a:headEnd type="none" w="med" len="med"/>
-                      <a:tailEnd type="none" w="med" len="med"/>
-                    </a:lnB>
-                    <a:noFill/>
-                  </a:tcPr>
-                </a:tc>
-                <a:tc>
-                  <a:txBody>
-                    <a:bodyPr/>
-                    <a:lstStyle/>
-                    <a:p>
-                      <a:pPr algn="ctr"/>
-                      <a:r>
-                        <a:rPr lang="en-US" dirty="0" smtClean="0">
-                          <a:solidFill>
-                            <a:schemeClr val="tx1"/>
-                          </a:solidFill>
-                          <a:latin typeface="Times New Roman" panose="02020603050405020304" pitchFamily="18" charset="0"/>
-                          <a:cs typeface="Times New Roman" panose="02020603050405020304" pitchFamily="18" charset="0"/>
-                        </a:rPr>
-                        <a:t>Platform</a:t>
-                      </a:r>
-                      <a:r>
-                        <a:rPr lang="en-US" baseline="0" dirty="0" smtClean="0">
-                          <a:solidFill>
-                            <a:schemeClr val="tx1"/>
-                          </a:solidFill>
-                          <a:latin typeface="Times New Roman" panose="02020603050405020304" pitchFamily="18" charset="0"/>
-                          <a:cs typeface="Times New Roman" panose="02020603050405020304" pitchFamily="18" charset="0"/>
-                        </a:rPr>
-                        <a:t> Dependent</a:t>
-                      </a:r>
-                      <a:endParaRPr lang="en-US" dirty="0">
-                        <a:solidFill>
-                          <a:schemeClr val="tx1"/>
-                        </a:solidFill>
-                        <a:latin typeface="Times New Roman" panose="02020603050405020304" pitchFamily="18" charset="0"/>
-                        <a:cs typeface="Times New Roman" panose="02020603050405020304" pitchFamily="18" charset="0"/>
-                      </a:endParaRPr>
-                    </a:p>
-                  </a:txBody>
-                  <a:tcPr anchor="ctr">
-                    <a:lnL w="12700" cap="flat" cmpd="sng" algn="ctr">
-                      <a:solidFill>
-                        <a:schemeClr val="tx1"/>
-                      </a:solidFill>
-                      <a:prstDash val="solid"/>
-                      <a:round/>
-                      <a:headEnd type="none" w="med" len="med"/>
-                      <a:tailEnd type="none" w="med" len="med"/>
-                    </a:lnL>
-                    <a:lnR w="12700" cap="flat" cmpd="sng" algn="ctr">
-                      <a:solidFill>
-                        <a:schemeClr val="tx1"/>
-                      </a:solidFill>
-                      <a:prstDash val="solid"/>
-                      <a:round/>
-                      <a:headEnd type="none" w="med" len="med"/>
-                      <a:tailEnd type="none" w="med" len="med"/>
-                    </a:lnR>
-                    <a:lnT w="12700" cap="flat" cmpd="sng" algn="ctr">
-                      <a:solidFill>
-                        <a:schemeClr val="tx1"/>
-                      </a:solidFill>
-                      <a:prstDash val="solid"/>
-                      <a:round/>
-                      <a:headEnd type="none" w="med" len="med"/>
-                      <a:tailEnd type="none" w="med" len="med"/>
-                    </a:lnT>
-                    <a:lnB w="12700" cap="flat" cmpd="sng" algn="ctr">
-                      <a:solidFill>
-                        <a:schemeClr val="tx1"/>
-                      </a:solidFill>
-                      <a:prstDash val="solid"/>
-                      <a:round/>
-                      <a:headEnd type="none" w="med" len="med"/>
-                      <a:tailEnd type="none" w="med" len="med"/>
-                    </a:lnB>
-                    <a:noFill/>
-                  </a:tcPr>
-                </a:tc>
-                <a:extLst>
-                  <a:ext uri="{0D108BD9-81ED-4DB2-BD59-A6C34878D82A}">
-                    <a16:rowId xmlns:a16="http://schemas.microsoft.com/office/drawing/2014/main" val="35302310"/>
-                  </a:ext>
-                </a:extLst>
-              </a:tr>
-              <a:tr h="2635871">
-                <a:tc>
-                  <a:txBody>
-                    <a:bodyPr/>
-                    <a:lstStyle/>
-                    <a:p>
-                      <a:pPr algn="ctr"/>
-                      <a:r>
-                        <a:rPr lang="en-US" dirty="0" smtClean="0">
-                          <a:solidFill>
-                            <a:schemeClr val="tx1"/>
-                          </a:solidFill>
-                          <a:latin typeface="Times New Roman" panose="02020603050405020304" pitchFamily="18" charset="0"/>
-                          <a:cs typeface="Times New Roman" panose="02020603050405020304" pitchFamily="18" charset="0"/>
-                        </a:rPr>
-                        <a:t>8</a:t>
-                      </a:r>
-                      <a:endParaRPr lang="en-US" dirty="0">
-                        <a:solidFill>
-                          <a:schemeClr val="tx1"/>
-                        </a:solidFill>
-                        <a:latin typeface="Times New Roman" panose="02020603050405020304" pitchFamily="18" charset="0"/>
-                        <a:cs typeface="Times New Roman" panose="02020603050405020304" pitchFamily="18" charset="0"/>
-                      </a:endParaRPr>
-                    </a:p>
-                  </a:txBody>
-                  <a:tcPr anchor="ctr">
-                    <a:lnL w="12700" cap="flat" cmpd="sng" algn="ctr">
-                      <a:solidFill>
-                        <a:schemeClr val="tx1"/>
-                      </a:solidFill>
-                      <a:prstDash val="solid"/>
-                      <a:round/>
-                      <a:headEnd type="none" w="med" len="med"/>
-                      <a:tailEnd type="none" w="med" len="med"/>
-                    </a:lnL>
-                    <a:lnR w="12700" cap="flat" cmpd="sng" algn="ctr">
-                      <a:solidFill>
-                        <a:schemeClr val="tx1"/>
-                      </a:solidFill>
-                      <a:prstDash val="solid"/>
-                      <a:round/>
-                      <a:headEnd type="none" w="med" len="med"/>
-                      <a:tailEnd type="none" w="med" len="med"/>
-                    </a:lnR>
-                    <a:lnT w="12700" cap="flat" cmpd="sng" algn="ctr">
-                      <a:solidFill>
-                        <a:schemeClr val="tx1"/>
-                      </a:solidFill>
-                      <a:prstDash val="solid"/>
-                      <a:round/>
-                      <a:headEnd type="none" w="med" len="med"/>
-                      <a:tailEnd type="none" w="med" len="med"/>
-                    </a:lnT>
-                    <a:lnB w="12700" cap="flat" cmpd="sng" algn="ctr">
-                      <a:solidFill>
-                        <a:schemeClr val="tx1"/>
-                      </a:solidFill>
-                      <a:prstDash val="solid"/>
-                      <a:round/>
-                      <a:headEnd type="none" w="med" len="med"/>
-                      <a:tailEnd type="none" w="med" len="med"/>
-                    </a:lnB>
-                    <a:noFill/>
-                  </a:tcPr>
-                </a:tc>
-                <a:tc>
-                  <a:txBody>
-                    <a:bodyPr/>
-                    <a:lstStyle/>
-                    <a:p>
-                      <a:pPr algn="ctr"/>
-                      <a:r>
-                        <a:rPr lang="en-US" sz="1800" dirty="0" smtClean="0">
-                          <a:latin typeface="Times New Roman" panose="02020603050405020304" pitchFamily="18" charset="0"/>
-                          <a:cs typeface="Times New Roman" panose="02020603050405020304" pitchFamily="18" charset="0"/>
-                        </a:rPr>
-                        <a:t>Martin </a:t>
-                      </a:r>
-                      <a:r>
-                        <a:rPr lang="en-US" sz="1800" dirty="0" err="1" smtClean="0">
-                          <a:latin typeface="Times New Roman" panose="02020603050405020304" pitchFamily="18" charset="0"/>
-                          <a:cs typeface="Times New Roman" panose="02020603050405020304" pitchFamily="18" charset="0"/>
-                        </a:rPr>
-                        <a:t>Georgiev</a:t>
-                      </a:r>
-                      <a:r>
-                        <a:rPr lang="en-US" sz="1800" dirty="0" smtClean="0">
-                          <a:latin typeface="Times New Roman" panose="02020603050405020304" pitchFamily="18" charset="0"/>
-                          <a:cs typeface="Times New Roman" panose="02020603050405020304" pitchFamily="18" charset="0"/>
-                        </a:rPr>
-                        <a:t>, </a:t>
-                      </a:r>
-                      <a:r>
-                        <a:rPr lang="en-US" sz="1800" dirty="0" err="1" smtClean="0">
-                          <a:latin typeface="Times New Roman" panose="02020603050405020304" pitchFamily="18" charset="0"/>
-                          <a:cs typeface="Times New Roman" panose="02020603050405020304" pitchFamily="18" charset="0"/>
-                        </a:rPr>
-                        <a:t>Suman</a:t>
-                      </a:r>
-                      <a:r>
-                        <a:rPr lang="en-US" sz="1800" dirty="0" smtClean="0">
-                          <a:latin typeface="Times New Roman" panose="02020603050405020304" pitchFamily="18" charset="0"/>
-                          <a:cs typeface="Times New Roman" panose="02020603050405020304" pitchFamily="18" charset="0"/>
-                        </a:rPr>
-                        <a:t> Jana, </a:t>
-                      </a:r>
-                      <a:r>
-                        <a:rPr lang="en-US" sz="1800" dirty="0" err="1" smtClean="0">
-                          <a:latin typeface="Times New Roman" panose="02020603050405020304" pitchFamily="18" charset="0"/>
-                          <a:cs typeface="Times New Roman" panose="02020603050405020304" pitchFamily="18" charset="0"/>
-                        </a:rPr>
-                        <a:t>Vitaly</a:t>
-                      </a:r>
-                      <a:r>
-                        <a:rPr lang="en-US" sz="1800" dirty="0" smtClean="0">
-                          <a:latin typeface="Times New Roman" panose="02020603050405020304" pitchFamily="18" charset="0"/>
-                          <a:cs typeface="Times New Roman" panose="02020603050405020304" pitchFamily="18" charset="0"/>
-                        </a:rPr>
-                        <a:t> </a:t>
-                      </a:r>
-                      <a:r>
-                        <a:rPr lang="en-US" sz="1800" dirty="0" err="1" smtClean="0">
-                          <a:latin typeface="Times New Roman" panose="02020603050405020304" pitchFamily="18" charset="0"/>
-                          <a:cs typeface="Times New Roman" panose="02020603050405020304" pitchFamily="18" charset="0"/>
-                        </a:rPr>
-                        <a:t>Shmatikov</a:t>
-                      </a:r>
-                      <a:endParaRPr lang="en-US" sz="1800" dirty="0" smtClean="0">
-                        <a:latin typeface="Times New Roman" panose="02020603050405020304" pitchFamily="18" charset="0"/>
-                        <a:cs typeface="Times New Roman" panose="02020603050405020304" pitchFamily="18" charset="0"/>
-                      </a:endParaRPr>
-                    </a:p>
-                    <a:p>
-                      <a:pPr algn="ctr"/>
-                      <a:r>
-                        <a:rPr lang="en-IN" sz="1800" dirty="0" smtClean="0">
-                          <a:latin typeface="Times New Roman" panose="02020603050405020304" pitchFamily="18" charset="0"/>
-                          <a:cs typeface="Times New Roman" panose="02020603050405020304" pitchFamily="18" charset="0"/>
-                        </a:rPr>
-                        <a:t/>
-                      </a:r>
-                      <a:br>
-                        <a:rPr lang="en-IN" sz="1800" dirty="0" smtClean="0">
-                          <a:latin typeface="Times New Roman" panose="02020603050405020304" pitchFamily="18" charset="0"/>
-                          <a:cs typeface="Times New Roman" panose="02020603050405020304" pitchFamily="18" charset="0"/>
-                        </a:rPr>
-                      </a:br>
-                      <a:r>
-                        <a:rPr lang="en-US" sz="1800" dirty="0" smtClean="0">
-                          <a:latin typeface="Times New Roman" panose="02020603050405020304" pitchFamily="18" charset="0"/>
-                          <a:cs typeface="Times New Roman" panose="02020603050405020304" pitchFamily="18" charset="0"/>
-                        </a:rPr>
-                        <a:t>Rethinking Security of Web-Based System Applications</a:t>
-                      </a:r>
-                    </a:p>
-                  </a:txBody>
-                  <a:tcPr anchor="ctr">
-                    <a:lnL w="12700" cap="flat" cmpd="sng" algn="ctr">
-                      <a:solidFill>
-                        <a:schemeClr val="tx1"/>
-                      </a:solidFill>
-                      <a:prstDash val="solid"/>
-                      <a:round/>
-                      <a:headEnd type="none" w="med" len="med"/>
-                      <a:tailEnd type="none" w="med" len="med"/>
-                    </a:lnL>
-                    <a:lnR w="12700" cap="flat" cmpd="sng" algn="ctr">
-                      <a:solidFill>
-                        <a:schemeClr val="tx1"/>
-                      </a:solidFill>
-                      <a:prstDash val="solid"/>
-                      <a:round/>
-                      <a:headEnd type="none" w="med" len="med"/>
-                      <a:tailEnd type="none" w="med" len="med"/>
-                    </a:lnR>
-                    <a:lnT w="12700" cap="flat" cmpd="sng" algn="ctr">
-                      <a:solidFill>
-                        <a:schemeClr val="tx1"/>
-                      </a:solidFill>
-                      <a:prstDash val="solid"/>
-                      <a:round/>
-                      <a:headEnd type="none" w="med" len="med"/>
-                      <a:tailEnd type="none" w="med" len="med"/>
-                    </a:lnT>
-                    <a:lnB w="12700" cap="flat" cmpd="sng" algn="ctr">
-                      <a:solidFill>
-                        <a:schemeClr val="tx1"/>
-                      </a:solidFill>
-                      <a:prstDash val="solid"/>
-                      <a:round/>
-                      <a:headEnd type="none" w="med" len="med"/>
-                      <a:tailEnd type="none" w="med" len="med"/>
-                    </a:lnB>
-                    <a:noFill/>
-                  </a:tcPr>
-                </a:tc>
-                <a:tc>
-                  <a:txBody>
-                    <a:bodyPr/>
-                    <a:lstStyle/>
-                    <a:p>
-                      <a:pPr algn="ctr"/>
-                      <a:r>
-                        <a:rPr lang="en-US" sz="1800" b="0" i="0" kern="1200" dirty="0" smtClean="0">
-                          <a:solidFill>
-                            <a:schemeClr val="dk1"/>
-                          </a:solidFill>
-                          <a:effectLst/>
-                          <a:latin typeface="+mn-lt"/>
-                          <a:ea typeface="+mn-ea"/>
-                          <a:cs typeface="+mn-cs"/>
-                        </a:rPr>
-                        <a:t> </a:t>
-                      </a:r>
-                      <a:r>
-                        <a:rPr lang="en-US" sz="1800" b="0" i="0" kern="1200" dirty="0" smtClean="0">
-                          <a:solidFill>
-                            <a:schemeClr val="dk1"/>
-                          </a:solidFill>
-                          <a:effectLst/>
-                          <a:latin typeface="+mn-lt"/>
-                          <a:ea typeface="+mn-ea"/>
-                          <a:cs typeface="+mn-cs"/>
-                        </a:rPr>
-                        <a:t>A new access-control mechanism for Web-based system applications.</a:t>
-                      </a:r>
-                      <a:endParaRPr lang="en-US" dirty="0">
-                        <a:solidFill>
-                          <a:schemeClr val="tx1"/>
-                        </a:solidFill>
-                        <a:latin typeface="Times New Roman" panose="02020603050405020304" pitchFamily="18" charset="0"/>
-                        <a:cs typeface="Times New Roman" panose="02020603050405020304" pitchFamily="18" charset="0"/>
-                      </a:endParaRPr>
-                    </a:p>
-                  </a:txBody>
-                  <a:tcPr anchor="ctr">
-                    <a:lnL w="12700" cap="flat" cmpd="sng" algn="ctr">
-                      <a:solidFill>
-                        <a:schemeClr val="tx1"/>
-                      </a:solidFill>
-                      <a:prstDash val="solid"/>
-                      <a:round/>
-                      <a:headEnd type="none" w="med" len="med"/>
-                      <a:tailEnd type="none" w="med" len="med"/>
-                    </a:lnL>
-                    <a:lnR w="12700" cap="flat" cmpd="sng" algn="ctr">
-                      <a:solidFill>
-                        <a:schemeClr val="tx1"/>
-                      </a:solidFill>
-                      <a:prstDash val="solid"/>
-                      <a:round/>
-                      <a:headEnd type="none" w="med" len="med"/>
-                      <a:tailEnd type="none" w="med" len="med"/>
-                    </a:lnR>
-                    <a:lnT w="12700" cap="flat" cmpd="sng" algn="ctr">
-                      <a:solidFill>
-                        <a:schemeClr val="tx1"/>
-                      </a:solidFill>
-                      <a:prstDash val="solid"/>
-                      <a:round/>
-                      <a:headEnd type="none" w="med" len="med"/>
-                      <a:tailEnd type="none" w="med" len="med"/>
-                    </a:lnT>
-                    <a:lnB w="12700" cap="flat" cmpd="sng" algn="ctr">
-                      <a:solidFill>
-                        <a:schemeClr val="tx1"/>
-                      </a:solidFill>
-                      <a:prstDash val="solid"/>
-                      <a:round/>
-                      <a:headEnd type="none" w="med" len="med"/>
-                      <a:tailEnd type="none" w="med" len="med"/>
-                    </a:lnB>
-                    <a:noFill/>
-                  </a:tcPr>
-                </a:tc>
-                <a:tc>
-                  <a:txBody>
-                    <a:bodyPr/>
-                    <a:lstStyle/>
-                    <a:p>
-                      <a:pPr algn="ctr"/>
-                      <a:r>
-                        <a:rPr lang="en-US" sz="1800" b="0" i="0" kern="1200" dirty="0" smtClean="0">
-                          <a:solidFill>
-                            <a:schemeClr val="dk1"/>
-                          </a:solidFill>
-                          <a:effectLst/>
-                          <a:latin typeface="+mn-lt"/>
-                          <a:ea typeface="+mn-ea"/>
-                          <a:cs typeface="+mn-cs"/>
-                        </a:rPr>
-                        <a:t> To overcome the app is anticipated in the chats are secured by the dynamic key encryption by md5 algorithm</a:t>
-                      </a:r>
-                      <a:endParaRPr lang="en-US" dirty="0">
-                        <a:solidFill>
-                          <a:schemeClr val="tx1"/>
-                        </a:solidFill>
-                        <a:latin typeface="Times New Roman" panose="02020603050405020304" pitchFamily="18" charset="0"/>
-                        <a:cs typeface="Times New Roman" panose="02020603050405020304" pitchFamily="18" charset="0"/>
-                      </a:endParaRPr>
-                    </a:p>
-                  </a:txBody>
-                  <a:tcPr anchor="ctr">
-                    <a:lnL w="12700" cap="flat" cmpd="sng" algn="ctr">
-                      <a:solidFill>
-                        <a:schemeClr val="tx1"/>
-                      </a:solidFill>
-                      <a:prstDash val="solid"/>
-                      <a:round/>
-                      <a:headEnd type="none" w="med" len="med"/>
-                      <a:tailEnd type="none" w="med" len="med"/>
-                    </a:lnL>
-                    <a:lnR w="12700" cap="flat" cmpd="sng" algn="ctr">
-                      <a:solidFill>
-                        <a:schemeClr val="tx1"/>
-                      </a:solidFill>
-                      <a:prstDash val="solid"/>
-                      <a:round/>
-                      <a:headEnd type="none" w="med" len="med"/>
-                      <a:tailEnd type="none" w="med" len="med"/>
-                    </a:lnR>
-                    <a:lnT w="12700" cap="flat" cmpd="sng" algn="ctr">
-                      <a:solidFill>
-                        <a:schemeClr val="tx1"/>
-                      </a:solidFill>
-                      <a:prstDash val="solid"/>
-                      <a:round/>
-                      <a:headEnd type="none" w="med" len="med"/>
-                      <a:tailEnd type="none" w="med" len="med"/>
-                    </a:lnT>
-                    <a:lnB w="12700" cap="flat" cmpd="sng" algn="ctr">
-                      <a:solidFill>
-                        <a:schemeClr val="tx1"/>
-                      </a:solidFill>
-                      <a:prstDash val="solid"/>
-                      <a:round/>
-                      <a:headEnd type="none" w="med" len="med"/>
-                      <a:tailEnd type="none" w="med" len="med"/>
-                    </a:lnB>
-                    <a:noFill/>
-                  </a:tcPr>
-                </a:tc>
-                <a:tc>
-                  <a:txBody>
-                    <a:bodyPr/>
-                    <a:lstStyle/>
-                    <a:p>
-                      <a:pPr algn="ctr"/>
-                      <a:r>
-                        <a:rPr lang="en-US" dirty="0" smtClean="0">
-                          <a:solidFill>
-                            <a:schemeClr val="tx1"/>
-                          </a:solidFill>
-                          <a:latin typeface="Times New Roman" panose="02020603050405020304" pitchFamily="18" charset="0"/>
-                          <a:cs typeface="Times New Roman" panose="02020603050405020304" pitchFamily="18" charset="0"/>
-                        </a:rPr>
-                        <a:t>Two key problems plaguing,</a:t>
-                      </a:r>
-                    </a:p>
-                    <a:p>
-                      <a:pPr algn="ctr"/>
-                      <a:r>
-                        <a:rPr lang="en-US" sz="1800" b="0" i="0" kern="1200" dirty="0" smtClean="0">
-                          <a:solidFill>
-                            <a:schemeClr val="dk1"/>
-                          </a:solidFill>
-                          <a:effectLst/>
-                          <a:latin typeface="+mn-lt"/>
-                          <a:ea typeface="+mn-ea"/>
-                          <a:cs typeface="+mn-cs"/>
-                        </a:rPr>
-                        <a:t>security and consistency</a:t>
-                      </a:r>
-                      <a:endParaRPr lang="en-US" dirty="0">
-                        <a:solidFill>
-                          <a:schemeClr val="tx1"/>
-                        </a:solidFill>
-                        <a:latin typeface="Times New Roman" panose="02020603050405020304" pitchFamily="18" charset="0"/>
-                        <a:cs typeface="Times New Roman" panose="02020603050405020304" pitchFamily="18" charset="0"/>
-                      </a:endParaRPr>
-                    </a:p>
-                  </a:txBody>
-                  <a:tcPr anchor="ctr">
-                    <a:lnL w="12700" cap="flat" cmpd="sng" algn="ctr">
-                      <a:solidFill>
-                        <a:schemeClr val="tx1"/>
-                      </a:solidFill>
-                      <a:prstDash val="solid"/>
-                      <a:round/>
-                      <a:headEnd type="none" w="med" len="med"/>
-                      <a:tailEnd type="none" w="med" len="med"/>
-                    </a:lnL>
-                    <a:lnR w="12700" cap="flat" cmpd="sng" algn="ctr">
-                      <a:solidFill>
-                        <a:schemeClr val="tx1"/>
-                      </a:solidFill>
-                      <a:prstDash val="solid"/>
-                      <a:round/>
-                      <a:headEnd type="none" w="med" len="med"/>
-                      <a:tailEnd type="none" w="med" len="med"/>
-                    </a:lnR>
-                    <a:lnT w="12700" cap="flat" cmpd="sng" algn="ctr">
-                      <a:solidFill>
-                        <a:schemeClr val="tx1"/>
-                      </a:solidFill>
-                      <a:prstDash val="solid"/>
-                      <a:round/>
-                      <a:headEnd type="none" w="med" len="med"/>
-                      <a:tailEnd type="none" w="med" len="med"/>
-                    </a:lnT>
-                    <a:lnB w="12700" cap="flat" cmpd="sng" algn="ctr">
-                      <a:solidFill>
-                        <a:schemeClr val="tx1"/>
-                      </a:solidFill>
-                      <a:prstDash val="solid"/>
-                      <a:round/>
-                      <a:headEnd type="none" w="med" len="med"/>
-                      <a:tailEnd type="none" w="med" len="med"/>
-                    </a:lnB>
-                    <a:noFill/>
-                  </a:tcPr>
-                </a:tc>
-                <a:tc>
-                  <a:txBody>
-                    <a:bodyPr/>
-                    <a:lstStyle/>
-                    <a:p>
-                      <a:pPr algn="ctr"/>
-                      <a:r>
-                        <a:rPr lang="en-US" dirty="0" smtClean="0">
-                          <a:solidFill>
-                            <a:schemeClr val="tx1"/>
-                          </a:solidFill>
-                          <a:latin typeface="Times New Roman" panose="02020603050405020304" pitchFamily="18" charset="0"/>
-                          <a:cs typeface="Times New Roman" panose="02020603050405020304" pitchFamily="18" charset="0"/>
-                        </a:rPr>
-                        <a:t>Platfor</a:t>
-                      </a:r>
-                      <a:r>
-                        <a:rPr lang="en-US" baseline="0" dirty="0" smtClean="0">
-                          <a:solidFill>
-                            <a:schemeClr val="tx1"/>
-                          </a:solidFill>
-                          <a:latin typeface="Times New Roman" panose="02020603050405020304" pitchFamily="18" charset="0"/>
-                          <a:cs typeface="Times New Roman" panose="02020603050405020304" pitchFamily="18" charset="0"/>
-                        </a:rPr>
-                        <a:t>m Dependent,</a:t>
-                      </a:r>
-                    </a:p>
-                    <a:p>
-                      <a:pPr algn="ctr"/>
-                      <a:r>
-                        <a:rPr lang="en-US" dirty="0" smtClean="0">
-                          <a:solidFill>
-                            <a:schemeClr val="tx1"/>
-                          </a:solidFill>
-                          <a:latin typeface="Times New Roman" panose="02020603050405020304" pitchFamily="18" charset="0"/>
-                          <a:cs typeface="Times New Roman" panose="02020603050405020304" pitchFamily="18" charset="0"/>
-                        </a:rPr>
-                        <a:t>Process</a:t>
-                      </a:r>
-                      <a:r>
-                        <a:rPr lang="en-US" baseline="0" dirty="0" smtClean="0">
-                          <a:solidFill>
-                            <a:schemeClr val="tx1"/>
-                          </a:solidFill>
-                          <a:latin typeface="Times New Roman" panose="02020603050405020304" pitchFamily="18" charset="0"/>
-                          <a:cs typeface="Times New Roman" panose="02020603050405020304" pitchFamily="18" charset="0"/>
-                        </a:rPr>
-                        <a:t> complexity</a:t>
-                      </a:r>
-                      <a:endParaRPr lang="en-US" dirty="0">
-                        <a:solidFill>
-                          <a:schemeClr val="tx1"/>
-                        </a:solidFill>
-                        <a:latin typeface="Times New Roman" panose="02020603050405020304" pitchFamily="18" charset="0"/>
-                        <a:cs typeface="Times New Roman" panose="02020603050405020304" pitchFamily="18" charset="0"/>
-                      </a:endParaRPr>
-                    </a:p>
-                  </a:txBody>
-                  <a:tcPr anchor="ctr">
-                    <a:lnL w="12700" cap="flat" cmpd="sng" algn="ctr">
-                      <a:solidFill>
-                        <a:schemeClr val="tx1"/>
-                      </a:solidFill>
-                      <a:prstDash val="solid"/>
-                      <a:round/>
-                      <a:headEnd type="none" w="med" len="med"/>
-                      <a:tailEnd type="none" w="med" len="med"/>
-                    </a:lnL>
-                    <a:lnR w="12700" cap="flat" cmpd="sng" algn="ctr">
-                      <a:solidFill>
-                        <a:schemeClr val="tx1"/>
-                      </a:solidFill>
-                      <a:prstDash val="solid"/>
-                      <a:round/>
-                      <a:headEnd type="none" w="med" len="med"/>
-                      <a:tailEnd type="none" w="med" len="med"/>
-                    </a:lnR>
-                    <a:lnT w="12700" cap="flat" cmpd="sng" algn="ctr">
-                      <a:solidFill>
-                        <a:schemeClr val="tx1"/>
-                      </a:solidFill>
-                      <a:prstDash val="solid"/>
-                      <a:round/>
-                      <a:headEnd type="none" w="med" len="med"/>
-                      <a:tailEnd type="none" w="med" len="med"/>
-                    </a:lnT>
-                    <a:lnB w="12700" cap="flat" cmpd="sng" algn="ctr">
-                      <a:solidFill>
-                        <a:schemeClr val="tx1"/>
-                      </a:solidFill>
-                      <a:prstDash val="solid"/>
-                      <a:round/>
-                      <a:headEnd type="none" w="med" len="med"/>
-                      <a:tailEnd type="none" w="med" len="med"/>
-                    </a:lnB>
-                    <a:noFill/>
-                  </a:tcPr>
-                </a:tc>
-                <a:extLst>
-                  <a:ext uri="{0D108BD9-81ED-4DB2-BD59-A6C34878D82A}">
-                    <a16:rowId xmlns:a16="http://schemas.microsoft.com/office/drawing/2014/main" val="4275570003"/>
-                  </a:ext>
-                </a:extLst>
-              </a:tr>
-            </a:tbl>
-          </a:graphicData>
-        </a:graphic>
-      </p:graphicFrame>
-    </p:spTree>
-    <p:extLst>
-      <p:ext uri="{BB962C8B-B14F-4D97-AF65-F5344CB8AC3E}">
-        <p14:creationId xmlns:p14="http://schemas.microsoft.com/office/powerpoint/2010/main" val="805212354"/>
-      </p:ext>
-    </p:extLst>
-  </p:cSld>
-  <p:clrMapOvr>
-    <a:masterClrMapping/>
-  </p:clrMapOvr>
-  <p:transition spd="slow">
-    <p:wipe/>
+    <p:push dir="u"/>
   </p:transition>
   <p:timing>
     <p:tnLst>
@@ -9860,11 +8608,7 @@
             <a:graphicFrameLocks noGrp="1"/>
           </p:cNvGraphicFramePr>
           <p:nvPr>
-            <p:extLst>
-              <p:ext uri="{D42A27DB-BD31-4B8C-83A1-F6EECF244321}">
-                <p14:modId xmlns:p14="http://schemas.microsoft.com/office/powerpoint/2010/main" val="2430779547"/>
-              </p:ext>
-            </p:extLst>
+            <p:extLst/>
           </p:nvPr>
         </p:nvGraphicFramePr>
         <p:xfrm>
@@ -10291,7 +9035,7 @@
                           <a:latin typeface="Times New Roman" panose="02020603050405020304" pitchFamily="18" charset="0"/>
                           <a:cs typeface="Times New Roman" panose="02020603050405020304" pitchFamily="18" charset="0"/>
                         </a:rPr>
-                        <a:t>Disadvantaged</a:t>
+                        <a:t>Disadvantages</a:t>
                       </a:r>
                       <a:endParaRPr lang="en-US" dirty="0">
                         <a:solidFill>
@@ -10367,7 +9111,7 @@
                           <a:latin typeface="Times New Roman" panose="02020603050405020304" pitchFamily="18" charset="0"/>
                           <a:cs typeface="Times New Roman" panose="02020603050405020304" pitchFamily="18" charset="0"/>
                         </a:rPr>
-                        <a:t>9</a:t>
+                        <a:t>7</a:t>
                       </a:r>
                       <a:endParaRPr lang="en-US" dirty="0">
                         <a:solidFill>
@@ -10508,12 +9252,8 @@
                           <a:latin typeface="Times New Roman" panose="02020603050405020304" pitchFamily="18" charset="0"/>
                           <a:cs typeface="Times New Roman" panose="02020603050405020304" pitchFamily="18" charset="0"/>
                         </a:rPr>
-                        <a:t>Developing of Middleware and Cross Platform Chat Application</a:t>
-                      </a:r>
-                      <a:endParaRPr lang="en-US" sz="1800" dirty="0" smtClean="0">
-                        <a:latin typeface="Times New Roman" panose="02020603050405020304" pitchFamily="18" charset="0"/>
-                        <a:cs typeface="Times New Roman" panose="02020603050405020304" pitchFamily="18" charset="0"/>
-                      </a:endParaRPr>
+                        <a:t>Inside Java 2 Platform Security</a:t>
+                      </a:r>
                     </a:p>
                   </a:txBody>
                   <a:tcPr anchor="ctr">
@@ -10567,27 +9307,7 @@
                           <a:latin typeface="Times New Roman" panose="02020603050405020304" pitchFamily="18" charset="0"/>
                           <a:cs typeface="Times New Roman" panose="02020603050405020304" pitchFamily="18" charset="0"/>
                         </a:rPr>
-                        <a:t>The aims to develop a chat application which serves as a middleware </a:t>
-                      </a:r>
-                    </a:p>
-                    <a:p>
-                      <a:pPr algn="ctr"/>
-                      <a:r>
-                        <a:rPr lang="en-US" dirty="0" smtClean="0">
-                          <a:latin typeface="Times New Roman" panose="02020603050405020304" pitchFamily="18" charset="0"/>
-                          <a:cs typeface="Times New Roman" panose="02020603050405020304" pitchFamily="18" charset="0"/>
-                        </a:rPr>
-                        <a:t>to make communication between developed chat application and </a:t>
-                      </a:r>
-                    </a:p>
-                    <a:p>
-                      <a:pPr algn="ctr"/>
-                      <a:r>
-                        <a:rPr lang="en-US" dirty="0" smtClean="0">
-                          <a:latin typeface="Times New Roman" panose="02020603050405020304" pitchFamily="18" charset="0"/>
-                          <a:cs typeface="Times New Roman" panose="02020603050405020304" pitchFamily="18" charset="0"/>
-                        </a:rPr>
-                        <a:t>two conventional chat applications </a:t>
+                        <a:t>Inside Java(TM) 2 Platform Security, the definitive and comprehensive guide to the Java security platform, has been thoroughly updated to reflect key additions and revisions to Java security technologies currently in use by leading technology co</a:t>
                       </a:r>
                       <a:endParaRPr lang="en-US" dirty="0">
                         <a:solidFill>
@@ -10645,8 +9365,18 @@
                     <a:p>
                       <a:pPr algn="ctr"/>
                       <a:r>
-                        <a:rPr lang="en-US" baseline="0" dirty="0" smtClean="0"/>
-                        <a:t>Line Messaging API</a:t>
+                        <a:rPr lang="en-US" baseline="0" dirty="0" smtClean="0">
+                          <a:latin typeface="Times New Roman" panose="02020603050405020304" pitchFamily="18" charset="0"/>
+                          <a:cs typeface="Times New Roman" panose="02020603050405020304" pitchFamily="18" charset="0"/>
+                        </a:rPr>
+                        <a:t> </a:t>
+                      </a:r>
+                      <a:r>
+                        <a:rPr lang="en-US" dirty="0" smtClean="0">
+                          <a:latin typeface="Times New Roman" panose="02020603050405020304" pitchFamily="18" charset="0"/>
+                          <a:cs typeface="Times New Roman" panose="02020603050405020304" pitchFamily="18" charset="0"/>
+                        </a:rPr>
+                        <a:t>Java(TM) 2</a:t>
                       </a:r>
                       <a:endParaRPr lang="en-US" dirty="0">
                         <a:solidFill>
@@ -10704,7 +9434,10 @@
                     <a:p>
                       <a:pPr algn="ctr"/>
                       <a:r>
-                        <a:rPr lang="en-US" dirty="0" smtClean="0"/>
+                        <a:rPr lang="en-US" dirty="0" smtClean="0">
+                          <a:latin typeface="Times New Roman" panose="02020603050405020304" pitchFamily="18" charset="0"/>
+                          <a:cs typeface="Times New Roman" panose="02020603050405020304" pitchFamily="18" charset="0"/>
+                        </a:rPr>
                         <a:t>Decentralized</a:t>
                       </a:r>
                     </a:p>
@@ -10712,36 +9445,24 @@
                       <a:pPr algn="ctr"/>
                       <a:r>
                         <a:rPr lang="en-US" dirty="0" smtClean="0">
-                          <a:solidFill>
-                            <a:schemeClr val="tx1"/>
-                          </a:solidFill>
-                          <a:latin typeface="Times New Roman" panose="02020603050405020304" pitchFamily="18" charset="0"/>
-                          <a:cs typeface="Times New Roman" panose="02020603050405020304" pitchFamily="18" charset="0"/>
-                        </a:rPr>
-                        <a:t>Instant</a:t>
+                          <a:latin typeface="Times New Roman" panose="02020603050405020304" pitchFamily="18" charset="0"/>
+                          <a:cs typeface="Times New Roman" panose="02020603050405020304" pitchFamily="18" charset="0"/>
+                        </a:rPr>
+                        <a:t>Block-chain</a:t>
                       </a:r>
                       <a:r>
                         <a:rPr lang="en-US" baseline="0" dirty="0" smtClean="0">
-                          <a:solidFill>
-                            <a:schemeClr val="tx1"/>
-                          </a:solidFill>
-                          <a:latin typeface="Times New Roman" panose="02020603050405020304" pitchFamily="18" charset="0"/>
-                          <a:cs typeface="Times New Roman" panose="02020603050405020304" pitchFamily="18" charset="0"/>
-                        </a:rPr>
-                        <a:t> Messaging, </a:t>
-                      </a:r>
-                    </a:p>
-                    <a:p>
-                      <a:pPr algn="ctr"/>
-                      <a:r>
-                        <a:rPr lang="en-US" baseline="0" dirty="0" smtClean="0">
-                          <a:solidFill>
-                            <a:schemeClr val="tx1"/>
-                          </a:solidFill>
-                          <a:latin typeface="Times New Roman" panose="02020603050405020304" pitchFamily="18" charset="0"/>
-                          <a:cs typeface="Times New Roman" panose="02020603050405020304" pitchFamily="18" charset="0"/>
-                        </a:rPr>
-                        <a:t>Platform Independent</a:t>
+                          <a:latin typeface="Times New Roman" panose="02020603050405020304" pitchFamily="18" charset="0"/>
+                          <a:cs typeface="Times New Roman" panose="02020603050405020304" pitchFamily="18" charset="0"/>
+                        </a:rPr>
+                        <a:t> </a:t>
+                      </a:r>
+                      <a:r>
+                        <a:rPr lang="en-US" dirty="0" smtClean="0">
+                          <a:latin typeface="Times New Roman" panose="02020603050405020304" pitchFamily="18" charset="0"/>
+                          <a:cs typeface="Times New Roman" panose="02020603050405020304" pitchFamily="18" charset="0"/>
+                        </a:rPr>
+                        <a:t>Based Messaging Network</a:t>
                       </a:r>
                       <a:endParaRPr lang="en-US" dirty="0">
                         <a:solidFill>
@@ -10806,7 +9527,7 @@
                           <a:latin typeface="Times New Roman" panose="02020603050405020304" pitchFamily="18" charset="0"/>
                           <a:cs typeface="Times New Roman" panose="02020603050405020304" pitchFamily="18" charset="0"/>
                         </a:rPr>
-                        <a:t>Cannot Implement Proper Encryption</a:t>
+                        <a:t>Platform</a:t>
                       </a:r>
                       <a:r>
                         <a:rPr lang="en-US" baseline="0" dirty="0" smtClean="0">
@@ -10816,7 +9537,7 @@
                           <a:latin typeface="Times New Roman" panose="02020603050405020304" pitchFamily="18" charset="0"/>
                           <a:cs typeface="Times New Roman" panose="02020603050405020304" pitchFamily="18" charset="0"/>
                         </a:rPr>
-                        <a:t> System</a:t>
+                        <a:t> Dependent</a:t>
                       </a:r>
                       <a:endParaRPr lang="en-US" dirty="0">
                         <a:solidFill>
@@ -10888,7 +9609,7 @@
                           <a:latin typeface="Times New Roman" panose="02020603050405020304" pitchFamily="18" charset="0"/>
                           <a:cs typeface="Times New Roman" panose="02020603050405020304" pitchFamily="18" charset="0"/>
                         </a:rPr>
-                        <a:t>10</a:t>
+                        <a:t>8</a:t>
                       </a:r>
                       <a:endParaRPr lang="en-US" dirty="0">
                         <a:solidFill>
@@ -10946,17 +9667,52 @@
                     <a:p>
                       <a:pPr algn="ctr"/>
                       <a:r>
+                        <a:rPr lang="en-US" sz="1800" dirty="0" smtClean="0">
+                          <a:latin typeface="Times New Roman" panose="02020603050405020304" pitchFamily="18" charset="0"/>
+                          <a:cs typeface="Times New Roman" panose="02020603050405020304" pitchFamily="18" charset="0"/>
+                        </a:rPr>
+                        <a:t>Martin </a:t>
+                      </a:r>
+                      <a:r>
                         <a:rPr lang="en-US" sz="1800" dirty="0" err="1" smtClean="0">
                           <a:latin typeface="Times New Roman" panose="02020603050405020304" pitchFamily="18" charset="0"/>
                           <a:cs typeface="Times New Roman" panose="02020603050405020304" pitchFamily="18" charset="0"/>
                         </a:rPr>
-                        <a:t>Mikko</a:t>
+                        <a:t>Georgiev</a:t>
                       </a:r>
                       <a:r>
                         <a:rPr lang="en-US" sz="1800" dirty="0" smtClean="0">
                           <a:latin typeface="Times New Roman" panose="02020603050405020304" pitchFamily="18" charset="0"/>
                           <a:cs typeface="Times New Roman" panose="02020603050405020304" pitchFamily="18" charset="0"/>
                         </a:rPr>
+                        <a:t>, </a:t>
+                      </a:r>
+                      <a:r>
+                        <a:rPr lang="en-US" sz="1800" dirty="0" err="1" smtClean="0">
+                          <a:latin typeface="Times New Roman" panose="02020603050405020304" pitchFamily="18" charset="0"/>
+                          <a:cs typeface="Times New Roman" panose="02020603050405020304" pitchFamily="18" charset="0"/>
+                        </a:rPr>
+                        <a:t>Suman</a:t>
+                      </a:r>
+                      <a:r>
+                        <a:rPr lang="en-US" sz="1800" dirty="0" smtClean="0">
+                          <a:latin typeface="Times New Roman" panose="02020603050405020304" pitchFamily="18" charset="0"/>
+                          <a:cs typeface="Times New Roman" panose="02020603050405020304" pitchFamily="18" charset="0"/>
+                        </a:rPr>
+                        <a:t> Jana, </a:t>
+                      </a:r>
+                      <a:r>
+                        <a:rPr lang="en-US" sz="1800" dirty="0" err="1" smtClean="0">
+                          <a:latin typeface="Times New Roman" panose="02020603050405020304" pitchFamily="18" charset="0"/>
+                          <a:cs typeface="Times New Roman" panose="02020603050405020304" pitchFamily="18" charset="0"/>
+                        </a:rPr>
+                        <a:t>Vitaly</a:t>
+                      </a:r>
+                      <a:r>
+                        <a:rPr lang="en-US" sz="1800" dirty="0" smtClean="0">
+                          <a:latin typeface="Times New Roman" panose="02020603050405020304" pitchFamily="18" charset="0"/>
+                          <a:cs typeface="Times New Roman" panose="02020603050405020304" pitchFamily="18" charset="0"/>
+                        </a:rPr>
                         <a:t> </a:t>
                       </a:r>
                       <a:r>
@@ -10964,7 +9720,7 @@
                           <a:latin typeface="Times New Roman" panose="02020603050405020304" pitchFamily="18" charset="0"/>
                           <a:cs typeface="Times New Roman" panose="02020603050405020304" pitchFamily="18" charset="0"/>
                         </a:rPr>
-                        <a:t>Ilmonen</a:t>
+                        <a:t>Shmatikov</a:t>
                       </a:r>
                       <a:endParaRPr lang="en-US" sz="1800" dirty="0" smtClean="0">
                         <a:latin typeface="Times New Roman" panose="02020603050405020304" pitchFamily="18" charset="0"/>
@@ -10991,17 +9747,7 @@
                           <a:latin typeface="Times New Roman" panose="02020603050405020304" pitchFamily="18" charset="0"/>
                           <a:cs typeface="Times New Roman" panose="02020603050405020304" pitchFamily="18" charset="0"/>
                         </a:rPr>
-                        <a:t>Platform-Agnostic End-to-End Encryption for</a:t>
-                      </a:r>
-                    </a:p>
-                    <a:p>
-                      <a:pPr algn="ctr"/>
-                      <a:r>
-                        <a:rPr lang="en-US" sz="1800" dirty="0" smtClean="0">
-                          <a:latin typeface="Times New Roman" panose="02020603050405020304" pitchFamily="18" charset="0"/>
-                          <a:cs typeface="Times New Roman" panose="02020603050405020304" pitchFamily="18" charset="0"/>
-                        </a:rPr>
-                        <a:t>Modern Instant Messaging Platforms</a:t>
+                        <a:t>Rethinking Security of Web-Based System Applications</a:t>
                       </a:r>
                     </a:p>
                   </a:txBody>
@@ -11057,104 +9803,11 @@
                             <a:schemeClr val="dk1"/>
                           </a:solidFill>
                           <a:effectLst/>
-                          <a:latin typeface="+mn-lt"/>
+                          <a:latin typeface="Times New Roman" panose="02020603050405020304" pitchFamily="18" charset="0"/>
                           <a:ea typeface="+mn-ea"/>
-                          <a:cs typeface="+mn-cs"/>
-                        </a:rPr>
-                        <a:t>This dissertation investigates whether it is possible to perform end-to-end encryption over an </a:t>
-                      </a:r>
-                      <a:r>
-                        <a:rPr lang="en-US" sz="1800" b="0" i="0" kern="1200" dirty="0" err="1" smtClean="0">
-                          <a:solidFill>
-                            <a:schemeClr val="dk1"/>
-                          </a:solidFill>
-                          <a:effectLst/>
-                          <a:latin typeface="+mn-lt"/>
-                          <a:ea typeface="+mn-ea"/>
-                          <a:cs typeface="+mn-cs"/>
-                        </a:rPr>
-                        <a:t>arbitrary</a:t>
-                      </a:r>
-                      <a:r>
-                        <a:rPr lang="en-US" sz="1800" b="0" i="0" kern="1200" dirty="0" smtClean="0">
-                          <a:solidFill>
-                            <a:schemeClr val="dk1"/>
-                          </a:solidFill>
-                          <a:effectLst/>
-                          <a:latin typeface="+mn-lt"/>
-                          <a:ea typeface="+mn-ea"/>
-                          <a:cs typeface="+mn-cs"/>
-                        </a:rPr>
-                        <a:t> Instant Messaging Platform (IM-P), placing no implicit trust in such platform itself.</a:t>
-                      </a:r>
-                      <a:endParaRPr lang="en-US" sz="1800" b="0" i="0" kern="1200" dirty="0" smtClean="0">
-                        <a:solidFill>
-                          <a:schemeClr val="dk1"/>
-                        </a:solidFill>
-                        <a:effectLst/>
-                        <a:latin typeface="+mn-lt"/>
-                        <a:ea typeface="+mn-ea"/>
-                        <a:cs typeface="+mn-cs"/>
-                      </a:endParaRPr>
-                    </a:p>
-                  </a:txBody>
-                  <a:tcPr anchor="ctr">
-                    <a:lnL w="12700" cap="flat" cmpd="sng" algn="ctr">
-                      <a:solidFill>
-                        <a:schemeClr val="tx1"/>
-                      </a:solidFill>
-                      <a:prstDash val="solid"/>
-                      <a:round/>
-                      <a:headEnd type="none" w="med" len="med"/>
-                      <a:tailEnd type="none" w="med" len="med"/>
-                    </a:lnL>
-                    <a:lnR w="12700" cap="flat" cmpd="sng" algn="ctr">
-                      <a:solidFill>
-                        <a:schemeClr val="tx1"/>
-                      </a:solidFill>
-                      <a:prstDash val="solid"/>
-                      <a:round/>
-                      <a:headEnd type="none" w="med" len="med"/>
-                      <a:tailEnd type="none" w="med" len="med"/>
-                    </a:lnR>
-                    <a:lnT w="12700" cap="flat" cmpd="sng" algn="ctr">
-                      <a:solidFill>
-                        <a:schemeClr val="tx1"/>
-                      </a:solidFill>
-                      <a:prstDash val="solid"/>
-                      <a:round/>
-                      <a:headEnd type="none" w="med" len="med"/>
-                      <a:tailEnd type="none" w="med" len="med"/>
-                    </a:lnT>
-                    <a:lnB w="12700" cap="flat" cmpd="sng" algn="ctr">
-                      <a:solidFill>
-                        <a:schemeClr val="tx1"/>
-                      </a:solidFill>
-                      <a:prstDash val="solid"/>
-                      <a:round/>
-                      <a:headEnd type="none" w="med" len="med"/>
-                      <a:tailEnd type="none" w="med" len="med"/>
-                    </a:lnB>
-                    <a:noFill/>
-                  </a:tcPr>
-                </a:tc>
-                <a:tc>
-                  <a:txBody>
-                    <a:bodyPr/>
-                    <a:lstStyle/>
-                    <a:p>
-                      <a:pPr algn="ctr"/>
-                      <a:r>
-                        <a:rPr lang="en-US" sz="1800" b="0" i="0" kern="1200" dirty="0" smtClean="0">
-                          <a:solidFill>
-                            <a:schemeClr val="dk1"/>
-                          </a:solidFill>
-                          <a:effectLst/>
-                          <a:latin typeface="+mn-lt"/>
-                          <a:ea typeface="+mn-ea"/>
-                          <a:cs typeface="+mn-cs"/>
-                        </a:rPr>
-                        <a:t>Instant Messaging IM</a:t>
+                          <a:cs typeface="Times New Roman" panose="02020603050405020304" pitchFamily="18" charset="0"/>
+                        </a:rPr>
+                        <a:t> A new access-control mechanism for Web-based system applications.</a:t>
                       </a:r>
                       <a:endParaRPr lang="en-US" dirty="0">
                         <a:solidFill>
@@ -11212,27 +9865,16 @@
                     <a:p>
                       <a:pPr algn="ctr"/>
                       <a:r>
-                        <a:rPr lang="en-US" dirty="0" smtClean="0">
-                          <a:solidFill>
-                            <a:schemeClr val="tx1"/>
-                          </a:solidFill>
-                          <a:latin typeface="Times New Roman" panose="02020603050405020304" pitchFamily="18" charset="0"/>
-                          <a:cs typeface="Times New Roman" panose="02020603050405020304" pitchFamily="18" charset="0"/>
-                        </a:rPr>
-                        <a:t>Using Secure Socket Layer</a:t>
-                      </a:r>
-                    </a:p>
-                    <a:p>
-                      <a:pPr algn="ctr"/>
-                      <a:r>
-                        <a:rPr lang="en-US" dirty="0" smtClean="0">
-                          <a:solidFill>
-                            <a:schemeClr val="tx1"/>
-                          </a:solidFill>
-                          <a:latin typeface="Times New Roman" panose="02020603050405020304" pitchFamily="18" charset="0"/>
-                          <a:cs typeface="Times New Roman" panose="02020603050405020304" pitchFamily="18" charset="0"/>
-                        </a:rPr>
-                        <a:t>(SSL) or Secure Shell (SSH))</a:t>
+                        <a:rPr lang="en-US" sz="1800" b="0" i="0" kern="1200" dirty="0" smtClean="0">
+                          <a:solidFill>
+                            <a:schemeClr val="dk1"/>
+                          </a:solidFill>
+                          <a:effectLst/>
+                          <a:latin typeface="Times New Roman" panose="02020603050405020304" pitchFamily="18" charset="0"/>
+                          <a:ea typeface="+mn-ea"/>
+                          <a:cs typeface="Times New Roman" panose="02020603050405020304" pitchFamily="18" charset="0"/>
+                        </a:rPr>
+                        <a:t> To overcome the app is anticipated in the chats are secured by the dynamic key encryption by md5 algorithm</a:t>
                       </a:r>
                       <a:endParaRPr lang="en-US" dirty="0">
                         <a:solidFill>
@@ -11297,6 +9939,86 @@
                           <a:latin typeface="Times New Roman" panose="02020603050405020304" pitchFamily="18" charset="0"/>
                           <a:cs typeface="Times New Roman" panose="02020603050405020304" pitchFamily="18" charset="0"/>
                         </a:rPr>
+                        <a:t>Two key problems plaguing,</a:t>
+                      </a:r>
+                    </a:p>
+                    <a:p>
+                      <a:pPr algn="ctr"/>
+                      <a:r>
+                        <a:rPr lang="en-US" sz="1800" b="0" i="0" kern="1200" dirty="0" smtClean="0">
+                          <a:solidFill>
+                            <a:schemeClr val="dk1"/>
+                          </a:solidFill>
+                          <a:effectLst/>
+                          <a:latin typeface="Times New Roman" panose="02020603050405020304" pitchFamily="18" charset="0"/>
+                          <a:ea typeface="+mn-ea"/>
+                          <a:cs typeface="Times New Roman" panose="02020603050405020304" pitchFamily="18" charset="0"/>
+                        </a:rPr>
+                        <a:t>security and consistency</a:t>
+                      </a:r>
+                      <a:endParaRPr lang="en-US" dirty="0">
+                        <a:solidFill>
+                          <a:schemeClr val="tx1"/>
+                        </a:solidFill>
+                        <a:latin typeface="Times New Roman" panose="02020603050405020304" pitchFamily="18" charset="0"/>
+                        <a:cs typeface="Times New Roman" panose="02020603050405020304" pitchFamily="18" charset="0"/>
+                      </a:endParaRPr>
+                    </a:p>
+                  </a:txBody>
+                  <a:tcPr anchor="ctr">
+                    <a:lnL w="12700" cap="flat" cmpd="sng" algn="ctr">
+                      <a:solidFill>
+                        <a:schemeClr val="tx1"/>
+                      </a:solidFill>
+                      <a:prstDash val="solid"/>
+                      <a:round/>
+                      <a:headEnd type="none" w="med" len="med"/>
+                      <a:tailEnd type="none" w="med" len="med"/>
+                    </a:lnL>
+                    <a:lnR w="12700" cap="flat" cmpd="sng" algn="ctr">
+                      <a:solidFill>
+                        <a:schemeClr val="tx1"/>
+                      </a:solidFill>
+                      <a:prstDash val="solid"/>
+                      <a:round/>
+                      <a:headEnd type="none" w="med" len="med"/>
+                      <a:tailEnd type="none" w="med" len="med"/>
+                    </a:lnR>
+                    <a:lnT w="12700" cap="flat" cmpd="sng" algn="ctr">
+                      <a:solidFill>
+                        <a:schemeClr val="tx1"/>
+                      </a:solidFill>
+                      <a:prstDash val="solid"/>
+                      <a:round/>
+                      <a:headEnd type="none" w="med" len="med"/>
+                      <a:tailEnd type="none" w="med" len="med"/>
+                    </a:lnT>
+                    <a:lnB w="12700" cap="flat" cmpd="sng" algn="ctr">
+                      <a:solidFill>
+                        <a:schemeClr val="tx1"/>
+                      </a:solidFill>
+                      <a:prstDash val="solid"/>
+                      <a:round/>
+                      <a:headEnd type="none" w="med" len="med"/>
+                      <a:tailEnd type="none" w="med" len="med"/>
+                    </a:lnB>
+                    <a:noFill/>
+                  </a:tcPr>
+                </a:tc>
+                <a:tc>
+                  <a:txBody>
+                    <a:bodyPr/>
+                    <a:lstStyle/>
+                    <a:p>
+                      <a:pPr algn="ctr"/>
+                      <a:r>
+                        <a:rPr lang="en-US" dirty="0" smtClean="0">
+                          <a:solidFill>
+                            <a:schemeClr val="tx1"/>
+                          </a:solidFill>
+                          <a:latin typeface="Times New Roman" panose="02020603050405020304" pitchFamily="18" charset="0"/>
+                          <a:cs typeface="Times New Roman" panose="02020603050405020304" pitchFamily="18" charset="0"/>
+                        </a:rPr>
                         <a:t>Platfor</a:t>
                       </a:r>
                       <a:r>
@@ -11307,7 +10029,20 @@
                           <a:latin typeface="Times New Roman" panose="02020603050405020304" pitchFamily="18" charset="0"/>
                           <a:cs typeface="Times New Roman" panose="02020603050405020304" pitchFamily="18" charset="0"/>
                         </a:rPr>
-                        <a:t>m </a:t>
+                        <a:t>m Dependent,</a:t>
+                      </a:r>
+                    </a:p>
+                    <a:p>
+                      <a:pPr algn="ctr"/>
+                      <a:r>
+                        <a:rPr lang="en-US" dirty="0" smtClean="0">
+                          <a:solidFill>
+                            <a:schemeClr val="tx1"/>
+                          </a:solidFill>
+                          <a:latin typeface="Times New Roman" panose="02020603050405020304" pitchFamily="18" charset="0"/>
+                          <a:cs typeface="Times New Roman" panose="02020603050405020304" pitchFamily="18" charset="0"/>
+                        </a:rPr>
+                        <a:t>Process</a:t>
                       </a:r>
                       <a:r>
                         <a:rPr lang="en-US" baseline="0" dirty="0" smtClean="0">
@@ -11317,9 +10052,9 @@
                           <a:latin typeface="Times New Roman" panose="02020603050405020304" pitchFamily="18" charset="0"/>
                           <a:cs typeface="Times New Roman" panose="02020603050405020304" pitchFamily="18" charset="0"/>
                         </a:rPr>
-                        <a:t>Dependent</a:t>
-                      </a:r>
-                      <a:endParaRPr lang="en-US" baseline="0" dirty="0" smtClean="0">
+                        <a:t> complexity</a:t>
+                      </a:r>
+                      <a:endParaRPr lang="en-US" dirty="0">
                         <a:solidFill>
                           <a:schemeClr val="tx1"/>
                         </a:solidFill>
@@ -11381,7 +10116,7 @@
     </p:spTree>
     <p:extLst>
       <p:ext uri="{BB962C8B-B14F-4D97-AF65-F5344CB8AC3E}">
-        <p14:creationId xmlns:p14="http://schemas.microsoft.com/office/powerpoint/2010/main" val="3721279031"/>
+        <p14:creationId xmlns:p14="http://schemas.microsoft.com/office/powerpoint/2010/main" val="1448896768"/>
       </p:ext>
     </p:extLst>
   </p:cSld>
@@ -11389,7 +10124,1576 @@
     <a:masterClrMapping/>
   </p:clrMapOvr>
   <p:transition spd="slow">
-    <p:wipe/>
+    <p:push dir="u"/>
+  </p:transition>
+  <p:timing>
+    <p:tnLst>
+      <p:par>
+        <p:cTn id="1" dur="indefinite" restart="never" nodeType="tmRoot"/>
+      </p:par>
+    </p:tnLst>
+  </p:timing>
+</p:sld>
+</file>
+
+<file path=ppt/slides/slide6.xml><?xml version="1.0" encoding="utf-8"?>
+<p:sld xmlns:a="http://schemas.openxmlformats.org/drawingml/2006/main" xmlns:r="http://schemas.openxmlformats.org/officeDocument/2006/relationships" xmlns:p="http://schemas.openxmlformats.org/presentationml/2006/main">
+  <p:cSld>
+    <p:spTree>
+      <p:nvGrpSpPr>
+        <p:cNvPr id="1" name=""/>
+        <p:cNvGrpSpPr/>
+        <p:nvPr/>
+      </p:nvGrpSpPr>
+      <p:grpSpPr>
+        <a:xfrm>
+          <a:off x="0" y="0"/>
+          <a:ext cx="0" cy="0"/>
+          <a:chOff x="0" y="0"/>
+          <a:chExt cx="0" cy="0"/>
+        </a:xfrm>
+      </p:grpSpPr>
+      <p:sp>
+        <p:nvSpPr>
+          <p:cNvPr id="2" name="Title 1"/>
+          <p:cNvSpPr>
+            <a:spLocks noGrp="1"/>
+          </p:cNvSpPr>
+          <p:nvPr>
+            <p:ph type="title"/>
+          </p:nvPr>
+        </p:nvSpPr>
+        <p:spPr>
+          <a:xfrm>
+            <a:off x="609600" y="153091"/>
+            <a:ext cx="10972800" cy="673812"/>
+          </a:xfrm>
+        </p:spPr>
+        <p:txBody>
+          <a:bodyPr>
+            <a:normAutofit/>
+          </a:bodyPr>
+          <a:lstStyle/>
+          <a:p>
+            <a:r>
+              <a:rPr lang="en-US" sz="3600" b="1" dirty="0" smtClean="0">
+                <a:latin typeface="Times New Roman" panose="02020603050405020304" pitchFamily="18" charset="0"/>
+                <a:cs typeface="Times New Roman" panose="02020603050405020304" pitchFamily="18" charset="0"/>
+              </a:rPr>
+              <a:t>LITERATURE SURVEY</a:t>
+            </a:r>
+            <a:endParaRPr lang="en-US" sz="3600" b="1" dirty="0">
+              <a:latin typeface="Times New Roman" pitchFamily="18" charset="0"/>
+            </a:endParaRPr>
+          </a:p>
+        </p:txBody>
+      </p:sp>
+      <p:graphicFrame>
+        <p:nvGraphicFramePr>
+          <p:cNvPr id="3" name="Table 2"/>
+          <p:cNvGraphicFramePr>
+            <a:graphicFrameLocks noGrp="1"/>
+          </p:cNvGraphicFramePr>
+          <p:nvPr>
+            <p:extLst/>
+          </p:nvPr>
+        </p:nvGraphicFramePr>
+        <p:xfrm>
+          <a:off x="609600" y="817671"/>
+          <a:ext cx="10972800" cy="5638589"/>
+        </p:xfrm>
+        <a:graphic>
+          <a:graphicData uri="http://schemas.openxmlformats.org/drawingml/2006/table">
+            <a:tbl>
+              <a:tblPr firstRow="1" bandRow="1">
+                <a:tableStyleId>{5C22544A-7EE6-4342-B048-85BDC9FD1C3A}</a:tableStyleId>
+              </a:tblPr>
+              <a:tblGrid>
+                <a:gridCol w="960582">
+                  <a:extLst>
+                    <a:ext uri="{9D8B030D-6E8A-4147-A177-3AD203B41FA5}">
+                      <a16:colId xmlns:a16="http://schemas.microsoft.com/office/drawing/2014/main" val="650890123"/>
+                    </a:ext>
+                  </a:extLst>
+                </a:gridCol>
+                <a:gridCol w="2068945">
+                  <a:extLst>
+                    <a:ext uri="{9D8B030D-6E8A-4147-A177-3AD203B41FA5}">
+                      <a16:colId xmlns:a16="http://schemas.microsoft.com/office/drawing/2014/main" val="3364458840"/>
+                    </a:ext>
+                  </a:extLst>
+                </a:gridCol>
+                <a:gridCol w="3241964">
+                  <a:extLst>
+                    <a:ext uri="{9D8B030D-6E8A-4147-A177-3AD203B41FA5}">
+                      <a16:colId xmlns:a16="http://schemas.microsoft.com/office/drawing/2014/main" val="1934009595"/>
+                    </a:ext>
+                  </a:extLst>
+                </a:gridCol>
+                <a:gridCol w="1542473">
+                  <a:extLst>
+                    <a:ext uri="{9D8B030D-6E8A-4147-A177-3AD203B41FA5}">
+                      <a16:colId xmlns:a16="http://schemas.microsoft.com/office/drawing/2014/main" val="2106811707"/>
+                    </a:ext>
+                  </a:extLst>
+                </a:gridCol>
+                <a:gridCol w="1520536">
+                  <a:extLst>
+                    <a:ext uri="{9D8B030D-6E8A-4147-A177-3AD203B41FA5}">
+                      <a16:colId xmlns:a16="http://schemas.microsoft.com/office/drawing/2014/main" val="4161205106"/>
+                    </a:ext>
+                  </a:extLst>
+                </a:gridCol>
+                <a:gridCol w="1638300">
+                  <a:extLst>
+                    <a:ext uri="{9D8B030D-6E8A-4147-A177-3AD203B41FA5}">
+                      <a16:colId xmlns:a16="http://schemas.microsoft.com/office/drawing/2014/main" val="2191810521"/>
+                    </a:ext>
+                  </a:extLst>
+                </a:gridCol>
+              </a:tblGrid>
+              <a:tr h="716718">
+                <a:tc>
+                  <a:txBody>
+                    <a:bodyPr/>
+                    <a:lstStyle/>
+                    <a:p>
+                      <a:pPr algn="ctr"/>
+                      <a:r>
+                        <a:rPr lang="en-US" dirty="0" smtClean="0">
+                          <a:solidFill>
+                            <a:schemeClr val="tx1"/>
+                          </a:solidFill>
+                          <a:latin typeface="Times New Roman" panose="02020603050405020304" pitchFamily="18" charset="0"/>
+                          <a:cs typeface="Times New Roman" panose="02020603050405020304" pitchFamily="18" charset="0"/>
+                        </a:rPr>
+                        <a:t>Serial No:</a:t>
+                      </a:r>
+                      <a:endParaRPr lang="en-US" dirty="0">
+                        <a:solidFill>
+                          <a:schemeClr val="tx1"/>
+                        </a:solidFill>
+                        <a:latin typeface="Times New Roman" panose="02020603050405020304" pitchFamily="18" charset="0"/>
+                        <a:cs typeface="Times New Roman" panose="02020603050405020304" pitchFamily="18" charset="0"/>
+                      </a:endParaRPr>
+                    </a:p>
+                  </a:txBody>
+                  <a:tcPr anchor="ctr">
+                    <a:lnL w="12700" cap="flat" cmpd="sng" algn="ctr">
+                      <a:solidFill>
+                        <a:schemeClr val="tx1"/>
+                      </a:solidFill>
+                      <a:prstDash val="solid"/>
+                      <a:round/>
+                      <a:headEnd type="none" w="med" len="med"/>
+                      <a:tailEnd type="none" w="med" len="med"/>
+                    </a:lnL>
+                    <a:lnR w="12700" cap="flat" cmpd="sng" algn="ctr">
+                      <a:solidFill>
+                        <a:schemeClr val="tx1"/>
+                      </a:solidFill>
+                      <a:prstDash val="solid"/>
+                      <a:round/>
+                      <a:headEnd type="none" w="med" len="med"/>
+                      <a:tailEnd type="none" w="med" len="med"/>
+                    </a:lnR>
+                    <a:lnT w="12700" cap="flat" cmpd="sng" algn="ctr">
+                      <a:solidFill>
+                        <a:schemeClr val="tx1"/>
+                      </a:solidFill>
+                      <a:prstDash val="solid"/>
+                      <a:round/>
+                      <a:headEnd type="none" w="med" len="med"/>
+                      <a:tailEnd type="none" w="med" len="med"/>
+                    </a:lnT>
+                    <a:lnB w="12700" cap="flat" cmpd="sng" algn="ctr">
+                      <a:solidFill>
+                        <a:schemeClr val="tx1"/>
+                      </a:solidFill>
+                      <a:prstDash val="solid"/>
+                      <a:round/>
+                      <a:headEnd type="none" w="med" len="med"/>
+                      <a:tailEnd type="none" w="med" len="med"/>
+                    </a:lnB>
+                    <a:solidFill>
+                      <a:schemeClr val="bg1">
+                        <a:lumMod val="75000"/>
+                      </a:schemeClr>
+                    </a:solidFill>
+                  </a:tcPr>
+                </a:tc>
+                <a:tc>
+                  <a:txBody>
+                    <a:bodyPr/>
+                    <a:lstStyle/>
+                    <a:p>
+                      <a:pPr algn="ctr"/>
+                      <a:r>
+                        <a:rPr lang="en-US" dirty="0" smtClean="0">
+                          <a:solidFill>
+                            <a:schemeClr val="tx1"/>
+                          </a:solidFill>
+                          <a:latin typeface="Times New Roman" panose="02020603050405020304" pitchFamily="18" charset="0"/>
+                          <a:cs typeface="Times New Roman" panose="02020603050405020304" pitchFamily="18" charset="0"/>
+                        </a:rPr>
+                        <a:t>Author</a:t>
+                      </a:r>
+                      <a:r>
+                        <a:rPr lang="en-US" baseline="0" dirty="0" smtClean="0">
+                          <a:solidFill>
+                            <a:schemeClr val="tx1"/>
+                          </a:solidFill>
+                          <a:latin typeface="Times New Roman" panose="02020603050405020304" pitchFamily="18" charset="0"/>
+                          <a:cs typeface="Times New Roman" panose="02020603050405020304" pitchFamily="18" charset="0"/>
+                        </a:rPr>
+                        <a:t> name, Title and date</a:t>
+                      </a:r>
+                      <a:endParaRPr lang="en-US" dirty="0">
+                        <a:solidFill>
+                          <a:schemeClr val="tx1"/>
+                        </a:solidFill>
+                        <a:latin typeface="Times New Roman" panose="02020603050405020304" pitchFamily="18" charset="0"/>
+                        <a:cs typeface="Times New Roman" panose="02020603050405020304" pitchFamily="18" charset="0"/>
+                      </a:endParaRPr>
+                    </a:p>
+                  </a:txBody>
+                  <a:tcPr anchor="ctr">
+                    <a:lnL w="12700" cap="flat" cmpd="sng" algn="ctr">
+                      <a:solidFill>
+                        <a:schemeClr val="tx1"/>
+                      </a:solidFill>
+                      <a:prstDash val="solid"/>
+                      <a:round/>
+                      <a:headEnd type="none" w="med" len="med"/>
+                      <a:tailEnd type="none" w="med" len="med"/>
+                    </a:lnL>
+                    <a:lnR w="12700" cap="flat" cmpd="sng" algn="ctr">
+                      <a:solidFill>
+                        <a:schemeClr val="tx1"/>
+                      </a:solidFill>
+                      <a:prstDash val="solid"/>
+                      <a:round/>
+                      <a:headEnd type="none" w="med" len="med"/>
+                      <a:tailEnd type="none" w="med" len="med"/>
+                    </a:lnR>
+                    <a:lnT w="12700" cap="flat" cmpd="sng" algn="ctr">
+                      <a:solidFill>
+                        <a:schemeClr val="tx1"/>
+                      </a:solidFill>
+                      <a:prstDash val="solid"/>
+                      <a:round/>
+                      <a:headEnd type="none" w="med" len="med"/>
+                      <a:tailEnd type="none" w="med" len="med"/>
+                    </a:lnT>
+                    <a:lnB w="12700" cap="flat" cmpd="sng" algn="ctr">
+                      <a:solidFill>
+                        <a:schemeClr val="tx1"/>
+                      </a:solidFill>
+                      <a:prstDash val="solid"/>
+                      <a:round/>
+                      <a:headEnd type="none" w="med" len="med"/>
+                      <a:tailEnd type="none" w="med" len="med"/>
+                    </a:lnB>
+                    <a:solidFill>
+                      <a:schemeClr val="bg1">
+                        <a:lumMod val="75000"/>
+                      </a:schemeClr>
+                    </a:solidFill>
+                  </a:tcPr>
+                </a:tc>
+                <a:tc>
+                  <a:txBody>
+                    <a:bodyPr/>
+                    <a:lstStyle/>
+                    <a:p>
+                      <a:pPr algn="ctr"/>
+                      <a:r>
+                        <a:rPr lang="en-US" dirty="0" smtClean="0">
+                          <a:solidFill>
+                            <a:schemeClr val="tx1"/>
+                          </a:solidFill>
+                          <a:latin typeface="Times New Roman" panose="02020603050405020304" pitchFamily="18" charset="0"/>
+                          <a:cs typeface="Times New Roman" panose="02020603050405020304" pitchFamily="18" charset="0"/>
+                        </a:rPr>
+                        <a:t>Concept</a:t>
+                      </a:r>
+                      <a:endParaRPr lang="en-US" dirty="0">
+                        <a:solidFill>
+                          <a:schemeClr val="tx1"/>
+                        </a:solidFill>
+                        <a:latin typeface="Times New Roman" panose="02020603050405020304" pitchFamily="18" charset="0"/>
+                        <a:cs typeface="Times New Roman" panose="02020603050405020304" pitchFamily="18" charset="0"/>
+                      </a:endParaRPr>
+                    </a:p>
+                  </a:txBody>
+                  <a:tcPr anchor="ctr">
+                    <a:lnL w="12700" cap="flat" cmpd="sng" algn="ctr">
+                      <a:solidFill>
+                        <a:schemeClr val="tx1"/>
+                      </a:solidFill>
+                      <a:prstDash val="solid"/>
+                      <a:round/>
+                      <a:headEnd type="none" w="med" len="med"/>
+                      <a:tailEnd type="none" w="med" len="med"/>
+                    </a:lnL>
+                    <a:lnR w="12700" cap="flat" cmpd="sng" algn="ctr">
+                      <a:solidFill>
+                        <a:schemeClr val="tx1"/>
+                      </a:solidFill>
+                      <a:prstDash val="solid"/>
+                      <a:round/>
+                      <a:headEnd type="none" w="med" len="med"/>
+                      <a:tailEnd type="none" w="med" len="med"/>
+                    </a:lnR>
+                    <a:lnT w="12700" cap="flat" cmpd="sng" algn="ctr">
+                      <a:solidFill>
+                        <a:schemeClr val="tx1"/>
+                      </a:solidFill>
+                      <a:prstDash val="solid"/>
+                      <a:round/>
+                      <a:headEnd type="none" w="med" len="med"/>
+                      <a:tailEnd type="none" w="med" len="med"/>
+                    </a:lnT>
+                    <a:lnB w="12700" cap="flat" cmpd="sng" algn="ctr">
+                      <a:solidFill>
+                        <a:schemeClr val="tx1"/>
+                      </a:solidFill>
+                      <a:prstDash val="solid"/>
+                      <a:round/>
+                      <a:headEnd type="none" w="med" len="med"/>
+                      <a:tailEnd type="none" w="med" len="med"/>
+                    </a:lnB>
+                    <a:solidFill>
+                      <a:schemeClr val="bg1">
+                        <a:lumMod val="75000"/>
+                      </a:schemeClr>
+                    </a:solidFill>
+                  </a:tcPr>
+                </a:tc>
+                <a:tc>
+                  <a:txBody>
+                    <a:bodyPr/>
+                    <a:lstStyle/>
+                    <a:p>
+                      <a:pPr algn="ctr"/>
+                      <a:r>
+                        <a:rPr lang="en-US" dirty="0" smtClean="0">
+                          <a:solidFill>
+                            <a:schemeClr val="tx1"/>
+                          </a:solidFill>
+                          <a:latin typeface="Times New Roman" panose="02020603050405020304" pitchFamily="18" charset="0"/>
+                          <a:cs typeface="Times New Roman" panose="02020603050405020304" pitchFamily="18" charset="0"/>
+                        </a:rPr>
+                        <a:t>Technique (Algorithm)</a:t>
+                      </a:r>
+                      <a:endParaRPr lang="en-US" dirty="0">
+                        <a:solidFill>
+                          <a:schemeClr val="tx1"/>
+                        </a:solidFill>
+                        <a:latin typeface="Times New Roman" panose="02020603050405020304" pitchFamily="18" charset="0"/>
+                        <a:cs typeface="Times New Roman" panose="02020603050405020304" pitchFamily="18" charset="0"/>
+                      </a:endParaRPr>
+                    </a:p>
+                  </a:txBody>
+                  <a:tcPr anchor="ctr">
+                    <a:lnL w="12700" cap="flat" cmpd="sng" algn="ctr">
+                      <a:solidFill>
+                        <a:schemeClr val="tx1"/>
+                      </a:solidFill>
+                      <a:prstDash val="solid"/>
+                      <a:round/>
+                      <a:headEnd type="none" w="med" len="med"/>
+                      <a:tailEnd type="none" w="med" len="med"/>
+                    </a:lnL>
+                    <a:lnR w="12700" cap="flat" cmpd="sng" algn="ctr">
+                      <a:solidFill>
+                        <a:schemeClr val="tx1"/>
+                      </a:solidFill>
+                      <a:prstDash val="solid"/>
+                      <a:round/>
+                      <a:headEnd type="none" w="med" len="med"/>
+                      <a:tailEnd type="none" w="med" len="med"/>
+                    </a:lnR>
+                    <a:lnT w="12700" cap="flat" cmpd="sng" algn="ctr">
+                      <a:solidFill>
+                        <a:schemeClr val="tx1"/>
+                      </a:solidFill>
+                      <a:prstDash val="solid"/>
+                      <a:round/>
+                      <a:headEnd type="none" w="med" len="med"/>
+                      <a:tailEnd type="none" w="med" len="med"/>
+                    </a:lnT>
+                    <a:lnB w="12700" cap="flat" cmpd="sng" algn="ctr">
+                      <a:solidFill>
+                        <a:schemeClr val="tx1"/>
+                      </a:solidFill>
+                      <a:prstDash val="solid"/>
+                      <a:round/>
+                      <a:headEnd type="none" w="med" len="med"/>
+                      <a:tailEnd type="none" w="med" len="med"/>
+                    </a:lnB>
+                    <a:solidFill>
+                      <a:schemeClr val="bg1">
+                        <a:lumMod val="75000"/>
+                      </a:schemeClr>
+                    </a:solidFill>
+                  </a:tcPr>
+                </a:tc>
+                <a:tc>
+                  <a:txBody>
+                    <a:bodyPr/>
+                    <a:lstStyle/>
+                    <a:p>
+                      <a:pPr algn="ctr"/>
+                      <a:r>
+                        <a:rPr lang="en-US" dirty="0" smtClean="0">
+                          <a:solidFill>
+                            <a:schemeClr val="tx1"/>
+                          </a:solidFill>
+                          <a:latin typeface="Times New Roman" panose="02020603050405020304" pitchFamily="18" charset="0"/>
+                          <a:cs typeface="Times New Roman" panose="02020603050405020304" pitchFamily="18" charset="0"/>
+                        </a:rPr>
+                        <a:t>Advantages</a:t>
+                      </a:r>
+                      <a:endParaRPr lang="en-US" dirty="0">
+                        <a:solidFill>
+                          <a:schemeClr val="tx1"/>
+                        </a:solidFill>
+                        <a:latin typeface="Times New Roman" panose="02020603050405020304" pitchFamily="18" charset="0"/>
+                        <a:cs typeface="Times New Roman" panose="02020603050405020304" pitchFamily="18" charset="0"/>
+                      </a:endParaRPr>
+                    </a:p>
+                  </a:txBody>
+                  <a:tcPr anchor="ctr">
+                    <a:lnL w="12700" cap="flat" cmpd="sng" algn="ctr">
+                      <a:solidFill>
+                        <a:schemeClr val="tx1"/>
+                      </a:solidFill>
+                      <a:prstDash val="solid"/>
+                      <a:round/>
+                      <a:headEnd type="none" w="med" len="med"/>
+                      <a:tailEnd type="none" w="med" len="med"/>
+                    </a:lnL>
+                    <a:lnR w="12700" cap="flat" cmpd="sng" algn="ctr">
+                      <a:solidFill>
+                        <a:schemeClr val="tx1"/>
+                      </a:solidFill>
+                      <a:prstDash val="solid"/>
+                      <a:round/>
+                      <a:headEnd type="none" w="med" len="med"/>
+                      <a:tailEnd type="none" w="med" len="med"/>
+                    </a:lnR>
+                    <a:lnT w="12700" cap="flat" cmpd="sng" algn="ctr">
+                      <a:solidFill>
+                        <a:schemeClr val="tx1"/>
+                      </a:solidFill>
+                      <a:prstDash val="solid"/>
+                      <a:round/>
+                      <a:headEnd type="none" w="med" len="med"/>
+                      <a:tailEnd type="none" w="med" len="med"/>
+                    </a:lnT>
+                    <a:lnB w="12700" cap="flat" cmpd="sng" algn="ctr">
+                      <a:solidFill>
+                        <a:schemeClr val="tx1"/>
+                      </a:solidFill>
+                      <a:prstDash val="solid"/>
+                      <a:round/>
+                      <a:headEnd type="none" w="med" len="med"/>
+                      <a:tailEnd type="none" w="med" len="med"/>
+                    </a:lnB>
+                    <a:solidFill>
+                      <a:schemeClr val="bg1">
+                        <a:lumMod val="75000"/>
+                      </a:schemeClr>
+                    </a:solidFill>
+                  </a:tcPr>
+                </a:tc>
+                <a:tc>
+                  <a:txBody>
+                    <a:bodyPr/>
+                    <a:lstStyle/>
+                    <a:p>
+                      <a:pPr algn="ctr"/>
+                      <a:r>
+                        <a:rPr lang="en-US" dirty="0" smtClean="0">
+                          <a:solidFill>
+                            <a:schemeClr val="tx1"/>
+                          </a:solidFill>
+                          <a:latin typeface="Times New Roman" panose="02020603050405020304" pitchFamily="18" charset="0"/>
+                          <a:cs typeface="Times New Roman" panose="02020603050405020304" pitchFamily="18" charset="0"/>
+                        </a:rPr>
+                        <a:t>Disadvantages</a:t>
+                      </a:r>
+                      <a:endParaRPr lang="en-US" dirty="0">
+                        <a:solidFill>
+                          <a:schemeClr val="tx1"/>
+                        </a:solidFill>
+                        <a:latin typeface="Times New Roman" panose="02020603050405020304" pitchFamily="18" charset="0"/>
+                        <a:cs typeface="Times New Roman" panose="02020603050405020304" pitchFamily="18" charset="0"/>
+                      </a:endParaRPr>
+                    </a:p>
+                  </a:txBody>
+                  <a:tcPr anchor="ctr">
+                    <a:lnL w="12700" cap="flat" cmpd="sng" algn="ctr">
+                      <a:solidFill>
+                        <a:schemeClr val="tx1"/>
+                      </a:solidFill>
+                      <a:prstDash val="solid"/>
+                      <a:round/>
+                      <a:headEnd type="none" w="med" len="med"/>
+                      <a:tailEnd type="none" w="med" len="med"/>
+                    </a:lnL>
+                    <a:lnR w="12700" cap="flat" cmpd="sng" algn="ctr">
+                      <a:solidFill>
+                        <a:schemeClr val="tx1"/>
+                      </a:solidFill>
+                      <a:prstDash val="solid"/>
+                      <a:round/>
+                      <a:headEnd type="none" w="med" len="med"/>
+                      <a:tailEnd type="none" w="med" len="med"/>
+                    </a:lnR>
+                    <a:lnT w="12700" cap="flat" cmpd="sng" algn="ctr">
+                      <a:solidFill>
+                        <a:schemeClr val="tx1"/>
+                      </a:solidFill>
+                      <a:prstDash val="solid"/>
+                      <a:round/>
+                      <a:headEnd type="none" w="med" len="med"/>
+                      <a:tailEnd type="none" w="med" len="med"/>
+                    </a:lnT>
+                    <a:lnB w="12700" cap="flat" cmpd="sng" algn="ctr">
+                      <a:solidFill>
+                        <a:schemeClr val="tx1"/>
+                      </a:solidFill>
+                      <a:prstDash val="solid"/>
+                      <a:round/>
+                      <a:headEnd type="none" w="med" len="med"/>
+                      <a:tailEnd type="none" w="med" len="med"/>
+                    </a:lnB>
+                    <a:solidFill>
+                      <a:schemeClr val="bg1">
+                        <a:lumMod val="75000"/>
+                      </a:schemeClr>
+                    </a:solidFill>
+                  </a:tcPr>
+                </a:tc>
+                <a:extLst>
+                  <a:ext uri="{0D108BD9-81ED-4DB2-BD59-A6C34878D82A}">
+                    <a16:rowId xmlns:a16="http://schemas.microsoft.com/office/drawing/2014/main" val="907547670"/>
+                  </a:ext>
+                </a:extLst>
+              </a:tr>
+              <a:tr h="1870618">
+                <a:tc>
+                  <a:txBody>
+                    <a:bodyPr/>
+                    <a:lstStyle/>
+                    <a:p>
+                      <a:pPr algn="ctr"/>
+                      <a:r>
+                        <a:rPr lang="en-US" dirty="0" smtClean="0">
+                          <a:solidFill>
+                            <a:schemeClr val="tx1"/>
+                          </a:solidFill>
+                          <a:latin typeface="Times New Roman" panose="02020603050405020304" pitchFamily="18" charset="0"/>
+                          <a:cs typeface="Times New Roman" panose="02020603050405020304" pitchFamily="18" charset="0"/>
+                        </a:rPr>
+                        <a:t>9</a:t>
+                      </a:r>
+                      <a:endParaRPr lang="en-US" dirty="0">
+                        <a:solidFill>
+                          <a:schemeClr val="tx1"/>
+                        </a:solidFill>
+                        <a:latin typeface="Times New Roman" panose="02020603050405020304" pitchFamily="18" charset="0"/>
+                        <a:cs typeface="Times New Roman" panose="02020603050405020304" pitchFamily="18" charset="0"/>
+                      </a:endParaRPr>
+                    </a:p>
+                  </a:txBody>
+                  <a:tcPr anchor="ctr">
+                    <a:lnL w="12700" cap="flat" cmpd="sng" algn="ctr">
+                      <a:solidFill>
+                        <a:schemeClr val="tx1"/>
+                      </a:solidFill>
+                      <a:prstDash val="solid"/>
+                      <a:round/>
+                      <a:headEnd type="none" w="med" len="med"/>
+                      <a:tailEnd type="none" w="med" len="med"/>
+                    </a:lnL>
+                    <a:lnR w="12700" cap="flat" cmpd="sng" algn="ctr">
+                      <a:solidFill>
+                        <a:schemeClr val="tx1"/>
+                      </a:solidFill>
+                      <a:prstDash val="solid"/>
+                      <a:round/>
+                      <a:headEnd type="none" w="med" len="med"/>
+                      <a:tailEnd type="none" w="med" len="med"/>
+                    </a:lnR>
+                    <a:lnT w="12700" cap="flat" cmpd="sng" algn="ctr">
+                      <a:solidFill>
+                        <a:schemeClr val="tx1"/>
+                      </a:solidFill>
+                      <a:prstDash val="solid"/>
+                      <a:round/>
+                      <a:headEnd type="none" w="med" len="med"/>
+                      <a:tailEnd type="none" w="med" len="med"/>
+                    </a:lnT>
+                    <a:lnB w="12700" cap="flat" cmpd="sng" algn="ctr">
+                      <a:solidFill>
+                        <a:schemeClr val="tx1"/>
+                      </a:solidFill>
+                      <a:prstDash val="solid"/>
+                      <a:round/>
+                      <a:headEnd type="none" w="med" len="med"/>
+                      <a:tailEnd type="none" w="med" len="med"/>
+                    </a:lnB>
+                    <a:noFill/>
+                  </a:tcPr>
+                </a:tc>
+                <a:tc>
+                  <a:txBody>
+                    <a:bodyPr/>
+                    <a:lstStyle/>
+                    <a:p>
+                      <a:pPr marL="0" marR="0" lvl="0" indent="0" algn="ctr" defTabSz="914400" rtl="0" eaLnBrk="1" fontAlgn="auto" latinLnBrk="0" hangingPunct="1">
+                        <a:lnSpc>
+                          <a:spcPct val="100000"/>
+                        </a:lnSpc>
+                        <a:spcBef>
+                          <a:spcPts val="0"/>
+                        </a:spcBef>
+                        <a:spcAft>
+                          <a:spcPts val="0"/>
+                        </a:spcAft>
+                        <a:buClrTx/>
+                        <a:buSzTx/>
+                        <a:buFontTx/>
+                        <a:buNone/>
+                        <a:tabLst/>
+                        <a:defRPr/>
+                      </a:pPr>
+                      <a:r>
+                        <a:rPr lang="en-IN" sz="1800" dirty="0" smtClean="0">
+                          <a:latin typeface="Times New Roman" panose="02020603050405020304" pitchFamily="18" charset="0"/>
+                          <a:cs typeface="Times New Roman" panose="02020603050405020304" pitchFamily="18" charset="0"/>
+                        </a:rPr>
+                        <a:t>Li Gong, Gary Ellison, Mary </a:t>
+                      </a:r>
+                      <a:r>
+                        <a:rPr lang="en-IN" sz="1800" dirty="0" err="1" smtClean="0">
+                          <a:latin typeface="Times New Roman" panose="02020603050405020304" pitchFamily="18" charset="0"/>
+                          <a:cs typeface="Times New Roman" panose="02020603050405020304" pitchFamily="18" charset="0"/>
+                        </a:rPr>
+                        <a:t>Dageforde</a:t>
+                      </a:r>
+                      <a:r>
+                        <a:rPr lang="en-IN" sz="1800" dirty="0" smtClean="0">
+                          <a:latin typeface="Times New Roman" panose="02020603050405020304" pitchFamily="18" charset="0"/>
+                          <a:cs typeface="Times New Roman" panose="02020603050405020304" pitchFamily="18" charset="0"/>
+                        </a:rPr>
+                        <a:t> </a:t>
+                      </a:r>
+                    </a:p>
+                    <a:p>
+                      <a:pPr marL="0" marR="0" lvl="0" indent="0" algn="ctr" defTabSz="914400" rtl="0" eaLnBrk="1" fontAlgn="auto" latinLnBrk="0" hangingPunct="1">
+                        <a:lnSpc>
+                          <a:spcPct val="100000"/>
+                        </a:lnSpc>
+                        <a:spcBef>
+                          <a:spcPts val="0"/>
+                        </a:spcBef>
+                        <a:spcAft>
+                          <a:spcPts val="0"/>
+                        </a:spcAft>
+                        <a:buClrTx/>
+                        <a:buSzTx/>
+                        <a:buFontTx/>
+                        <a:buNone/>
+                        <a:tabLst/>
+                        <a:defRPr/>
+                      </a:pPr>
+                      <a:endParaRPr lang="en-US" sz="1800" dirty="0" smtClean="0">
+                        <a:latin typeface="Times New Roman" panose="02020603050405020304" pitchFamily="18" charset="0"/>
+                        <a:cs typeface="Times New Roman" panose="02020603050405020304" pitchFamily="18" charset="0"/>
+                      </a:endParaRPr>
+                    </a:p>
+                    <a:p>
+                      <a:pPr marL="0" marR="0" lvl="0" indent="0" algn="ctr" defTabSz="914400" rtl="0" eaLnBrk="1" fontAlgn="auto" latinLnBrk="0" hangingPunct="1">
+                        <a:lnSpc>
+                          <a:spcPct val="100000"/>
+                        </a:lnSpc>
+                        <a:spcBef>
+                          <a:spcPts val="0"/>
+                        </a:spcBef>
+                        <a:spcAft>
+                          <a:spcPts val="0"/>
+                        </a:spcAft>
+                        <a:buClrTx/>
+                        <a:buSzTx/>
+                        <a:buFontTx/>
+                        <a:buNone/>
+                        <a:tabLst/>
+                        <a:defRPr/>
+                      </a:pPr>
+                      <a:r>
+                        <a:rPr lang="en-US" sz="1800" dirty="0" smtClean="0">
+                          <a:latin typeface="Times New Roman" panose="02020603050405020304" pitchFamily="18" charset="0"/>
+                          <a:cs typeface="Times New Roman" panose="02020603050405020304" pitchFamily="18" charset="0"/>
+                        </a:rPr>
+                        <a:t>Developing of Middleware and Cross Platform Chat Application</a:t>
+                      </a:r>
+                    </a:p>
+                  </a:txBody>
+                  <a:tcPr anchor="ctr">
+                    <a:lnL w="12700" cap="flat" cmpd="sng" algn="ctr">
+                      <a:solidFill>
+                        <a:schemeClr val="tx1"/>
+                      </a:solidFill>
+                      <a:prstDash val="solid"/>
+                      <a:round/>
+                      <a:headEnd type="none" w="med" len="med"/>
+                      <a:tailEnd type="none" w="med" len="med"/>
+                    </a:lnL>
+                    <a:lnR w="12700" cap="flat" cmpd="sng" algn="ctr">
+                      <a:solidFill>
+                        <a:schemeClr val="tx1"/>
+                      </a:solidFill>
+                      <a:prstDash val="solid"/>
+                      <a:round/>
+                      <a:headEnd type="none" w="med" len="med"/>
+                      <a:tailEnd type="none" w="med" len="med"/>
+                    </a:lnR>
+                    <a:lnT w="12700" cap="flat" cmpd="sng" algn="ctr">
+                      <a:solidFill>
+                        <a:schemeClr val="tx1"/>
+                      </a:solidFill>
+                      <a:prstDash val="solid"/>
+                      <a:round/>
+                      <a:headEnd type="none" w="med" len="med"/>
+                      <a:tailEnd type="none" w="med" len="med"/>
+                    </a:lnT>
+                    <a:lnB w="12700" cap="flat" cmpd="sng" algn="ctr">
+                      <a:solidFill>
+                        <a:schemeClr val="tx1"/>
+                      </a:solidFill>
+                      <a:prstDash val="solid"/>
+                      <a:round/>
+                      <a:headEnd type="none" w="med" len="med"/>
+                      <a:tailEnd type="none" w="med" len="med"/>
+                    </a:lnB>
+                    <a:noFill/>
+                  </a:tcPr>
+                </a:tc>
+                <a:tc>
+                  <a:txBody>
+                    <a:bodyPr/>
+                    <a:lstStyle/>
+                    <a:p>
+                      <a:pPr algn="ctr"/>
+                      <a:r>
+                        <a:rPr lang="en-US" dirty="0" smtClean="0">
+                          <a:latin typeface="Times New Roman" panose="02020603050405020304" pitchFamily="18" charset="0"/>
+                          <a:cs typeface="Times New Roman" panose="02020603050405020304" pitchFamily="18" charset="0"/>
+                        </a:rPr>
+                        <a:t>The aims to develop a chat application which serves as a middleware </a:t>
+                      </a:r>
+                    </a:p>
+                    <a:p>
+                      <a:pPr algn="ctr"/>
+                      <a:r>
+                        <a:rPr lang="en-US" dirty="0" smtClean="0">
+                          <a:latin typeface="Times New Roman" panose="02020603050405020304" pitchFamily="18" charset="0"/>
+                          <a:cs typeface="Times New Roman" panose="02020603050405020304" pitchFamily="18" charset="0"/>
+                        </a:rPr>
+                        <a:t>to make communication between developed chat application and </a:t>
+                      </a:r>
+                    </a:p>
+                    <a:p>
+                      <a:pPr algn="ctr"/>
+                      <a:r>
+                        <a:rPr lang="en-US" dirty="0" smtClean="0">
+                          <a:latin typeface="Times New Roman" panose="02020603050405020304" pitchFamily="18" charset="0"/>
+                          <a:cs typeface="Times New Roman" panose="02020603050405020304" pitchFamily="18" charset="0"/>
+                        </a:rPr>
+                        <a:t>two conventional chat applications </a:t>
+                      </a:r>
+                      <a:endParaRPr lang="en-US" dirty="0">
+                        <a:solidFill>
+                          <a:schemeClr val="tx1"/>
+                        </a:solidFill>
+                        <a:latin typeface="Times New Roman" panose="02020603050405020304" pitchFamily="18" charset="0"/>
+                        <a:cs typeface="Times New Roman" panose="02020603050405020304" pitchFamily="18" charset="0"/>
+                      </a:endParaRPr>
+                    </a:p>
+                  </a:txBody>
+                  <a:tcPr anchor="ctr">
+                    <a:lnL w="12700" cap="flat" cmpd="sng" algn="ctr">
+                      <a:solidFill>
+                        <a:schemeClr val="tx1"/>
+                      </a:solidFill>
+                      <a:prstDash val="solid"/>
+                      <a:round/>
+                      <a:headEnd type="none" w="med" len="med"/>
+                      <a:tailEnd type="none" w="med" len="med"/>
+                    </a:lnL>
+                    <a:lnR w="12700" cap="flat" cmpd="sng" algn="ctr">
+                      <a:solidFill>
+                        <a:schemeClr val="tx1"/>
+                      </a:solidFill>
+                      <a:prstDash val="solid"/>
+                      <a:round/>
+                      <a:headEnd type="none" w="med" len="med"/>
+                      <a:tailEnd type="none" w="med" len="med"/>
+                    </a:lnR>
+                    <a:lnT w="12700" cap="flat" cmpd="sng" algn="ctr">
+                      <a:solidFill>
+                        <a:schemeClr val="tx1"/>
+                      </a:solidFill>
+                      <a:prstDash val="solid"/>
+                      <a:round/>
+                      <a:headEnd type="none" w="med" len="med"/>
+                      <a:tailEnd type="none" w="med" len="med"/>
+                    </a:lnT>
+                    <a:lnB w="12700" cap="flat" cmpd="sng" algn="ctr">
+                      <a:solidFill>
+                        <a:schemeClr val="tx1"/>
+                      </a:solidFill>
+                      <a:prstDash val="solid"/>
+                      <a:round/>
+                      <a:headEnd type="none" w="med" len="med"/>
+                      <a:tailEnd type="none" w="med" len="med"/>
+                    </a:lnB>
+                    <a:noFill/>
+                  </a:tcPr>
+                </a:tc>
+                <a:tc>
+                  <a:txBody>
+                    <a:bodyPr/>
+                    <a:lstStyle/>
+                    <a:p>
+                      <a:pPr algn="ctr"/>
+                      <a:r>
+                        <a:rPr lang="en-US" baseline="0" dirty="0" smtClean="0">
+                          <a:latin typeface="Times New Roman" panose="02020603050405020304" pitchFamily="18" charset="0"/>
+                          <a:cs typeface="Times New Roman" panose="02020603050405020304" pitchFamily="18" charset="0"/>
+                        </a:rPr>
+                        <a:t>Line Messaging API</a:t>
+                      </a:r>
+                      <a:endParaRPr lang="en-US" dirty="0">
+                        <a:solidFill>
+                          <a:schemeClr val="tx1"/>
+                        </a:solidFill>
+                        <a:latin typeface="Times New Roman" panose="02020603050405020304" pitchFamily="18" charset="0"/>
+                        <a:cs typeface="Times New Roman" panose="02020603050405020304" pitchFamily="18" charset="0"/>
+                      </a:endParaRPr>
+                    </a:p>
+                  </a:txBody>
+                  <a:tcPr anchor="ctr">
+                    <a:lnL w="12700" cap="flat" cmpd="sng" algn="ctr">
+                      <a:solidFill>
+                        <a:schemeClr val="tx1"/>
+                      </a:solidFill>
+                      <a:prstDash val="solid"/>
+                      <a:round/>
+                      <a:headEnd type="none" w="med" len="med"/>
+                      <a:tailEnd type="none" w="med" len="med"/>
+                    </a:lnL>
+                    <a:lnR w="12700" cap="flat" cmpd="sng" algn="ctr">
+                      <a:solidFill>
+                        <a:schemeClr val="tx1"/>
+                      </a:solidFill>
+                      <a:prstDash val="solid"/>
+                      <a:round/>
+                      <a:headEnd type="none" w="med" len="med"/>
+                      <a:tailEnd type="none" w="med" len="med"/>
+                    </a:lnR>
+                    <a:lnT w="12700" cap="flat" cmpd="sng" algn="ctr">
+                      <a:solidFill>
+                        <a:schemeClr val="tx1"/>
+                      </a:solidFill>
+                      <a:prstDash val="solid"/>
+                      <a:round/>
+                      <a:headEnd type="none" w="med" len="med"/>
+                      <a:tailEnd type="none" w="med" len="med"/>
+                    </a:lnT>
+                    <a:lnB w="12700" cap="flat" cmpd="sng" algn="ctr">
+                      <a:solidFill>
+                        <a:schemeClr val="tx1"/>
+                      </a:solidFill>
+                      <a:prstDash val="solid"/>
+                      <a:round/>
+                      <a:headEnd type="none" w="med" len="med"/>
+                      <a:tailEnd type="none" w="med" len="med"/>
+                    </a:lnB>
+                    <a:noFill/>
+                  </a:tcPr>
+                </a:tc>
+                <a:tc>
+                  <a:txBody>
+                    <a:bodyPr/>
+                    <a:lstStyle/>
+                    <a:p>
+                      <a:pPr algn="ctr"/>
+                      <a:r>
+                        <a:rPr lang="en-US" dirty="0" smtClean="0"/>
+                        <a:t>Decentralized</a:t>
+                      </a:r>
+                    </a:p>
+                    <a:p>
+                      <a:pPr algn="ctr"/>
+                      <a:r>
+                        <a:rPr lang="en-US" dirty="0" smtClean="0">
+                          <a:solidFill>
+                            <a:schemeClr val="tx1"/>
+                          </a:solidFill>
+                          <a:latin typeface="Times New Roman" panose="02020603050405020304" pitchFamily="18" charset="0"/>
+                          <a:cs typeface="Times New Roman" panose="02020603050405020304" pitchFamily="18" charset="0"/>
+                        </a:rPr>
+                        <a:t>Instant</a:t>
+                      </a:r>
+                      <a:r>
+                        <a:rPr lang="en-US" baseline="0" dirty="0" smtClean="0">
+                          <a:solidFill>
+                            <a:schemeClr val="tx1"/>
+                          </a:solidFill>
+                          <a:latin typeface="Times New Roman" panose="02020603050405020304" pitchFamily="18" charset="0"/>
+                          <a:cs typeface="Times New Roman" panose="02020603050405020304" pitchFamily="18" charset="0"/>
+                        </a:rPr>
+                        <a:t> Messaging, </a:t>
+                      </a:r>
+                    </a:p>
+                    <a:p>
+                      <a:pPr algn="ctr"/>
+                      <a:r>
+                        <a:rPr lang="en-US" baseline="0" dirty="0" smtClean="0">
+                          <a:solidFill>
+                            <a:schemeClr val="tx1"/>
+                          </a:solidFill>
+                          <a:latin typeface="Times New Roman" panose="02020603050405020304" pitchFamily="18" charset="0"/>
+                          <a:cs typeface="Times New Roman" panose="02020603050405020304" pitchFamily="18" charset="0"/>
+                        </a:rPr>
+                        <a:t>Platform Independent</a:t>
+                      </a:r>
+                      <a:endParaRPr lang="en-US" dirty="0">
+                        <a:solidFill>
+                          <a:schemeClr val="tx1"/>
+                        </a:solidFill>
+                        <a:latin typeface="Times New Roman" panose="02020603050405020304" pitchFamily="18" charset="0"/>
+                        <a:cs typeface="Times New Roman" panose="02020603050405020304" pitchFamily="18" charset="0"/>
+                      </a:endParaRPr>
+                    </a:p>
+                  </a:txBody>
+                  <a:tcPr anchor="ctr">
+                    <a:lnL w="12700" cap="flat" cmpd="sng" algn="ctr">
+                      <a:solidFill>
+                        <a:schemeClr val="tx1"/>
+                      </a:solidFill>
+                      <a:prstDash val="solid"/>
+                      <a:round/>
+                      <a:headEnd type="none" w="med" len="med"/>
+                      <a:tailEnd type="none" w="med" len="med"/>
+                    </a:lnL>
+                    <a:lnR w="12700" cap="flat" cmpd="sng" algn="ctr">
+                      <a:solidFill>
+                        <a:schemeClr val="tx1"/>
+                      </a:solidFill>
+                      <a:prstDash val="solid"/>
+                      <a:round/>
+                      <a:headEnd type="none" w="med" len="med"/>
+                      <a:tailEnd type="none" w="med" len="med"/>
+                    </a:lnR>
+                    <a:lnT w="12700" cap="flat" cmpd="sng" algn="ctr">
+                      <a:solidFill>
+                        <a:schemeClr val="tx1"/>
+                      </a:solidFill>
+                      <a:prstDash val="solid"/>
+                      <a:round/>
+                      <a:headEnd type="none" w="med" len="med"/>
+                      <a:tailEnd type="none" w="med" len="med"/>
+                    </a:lnT>
+                    <a:lnB w="12700" cap="flat" cmpd="sng" algn="ctr">
+                      <a:solidFill>
+                        <a:schemeClr val="tx1"/>
+                      </a:solidFill>
+                      <a:prstDash val="solid"/>
+                      <a:round/>
+                      <a:headEnd type="none" w="med" len="med"/>
+                      <a:tailEnd type="none" w="med" len="med"/>
+                    </a:lnB>
+                    <a:noFill/>
+                  </a:tcPr>
+                </a:tc>
+                <a:tc>
+                  <a:txBody>
+                    <a:bodyPr/>
+                    <a:lstStyle/>
+                    <a:p>
+                      <a:pPr algn="ctr"/>
+                      <a:r>
+                        <a:rPr lang="en-US" dirty="0" smtClean="0">
+                          <a:solidFill>
+                            <a:schemeClr val="tx1"/>
+                          </a:solidFill>
+                          <a:latin typeface="Times New Roman" panose="02020603050405020304" pitchFamily="18" charset="0"/>
+                          <a:cs typeface="Times New Roman" panose="02020603050405020304" pitchFamily="18" charset="0"/>
+                        </a:rPr>
+                        <a:t>Cannot Implement Proper Encryption</a:t>
+                      </a:r>
+                      <a:r>
+                        <a:rPr lang="en-US" baseline="0" dirty="0" smtClean="0">
+                          <a:solidFill>
+                            <a:schemeClr val="tx1"/>
+                          </a:solidFill>
+                          <a:latin typeface="Times New Roman" panose="02020603050405020304" pitchFamily="18" charset="0"/>
+                          <a:cs typeface="Times New Roman" panose="02020603050405020304" pitchFamily="18" charset="0"/>
+                        </a:rPr>
+                        <a:t> System</a:t>
+                      </a:r>
+                      <a:endParaRPr lang="en-US" dirty="0">
+                        <a:solidFill>
+                          <a:schemeClr val="tx1"/>
+                        </a:solidFill>
+                        <a:latin typeface="Times New Roman" panose="02020603050405020304" pitchFamily="18" charset="0"/>
+                        <a:cs typeface="Times New Roman" panose="02020603050405020304" pitchFamily="18" charset="0"/>
+                      </a:endParaRPr>
+                    </a:p>
+                  </a:txBody>
+                  <a:tcPr anchor="ctr">
+                    <a:lnL w="12700" cap="flat" cmpd="sng" algn="ctr">
+                      <a:solidFill>
+                        <a:schemeClr val="tx1"/>
+                      </a:solidFill>
+                      <a:prstDash val="solid"/>
+                      <a:round/>
+                      <a:headEnd type="none" w="med" len="med"/>
+                      <a:tailEnd type="none" w="med" len="med"/>
+                    </a:lnL>
+                    <a:lnR w="12700" cap="flat" cmpd="sng" algn="ctr">
+                      <a:solidFill>
+                        <a:schemeClr val="tx1"/>
+                      </a:solidFill>
+                      <a:prstDash val="solid"/>
+                      <a:round/>
+                      <a:headEnd type="none" w="med" len="med"/>
+                      <a:tailEnd type="none" w="med" len="med"/>
+                    </a:lnR>
+                    <a:lnT w="12700" cap="flat" cmpd="sng" algn="ctr">
+                      <a:solidFill>
+                        <a:schemeClr val="tx1"/>
+                      </a:solidFill>
+                      <a:prstDash val="solid"/>
+                      <a:round/>
+                      <a:headEnd type="none" w="med" len="med"/>
+                      <a:tailEnd type="none" w="med" len="med"/>
+                    </a:lnT>
+                    <a:lnB w="12700" cap="flat" cmpd="sng" algn="ctr">
+                      <a:solidFill>
+                        <a:schemeClr val="tx1"/>
+                      </a:solidFill>
+                      <a:prstDash val="solid"/>
+                      <a:round/>
+                      <a:headEnd type="none" w="med" len="med"/>
+                      <a:tailEnd type="none" w="med" len="med"/>
+                    </a:lnB>
+                    <a:noFill/>
+                  </a:tcPr>
+                </a:tc>
+                <a:extLst>
+                  <a:ext uri="{0D108BD9-81ED-4DB2-BD59-A6C34878D82A}">
+                    <a16:rowId xmlns:a16="http://schemas.microsoft.com/office/drawing/2014/main" val="35302310"/>
+                  </a:ext>
+                </a:extLst>
+              </a:tr>
+              <a:tr h="2635871">
+                <a:tc>
+                  <a:txBody>
+                    <a:bodyPr/>
+                    <a:lstStyle/>
+                    <a:p>
+                      <a:pPr algn="ctr"/>
+                      <a:r>
+                        <a:rPr lang="en-US" dirty="0" smtClean="0">
+                          <a:solidFill>
+                            <a:schemeClr val="tx1"/>
+                          </a:solidFill>
+                          <a:latin typeface="Times New Roman" panose="02020603050405020304" pitchFamily="18" charset="0"/>
+                          <a:cs typeface="Times New Roman" panose="02020603050405020304" pitchFamily="18" charset="0"/>
+                        </a:rPr>
+                        <a:t>10</a:t>
+                      </a:r>
+                      <a:endParaRPr lang="en-US" dirty="0">
+                        <a:solidFill>
+                          <a:schemeClr val="tx1"/>
+                        </a:solidFill>
+                        <a:latin typeface="Times New Roman" panose="02020603050405020304" pitchFamily="18" charset="0"/>
+                        <a:cs typeface="Times New Roman" panose="02020603050405020304" pitchFamily="18" charset="0"/>
+                      </a:endParaRPr>
+                    </a:p>
+                  </a:txBody>
+                  <a:tcPr anchor="ctr">
+                    <a:lnL w="12700" cap="flat" cmpd="sng" algn="ctr">
+                      <a:solidFill>
+                        <a:schemeClr val="tx1"/>
+                      </a:solidFill>
+                      <a:prstDash val="solid"/>
+                      <a:round/>
+                      <a:headEnd type="none" w="med" len="med"/>
+                      <a:tailEnd type="none" w="med" len="med"/>
+                    </a:lnL>
+                    <a:lnR w="12700" cap="flat" cmpd="sng" algn="ctr">
+                      <a:solidFill>
+                        <a:schemeClr val="tx1"/>
+                      </a:solidFill>
+                      <a:prstDash val="solid"/>
+                      <a:round/>
+                      <a:headEnd type="none" w="med" len="med"/>
+                      <a:tailEnd type="none" w="med" len="med"/>
+                    </a:lnR>
+                    <a:lnT w="12700" cap="flat" cmpd="sng" algn="ctr">
+                      <a:solidFill>
+                        <a:schemeClr val="tx1"/>
+                      </a:solidFill>
+                      <a:prstDash val="solid"/>
+                      <a:round/>
+                      <a:headEnd type="none" w="med" len="med"/>
+                      <a:tailEnd type="none" w="med" len="med"/>
+                    </a:lnT>
+                    <a:lnB w="12700" cap="flat" cmpd="sng" algn="ctr">
+                      <a:solidFill>
+                        <a:schemeClr val="tx1"/>
+                      </a:solidFill>
+                      <a:prstDash val="solid"/>
+                      <a:round/>
+                      <a:headEnd type="none" w="med" len="med"/>
+                      <a:tailEnd type="none" w="med" len="med"/>
+                    </a:lnB>
+                    <a:noFill/>
+                  </a:tcPr>
+                </a:tc>
+                <a:tc>
+                  <a:txBody>
+                    <a:bodyPr/>
+                    <a:lstStyle/>
+                    <a:p>
+                      <a:pPr algn="ctr"/>
+                      <a:r>
+                        <a:rPr lang="en-US" sz="1800" dirty="0" err="1" smtClean="0">
+                          <a:latin typeface="Times New Roman" panose="02020603050405020304" pitchFamily="18" charset="0"/>
+                          <a:cs typeface="Times New Roman" panose="02020603050405020304" pitchFamily="18" charset="0"/>
+                        </a:rPr>
+                        <a:t>Mikko</a:t>
+                      </a:r>
+                      <a:r>
+                        <a:rPr lang="en-US" sz="1800" dirty="0" smtClean="0">
+                          <a:latin typeface="Times New Roman" panose="02020603050405020304" pitchFamily="18" charset="0"/>
+                          <a:cs typeface="Times New Roman" panose="02020603050405020304" pitchFamily="18" charset="0"/>
+                        </a:rPr>
+                        <a:t> </a:t>
+                      </a:r>
+                      <a:r>
+                        <a:rPr lang="en-US" sz="1800" dirty="0" err="1" smtClean="0">
+                          <a:latin typeface="Times New Roman" panose="02020603050405020304" pitchFamily="18" charset="0"/>
+                          <a:cs typeface="Times New Roman" panose="02020603050405020304" pitchFamily="18" charset="0"/>
+                        </a:rPr>
+                        <a:t>Ilmonen</a:t>
+                      </a:r>
+                      <a:endParaRPr lang="en-US" sz="1800" dirty="0" smtClean="0">
+                        <a:latin typeface="Times New Roman" panose="02020603050405020304" pitchFamily="18" charset="0"/>
+                        <a:cs typeface="Times New Roman" panose="02020603050405020304" pitchFamily="18" charset="0"/>
+                      </a:endParaRPr>
+                    </a:p>
+                    <a:p>
+                      <a:pPr algn="ctr"/>
+                      <a:r>
+                        <a:rPr lang="en-IN" sz="1800" dirty="0" smtClean="0">
+                          <a:latin typeface="Times New Roman" panose="02020603050405020304" pitchFamily="18" charset="0"/>
+                          <a:cs typeface="Times New Roman" panose="02020603050405020304" pitchFamily="18" charset="0"/>
+                        </a:rPr>
+                        <a:t/>
+                      </a:r>
+                      <a:br>
+                        <a:rPr lang="en-IN" sz="1800" dirty="0" smtClean="0">
+                          <a:latin typeface="Times New Roman" panose="02020603050405020304" pitchFamily="18" charset="0"/>
+                          <a:cs typeface="Times New Roman" panose="02020603050405020304" pitchFamily="18" charset="0"/>
+                        </a:rPr>
+                      </a:br>
+                      <a:r>
+                        <a:rPr lang="en-US" sz="1800" dirty="0" smtClean="0">
+                          <a:latin typeface="Times New Roman" panose="02020603050405020304" pitchFamily="18" charset="0"/>
+                          <a:cs typeface="Times New Roman" panose="02020603050405020304" pitchFamily="18" charset="0"/>
+                        </a:rPr>
+                        <a:t>Platform-Agnostic End-to-End Encryption for</a:t>
+                      </a:r>
+                    </a:p>
+                    <a:p>
+                      <a:pPr algn="ctr"/>
+                      <a:r>
+                        <a:rPr lang="en-US" sz="1800" dirty="0" smtClean="0">
+                          <a:latin typeface="Times New Roman" panose="02020603050405020304" pitchFamily="18" charset="0"/>
+                          <a:cs typeface="Times New Roman" panose="02020603050405020304" pitchFamily="18" charset="0"/>
+                        </a:rPr>
+                        <a:t>Modern Instant Messaging Platforms</a:t>
+                      </a:r>
+                    </a:p>
+                  </a:txBody>
+                  <a:tcPr anchor="ctr">
+                    <a:lnL w="12700" cap="flat" cmpd="sng" algn="ctr">
+                      <a:solidFill>
+                        <a:schemeClr val="tx1"/>
+                      </a:solidFill>
+                      <a:prstDash val="solid"/>
+                      <a:round/>
+                      <a:headEnd type="none" w="med" len="med"/>
+                      <a:tailEnd type="none" w="med" len="med"/>
+                    </a:lnL>
+                    <a:lnR w="12700" cap="flat" cmpd="sng" algn="ctr">
+                      <a:solidFill>
+                        <a:schemeClr val="tx1"/>
+                      </a:solidFill>
+                      <a:prstDash val="solid"/>
+                      <a:round/>
+                      <a:headEnd type="none" w="med" len="med"/>
+                      <a:tailEnd type="none" w="med" len="med"/>
+                    </a:lnR>
+                    <a:lnT w="12700" cap="flat" cmpd="sng" algn="ctr">
+                      <a:solidFill>
+                        <a:schemeClr val="tx1"/>
+                      </a:solidFill>
+                      <a:prstDash val="solid"/>
+                      <a:round/>
+                      <a:headEnd type="none" w="med" len="med"/>
+                      <a:tailEnd type="none" w="med" len="med"/>
+                    </a:lnT>
+                    <a:lnB w="12700" cap="flat" cmpd="sng" algn="ctr">
+                      <a:solidFill>
+                        <a:schemeClr val="tx1"/>
+                      </a:solidFill>
+                      <a:prstDash val="solid"/>
+                      <a:round/>
+                      <a:headEnd type="none" w="med" len="med"/>
+                      <a:tailEnd type="none" w="med" len="med"/>
+                    </a:lnB>
+                    <a:noFill/>
+                  </a:tcPr>
+                </a:tc>
+                <a:tc>
+                  <a:txBody>
+                    <a:bodyPr/>
+                    <a:lstStyle/>
+                    <a:p>
+                      <a:pPr algn="ctr"/>
+                      <a:r>
+                        <a:rPr lang="en-US" sz="1800" b="0" i="0" kern="1200" dirty="0" smtClean="0">
+                          <a:solidFill>
+                            <a:schemeClr val="dk1"/>
+                          </a:solidFill>
+                          <a:effectLst/>
+                          <a:latin typeface="Times New Roman" panose="02020603050405020304" pitchFamily="18" charset="0"/>
+                          <a:ea typeface="+mn-ea"/>
+                          <a:cs typeface="Times New Roman" panose="02020603050405020304" pitchFamily="18" charset="0"/>
+                        </a:rPr>
+                        <a:t>This dissertation investigates whether it is possible to perform end-to-end encryption over an </a:t>
+                      </a:r>
+                      <a:r>
+                        <a:rPr lang="en-US" sz="1800" b="0" i="0" kern="1200" dirty="0" err="1" smtClean="0">
+                          <a:solidFill>
+                            <a:schemeClr val="dk1"/>
+                          </a:solidFill>
+                          <a:effectLst/>
+                          <a:latin typeface="Times New Roman" panose="02020603050405020304" pitchFamily="18" charset="0"/>
+                          <a:ea typeface="+mn-ea"/>
+                          <a:cs typeface="Times New Roman" panose="02020603050405020304" pitchFamily="18" charset="0"/>
+                        </a:rPr>
+                        <a:t>arbitrary</a:t>
+                      </a:r>
+                      <a:r>
+                        <a:rPr lang="en-US" sz="1800" b="0" i="0" kern="1200" dirty="0" smtClean="0">
+                          <a:solidFill>
+                            <a:schemeClr val="dk1"/>
+                          </a:solidFill>
+                          <a:effectLst/>
+                          <a:latin typeface="Times New Roman" panose="02020603050405020304" pitchFamily="18" charset="0"/>
+                          <a:ea typeface="+mn-ea"/>
+                          <a:cs typeface="Times New Roman" panose="02020603050405020304" pitchFamily="18" charset="0"/>
+                        </a:rPr>
+                        <a:t> Instant Messaging Platform (IM-P), placing no implicit trust in such platform itself.</a:t>
+                      </a:r>
+                    </a:p>
+                  </a:txBody>
+                  <a:tcPr anchor="ctr">
+                    <a:lnL w="12700" cap="flat" cmpd="sng" algn="ctr">
+                      <a:solidFill>
+                        <a:schemeClr val="tx1"/>
+                      </a:solidFill>
+                      <a:prstDash val="solid"/>
+                      <a:round/>
+                      <a:headEnd type="none" w="med" len="med"/>
+                      <a:tailEnd type="none" w="med" len="med"/>
+                    </a:lnL>
+                    <a:lnR w="12700" cap="flat" cmpd="sng" algn="ctr">
+                      <a:solidFill>
+                        <a:schemeClr val="tx1"/>
+                      </a:solidFill>
+                      <a:prstDash val="solid"/>
+                      <a:round/>
+                      <a:headEnd type="none" w="med" len="med"/>
+                      <a:tailEnd type="none" w="med" len="med"/>
+                    </a:lnR>
+                    <a:lnT w="12700" cap="flat" cmpd="sng" algn="ctr">
+                      <a:solidFill>
+                        <a:schemeClr val="tx1"/>
+                      </a:solidFill>
+                      <a:prstDash val="solid"/>
+                      <a:round/>
+                      <a:headEnd type="none" w="med" len="med"/>
+                      <a:tailEnd type="none" w="med" len="med"/>
+                    </a:lnT>
+                    <a:lnB w="12700" cap="flat" cmpd="sng" algn="ctr">
+                      <a:solidFill>
+                        <a:schemeClr val="tx1"/>
+                      </a:solidFill>
+                      <a:prstDash val="solid"/>
+                      <a:round/>
+                      <a:headEnd type="none" w="med" len="med"/>
+                      <a:tailEnd type="none" w="med" len="med"/>
+                    </a:lnB>
+                    <a:noFill/>
+                  </a:tcPr>
+                </a:tc>
+                <a:tc>
+                  <a:txBody>
+                    <a:bodyPr/>
+                    <a:lstStyle/>
+                    <a:p>
+                      <a:pPr algn="ctr"/>
+                      <a:r>
+                        <a:rPr lang="en-US" sz="1800" b="0" i="0" kern="1200" dirty="0" smtClean="0">
+                          <a:solidFill>
+                            <a:schemeClr val="dk1"/>
+                          </a:solidFill>
+                          <a:effectLst/>
+                          <a:latin typeface="Times New Roman" panose="02020603050405020304" pitchFamily="18" charset="0"/>
+                          <a:ea typeface="+mn-ea"/>
+                          <a:cs typeface="Times New Roman" panose="02020603050405020304" pitchFamily="18" charset="0"/>
+                        </a:rPr>
+                        <a:t>Instant Messaging IM</a:t>
+                      </a:r>
+                      <a:endParaRPr lang="en-US" dirty="0">
+                        <a:solidFill>
+                          <a:schemeClr val="tx1"/>
+                        </a:solidFill>
+                        <a:latin typeface="Times New Roman" panose="02020603050405020304" pitchFamily="18" charset="0"/>
+                        <a:cs typeface="Times New Roman" panose="02020603050405020304" pitchFamily="18" charset="0"/>
+                      </a:endParaRPr>
+                    </a:p>
+                  </a:txBody>
+                  <a:tcPr anchor="ctr">
+                    <a:lnL w="12700" cap="flat" cmpd="sng" algn="ctr">
+                      <a:solidFill>
+                        <a:schemeClr val="tx1"/>
+                      </a:solidFill>
+                      <a:prstDash val="solid"/>
+                      <a:round/>
+                      <a:headEnd type="none" w="med" len="med"/>
+                      <a:tailEnd type="none" w="med" len="med"/>
+                    </a:lnL>
+                    <a:lnR w="12700" cap="flat" cmpd="sng" algn="ctr">
+                      <a:solidFill>
+                        <a:schemeClr val="tx1"/>
+                      </a:solidFill>
+                      <a:prstDash val="solid"/>
+                      <a:round/>
+                      <a:headEnd type="none" w="med" len="med"/>
+                      <a:tailEnd type="none" w="med" len="med"/>
+                    </a:lnR>
+                    <a:lnT w="12700" cap="flat" cmpd="sng" algn="ctr">
+                      <a:solidFill>
+                        <a:schemeClr val="tx1"/>
+                      </a:solidFill>
+                      <a:prstDash val="solid"/>
+                      <a:round/>
+                      <a:headEnd type="none" w="med" len="med"/>
+                      <a:tailEnd type="none" w="med" len="med"/>
+                    </a:lnT>
+                    <a:lnB w="12700" cap="flat" cmpd="sng" algn="ctr">
+                      <a:solidFill>
+                        <a:schemeClr val="tx1"/>
+                      </a:solidFill>
+                      <a:prstDash val="solid"/>
+                      <a:round/>
+                      <a:headEnd type="none" w="med" len="med"/>
+                      <a:tailEnd type="none" w="med" len="med"/>
+                    </a:lnB>
+                    <a:noFill/>
+                  </a:tcPr>
+                </a:tc>
+                <a:tc>
+                  <a:txBody>
+                    <a:bodyPr/>
+                    <a:lstStyle/>
+                    <a:p>
+                      <a:pPr algn="ctr"/>
+                      <a:r>
+                        <a:rPr lang="en-US" dirty="0" smtClean="0">
+                          <a:solidFill>
+                            <a:schemeClr val="tx1"/>
+                          </a:solidFill>
+                          <a:latin typeface="Times New Roman" panose="02020603050405020304" pitchFamily="18" charset="0"/>
+                          <a:cs typeface="Times New Roman" panose="02020603050405020304" pitchFamily="18" charset="0"/>
+                        </a:rPr>
+                        <a:t>Using Secure Socket Layer</a:t>
+                      </a:r>
+                    </a:p>
+                    <a:p>
+                      <a:pPr algn="ctr"/>
+                      <a:r>
+                        <a:rPr lang="en-US" dirty="0" smtClean="0">
+                          <a:solidFill>
+                            <a:schemeClr val="tx1"/>
+                          </a:solidFill>
+                          <a:latin typeface="Times New Roman" panose="02020603050405020304" pitchFamily="18" charset="0"/>
+                          <a:cs typeface="Times New Roman" panose="02020603050405020304" pitchFamily="18" charset="0"/>
+                        </a:rPr>
+                        <a:t>(SSL) or Secure Shell (SSH))</a:t>
+                      </a:r>
+                      <a:endParaRPr lang="en-US" dirty="0">
+                        <a:solidFill>
+                          <a:schemeClr val="tx1"/>
+                        </a:solidFill>
+                        <a:latin typeface="Times New Roman" panose="02020603050405020304" pitchFamily="18" charset="0"/>
+                        <a:cs typeface="Times New Roman" panose="02020603050405020304" pitchFamily="18" charset="0"/>
+                      </a:endParaRPr>
+                    </a:p>
+                  </a:txBody>
+                  <a:tcPr anchor="ctr">
+                    <a:lnL w="12700" cap="flat" cmpd="sng" algn="ctr">
+                      <a:solidFill>
+                        <a:schemeClr val="tx1"/>
+                      </a:solidFill>
+                      <a:prstDash val="solid"/>
+                      <a:round/>
+                      <a:headEnd type="none" w="med" len="med"/>
+                      <a:tailEnd type="none" w="med" len="med"/>
+                    </a:lnL>
+                    <a:lnR w="12700" cap="flat" cmpd="sng" algn="ctr">
+                      <a:solidFill>
+                        <a:schemeClr val="tx1"/>
+                      </a:solidFill>
+                      <a:prstDash val="solid"/>
+                      <a:round/>
+                      <a:headEnd type="none" w="med" len="med"/>
+                      <a:tailEnd type="none" w="med" len="med"/>
+                    </a:lnR>
+                    <a:lnT w="12700" cap="flat" cmpd="sng" algn="ctr">
+                      <a:solidFill>
+                        <a:schemeClr val="tx1"/>
+                      </a:solidFill>
+                      <a:prstDash val="solid"/>
+                      <a:round/>
+                      <a:headEnd type="none" w="med" len="med"/>
+                      <a:tailEnd type="none" w="med" len="med"/>
+                    </a:lnT>
+                    <a:lnB w="12700" cap="flat" cmpd="sng" algn="ctr">
+                      <a:solidFill>
+                        <a:schemeClr val="tx1"/>
+                      </a:solidFill>
+                      <a:prstDash val="solid"/>
+                      <a:round/>
+                      <a:headEnd type="none" w="med" len="med"/>
+                      <a:tailEnd type="none" w="med" len="med"/>
+                    </a:lnB>
+                    <a:noFill/>
+                  </a:tcPr>
+                </a:tc>
+                <a:tc>
+                  <a:txBody>
+                    <a:bodyPr/>
+                    <a:lstStyle/>
+                    <a:p>
+                      <a:pPr algn="ctr"/>
+                      <a:r>
+                        <a:rPr lang="en-US" dirty="0" smtClean="0">
+                          <a:solidFill>
+                            <a:schemeClr val="tx1"/>
+                          </a:solidFill>
+                          <a:latin typeface="Times New Roman" panose="02020603050405020304" pitchFamily="18" charset="0"/>
+                          <a:cs typeface="Times New Roman" panose="02020603050405020304" pitchFamily="18" charset="0"/>
+                        </a:rPr>
+                        <a:t>Platfor</a:t>
+                      </a:r>
+                      <a:r>
+                        <a:rPr lang="en-US" baseline="0" dirty="0" smtClean="0">
+                          <a:solidFill>
+                            <a:schemeClr val="tx1"/>
+                          </a:solidFill>
+                          <a:latin typeface="Times New Roman" panose="02020603050405020304" pitchFamily="18" charset="0"/>
+                          <a:cs typeface="Times New Roman" panose="02020603050405020304" pitchFamily="18" charset="0"/>
+                        </a:rPr>
+                        <a:t>m Dependent</a:t>
+                      </a:r>
+                    </a:p>
+                  </a:txBody>
+                  <a:tcPr anchor="ctr">
+                    <a:lnL w="12700" cap="flat" cmpd="sng" algn="ctr">
+                      <a:solidFill>
+                        <a:schemeClr val="tx1"/>
+                      </a:solidFill>
+                      <a:prstDash val="solid"/>
+                      <a:round/>
+                      <a:headEnd type="none" w="med" len="med"/>
+                      <a:tailEnd type="none" w="med" len="med"/>
+                    </a:lnL>
+                    <a:lnR w="12700" cap="flat" cmpd="sng" algn="ctr">
+                      <a:solidFill>
+                        <a:schemeClr val="tx1"/>
+                      </a:solidFill>
+                      <a:prstDash val="solid"/>
+                      <a:round/>
+                      <a:headEnd type="none" w="med" len="med"/>
+                      <a:tailEnd type="none" w="med" len="med"/>
+                    </a:lnR>
+                    <a:lnT w="12700" cap="flat" cmpd="sng" algn="ctr">
+                      <a:solidFill>
+                        <a:schemeClr val="tx1"/>
+                      </a:solidFill>
+                      <a:prstDash val="solid"/>
+                      <a:round/>
+                      <a:headEnd type="none" w="med" len="med"/>
+                      <a:tailEnd type="none" w="med" len="med"/>
+                    </a:lnT>
+                    <a:lnB w="12700" cap="flat" cmpd="sng" algn="ctr">
+                      <a:solidFill>
+                        <a:schemeClr val="tx1"/>
+                      </a:solidFill>
+                      <a:prstDash val="solid"/>
+                      <a:round/>
+                      <a:headEnd type="none" w="med" len="med"/>
+                      <a:tailEnd type="none" w="med" len="med"/>
+                    </a:lnB>
+                    <a:noFill/>
+                  </a:tcPr>
+                </a:tc>
+                <a:extLst>
+                  <a:ext uri="{0D108BD9-81ED-4DB2-BD59-A6C34878D82A}">
+                    <a16:rowId xmlns:a16="http://schemas.microsoft.com/office/drawing/2014/main" val="4275570003"/>
+                  </a:ext>
+                </a:extLst>
+              </a:tr>
+            </a:tbl>
+          </a:graphicData>
+        </a:graphic>
+      </p:graphicFrame>
+    </p:spTree>
+    <p:extLst>
+      <p:ext uri="{BB962C8B-B14F-4D97-AF65-F5344CB8AC3E}">
+        <p14:creationId xmlns:p14="http://schemas.microsoft.com/office/powerpoint/2010/main" val="3726833728"/>
+      </p:ext>
+    </p:extLst>
+  </p:cSld>
+  <p:clrMapOvr>
+    <a:masterClrMapping/>
+  </p:clrMapOvr>
+  <p:transition spd="slow">
+    <p:push dir="u"/>
   </p:transition>
   <p:timing>
     <p:tnLst>
